--- a/Images_Youmna.pptx
+++ b/Images_Youmna.pptx
@@ -5,15 +5,19 @@
     <p:sldMasterId id="2147483648" r:id="rId1"/>
   </p:sldMasterIdLst>
   <p:sldIdLst>
-    <p:sldId id="257" r:id="rId2"/>
-    <p:sldId id="259" r:id="rId3"/>
-    <p:sldId id="260" r:id="rId4"/>
-    <p:sldId id="258" r:id="rId5"/>
-    <p:sldId id="261" r:id="rId6"/>
-    <p:sldId id="262" r:id="rId7"/>
-    <p:sldId id="263" r:id="rId8"/>
-    <p:sldId id="264" r:id="rId9"/>
-    <p:sldId id="265" r:id="rId10"/>
+    <p:sldId id="262" r:id="rId2"/>
+    <p:sldId id="263" r:id="rId3"/>
+    <p:sldId id="264" r:id="rId4"/>
+    <p:sldId id="265" r:id="rId5"/>
+    <p:sldId id="257" r:id="rId6"/>
+    <p:sldId id="259" r:id="rId7"/>
+    <p:sldId id="260" r:id="rId8"/>
+    <p:sldId id="258" r:id="rId9"/>
+    <p:sldId id="261" r:id="rId10"/>
+    <p:sldId id="266" r:id="rId11"/>
+    <p:sldId id="267" r:id="rId12"/>
+    <p:sldId id="268" r:id="rId13"/>
+    <p:sldId id="269" r:id="rId14"/>
   </p:sldIdLst>
   <p:sldSz cx="12192000" cy="6858000"/>
   <p:notesSz cx="6858000" cy="9144000"/>
@@ -269,7 +273,7 @@
           <a:p>
             <a:fld id="{0F77A28A-3D95-4505-B6A9-5725374991B4}" type="datetimeFigureOut">
               <a:rPr lang="fr-CA" smtClean="0"/>
-              <a:t>2024-08-15</a:t>
+              <a:t>2024-08-22</a:t>
             </a:fld>
             <a:endParaRPr lang="fr-CA"/>
           </a:p>
@@ -469,7 +473,7 @@
           <a:p>
             <a:fld id="{0F77A28A-3D95-4505-B6A9-5725374991B4}" type="datetimeFigureOut">
               <a:rPr lang="fr-CA" smtClean="0"/>
-              <a:t>2024-08-15</a:t>
+              <a:t>2024-08-22</a:t>
             </a:fld>
             <a:endParaRPr lang="fr-CA"/>
           </a:p>
@@ -679,7 +683,7 @@
           <a:p>
             <a:fld id="{0F77A28A-3D95-4505-B6A9-5725374991B4}" type="datetimeFigureOut">
               <a:rPr lang="fr-CA" smtClean="0"/>
-              <a:t>2024-08-15</a:t>
+              <a:t>2024-08-22</a:t>
             </a:fld>
             <a:endParaRPr lang="fr-CA"/>
           </a:p>
@@ -879,7 +883,7 @@
           <a:p>
             <a:fld id="{0F77A28A-3D95-4505-B6A9-5725374991B4}" type="datetimeFigureOut">
               <a:rPr lang="fr-CA" smtClean="0"/>
-              <a:t>2024-08-15</a:t>
+              <a:t>2024-08-22</a:t>
             </a:fld>
             <a:endParaRPr lang="fr-CA"/>
           </a:p>
@@ -1155,7 +1159,7 @@
           <a:p>
             <a:fld id="{0F77A28A-3D95-4505-B6A9-5725374991B4}" type="datetimeFigureOut">
               <a:rPr lang="fr-CA" smtClean="0"/>
-              <a:t>2024-08-15</a:t>
+              <a:t>2024-08-22</a:t>
             </a:fld>
             <a:endParaRPr lang="fr-CA"/>
           </a:p>
@@ -1423,7 +1427,7 @@
           <a:p>
             <a:fld id="{0F77A28A-3D95-4505-B6A9-5725374991B4}" type="datetimeFigureOut">
               <a:rPr lang="fr-CA" smtClean="0"/>
-              <a:t>2024-08-15</a:t>
+              <a:t>2024-08-22</a:t>
             </a:fld>
             <a:endParaRPr lang="fr-CA"/>
           </a:p>
@@ -1838,7 +1842,7 @@
           <a:p>
             <a:fld id="{0F77A28A-3D95-4505-B6A9-5725374991B4}" type="datetimeFigureOut">
               <a:rPr lang="fr-CA" smtClean="0"/>
-              <a:t>2024-08-15</a:t>
+              <a:t>2024-08-22</a:t>
             </a:fld>
             <a:endParaRPr lang="fr-CA"/>
           </a:p>
@@ -1980,7 +1984,7 @@
           <a:p>
             <a:fld id="{0F77A28A-3D95-4505-B6A9-5725374991B4}" type="datetimeFigureOut">
               <a:rPr lang="fr-CA" smtClean="0"/>
-              <a:t>2024-08-15</a:t>
+              <a:t>2024-08-22</a:t>
             </a:fld>
             <a:endParaRPr lang="fr-CA"/>
           </a:p>
@@ -2093,7 +2097,7 @@
           <a:p>
             <a:fld id="{0F77A28A-3D95-4505-B6A9-5725374991B4}" type="datetimeFigureOut">
               <a:rPr lang="fr-CA" smtClean="0"/>
-              <a:t>2024-08-15</a:t>
+              <a:t>2024-08-22</a:t>
             </a:fld>
             <a:endParaRPr lang="fr-CA"/>
           </a:p>
@@ -2406,7 +2410,7 @@
           <a:p>
             <a:fld id="{0F77A28A-3D95-4505-B6A9-5725374991B4}" type="datetimeFigureOut">
               <a:rPr lang="fr-CA" smtClean="0"/>
-              <a:t>2024-08-15</a:t>
+              <a:t>2024-08-22</a:t>
             </a:fld>
             <a:endParaRPr lang="fr-CA"/>
           </a:p>
@@ -2695,7 +2699,7 @@
           <a:p>
             <a:fld id="{0F77A28A-3D95-4505-B6A9-5725374991B4}" type="datetimeFigureOut">
               <a:rPr lang="fr-CA" smtClean="0"/>
-              <a:t>2024-08-15</a:t>
+              <a:t>2024-08-22</a:t>
             </a:fld>
             <a:endParaRPr lang="fr-CA"/>
           </a:p>
@@ -2938,7 +2942,7 @@
           <a:p>
             <a:fld id="{0F77A28A-3D95-4505-B6A9-5725374991B4}" type="datetimeFigureOut">
               <a:rPr lang="fr-CA" smtClean="0"/>
-              <a:t>2024-08-15</a:t>
+              <a:t>2024-08-22</a:t>
             </a:fld>
             <a:endParaRPr lang="fr-CA"/>
           </a:p>
@@ -3357,10 +3361,10 @@
       </p:grpSpPr>
       <p:pic>
         <p:nvPicPr>
-          <p:cNvPr id="5" name="Picture 4" descr="A colorful text on a white background&#10;&#10;Description automatically generated">
-            <a:extLst>
-              <a:ext uri="{FF2B5EF4-FFF2-40B4-BE49-F238E27FC236}">
-                <a16:creationId xmlns:a16="http://schemas.microsoft.com/office/drawing/2014/main" id="{308C548A-325C-FB87-1FBE-2E41DCB3C62B}"/>
+          <p:cNvPr id="8" name="Picture 7">
+            <a:extLst>
+              <a:ext uri="{FF2B5EF4-FFF2-40B4-BE49-F238E27FC236}">
+                <a16:creationId xmlns:a16="http://schemas.microsoft.com/office/drawing/2014/main" id="{1FF44668-ACC3-5292-1D64-F754FF56CB64}"/>
               </a:ext>
             </a:extLst>
           </p:cNvPr>
@@ -3370,34 +3374,15 @@
           <p:nvPr/>
         </p:nvPicPr>
         <p:blipFill>
-          <a:blip r:embed="rId2">
-            <a:extLst>
-              <a:ext uri="{BEBA8EAE-BF5A-486C-A8C5-ECC9F3942E4B}">
-                <a14:imgProps xmlns:a14="http://schemas.microsoft.com/office/drawing/2010/main">
-                  <a14:imgLayer r:embed="rId3">
-                    <a14:imgEffect>
-                      <a14:backgroundRemoval t="10000" b="90000" l="10000" r="90000">
-                        <a14:foregroundMark x1="62500" y1="17879" x2="63415" y2="40909"/>
-                        <a14:foregroundMark x1="32622" y1="53636" x2="44817" y2="67576"/>
-                        <a14:foregroundMark x1="57317" y1="57273" x2="72256" y2="56667"/>
-                      </a14:backgroundRemoval>
-                    </a14:imgEffect>
-                  </a14:imgLayer>
-                </a14:imgProps>
-              </a:ext>
-              <a:ext uri="{28A0092B-C50C-407E-A947-70E740481C1C}">
-                <a14:useLocalDpi xmlns:a14="http://schemas.microsoft.com/office/drawing/2010/main" val="0"/>
-              </a:ext>
-            </a:extLst>
-          </a:blip>
+          <a:blip r:embed="rId2"/>
           <a:stretch>
             <a:fillRect/>
           </a:stretch>
         </p:blipFill>
         <p:spPr>
           <a:xfrm>
-            <a:off x="2692400" y="1320801"/>
-            <a:ext cx="2214472" cy="2227974"/>
+            <a:off x="0" y="177588"/>
+            <a:ext cx="12192000" cy="6502824"/>
           </a:xfrm>
           <a:prstGeom prst="rect">
             <a:avLst/>
@@ -3406,10 +3391,10 @@
       </p:pic>
       <p:sp>
         <p:nvSpPr>
-          <p:cNvPr id="10" name="Isosceles Triangle 9">
-            <a:extLst>
-              <a:ext uri="{FF2B5EF4-FFF2-40B4-BE49-F238E27FC236}">
-                <a16:creationId xmlns:a16="http://schemas.microsoft.com/office/drawing/2014/main" id="{09A08A7E-DBB5-CDA4-4838-ECB5F1C5F4F0}"/>
+          <p:cNvPr id="6" name="Rectangle 5">
+            <a:extLst>
+              <a:ext uri="{FF2B5EF4-FFF2-40B4-BE49-F238E27FC236}">
+                <a16:creationId xmlns:a16="http://schemas.microsoft.com/office/drawing/2014/main" id="{ED904F2D-4462-744E-8C6F-E062D0B9B0A0}"/>
               </a:ext>
             </a:extLst>
           </p:cNvPr>
@@ -3417,30 +3402,31 @@
           <p:nvPr/>
         </p:nvSpPr>
         <p:spPr>
-          <a:xfrm rot="5400000">
-            <a:off x="4785508" y="1825848"/>
-            <a:ext cx="1460607" cy="1217880"/>
-          </a:xfrm>
-          <a:prstGeom prst="triangle">
+          <a:xfrm>
+            <a:off x="2241756" y="580103"/>
+            <a:ext cx="9674942" cy="3746091"/>
+          </a:xfrm>
+          <a:prstGeom prst="rect">
             <a:avLst/>
           </a:prstGeom>
+          <a:noFill/>
           <a:ln>
             <a:solidFill>
-              <a:schemeClr val="tx1"/>
+              <a:srgbClr val="FFFF00"/>
             </a:solidFill>
           </a:ln>
         </p:spPr>
         <p:style>
           <a:lnRef idx="2">
-            <a:schemeClr val="dk1">
+            <a:schemeClr val="accent1">
               <a:shade val="15000"/>
             </a:schemeClr>
           </a:lnRef>
           <a:fillRef idx="1">
-            <a:schemeClr val="dk1"/>
+            <a:schemeClr val="accent1"/>
           </a:fillRef>
           <a:effectRef idx="0">
-            <a:schemeClr val="dk1"/>
+            <a:schemeClr val="accent1"/>
           </a:effectRef>
           <a:fontRef idx="minor">
             <a:schemeClr val="lt1"/>
@@ -3455,10 +3441,1065 @@
           </a:p>
         </p:txBody>
       </p:sp>
+      <p:sp>
+        <p:nvSpPr>
+          <p:cNvPr id="9" name="TextBox 8">
+            <a:extLst>
+              <a:ext uri="{FF2B5EF4-FFF2-40B4-BE49-F238E27FC236}">
+                <a16:creationId xmlns:a16="http://schemas.microsoft.com/office/drawing/2014/main" id="{55156B8C-A5BD-E58D-69D9-E21A7B288C1C}"/>
+              </a:ext>
+            </a:extLst>
+          </p:cNvPr>
+          <p:cNvSpPr txBox="1"/>
+          <p:nvPr/>
+        </p:nvSpPr>
+        <p:spPr>
+          <a:xfrm>
+            <a:off x="6607277" y="2182761"/>
+            <a:ext cx="775020" cy="369332"/>
+          </a:xfrm>
+          <a:prstGeom prst="rect">
+            <a:avLst/>
+          </a:prstGeom>
+          <a:noFill/>
+        </p:spPr>
+        <p:txBody>
+          <a:bodyPr wrap="none" rtlCol="0">
+            <a:spAutoFit/>
+          </a:bodyPr>
+          <a:lstStyle/>
+          <a:p>
+            <a:r>
+              <a:rPr lang="en-US" dirty="0">
+                <a:solidFill>
+                  <a:srgbClr val="FFFF00"/>
+                </a:solidFill>
+              </a:rPr>
+              <a:t>Editor</a:t>
+            </a:r>
+            <a:endParaRPr lang="fr-CA" dirty="0">
+              <a:solidFill>
+                <a:srgbClr val="FFFF00"/>
+              </a:solidFill>
+            </a:endParaRPr>
+          </a:p>
+        </p:txBody>
+      </p:sp>
+      <p:sp>
+        <p:nvSpPr>
+          <p:cNvPr id="10" name="Rectangle 9">
+            <a:extLst>
+              <a:ext uri="{FF2B5EF4-FFF2-40B4-BE49-F238E27FC236}">
+                <a16:creationId xmlns:a16="http://schemas.microsoft.com/office/drawing/2014/main" id="{CD178D6C-81CB-2AB8-A577-A34F4DC3A386}"/>
+              </a:ext>
+            </a:extLst>
+          </p:cNvPr>
+          <p:cNvSpPr/>
+          <p:nvPr/>
+        </p:nvSpPr>
+        <p:spPr>
+          <a:xfrm>
+            <a:off x="639097" y="4876800"/>
+            <a:ext cx="11277601" cy="1499419"/>
+          </a:xfrm>
+          <a:prstGeom prst="rect">
+            <a:avLst/>
+          </a:prstGeom>
+          <a:noFill/>
+          <a:ln>
+            <a:solidFill>
+              <a:srgbClr val="00B0F0"/>
+            </a:solidFill>
+          </a:ln>
+        </p:spPr>
+        <p:style>
+          <a:lnRef idx="2">
+            <a:schemeClr val="accent1">
+              <a:shade val="15000"/>
+            </a:schemeClr>
+          </a:lnRef>
+          <a:fillRef idx="1">
+            <a:schemeClr val="accent1"/>
+          </a:fillRef>
+          <a:effectRef idx="0">
+            <a:schemeClr val="accent1"/>
+          </a:effectRef>
+          <a:fontRef idx="minor">
+            <a:schemeClr val="lt1"/>
+          </a:fontRef>
+        </p:style>
+        <p:txBody>
+          <a:bodyPr rtlCol="0" anchor="ctr"/>
+          <a:lstStyle/>
+          <a:p>
+            <a:pPr algn="ctr"/>
+            <a:endParaRPr lang="fr-CA"/>
+          </a:p>
+        </p:txBody>
+      </p:sp>
+      <p:sp>
+        <p:nvSpPr>
+          <p:cNvPr id="11" name="TextBox 10">
+            <a:extLst>
+              <a:ext uri="{FF2B5EF4-FFF2-40B4-BE49-F238E27FC236}">
+                <a16:creationId xmlns:a16="http://schemas.microsoft.com/office/drawing/2014/main" id="{E54B45A2-22D9-B38F-A7A9-279C7FF85207}"/>
+              </a:ext>
+            </a:extLst>
+          </p:cNvPr>
+          <p:cNvSpPr txBox="1"/>
+          <p:nvPr/>
+        </p:nvSpPr>
+        <p:spPr>
+          <a:xfrm>
+            <a:off x="5171768" y="5441843"/>
+            <a:ext cx="2210529" cy="369332"/>
+          </a:xfrm>
+          <a:prstGeom prst="rect">
+            <a:avLst/>
+          </a:prstGeom>
+          <a:noFill/>
+        </p:spPr>
+        <p:txBody>
+          <a:bodyPr wrap="square" rtlCol="0">
+            <a:spAutoFit/>
+          </a:bodyPr>
+          <a:lstStyle/>
+          <a:p>
+            <a:r>
+              <a:rPr lang="en-US" dirty="0">
+                <a:solidFill>
+                  <a:srgbClr val="00B0F0"/>
+                </a:solidFill>
+              </a:rPr>
+              <a:t>Output window</a:t>
+            </a:r>
+            <a:endParaRPr lang="fr-CA" dirty="0">
+              <a:solidFill>
+                <a:srgbClr val="00B0F0"/>
+              </a:solidFill>
+            </a:endParaRPr>
+          </a:p>
+        </p:txBody>
+      </p:sp>
+      <p:sp>
+        <p:nvSpPr>
+          <p:cNvPr id="12" name="Rectangle 11">
+            <a:extLst>
+              <a:ext uri="{FF2B5EF4-FFF2-40B4-BE49-F238E27FC236}">
+                <a16:creationId xmlns:a16="http://schemas.microsoft.com/office/drawing/2014/main" id="{43023E4D-61C1-FC64-CB28-BE1E3EEF50C6}"/>
+              </a:ext>
+            </a:extLst>
+          </p:cNvPr>
+          <p:cNvSpPr/>
+          <p:nvPr/>
+        </p:nvSpPr>
+        <p:spPr>
+          <a:xfrm>
+            <a:off x="275302" y="481781"/>
+            <a:ext cx="1897627" cy="3844413"/>
+          </a:xfrm>
+          <a:prstGeom prst="rect">
+            <a:avLst/>
+          </a:prstGeom>
+          <a:noFill/>
+          <a:ln>
+            <a:solidFill>
+              <a:srgbClr val="FF0000"/>
+            </a:solidFill>
+          </a:ln>
+        </p:spPr>
+        <p:style>
+          <a:lnRef idx="2">
+            <a:schemeClr val="accent1">
+              <a:shade val="15000"/>
+            </a:schemeClr>
+          </a:lnRef>
+          <a:fillRef idx="1">
+            <a:schemeClr val="accent1"/>
+          </a:fillRef>
+          <a:effectRef idx="0">
+            <a:schemeClr val="accent1"/>
+          </a:effectRef>
+          <a:fontRef idx="minor">
+            <a:schemeClr val="lt1"/>
+          </a:fontRef>
+        </p:style>
+        <p:txBody>
+          <a:bodyPr rtlCol="0" anchor="ctr"/>
+          <a:lstStyle/>
+          <a:p>
+            <a:pPr algn="ctr"/>
+            <a:endParaRPr lang="fr-CA"/>
+          </a:p>
+        </p:txBody>
+      </p:sp>
+      <p:sp>
+        <p:nvSpPr>
+          <p:cNvPr id="13" name="TextBox 12">
+            <a:extLst>
+              <a:ext uri="{FF2B5EF4-FFF2-40B4-BE49-F238E27FC236}">
+                <a16:creationId xmlns:a16="http://schemas.microsoft.com/office/drawing/2014/main" id="{C2BBD6C7-B0CE-85D8-B901-C11619C72F04}"/>
+              </a:ext>
+            </a:extLst>
+          </p:cNvPr>
+          <p:cNvSpPr txBox="1"/>
+          <p:nvPr/>
+        </p:nvSpPr>
+        <p:spPr>
+          <a:xfrm>
+            <a:off x="739150" y="1880863"/>
+            <a:ext cx="1433779" cy="646331"/>
+          </a:xfrm>
+          <a:prstGeom prst="rect">
+            <a:avLst/>
+          </a:prstGeom>
+          <a:noFill/>
+        </p:spPr>
+        <p:txBody>
+          <a:bodyPr wrap="square" rtlCol="0">
+            <a:spAutoFit/>
+          </a:bodyPr>
+          <a:lstStyle/>
+          <a:p>
+            <a:r>
+              <a:rPr lang="en-US" dirty="0">
+                <a:solidFill>
+                  <a:srgbClr val="FF0000"/>
+                </a:solidFill>
+              </a:rPr>
+              <a:t>Project explorer</a:t>
+            </a:r>
+            <a:endParaRPr lang="fr-CA" dirty="0">
+              <a:solidFill>
+                <a:srgbClr val="FF0000"/>
+              </a:solidFill>
+            </a:endParaRPr>
+          </a:p>
+        </p:txBody>
+      </p:sp>
+      <p:sp>
+        <p:nvSpPr>
+          <p:cNvPr id="14" name="Rectangle 13">
+            <a:extLst>
+              <a:ext uri="{FF2B5EF4-FFF2-40B4-BE49-F238E27FC236}">
+                <a16:creationId xmlns:a16="http://schemas.microsoft.com/office/drawing/2014/main" id="{E436DCFA-9AE3-7849-C97D-4A39733232F2}"/>
+              </a:ext>
+            </a:extLst>
+          </p:cNvPr>
+          <p:cNvSpPr/>
+          <p:nvPr/>
+        </p:nvSpPr>
+        <p:spPr>
+          <a:xfrm>
+            <a:off x="7855847" y="177589"/>
+            <a:ext cx="1897627" cy="314274"/>
+          </a:xfrm>
+          <a:prstGeom prst="rect">
+            <a:avLst/>
+          </a:prstGeom>
+          <a:noFill/>
+          <a:ln>
+            <a:solidFill>
+              <a:srgbClr val="00B050"/>
+            </a:solidFill>
+          </a:ln>
+        </p:spPr>
+        <p:style>
+          <a:lnRef idx="2">
+            <a:schemeClr val="accent1">
+              <a:shade val="15000"/>
+            </a:schemeClr>
+          </a:lnRef>
+          <a:fillRef idx="1">
+            <a:schemeClr val="accent1"/>
+          </a:fillRef>
+          <a:effectRef idx="0">
+            <a:schemeClr val="accent1"/>
+          </a:effectRef>
+          <a:fontRef idx="minor">
+            <a:schemeClr val="lt1"/>
+          </a:fontRef>
+        </p:style>
+        <p:txBody>
+          <a:bodyPr rtlCol="0" anchor="ctr"/>
+          <a:lstStyle/>
+          <a:p>
+            <a:pPr algn="ctr"/>
+            <a:endParaRPr lang="fr-CA"/>
+          </a:p>
+        </p:txBody>
+      </p:sp>
+      <p:sp>
+        <p:nvSpPr>
+          <p:cNvPr id="15" name="TextBox 14">
+            <a:extLst>
+              <a:ext uri="{FF2B5EF4-FFF2-40B4-BE49-F238E27FC236}">
+                <a16:creationId xmlns:a16="http://schemas.microsoft.com/office/drawing/2014/main" id="{BA8CE5FA-D4F5-2420-C8BC-B56B42A30319}"/>
+              </a:ext>
+            </a:extLst>
+          </p:cNvPr>
+          <p:cNvSpPr txBox="1"/>
+          <p:nvPr/>
+        </p:nvSpPr>
+        <p:spPr>
+          <a:xfrm>
+            <a:off x="6457003" y="166651"/>
+            <a:ext cx="1398844" cy="369332"/>
+          </a:xfrm>
+          <a:prstGeom prst="rect">
+            <a:avLst/>
+          </a:prstGeom>
+          <a:noFill/>
+        </p:spPr>
+        <p:txBody>
+          <a:bodyPr wrap="none" rtlCol="0">
+            <a:spAutoFit/>
+          </a:bodyPr>
+          <a:lstStyle/>
+          <a:p>
+            <a:r>
+              <a:rPr lang="en-US" dirty="0">
+                <a:solidFill>
+                  <a:srgbClr val="00B050"/>
+                </a:solidFill>
+              </a:rPr>
+              <a:t>Run buttons</a:t>
+            </a:r>
+            <a:endParaRPr lang="fr-CA" dirty="0">
+              <a:solidFill>
+                <a:srgbClr val="00B050"/>
+              </a:solidFill>
+            </a:endParaRPr>
+          </a:p>
+        </p:txBody>
+      </p:sp>
     </p:spTree>
     <p:extLst>
       <p:ext uri="{BB962C8B-B14F-4D97-AF65-F5344CB8AC3E}">
-        <p14:creationId xmlns:p14="http://schemas.microsoft.com/office/powerpoint/2010/main" val="4193116614"/>
+        <p14:creationId xmlns:p14="http://schemas.microsoft.com/office/powerpoint/2010/main" val="3005410264"/>
+      </p:ext>
+    </p:extLst>
+  </p:cSld>
+  <p:clrMapOvr>
+    <a:masterClrMapping/>
+  </p:clrMapOvr>
+</p:sld>
+</file>
+
+<file path=ppt/slides/slide10.xml><?xml version="1.0" encoding="utf-8"?>
+<p:sld xmlns:a="http://schemas.openxmlformats.org/drawingml/2006/main" xmlns:r="http://schemas.openxmlformats.org/officeDocument/2006/relationships" xmlns:p="http://schemas.openxmlformats.org/presentationml/2006/main">
+  <p:cSld>
+    <p:spTree>
+      <p:nvGrpSpPr>
+        <p:cNvPr id="1" name=""/>
+        <p:cNvGrpSpPr/>
+        <p:nvPr/>
+      </p:nvGrpSpPr>
+      <p:grpSpPr>
+        <a:xfrm>
+          <a:off x="0" y="0"/>
+          <a:ext cx="0" cy="0"/>
+          <a:chOff x="0" y="0"/>
+          <a:chExt cx="0" cy="0"/>
+        </a:xfrm>
+      </p:grpSpPr>
+      <p:sp>
+        <p:nvSpPr>
+          <p:cNvPr id="4" name="TextBox 3">
+            <a:extLst>
+              <a:ext uri="{FF2B5EF4-FFF2-40B4-BE49-F238E27FC236}">
+                <a16:creationId xmlns:a16="http://schemas.microsoft.com/office/drawing/2014/main" id="{952A75A2-77A2-1DF5-7461-DD5D3C820F60}"/>
+              </a:ext>
+            </a:extLst>
+          </p:cNvPr>
+          <p:cNvSpPr txBox="1"/>
+          <p:nvPr/>
+        </p:nvSpPr>
+        <p:spPr>
+          <a:xfrm>
+            <a:off x="259815" y="529680"/>
+            <a:ext cx="8981430" cy="769441"/>
+          </a:xfrm>
+          <a:prstGeom prst="rect">
+            <a:avLst/>
+          </a:prstGeom>
+          <a:noFill/>
+        </p:spPr>
+        <p:txBody>
+          <a:bodyPr wrap="square">
+            <a:spAutoFit/>
+          </a:bodyPr>
+          <a:lstStyle/>
+          <a:p>
+            <a:r>
+              <a:rPr lang="fr-CA" sz="4400" dirty="0">
+                <a:solidFill>
+                  <a:schemeClr val="accent4">
+                    <a:lumMod val="75000"/>
+                  </a:schemeClr>
+                </a:solidFill>
+              </a:rPr>
+              <a:t>[</a:t>
+            </a:r>
+            <a:r>
+              <a:rPr lang="fr-CA" sz="4400" i="1" dirty="0">
+                <a:solidFill>
+                  <a:srgbClr val="FF0000"/>
+                </a:solidFill>
+              </a:rPr>
+              <a:t>expression </a:t>
+            </a:r>
+            <a:r>
+              <a:rPr lang="fr-CA" sz="4400" dirty="0">
+                <a:solidFill>
+                  <a:schemeClr val="tx2">
+                    <a:lumMod val="75000"/>
+                    <a:lumOff val="25000"/>
+                  </a:schemeClr>
+                </a:solidFill>
+              </a:rPr>
+              <a:t>for</a:t>
+            </a:r>
+            <a:r>
+              <a:rPr lang="fr-CA" sz="4400" dirty="0">
+                <a:solidFill>
+                  <a:srgbClr val="FF0000"/>
+                </a:solidFill>
+              </a:rPr>
+              <a:t> </a:t>
+            </a:r>
+            <a:r>
+              <a:rPr lang="fr-CA" sz="4400" i="1" dirty="0">
+                <a:solidFill>
+                  <a:schemeClr val="accent6">
+                    <a:lumMod val="50000"/>
+                  </a:schemeClr>
+                </a:solidFill>
+              </a:rPr>
+              <a:t>val</a:t>
+            </a:r>
+            <a:r>
+              <a:rPr lang="fr-CA" sz="4400" dirty="0">
+                <a:solidFill>
+                  <a:srgbClr val="FF0000"/>
+                </a:solidFill>
+              </a:rPr>
+              <a:t> </a:t>
+            </a:r>
+            <a:r>
+              <a:rPr lang="fr-CA" sz="4400" dirty="0">
+                <a:solidFill>
+                  <a:srgbClr val="0070C0"/>
+                </a:solidFill>
+              </a:rPr>
+              <a:t>in</a:t>
+            </a:r>
+            <a:r>
+              <a:rPr lang="fr-CA" sz="4400" dirty="0">
+                <a:solidFill>
+                  <a:srgbClr val="FF0000"/>
+                </a:solidFill>
+              </a:rPr>
+              <a:t> </a:t>
+            </a:r>
+            <a:r>
+              <a:rPr lang="fr-CA" sz="4400" i="1" dirty="0">
+                <a:solidFill>
+                  <a:schemeClr val="accent6">
+                    <a:lumMod val="50000"/>
+                  </a:schemeClr>
+                </a:solidFill>
+              </a:rPr>
+              <a:t>collection</a:t>
+            </a:r>
+            <a:r>
+              <a:rPr lang="fr-CA" sz="4400" dirty="0">
+                <a:solidFill>
+                  <a:srgbClr val="FF0000"/>
+                </a:solidFill>
+              </a:rPr>
+              <a:t> </a:t>
+            </a:r>
+            <a:r>
+              <a:rPr lang="fr-CA" sz="4400" dirty="0">
+                <a:solidFill>
+                  <a:schemeClr val="accent4">
+                    <a:lumMod val="75000"/>
+                  </a:schemeClr>
+                </a:solidFill>
+              </a:rPr>
+              <a:t>] </a:t>
+            </a:r>
+            <a:endParaRPr lang="fr-CA" sz="4400" dirty="0">
+              <a:solidFill>
+                <a:srgbClr val="FF0000"/>
+              </a:solidFill>
+            </a:endParaRPr>
+          </a:p>
+        </p:txBody>
+      </p:sp>
+      <p:sp>
+        <p:nvSpPr>
+          <p:cNvPr id="5" name="TextBox 4">
+            <a:extLst>
+              <a:ext uri="{FF2B5EF4-FFF2-40B4-BE49-F238E27FC236}">
+                <a16:creationId xmlns:a16="http://schemas.microsoft.com/office/drawing/2014/main" id="{FC6CAD27-0772-FEDB-971E-EEE0AD28A549}"/>
+              </a:ext>
+            </a:extLst>
+          </p:cNvPr>
+          <p:cNvSpPr txBox="1"/>
+          <p:nvPr/>
+        </p:nvSpPr>
+        <p:spPr>
+          <a:xfrm>
+            <a:off x="259815" y="1825079"/>
+            <a:ext cx="10794628" cy="769441"/>
+          </a:xfrm>
+          <a:prstGeom prst="rect">
+            <a:avLst/>
+          </a:prstGeom>
+          <a:noFill/>
+        </p:spPr>
+        <p:txBody>
+          <a:bodyPr wrap="square">
+            <a:spAutoFit/>
+          </a:bodyPr>
+          <a:lstStyle/>
+          <a:p>
+            <a:r>
+              <a:rPr lang="fr-CA" sz="4400" dirty="0">
+                <a:solidFill>
+                  <a:schemeClr val="accent4">
+                    <a:lumMod val="75000"/>
+                  </a:schemeClr>
+                </a:solidFill>
+              </a:rPr>
+              <a:t>[</a:t>
+            </a:r>
+            <a:r>
+              <a:rPr lang="fr-CA" sz="4400" i="1" dirty="0">
+                <a:solidFill>
+                  <a:srgbClr val="FF0000"/>
+                </a:solidFill>
+              </a:rPr>
+              <a:t>expression </a:t>
+            </a:r>
+            <a:r>
+              <a:rPr lang="fr-CA" sz="4400" dirty="0">
+                <a:solidFill>
+                  <a:schemeClr val="tx2">
+                    <a:lumMod val="75000"/>
+                    <a:lumOff val="25000"/>
+                  </a:schemeClr>
+                </a:solidFill>
+              </a:rPr>
+              <a:t>for</a:t>
+            </a:r>
+            <a:r>
+              <a:rPr lang="fr-CA" sz="4400" dirty="0">
+                <a:solidFill>
+                  <a:srgbClr val="FF0000"/>
+                </a:solidFill>
+              </a:rPr>
+              <a:t> </a:t>
+            </a:r>
+            <a:r>
+              <a:rPr lang="fr-CA" sz="4400" i="1" dirty="0">
+                <a:solidFill>
+                  <a:schemeClr val="accent6">
+                    <a:lumMod val="50000"/>
+                  </a:schemeClr>
+                </a:solidFill>
+              </a:rPr>
+              <a:t>val</a:t>
+            </a:r>
+            <a:r>
+              <a:rPr lang="fr-CA" sz="4400" dirty="0">
+                <a:solidFill>
+                  <a:srgbClr val="FF0000"/>
+                </a:solidFill>
+              </a:rPr>
+              <a:t> </a:t>
+            </a:r>
+            <a:r>
+              <a:rPr lang="fr-CA" sz="4400" dirty="0">
+                <a:solidFill>
+                  <a:srgbClr val="0070C0"/>
+                </a:solidFill>
+              </a:rPr>
+              <a:t>in</a:t>
+            </a:r>
+            <a:r>
+              <a:rPr lang="fr-CA" sz="4400" dirty="0">
+                <a:solidFill>
+                  <a:srgbClr val="FF0000"/>
+                </a:solidFill>
+              </a:rPr>
+              <a:t> </a:t>
+            </a:r>
+            <a:r>
+              <a:rPr lang="fr-CA" sz="4400" i="1" dirty="0">
+                <a:solidFill>
+                  <a:schemeClr val="accent6">
+                    <a:lumMod val="50000"/>
+                  </a:schemeClr>
+                </a:solidFill>
+              </a:rPr>
+              <a:t>collection</a:t>
+            </a:r>
+            <a:r>
+              <a:rPr lang="fr-CA" sz="4400" dirty="0">
+                <a:solidFill>
+                  <a:srgbClr val="FF0000"/>
+                </a:solidFill>
+              </a:rPr>
+              <a:t> </a:t>
+            </a:r>
+            <a:r>
+              <a:rPr lang="fr-CA" sz="4400" dirty="0">
+                <a:solidFill>
+                  <a:schemeClr val="accent2">
+                    <a:lumMod val="75000"/>
+                  </a:schemeClr>
+                </a:solidFill>
+              </a:rPr>
+              <a:t>if condition</a:t>
+            </a:r>
+            <a:r>
+              <a:rPr lang="fr-CA" sz="4400" dirty="0">
+                <a:solidFill>
+                  <a:schemeClr val="accent4">
+                    <a:lumMod val="75000"/>
+                  </a:schemeClr>
+                </a:solidFill>
+              </a:rPr>
+              <a:t>] </a:t>
+            </a:r>
+            <a:endParaRPr lang="fr-CA" sz="4400" dirty="0">
+              <a:solidFill>
+                <a:srgbClr val="FF0000"/>
+              </a:solidFill>
+            </a:endParaRPr>
+          </a:p>
+        </p:txBody>
+      </p:sp>
+      <p:sp>
+        <p:nvSpPr>
+          <p:cNvPr id="6" name="TextBox 5">
+            <a:extLst>
+              <a:ext uri="{FF2B5EF4-FFF2-40B4-BE49-F238E27FC236}">
+                <a16:creationId xmlns:a16="http://schemas.microsoft.com/office/drawing/2014/main" id="{1E207FF3-8E5A-0C2D-A119-04D7ED07AEFB}"/>
+              </a:ext>
+            </a:extLst>
+          </p:cNvPr>
+          <p:cNvSpPr txBox="1"/>
+          <p:nvPr/>
+        </p:nvSpPr>
+        <p:spPr>
+          <a:xfrm>
+            <a:off x="259814" y="3044279"/>
+            <a:ext cx="11660637" cy="646331"/>
+          </a:xfrm>
+          <a:prstGeom prst="rect">
+            <a:avLst/>
+          </a:prstGeom>
+          <a:noFill/>
+        </p:spPr>
+        <p:txBody>
+          <a:bodyPr wrap="square">
+            <a:spAutoFit/>
+          </a:bodyPr>
+          <a:lstStyle/>
+          <a:p>
+            <a:r>
+              <a:rPr lang="fr-CA" sz="3600" dirty="0">
+                <a:solidFill>
+                  <a:schemeClr val="accent4">
+                    <a:lumMod val="75000"/>
+                  </a:schemeClr>
+                </a:solidFill>
+              </a:rPr>
+              <a:t>[</a:t>
+            </a:r>
+            <a:r>
+              <a:rPr lang="fr-CA" sz="3600" i="1" dirty="0">
+                <a:solidFill>
+                  <a:srgbClr val="FF0000"/>
+                </a:solidFill>
+              </a:rPr>
+              <a:t>expression </a:t>
+            </a:r>
+            <a:r>
+              <a:rPr lang="fr-CA" sz="3600" dirty="0">
+                <a:solidFill>
+                  <a:schemeClr val="tx2">
+                    <a:lumMod val="75000"/>
+                    <a:lumOff val="25000"/>
+                  </a:schemeClr>
+                </a:solidFill>
+              </a:rPr>
+              <a:t>for</a:t>
+            </a:r>
+            <a:r>
+              <a:rPr lang="fr-CA" sz="3600" dirty="0">
+                <a:solidFill>
+                  <a:srgbClr val="FF0000"/>
+                </a:solidFill>
+              </a:rPr>
+              <a:t> </a:t>
+            </a:r>
+            <a:r>
+              <a:rPr lang="fr-CA" sz="3600" i="1" dirty="0">
+                <a:solidFill>
+                  <a:schemeClr val="accent6">
+                    <a:lumMod val="50000"/>
+                  </a:schemeClr>
+                </a:solidFill>
+              </a:rPr>
+              <a:t>val1, val2</a:t>
+            </a:r>
+            <a:r>
+              <a:rPr lang="fr-CA" sz="3600" dirty="0">
+                <a:solidFill>
+                  <a:srgbClr val="FF0000"/>
+                </a:solidFill>
+              </a:rPr>
+              <a:t> </a:t>
+            </a:r>
+            <a:r>
+              <a:rPr lang="fr-CA" sz="3600" dirty="0">
+                <a:solidFill>
+                  <a:srgbClr val="0070C0"/>
+                </a:solidFill>
+              </a:rPr>
+              <a:t>in</a:t>
+            </a:r>
+            <a:r>
+              <a:rPr lang="fr-CA" sz="3600" dirty="0">
+                <a:solidFill>
+                  <a:srgbClr val="FF0000"/>
+                </a:solidFill>
+              </a:rPr>
+              <a:t> zip(</a:t>
+            </a:r>
+            <a:r>
+              <a:rPr lang="fr-CA" sz="3600" i="1" dirty="0">
+                <a:solidFill>
+                  <a:schemeClr val="accent6">
+                    <a:lumMod val="50000"/>
+                  </a:schemeClr>
+                </a:solidFill>
+              </a:rPr>
+              <a:t>collection1</a:t>
+            </a:r>
+            <a:r>
+              <a:rPr lang="fr-CA" sz="3600" i="1">
+                <a:solidFill>
+                  <a:schemeClr val="accent6">
+                    <a:lumMod val="50000"/>
+                  </a:schemeClr>
+                </a:solidFill>
+              </a:rPr>
+              <a:t>,</a:t>
+            </a:r>
+            <a:r>
+              <a:rPr lang="fr-CA" sz="3600">
+                <a:solidFill>
+                  <a:srgbClr val="FF0000"/>
+                </a:solidFill>
+              </a:rPr>
+              <a:t> </a:t>
+            </a:r>
+            <a:r>
+              <a:rPr lang="fr-CA" sz="3600" i="1">
+                <a:solidFill>
+                  <a:schemeClr val="accent6">
+                    <a:lumMod val="50000"/>
+                  </a:schemeClr>
+                </a:solidFill>
+              </a:rPr>
+              <a:t>collection2</a:t>
+            </a:r>
+            <a:r>
+              <a:rPr lang="fr-CA" sz="3600">
+                <a:solidFill>
+                  <a:srgbClr val="FF0000"/>
+                </a:solidFill>
+              </a:rPr>
+              <a:t> )</a:t>
+            </a:r>
+            <a:r>
+              <a:rPr lang="fr-CA" sz="3600" i="1">
+                <a:solidFill>
+                  <a:schemeClr val="accent6">
+                    <a:lumMod val="50000"/>
+                  </a:schemeClr>
+                </a:solidFill>
+              </a:rPr>
+              <a:t> </a:t>
+            </a:r>
+            <a:r>
+              <a:rPr lang="fr-CA" sz="3600" dirty="0">
+                <a:solidFill>
+                  <a:schemeClr val="accent4">
+                    <a:lumMod val="75000"/>
+                  </a:schemeClr>
+                </a:solidFill>
+              </a:rPr>
+              <a:t>] </a:t>
+            </a:r>
+            <a:endParaRPr lang="fr-CA" sz="3600" dirty="0">
+              <a:solidFill>
+                <a:srgbClr val="FF0000"/>
+              </a:solidFill>
+            </a:endParaRPr>
+          </a:p>
+        </p:txBody>
+      </p:sp>
+    </p:spTree>
+    <p:extLst>
+      <p:ext uri="{BB962C8B-B14F-4D97-AF65-F5344CB8AC3E}">
+        <p14:creationId xmlns:p14="http://schemas.microsoft.com/office/powerpoint/2010/main" val="2492666843"/>
+      </p:ext>
+    </p:extLst>
+  </p:cSld>
+  <p:clrMapOvr>
+    <a:masterClrMapping/>
+  </p:clrMapOvr>
+</p:sld>
+</file>
+
+<file path=ppt/slides/slide11.xml><?xml version="1.0" encoding="utf-8"?>
+<p:sld xmlns:a="http://schemas.openxmlformats.org/drawingml/2006/main" xmlns:r="http://schemas.openxmlformats.org/officeDocument/2006/relationships" xmlns:p="http://schemas.openxmlformats.org/presentationml/2006/main">
+  <p:cSld>
+    <p:spTree>
+      <p:nvGrpSpPr>
+        <p:cNvPr id="1" name=""/>
+        <p:cNvGrpSpPr/>
+        <p:nvPr/>
+      </p:nvGrpSpPr>
+      <p:grpSpPr>
+        <a:xfrm>
+          <a:off x="0" y="0"/>
+          <a:ext cx="0" cy="0"/>
+          <a:chOff x="0" y="0"/>
+          <a:chExt cx="0" cy="0"/>
+        </a:xfrm>
+      </p:grpSpPr>
+      <p:sp>
+        <p:nvSpPr>
+          <p:cNvPr id="2" name="Title 1">
+            <a:extLst>
+              <a:ext uri="{FF2B5EF4-FFF2-40B4-BE49-F238E27FC236}">
+                <a16:creationId xmlns:a16="http://schemas.microsoft.com/office/drawing/2014/main" id="{B7E62CEE-0967-2306-9F0A-527533969548}"/>
+              </a:ext>
+            </a:extLst>
+          </p:cNvPr>
+          <p:cNvSpPr>
+            <a:spLocks noGrp="1"/>
+          </p:cNvSpPr>
+          <p:nvPr>
+            <p:ph type="title"/>
+          </p:nvPr>
+        </p:nvSpPr>
+        <p:spPr/>
+        <p:txBody>
+          <a:bodyPr/>
+          <a:lstStyle/>
+          <a:p>
+            <a:endParaRPr lang="fr-CA"/>
+          </a:p>
+        </p:txBody>
+      </p:sp>
+      <p:sp>
+        <p:nvSpPr>
+          <p:cNvPr id="3" name="Content Placeholder 2">
+            <a:extLst>
+              <a:ext uri="{FF2B5EF4-FFF2-40B4-BE49-F238E27FC236}">
+                <a16:creationId xmlns:a16="http://schemas.microsoft.com/office/drawing/2014/main" id="{F6A65CBA-F56C-7CD4-7785-890743F1FE45}"/>
+              </a:ext>
+            </a:extLst>
+          </p:cNvPr>
+          <p:cNvSpPr>
+            <a:spLocks noGrp="1"/>
+          </p:cNvSpPr>
+          <p:nvPr>
+            <p:ph idx="1"/>
+          </p:nvPr>
+        </p:nvSpPr>
+        <p:spPr/>
+        <p:txBody>
+          <a:bodyPr/>
+          <a:lstStyle/>
+          <a:p>
+            <a:endParaRPr lang="fr-CA"/>
+          </a:p>
+        </p:txBody>
+      </p:sp>
+    </p:spTree>
+    <p:extLst>
+      <p:ext uri="{BB962C8B-B14F-4D97-AF65-F5344CB8AC3E}">
+        <p14:creationId xmlns:p14="http://schemas.microsoft.com/office/powerpoint/2010/main" val="298196989"/>
+      </p:ext>
+    </p:extLst>
+  </p:cSld>
+  <p:clrMapOvr>
+    <a:masterClrMapping/>
+  </p:clrMapOvr>
+</p:sld>
+</file>
+
+<file path=ppt/slides/slide12.xml><?xml version="1.0" encoding="utf-8"?>
+<p:sld xmlns:a="http://schemas.openxmlformats.org/drawingml/2006/main" xmlns:r="http://schemas.openxmlformats.org/officeDocument/2006/relationships" xmlns:p="http://schemas.openxmlformats.org/presentationml/2006/main">
+  <p:cSld>
+    <p:spTree>
+      <p:nvGrpSpPr>
+        <p:cNvPr id="1" name=""/>
+        <p:cNvGrpSpPr/>
+        <p:nvPr/>
+      </p:nvGrpSpPr>
+      <p:grpSpPr>
+        <a:xfrm>
+          <a:off x="0" y="0"/>
+          <a:ext cx="0" cy="0"/>
+          <a:chOff x="0" y="0"/>
+          <a:chExt cx="0" cy="0"/>
+        </a:xfrm>
+      </p:grpSpPr>
+      <p:sp>
+        <p:nvSpPr>
+          <p:cNvPr id="2" name="Title 1">
+            <a:extLst>
+              <a:ext uri="{FF2B5EF4-FFF2-40B4-BE49-F238E27FC236}">
+                <a16:creationId xmlns:a16="http://schemas.microsoft.com/office/drawing/2014/main" id="{3C802849-D601-A166-B136-076FF182E584}"/>
+              </a:ext>
+            </a:extLst>
+          </p:cNvPr>
+          <p:cNvSpPr>
+            <a:spLocks noGrp="1"/>
+          </p:cNvSpPr>
+          <p:nvPr>
+            <p:ph type="title"/>
+          </p:nvPr>
+        </p:nvSpPr>
+        <p:spPr/>
+        <p:txBody>
+          <a:bodyPr/>
+          <a:lstStyle/>
+          <a:p>
+            <a:endParaRPr lang="fr-CA"/>
+          </a:p>
+        </p:txBody>
+      </p:sp>
+      <p:sp>
+        <p:nvSpPr>
+          <p:cNvPr id="3" name="Content Placeholder 2">
+            <a:extLst>
+              <a:ext uri="{FF2B5EF4-FFF2-40B4-BE49-F238E27FC236}">
+                <a16:creationId xmlns:a16="http://schemas.microsoft.com/office/drawing/2014/main" id="{FA91B026-1259-4D33-D4FC-8F971C6D0584}"/>
+              </a:ext>
+            </a:extLst>
+          </p:cNvPr>
+          <p:cNvSpPr>
+            <a:spLocks noGrp="1"/>
+          </p:cNvSpPr>
+          <p:nvPr>
+            <p:ph idx="1"/>
+          </p:nvPr>
+        </p:nvSpPr>
+        <p:spPr/>
+        <p:txBody>
+          <a:bodyPr/>
+          <a:lstStyle/>
+          <a:p>
+            <a:endParaRPr lang="fr-CA"/>
+          </a:p>
+        </p:txBody>
+      </p:sp>
+    </p:spTree>
+    <p:extLst>
+      <p:ext uri="{BB962C8B-B14F-4D97-AF65-F5344CB8AC3E}">
+        <p14:creationId xmlns:p14="http://schemas.microsoft.com/office/powerpoint/2010/main" val="167162263"/>
+      </p:ext>
+    </p:extLst>
+  </p:cSld>
+  <p:clrMapOvr>
+    <a:masterClrMapping/>
+  </p:clrMapOvr>
+</p:sld>
+</file>
+
+<file path=ppt/slides/slide13.xml><?xml version="1.0" encoding="utf-8"?>
+<p:sld xmlns:a="http://schemas.openxmlformats.org/drawingml/2006/main" xmlns:r="http://schemas.openxmlformats.org/officeDocument/2006/relationships" xmlns:p="http://schemas.openxmlformats.org/presentationml/2006/main">
+  <p:cSld>
+    <p:spTree>
+      <p:nvGrpSpPr>
+        <p:cNvPr id="1" name=""/>
+        <p:cNvGrpSpPr/>
+        <p:nvPr/>
+      </p:nvGrpSpPr>
+      <p:grpSpPr>
+        <a:xfrm>
+          <a:off x="0" y="0"/>
+          <a:ext cx="0" cy="0"/>
+          <a:chOff x="0" y="0"/>
+          <a:chExt cx="0" cy="0"/>
+        </a:xfrm>
+      </p:grpSpPr>
+      <p:sp>
+        <p:nvSpPr>
+          <p:cNvPr id="2" name="Title 1">
+            <a:extLst>
+              <a:ext uri="{FF2B5EF4-FFF2-40B4-BE49-F238E27FC236}">
+                <a16:creationId xmlns:a16="http://schemas.microsoft.com/office/drawing/2014/main" id="{59A0E10E-E5AA-1D97-B195-B1451D2958B6}"/>
+              </a:ext>
+            </a:extLst>
+          </p:cNvPr>
+          <p:cNvSpPr>
+            <a:spLocks noGrp="1"/>
+          </p:cNvSpPr>
+          <p:nvPr>
+            <p:ph type="title"/>
+          </p:nvPr>
+        </p:nvSpPr>
+        <p:spPr/>
+        <p:txBody>
+          <a:bodyPr/>
+          <a:lstStyle/>
+          <a:p>
+            <a:endParaRPr lang="fr-CA"/>
+          </a:p>
+        </p:txBody>
+      </p:sp>
+      <p:sp>
+        <p:nvSpPr>
+          <p:cNvPr id="3" name="Content Placeholder 2">
+            <a:extLst>
+              <a:ext uri="{FF2B5EF4-FFF2-40B4-BE49-F238E27FC236}">
+                <a16:creationId xmlns:a16="http://schemas.microsoft.com/office/drawing/2014/main" id="{23C9A458-2EC4-ADE7-F31C-A199D8B9628D}"/>
+              </a:ext>
+            </a:extLst>
+          </p:cNvPr>
+          <p:cNvSpPr>
+            <a:spLocks noGrp="1"/>
+          </p:cNvSpPr>
+          <p:nvPr>
+            <p:ph idx="1"/>
+          </p:nvPr>
+        </p:nvSpPr>
+        <p:spPr/>
+        <p:txBody>
+          <a:bodyPr/>
+          <a:lstStyle/>
+          <a:p>
+            <a:endParaRPr lang="fr-CA"/>
+          </a:p>
+        </p:txBody>
+      </p:sp>
+    </p:spTree>
+    <p:extLst>
+      <p:ext uri="{BB962C8B-B14F-4D97-AF65-F5344CB8AC3E}">
+        <p14:creationId xmlns:p14="http://schemas.microsoft.com/office/powerpoint/2010/main" val="1014715807"/>
       </p:ext>
     </p:extLst>
   </p:cSld>
@@ -3485,6 +4526,697 @@
           <a:chExt cx="0" cy="0"/>
         </a:xfrm>
       </p:grpSpPr>
+      <p:pic>
+        <p:nvPicPr>
+          <p:cNvPr id="4" name="Picture 3">
+            <a:extLst>
+              <a:ext uri="{FF2B5EF4-FFF2-40B4-BE49-F238E27FC236}">
+                <a16:creationId xmlns:a16="http://schemas.microsoft.com/office/drawing/2014/main" id="{81D8EE11-1066-1EF9-4BE7-BA8E4A99724B}"/>
+              </a:ext>
+            </a:extLst>
+          </p:cNvPr>
+          <p:cNvPicPr>
+            <a:picLocks noChangeAspect="1"/>
+          </p:cNvPicPr>
+          <p:nvPr/>
+        </p:nvPicPr>
+        <p:blipFill>
+          <a:blip r:embed="rId2"/>
+          <a:stretch>
+            <a:fillRect/>
+          </a:stretch>
+        </p:blipFill>
+        <p:spPr>
+          <a:xfrm>
+            <a:off x="0" y="177588"/>
+            <a:ext cx="12192000" cy="6502824"/>
+          </a:xfrm>
+          <a:prstGeom prst="rect">
+            <a:avLst/>
+          </a:prstGeom>
+        </p:spPr>
+      </p:pic>
+    </p:spTree>
+    <p:extLst>
+      <p:ext uri="{BB962C8B-B14F-4D97-AF65-F5344CB8AC3E}">
+        <p14:creationId xmlns:p14="http://schemas.microsoft.com/office/powerpoint/2010/main" val="1044688951"/>
+      </p:ext>
+    </p:extLst>
+  </p:cSld>
+  <p:clrMapOvr>
+    <a:masterClrMapping/>
+  </p:clrMapOvr>
+</p:sld>
+</file>
+
+<file path=ppt/slides/slide3.xml><?xml version="1.0" encoding="utf-8"?>
+<p:sld xmlns:a="http://schemas.openxmlformats.org/drawingml/2006/main" xmlns:r="http://schemas.openxmlformats.org/officeDocument/2006/relationships" xmlns:p="http://schemas.openxmlformats.org/presentationml/2006/main">
+  <p:cSld>
+    <p:spTree>
+      <p:nvGrpSpPr>
+        <p:cNvPr id="1" name=""/>
+        <p:cNvGrpSpPr/>
+        <p:nvPr/>
+      </p:nvGrpSpPr>
+      <p:grpSpPr>
+        <a:xfrm>
+          <a:off x="0" y="0"/>
+          <a:ext cx="0" cy="0"/>
+          <a:chOff x="0" y="0"/>
+          <a:chExt cx="0" cy="0"/>
+        </a:xfrm>
+      </p:grpSpPr>
+      <p:pic>
+        <p:nvPicPr>
+          <p:cNvPr id="5" name="Picture 4">
+            <a:extLst>
+              <a:ext uri="{FF2B5EF4-FFF2-40B4-BE49-F238E27FC236}">
+                <a16:creationId xmlns:a16="http://schemas.microsoft.com/office/drawing/2014/main" id="{0A01A34C-E32E-4212-8AE2-CDF8C5A993D4}"/>
+              </a:ext>
+            </a:extLst>
+          </p:cNvPr>
+          <p:cNvPicPr>
+            <a:picLocks noChangeAspect="1"/>
+          </p:cNvPicPr>
+          <p:nvPr/>
+        </p:nvPicPr>
+        <p:blipFill>
+          <a:blip r:embed="rId2"/>
+          <a:stretch>
+            <a:fillRect/>
+          </a:stretch>
+        </p:blipFill>
+        <p:spPr>
+          <a:xfrm>
+            <a:off x="0" y="171231"/>
+            <a:ext cx="12192000" cy="6515537"/>
+          </a:xfrm>
+          <a:prstGeom prst="rect">
+            <a:avLst/>
+          </a:prstGeom>
+        </p:spPr>
+      </p:pic>
+      <p:sp>
+        <p:nvSpPr>
+          <p:cNvPr id="6" name="Rectangle 5">
+            <a:extLst>
+              <a:ext uri="{FF2B5EF4-FFF2-40B4-BE49-F238E27FC236}">
+                <a16:creationId xmlns:a16="http://schemas.microsoft.com/office/drawing/2014/main" id="{D12F8B2B-A4C2-508C-6408-FB57107EB8CE}"/>
+              </a:ext>
+            </a:extLst>
+          </p:cNvPr>
+          <p:cNvSpPr/>
+          <p:nvPr/>
+        </p:nvSpPr>
+        <p:spPr>
+          <a:xfrm>
+            <a:off x="345440" y="4246880"/>
+            <a:ext cx="11572240" cy="2123440"/>
+          </a:xfrm>
+          <a:prstGeom prst="rect">
+            <a:avLst/>
+          </a:prstGeom>
+          <a:noFill/>
+          <a:ln>
+            <a:solidFill>
+              <a:srgbClr val="FFC000"/>
+            </a:solidFill>
+          </a:ln>
+        </p:spPr>
+        <p:style>
+          <a:lnRef idx="2">
+            <a:schemeClr val="accent1">
+              <a:shade val="15000"/>
+            </a:schemeClr>
+          </a:lnRef>
+          <a:fillRef idx="1">
+            <a:schemeClr val="accent1"/>
+          </a:fillRef>
+          <a:effectRef idx="0">
+            <a:schemeClr val="accent1"/>
+          </a:effectRef>
+          <a:fontRef idx="minor">
+            <a:schemeClr val="lt1"/>
+          </a:fontRef>
+        </p:style>
+        <p:txBody>
+          <a:bodyPr rtlCol="0" anchor="ctr"/>
+          <a:lstStyle/>
+          <a:p>
+            <a:pPr algn="ctr"/>
+            <a:endParaRPr lang="fr-CA"/>
+          </a:p>
+        </p:txBody>
+      </p:sp>
+      <p:sp>
+        <p:nvSpPr>
+          <p:cNvPr id="7" name="TextBox 6">
+            <a:extLst>
+              <a:ext uri="{FF2B5EF4-FFF2-40B4-BE49-F238E27FC236}">
+                <a16:creationId xmlns:a16="http://schemas.microsoft.com/office/drawing/2014/main" id="{020D115D-1CEE-F5FD-C0E7-E1B74D939B05}"/>
+              </a:ext>
+            </a:extLst>
+          </p:cNvPr>
+          <p:cNvSpPr txBox="1"/>
+          <p:nvPr/>
+        </p:nvSpPr>
+        <p:spPr>
+          <a:xfrm>
+            <a:off x="4897120" y="4348480"/>
+            <a:ext cx="1861407" cy="461665"/>
+          </a:xfrm>
+          <a:prstGeom prst="rect">
+            <a:avLst/>
+          </a:prstGeom>
+          <a:noFill/>
+        </p:spPr>
+        <p:txBody>
+          <a:bodyPr wrap="none" rtlCol="0">
+            <a:spAutoFit/>
+          </a:bodyPr>
+          <a:lstStyle/>
+          <a:p>
+            <a:r>
+              <a:rPr lang="en-US" sz="2400" dirty="0">
+                <a:solidFill>
+                  <a:srgbClr val="FFFF00"/>
+                </a:solidFill>
+              </a:rPr>
+              <a:t>Debug Menu</a:t>
+            </a:r>
+            <a:endParaRPr lang="fr-CA" sz="2400" dirty="0">
+              <a:solidFill>
+                <a:srgbClr val="FFFF00"/>
+              </a:solidFill>
+            </a:endParaRPr>
+          </a:p>
+        </p:txBody>
+      </p:sp>
+      <p:sp>
+        <p:nvSpPr>
+          <p:cNvPr id="8" name="TextBox 7">
+            <a:extLst>
+              <a:ext uri="{FF2B5EF4-FFF2-40B4-BE49-F238E27FC236}">
+                <a16:creationId xmlns:a16="http://schemas.microsoft.com/office/drawing/2014/main" id="{01BEB3E8-813A-BF87-BA8D-924FAED3807B}"/>
+              </a:ext>
+            </a:extLst>
+          </p:cNvPr>
+          <p:cNvSpPr txBox="1"/>
+          <p:nvPr/>
+        </p:nvSpPr>
+        <p:spPr>
+          <a:xfrm>
+            <a:off x="2413000" y="1875274"/>
+            <a:ext cx="1268361" cy="369332"/>
+          </a:xfrm>
+          <a:prstGeom prst="rect">
+            <a:avLst/>
+          </a:prstGeom>
+          <a:noFill/>
+        </p:spPr>
+        <p:txBody>
+          <a:bodyPr wrap="none" rtlCol="0">
+            <a:spAutoFit/>
+          </a:bodyPr>
+          <a:lstStyle/>
+          <a:p>
+            <a:r>
+              <a:rPr lang="en-US" dirty="0">
+                <a:solidFill>
+                  <a:srgbClr val="DB5C5C"/>
+                </a:solidFill>
+              </a:rPr>
+              <a:t>Breakpoint</a:t>
+            </a:r>
+            <a:endParaRPr lang="fr-CA" dirty="0">
+              <a:solidFill>
+                <a:srgbClr val="DB5C5C"/>
+              </a:solidFill>
+            </a:endParaRPr>
+          </a:p>
+        </p:txBody>
+      </p:sp>
+      <p:cxnSp>
+        <p:nvCxnSpPr>
+          <p:cNvPr id="10" name="Straight Arrow Connector 9">
+            <a:extLst>
+              <a:ext uri="{FF2B5EF4-FFF2-40B4-BE49-F238E27FC236}">
+                <a16:creationId xmlns:a16="http://schemas.microsoft.com/office/drawing/2014/main" id="{3D0C5B9D-8E34-B7FB-B6FE-59DB5AD653B6}"/>
+              </a:ext>
+            </a:extLst>
+          </p:cNvPr>
+          <p:cNvCxnSpPr>
+            <a:cxnSpLocks/>
+          </p:cNvCxnSpPr>
+          <p:nvPr/>
+        </p:nvCxnSpPr>
+        <p:spPr>
+          <a:xfrm flipH="1" flipV="1">
+            <a:off x="2499360" y="1178560"/>
+            <a:ext cx="411480" cy="723156"/>
+          </a:xfrm>
+          <a:prstGeom prst="straightConnector1">
+            <a:avLst/>
+          </a:prstGeom>
+          <a:ln>
+            <a:solidFill>
+              <a:srgbClr val="DB5C5C"/>
+            </a:solidFill>
+            <a:tailEnd type="triangle"/>
+          </a:ln>
+        </p:spPr>
+        <p:style>
+          <a:lnRef idx="2">
+            <a:schemeClr val="accent1"/>
+          </a:lnRef>
+          <a:fillRef idx="0">
+            <a:schemeClr val="accent1"/>
+          </a:fillRef>
+          <a:effectRef idx="1">
+            <a:schemeClr val="accent1"/>
+          </a:effectRef>
+          <a:fontRef idx="minor">
+            <a:schemeClr val="tx1"/>
+          </a:fontRef>
+        </p:style>
+      </p:cxnSp>
+      <p:sp>
+        <p:nvSpPr>
+          <p:cNvPr id="12" name="Rectangle 11">
+            <a:extLst>
+              <a:ext uri="{FF2B5EF4-FFF2-40B4-BE49-F238E27FC236}">
+                <a16:creationId xmlns:a16="http://schemas.microsoft.com/office/drawing/2014/main" id="{5DD58F3F-A29A-DDFB-FDA8-FEB0A7C1F507}"/>
+              </a:ext>
+            </a:extLst>
+          </p:cNvPr>
+          <p:cNvSpPr/>
+          <p:nvPr/>
+        </p:nvSpPr>
+        <p:spPr>
+          <a:xfrm>
+            <a:off x="9144000" y="78658"/>
+            <a:ext cx="353961" cy="570271"/>
+          </a:xfrm>
+          <a:prstGeom prst="rect">
+            <a:avLst/>
+          </a:prstGeom>
+          <a:noFill/>
+          <a:ln w="38100">
+            <a:solidFill>
+              <a:srgbClr val="00B050"/>
+            </a:solidFill>
+          </a:ln>
+        </p:spPr>
+        <p:style>
+          <a:lnRef idx="2">
+            <a:schemeClr val="accent1">
+              <a:shade val="15000"/>
+            </a:schemeClr>
+          </a:lnRef>
+          <a:fillRef idx="1">
+            <a:schemeClr val="accent1"/>
+          </a:fillRef>
+          <a:effectRef idx="0">
+            <a:schemeClr val="accent1"/>
+          </a:effectRef>
+          <a:fontRef idx="minor">
+            <a:schemeClr val="lt1"/>
+          </a:fontRef>
+        </p:style>
+        <p:txBody>
+          <a:bodyPr rtlCol="0" anchor="ctr"/>
+          <a:lstStyle/>
+          <a:p>
+            <a:pPr algn="ctr"/>
+            <a:endParaRPr lang="fr-CA"/>
+          </a:p>
+        </p:txBody>
+      </p:sp>
+      <p:sp>
+        <p:nvSpPr>
+          <p:cNvPr id="13" name="TextBox 12">
+            <a:extLst>
+              <a:ext uri="{FF2B5EF4-FFF2-40B4-BE49-F238E27FC236}">
+                <a16:creationId xmlns:a16="http://schemas.microsoft.com/office/drawing/2014/main" id="{2A15895F-5339-3454-63D9-B7E6A7876FA7}"/>
+              </a:ext>
+            </a:extLst>
+          </p:cNvPr>
+          <p:cNvSpPr txBox="1"/>
+          <p:nvPr/>
+        </p:nvSpPr>
+        <p:spPr>
+          <a:xfrm>
+            <a:off x="9144000" y="1651819"/>
+            <a:ext cx="1980992" cy="369332"/>
+          </a:xfrm>
+          <a:prstGeom prst="rect">
+            <a:avLst/>
+          </a:prstGeom>
+          <a:noFill/>
+        </p:spPr>
+        <p:txBody>
+          <a:bodyPr wrap="none" rtlCol="0">
+            <a:spAutoFit/>
+          </a:bodyPr>
+          <a:lstStyle/>
+          <a:p>
+            <a:r>
+              <a:rPr lang="en-US" dirty="0">
+                <a:solidFill>
+                  <a:srgbClr val="00B050"/>
+                </a:solidFill>
+              </a:rPr>
+              <a:t>Restart debugging</a:t>
+            </a:r>
+            <a:endParaRPr lang="fr-CA" dirty="0">
+              <a:solidFill>
+                <a:srgbClr val="00B050"/>
+              </a:solidFill>
+            </a:endParaRPr>
+          </a:p>
+        </p:txBody>
+      </p:sp>
+      <p:cxnSp>
+        <p:nvCxnSpPr>
+          <p:cNvPr id="14" name="Straight Arrow Connector 13">
+            <a:extLst>
+              <a:ext uri="{FF2B5EF4-FFF2-40B4-BE49-F238E27FC236}">
+                <a16:creationId xmlns:a16="http://schemas.microsoft.com/office/drawing/2014/main" id="{38E61D7D-7877-713B-3F09-2DA451D1BB0D}"/>
+              </a:ext>
+            </a:extLst>
+          </p:cNvPr>
+          <p:cNvCxnSpPr>
+            <a:cxnSpLocks/>
+          </p:cNvCxnSpPr>
+          <p:nvPr/>
+        </p:nvCxnSpPr>
+        <p:spPr>
+          <a:xfrm flipH="1" flipV="1">
+            <a:off x="9486900" y="741502"/>
+            <a:ext cx="647596" cy="910317"/>
+          </a:xfrm>
+          <a:prstGeom prst="straightConnector1">
+            <a:avLst/>
+          </a:prstGeom>
+          <a:ln>
+            <a:solidFill>
+              <a:srgbClr val="00B050"/>
+            </a:solidFill>
+            <a:tailEnd type="triangle"/>
+          </a:ln>
+        </p:spPr>
+        <p:style>
+          <a:lnRef idx="2">
+            <a:schemeClr val="accent1"/>
+          </a:lnRef>
+          <a:fillRef idx="0">
+            <a:schemeClr val="accent1"/>
+          </a:fillRef>
+          <a:effectRef idx="1">
+            <a:schemeClr val="accent1"/>
+          </a:effectRef>
+          <a:fontRef idx="minor">
+            <a:schemeClr val="tx1"/>
+          </a:fontRef>
+        </p:style>
+      </p:cxnSp>
+    </p:spTree>
+    <p:extLst>
+      <p:ext uri="{BB962C8B-B14F-4D97-AF65-F5344CB8AC3E}">
+        <p14:creationId xmlns:p14="http://schemas.microsoft.com/office/powerpoint/2010/main" val="3562940052"/>
+      </p:ext>
+    </p:extLst>
+  </p:cSld>
+  <p:clrMapOvr>
+    <a:masterClrMapping/>
+  </p:clrMapOvr>
+</p:sld>
+</file>
+
+<file path=ppt/slides/slide4.xml><?xml version="1.0" encoding="utf-8"?>
+<p:sld xmlns:a="http://schemas.openxmlformats.org/drawingml/2006/main" xmlns:r="http://schemas.openxmlformats.org/officeDocument/2006/relationships" xmlns:p="http://schemas.openxmlformats.org/presentationml/2006/main">
+  <p:cSld>
+    <p:spTree>
+      <p:nvGrpSpPr>
+        <p:cNvPr id="1" name=""/>
+        <p:cNvGrpSpPr/>
+        <p:nvPr/>
+      </p:nvGrpSpPr>
+      <p:grpSpPr>
+        <a:xfrm>
+          <a:off x="0" y="0"/>
+          <a:ext cx="0" cy="0"/>
+          <a:chOff x="0" y="0"/>
+          <a:chExt cx="0" cy="0"/>
+        </a:xfrm>
+      </p:grpSpPr>
+      <p:pic>
+        <p:nvPicPr>
+          <p:cNvPr id="9" name="Picture 8">
+            <a:extLst>
+              <a:ext uri="{FF2B5EF4-FFF2-40B4-BE49-F238E27FC236}">
+                <a16:creationId xmlns:a16="http://schemas.microsoft.com/office/drawing/2014/main" id="{2BD6D532-E12F-6745-BE53-F9C4DF583AC0}"/>
+              </a:ext>
+            </a:extLst>
+          </p:cNvPr>
+          <p:cNvPicPr>
+            <a:picLocks noChangeAspect="1"/>
+          </p:cNvPicPr>
+          <p:nvPr/>
+        </p:nvPicPr>
+        <p:blipFill rotWithShape="1">
+          <a:blip r:embed="rId2"/>
+          <a:srcRect b="40901"/>
+          <a:stretch/>
+        </p:blipFill>
+        <p:spPr>
+          <a:xfrm>
+            <a:off x="474809" y="486071"/>
+            <a:ext cx="3886537" cy="1535769"/>
+          </a:xfrm>
+          <a:prstGeom prst="rect">
+            <a:avLst/>
+          </a:prstGeom>
+        </p:spPr>
+      </p:pic>
+      <p:pic>
+        <p:nvPicPr>
+          <p:cNvPr id="11" name="Picture 10">
+            <a:extLst>
+              <a:ext uri="{FF2B5EF4-FFF2-40B4-BE49-F238E27FC236}">
+                <a16:creationId xmlns:a16="http://schemas.microsoft.com/office/drawing/2014/main" id="{D1E2578E-E104-F99C-C3C2-BBF231188430}"/>
+              </a:ext>
+            </a:extLst>
+          </p:cNvPr>
+          <p:cNvPicPr>
+            <a:picLocks noChangeAspect="1"/>
+          </p:cNvPicPr>
+          <p:nvPr/>
+        </p:nvPicPr>
+        <p:blipFill rotWithShape="1">
+          <a:blip r:embed="rId3"/>
+          <a:srcRect l="1" t="8333" r="2485" b="37493"/>
+          <a:stretch/>
+        </p:blipFill>
+        <p:spPr>
+          <a:xfrm>
+            <a:off x="4571999" y="486070"/>
+            <a:ext cx="3886537" cy="1535769"/>
+          </a:xfrm>
+          <a:prstGeom prst="rect">
+            <a:avLst/>
+          </a:prstGeom>
+        </p:spPr>
+      </p:pic>
+      <p:pic>
+        <p:nvPicPr>
+          <p:cNvPr id="5" name="Picture 4">
+            <a:extLst>
+              <a:ext uri="{FF2B5EF4-FFF2-40B4-BE49-F238E27FC236}">
+                <a16:creationId xmlns:a16="http://schemas.microsoft.com/office/drawing/2014/main" id="{54F704B3-1E30-31A2-E13A-3B197A15CF06}"/>
+              </a:ext>
+            </a:extLst>
+          </p:cNvPr>
+          <p:cNvPicPr>
+            <a:picLocks noChangeAspect="1"/>
+          </p:cNvPicPr>
+          <p:nvPr/>
+        </p:nvPicPr>
+        <p:blipFill rotWithShape="1">
+          <a:blip r:embed="rId4"/>
+          <a:srcRect l="-1" r="76377"/>
+          <a:stretch/>
+        </p:blipFill>
+        <p:spPr>
+          <a:xfrm>
+            <a:off x="2418078" y="4039761"/>
+            <a:ext cx="3886536" cy="2598645"/>
+          </a:xfrm>
+          <a:prstGeom prst="rect">
+            <a:avLst/>
+          </a:prstGeom>
+        </p:spPr>
+      </p:pic>
+    </p:spTree>
+    <p:extLst>
+      <p:ext uri="{BB962C8B-B14F-4D97-AF65-F5344CB8AC3E}">
+        <p14:creationId xmlns:p14="http://schemas.microsoft.com/office/powerpoint/2010/main" val="3614881211"/>
+      </p:ext>
+    </p:extLst>
+  </p:cSld>
+  <p:clrMapOvr>
+    <a:masterClrMapping/>
+  </p:clrMapOvr>
+</p:sld>
+</file>
+
+<file path=ppt/slides/slide5.xml><?xml version="1.0" encoding="utf-8"?>
+<p:sld xmlns:a="http://schemas.openxmlformats.org/drawingml/2006/main" xmlns:r="http://schemas.openxmlformats.org/officeDocument/2006/relationships" xmlns:p="http://schemas.openxmlformats.org/presentationml/2006/main">
+  <p:cSld>
+    <p:spTree>
+      <p:nvGrpSpPr>
+        <p:cNvPr id="1" name=""/>
+        <p:cNvGrpSpPr/>
+        <p:nvPr/>
+      </p:nvGrpSpPr>
+      <p:grpSpPr>
+        <a:xfrm>
+          <a:off x="0" y="0"/>
+          <a:ext cx="0" cy="0"/>
+          <a:chOff x="0" y="0"/>
+          <a:chExt cx="0" cy="0"/>
+        </a:xfrm>
+      </p:grpSpPr>
+      <p:pic>
+        <p:nvPicPr>
+          <p:cNvPr id="5" name="Picture 4" descr="A colorful text on a white background&#10;&#10;Description automatically generated">
+            <a:extLst>
+              <a:ext uri="{FF2B5EF4-FFF2-40B4-BE49-F238E27FC236}">
+                <a16:creationId xmlns:a16="http://schemas.microsoft.com/office/drawing/2014/main" id="{308C548A-325C-FB87-1FBE-2E41DCB3C62B}"/>
+              </a:ext>
+            </a:extLst>
+          </p:cNvPr>
+          <p:cNvPicPr>
+            <a:picLocks noChangeAspect="1"/>
+          </p:cNvPicPr>
+          <p:nvPr/>
+        </p:nvPicPr>
+        <p:blipFill>
+          <a:blip r:embed="rId2">
+            <a:extLst>
+              <a:ext uri="{BEBA8EAE-BF5A-486C-A8C5-ECC9F3942E4B}">
+                <a14:imgProps xmlns:a14="http://schemas.microsoft.com/office/drawing/2010/main">
+                  <a14:imgLayer r:embed="rId3">
+                    <a14:imgEffect>
+                      <a14:backgroundRemoval t="10000" b="90000" l="10000" r="90000">
+                        <a14:foregroundMark x1="62500" y1="17879" x2="63415" y2="40909"/>
+                        <a14:foregroundMark x1="32622" y1="53636" x2="44817" y2="67576"/>
+                        <a14:foregroundMark x1="57317" y1="57273" x2="72256" y2="56667"/>
+                      </a14:backgroundRemoval>
+                    </a14:imgEffect>
+                  </a14:imgLayer>
+                </a14:imgProps>
+              </a:ext>
+              <a:ext uri="{28A0092B-C50C-407E-A947-70E740481C1C}">
+                <a14:useLocalDpi xmlns:a14="http://schemas.microsoft.com/office/drawing/2010/main" val="0"/>
+              </a:ext>
+            </a:extLst>
+          </a:blip>
+          <a:stretch>
+            <a:fillRect/>
+          </a:stretch>
+        </p:blipFill>
+        <p:spPr>
+          <a:xfrm>
+            <a:off x="2692400" y="1320801"/>
+            <a:ext cx="2214472" cy="2227974"/>
+          </a:xfrm>
+          <a:prstGeom prst="rect">
+            <a:avLst/>
+          </a:prstGeom>
+        </p:spPr>
+      </p:pic>
+      <p:sp>
+        <p:nvSpPr>
+          <p:cNvPr id="10" name="Isosceles Triangle 9">
+            <a:extLst>
+              <a:ext uri="{FF2B5EF4-FFF2-40B4-BE49-F238E27FC236}">
+                <a16:creationId xmlns:a16="http://schemas.microsoft.com/office/drawing/2014/main" id="{09A08A7E-DBB5-CDA4-4838-ECB5F1C5F4F0}"/>
+              </a:ext>
+            </a:extLst>
+          </p:cNvPr>
+          <p:cNvSpPr/>
+          <p:nvPr/>
+        </p:nvSpPr>
+        <p:spPr>
+          <a:xfrm rot="5400000">
+            <a:off x="4785508" y="1825848"/>
+            <a:ext cx="1460607" cy="1217880"/>
+          </a:xfrm>
+          <a:prstGeom prst="triangle">
+            <a:avLst/>
+          </a:prstGeom>
+          <a:ln>
+            <a:solidFill>
+              <a:schemeClr val="tx1"/>
+            </a:solidFill>
+          </a:ln>
+        </p:spPr>
+        <p:style>
+          <a:lnRef idx="2">
+            <a:schemeClr val="dk1">
+              <a:shade val="15000"/>
+            </a:schemeClr>
+          </a:lnRef>
+          <a:fillRef idx="1">
+            <a:schemeClr val="dk1"/>
+          </a:fillRef>
+          <a:effectRef idx="0">
+            <a:schemeClr val="dk1"/>
+          </a:effectRef>
+          <a:fontRef idx="minor">
+            <a:schemeClr val="lt1"/>
+          </a:fontRef>
+        </p:style>
+        <p:txBody>
+          <a:bodyPr rtlCol="0" anchor="ctr"/>
+          <a:lstStyle/>
+          <a:p>
+            <a:pPr algn="ctr"/>
+            <a:endParaRPr lang="fr-CA"/>
+          </a:p>
+        </p:txBody>
+      </p:sp>
+    </p:spTree>
+    <p:extLst>
+      <p:ext uri="{BB962C8B-B14F-4D97-AF65-F5344CB8AC3E}">
+        <p14:creationId xmlns:p14="http://schemas.microsoft.com/office/powerpoint/2010/main" val="4193116614"/>
+      </p:ext>
+    </p:extLst>
+  </p:cSld>
+  <p:clrMapOvr>
+    <a:masterClrMapping/>
+  </p:clrMapOvr>
+</p:sld>
+</file>
+
+<file path=ppt/slides/slide6.xml><?xml version="1.0" encoding="utf-8"?>
+<p:sld xmlns:a="http://schemas.openxmlformats.org/drawingml/2006/main" xmlns:r="http://schemas.openxmlformats.org/officeDocument/2006/relationships" xmlns:p="http://schemas.openxmlformats.org/presentationml/2006/main">
+  <p:cSld>
+    <p:spTree>
+      <p:nvGrpSpPr>
+        <p:cNvPr id="1" name=""/>
+        <p:cNvGrpSpPr/>
+        <p:nvPr/>
+      </p:nvGrpSpPr>
+      <p:grpSpPr>
+        <a:xfrm>
+          <a:off x="0" y="0"/>
+          <a:ext cx="0" cy="0"/>
+          <a:chOff x="0" y="0"/>
+          <a:chExt cx="0" cy="0"/>
+        </a:xfrm>
+      </p:grpSpPr>
       <p:sp>
         <p:nvSpPr>
           <p:cNvPr id="5" name="TextBox 4">
@@ -4444,7 +6176,7 @@
 </p:sld>
 </file>
 
-<file path=ppt/slides/slide3.xml><?xml version="1.0" encoding="utf-8"?>
+<file path=ppt/slides/slide7.xml><?xml version="1.0" encoding="utf-8"?>
 <p:sld xmlns:a="http://schemas.openxmlformats.org/drawingml/2006/main" xmlns:r="http://schemas.openxmlformats.org/officeDocument/2006/relationships" xmlns:p="http://schemas.openxmlformats.org/presentationml/2006/main">
   <p:cSld>
     <p:spTree>
@@ -4913,1206 +6645,6 @@
 </p:sld>
 </file>
 
-<file path=ppt/slides/slide4.xml><?xml version="1.0" encoding="utf-8"?>
-<p:sld xmlns:a="http://schemas.openxmlformats.org/drawingml/2006/main" xmlns:r="http://schemas.openxmlformats.org/officeDocument/2006/relationships" xmlns:p="http://schemas.openxmlformats.org/presentationml/2006/main">
-  <p:cSld>
-    <p:spTree>
-      <p:nvGrpSpPr>
-        <p:cNvPr id="1" name=""/>
-        <p:cNvGrpSpPr/>
-        <p:nvPr/>
-      </p:nvGrpSpPr>
-      <p:grpSpPr>
-        <a:xfrm>
-          <a:off x="0" y="0"/>
-          <a:ext cx="0" cy="0"/>
-          <a:chOff x="0" y="0"/>
-          <a:chExt cx="0" cy="0"/>
-        </a:xfrm>
-      </p:grpSpPr>
-      <p:sp>
-        <p:nvSpPr>
-          <p:cNvPr id="5" name="TextBox 4">
-            <a:extLst>
-              <a:ext uri="{FF2B5EF4-FFF2-40B4-BE49-F238E27FC236}">
-                <a16:creationId xmlns:a16="http://schemas.microsoft.com/office/drawing/2014/main" id="{DE3CFF3A-7376-62D6-676E-1F580E0460C1}"/>
-              </a:ext>
-            </a:extLst>
-          </p:cNvPr>
-          <p:cNvSpPr txBox="1"/>
-          <p:nvPr/>
-        </p:nvSpPr>
-        <p:spPr>
-          <a:xfrm>
-            <a:off x="4582160" y="1470075"/>
-            <a:ext cx="3596640" cy="2862322"/>
-          </a:xfrm>
-          <a:prstGeom prst="rect">
-            <a:avLst/>
-          </a:prstGeom>
-          <a:noFill/>
-        </p:spPr>
-        <p:txBody>
-          <a:bodyPr wrap="square">
-            <a:spAutoFit/>
-          </a:bodyPr>
-          <a:lstStyle/>
-          <a:p>
-            <a:r>
-              <a:rPr lang="fr-CA" dirty="0" err="1">
-                <a:solidFill>
-                  <a:schemeClr val="accent5">
-                    <a:lumMod val="75000"/>
-                  </a:schemeClr>
-                </a:solidFill>
-              </a:rPr>
-              <a:t>def</a:t>
-            </a:r>
-            <a:r>
-              <a:rPr lang="fr-CA" dirty="0"/>
-              <a:t> </a:t>
-            </a:r>
-            <a:r>
-              <a:rPr lang="fr-CA" dirty="0" err="1">
-                <a:solidFill>
-                  <a:srgbClr val="FF0000"/>
-                </a:solidFill>
-              </a:rPr>
-              <a:t>sum</a:t>
-            </a:r>
-            <a:r>
-              <a:rPr lang="fr-CA" dirty="0"/>
-              <a:t>(</a:t>
-            </a:r>
-            <a:r>
-              <a:rPr lang="fr-CA" dirty="0">
-                <a:solidFill>
-                  <a:schemeClr val="accent3"/>
-                </a:solidFill>
-              </a:rPr>
-              <a:t>num1</a:t>
-            </a:r>
-            <a:r>
-              <a:rPr lang="fr-CA" dirty="0"/>
-              <a:t>, </a:t>
-            </a:r>
-            <a:r>
-              <a:rPr lang="fr-CA" dirty="0">
-                <a:solidFill>
-                  <a:schemeClr val="accent1">
-                    <a:lumMod val="60000"/>
-                    <a:lumOff val="40000"/>
-                  </a:schemeClr>
-                </a:solidFill>
-              </a:rPr>
-              <a:t>num2</a:t>
-            </a:r>
-            <a:r>
-              <a:rPr lang="fr-CA" dirty="0"/>
-              <a:t>)</a:t>
-            </a:r>
-            <a:r>
-              <a:rPr lang="fr-CA" dirty="0">
-                <a:highlight>
-                  <a:srgbClr val="FFFF00"/>
-                </a:highlight>
-              </a:rPr>
-              <a:t>:</a:t>
-            </a:r>
-          </a:p>
-          <a:p>
-            <a:r>
-              <a:rPr lang="fr-CA" dirty="0">
-                <a:highlight>
-                  <a:srgbClr val="FFFF00"/>
-                </a:highlight>
-              </a:rPr>
-              <a:t>	</a:t>
-            </a:r>
-            <a:r>
-              <a:rPr lang="fr-CA" dirty="0">
-                <a:solidFill>
-                  <a:schemeClr val="accent5">
-                    <a:lumMod val="75000"/>
-                  </a:schemeClr>
-                </a:solidFill>
-              </a:rPr>
-              <a:t>return</a:t>
-            </a:r>
-            <a:r>
-              <a:rPr lang="fr-CA" dirty="0"/>
-              <a:t> </a:t>
-            </a:r>
-            <a:r>
-              <a:rPr lang="fr-CA" dirty="0">
-                <a:solidFill>
-                  <a:schemeClr val="accent6">
-                    <a:lumMod val="60000"/>
-                    <a:lumOff val="40000"/>
-                  </a:schemeClr>
-                </a:solidFill>
-              </a:rPr>
-              <a:t>(num1 + num2)</a:t>
-            </a:r>
-          </a:p>
-          <a:p>
-            <a:endParaRPr lang="fr-CA" dirty="0">
-              <a:solidFill>
-                <a:schemeClr val="accent6">
-                  <a:lumMod val="60000"/>
-                  <a:lumOff val="40000"/>
-                </a:schemeClr>
-              </a:solidFill>
-            </a:endParaRPr>
-          </a:p>
-          <a:p>
-            <a:pPr marL="285750" indent="-285750">
-              <a:buFontTx/>
-              <a:buChar char="-"/>
-            </a:pPr>
-            <a:r>
-              <a:rPr lang="fr-CA" dirty="0" err="1">
-                <a:solidFill>
-                  <a:srgbClr val="7030A0"/>
-                </a:solidFill>
-              </a:rPr>
-              <a:t>def</a:t>
-            </a:r>
-            <a:r>
-              <a:rPr lang="fr-CA" dirty="0">
-                <a:solidFill>
-                  <a:srgbClr val="7030A0"/>
-                </a:solidFill>
-              </a:rPr>
-              <a:t> keyword</a:t>
-            </a:r>
-          </a:p>
-          <a:p>
-            <a:pPr marL="285750" indent="-285750">
-              <a:buFontTx/>
-              <a:buChar char="-"/>
-            </a:pPr>
-            <a:r>
-              <a:rPr lang="fr-CA" dirty="0">
-                <a:highlight>
-                  <a:srgbClr val="FFFF00"/>
-                </a:highlight>
-              </a:rPr>
-              <a:t>Semi-colon and indentation</a:t>
-            </a:r>
-          </a:p>
-          <a:p>
-            <a:pPr marL="285750" indent="-285750">
-              <a:buFontTx/>
-              <a:buChar char="-"/>
-            </a:pPr>
-            <a:r>
-              <a:rPr lang="fr-CA" dirty="0" err="1">
-                <a:solidFill>
-                  <a:srgbClr val="FF0000"/>
-                </a:solidFill>
-              </a:rPr>
-              <a:t>name</a:t>
-            </a:r>
-            <a:r>
-              <a:rPr lang="fr-CA" dirty="0">
-                <a:solidFill>
-                  <a:srgbClr val="FF0000"/>
-                </a:solidFill>
-              </a:rPr>
-              <a:t> of the </a:t>
-            </a:r>
-            <a:r>
-              <a:rPr lang="fr-CA" dirty="0" err="1">
-                <a:solidFill>
-                  <a:srgbClr val="FF0000"/>
-                </a:solidFill>
-              </a:rPr>
-              <a:t>function</a:t>
-            </a:r>
-            <a:endParaRPr lang="fr-CA" dirty="0">
-              <a:solidFill>
-                <a:srgbClr val="FF0000"/>
-              </a:solidFill>
-            </a:endParaRPr>
-          </a:p>
-          <a:p>
-            <a:pPr marL="285750" indent="-285750">
-              <a:buFontTx/>
-              <a:buChar char="-"/>
-            </a:pPr>
-            <a:r>
-              <a:rPr lang="fr-CA" dirty="0">
-                <a:solidFill>
-                  <a:schemeClr val="accent3"/>
-                </a:solidFill>
-              </a:rPr>
-              <a:t>Argument 1</a:t>
-            </a:r>
-          </a:p>
-          <a:p>
-            <a:pPr marL="285750" indent="-285750">
-              <a:buFontTx/>
-              <a:buChar char="-"/>
-            </a:pPr>
-            <a:r>
-              <a:rPr lang="fr-CA" dirty="0">
-                <a:solidFill>
-                  <a:srgbClr val="00B0F0"/>
-                </a:solidFill>
-              </a:rPr>
-              <a:t>Argument 2</a:t>
-            </a:r>
-          </a:p>
-          <a:p>
-            <a:r>
-              <a:rPr lang="fr-CA" dirty="0">
-                <a:solidFill>
-                  <a:schemeClr val="accent5">
-                    <a:lumMod val="75000"/>
-                  </a:schemeClr>
-                </a:solidFill>
-              </a:rPr>
-              <a:t>-     return keyword</a:t>
-            </a:r>
-          </a:p>
-          <a:p>
-            <a:r>
-              <a:rPr lang="fr-CA" dirty="0">
-                <a:solidFill>
-                  <a:schemeClr val="accent6">
-                    <a:lumMod val="60000"/>
-                    <a:lumOff val="40000"/>
-                  </a:schemeClr>
-                </a:solidFill>
-              </a:rPr>
-              <a:t>- </a:t>
-            </a:r>
-            <a:r>
-              <a:rPr lang="fr-CA" dirty="0" err="1">
-                <a:solidFill>
-                  <a:schemeClr val="accent6">
-                    <a:lumMod val="60000"/>
-                    <a:lumOff val="40000"/>
-                  </a:schemeClr>
-                </a:solidFill>
-              </a:rPr>
-              <a:t>Returned</a:t>
-            </a:r>
-            <a:r>
-              <a:rPr lang="fr-CA" dirty="0">
-                <a:solidFill>
-                  <a:schemeClr val="accent6">
-                    <a:lumMod val="60000"/>
-                    <a:lumOff val="40000"/>
-                  </a:schemeClr>
-                </a:solidFill>
-              </a:rPr>
-              <a:t> value or expression</a:t>
-            </a:r>
-          </a:p>
-        </p:txBody>
-      </p:sp>
-    </p:spTree>
-    <p:extLst>
-      <p:ext uri="{BB962C8B-B14F-4D97-AF65-F5344CB8AC3E}">
-        <p14:creationId xmlns:p14="http://schemas.microsoft.com/office/powerpoint/2010/main" val="238358604"/>
-      </p:ext>
-    </p:extLst>
-  </p:cSld>
-  <p:clrMapOvr>
-    <a:masterClrMapping/>
-  </p:clrMapOvr>
-</p:sld>
-</file>
-
-<file path=ppt/slides/slide5.xml><?xml version="1.0" encoding="utf-8"?>
-<p:sld xmlns:a="http://schemas.openxmlformats.org/drawingml/2006/main" xmlns:r="http://schemas.openxmlformats.org/officeDocument/2006/relationships" xmlns:p="http://schemas.openxmlformats.org/presentationml/2006/main">
-  <p:cSld>
-    <p:spTree>
-      <p:nvGrpSpPr>
-        <p:cNvPr id="1" name=""/>
-        <p:cNvGrpSpPr/>
-        <p:nvPr/>
-      </p:nvGrpSpPr>
-      <p:grpSpPr>
-        <a:xfrm>
-          <a:off x="0" y="0"/>
-          <a:ext cx="0" cy="0"/>
-          <a:chOff x="0" y="0"/>
-          <a:chExt cx="0" cy="0"/>
-        </a:xfrm>
-      </p:grpSpPr>
-      <p:sp>
-        <p:nvSpPr>
-          <p:cNvPr id="5" name="TextBox 4">
-            <a:extLst>
-              <a:ext uri="{FF2B5EF4-FFF2-40B4-BE49-F238E27FC236}">
-                <a16:creationId xmlns:a16="http://schemas.microsoft.com/office/drawing/2014/main" id="{7E3F2419-DB6B-1EB8-F2CC-CA1558A3E96B}"/>
-              </a:ext>
-            </a:extLst>
-          </p:cNvPr>
-          <p:cNvSpPr txBox="1"/>
-          <p:nvPr/>
-        </p:nvSpPr>
-        <p:spPr>
-          <a:xfrm>
-            <a:off x="1696729" y="3044279"/>
-            <a:ext cx="8981430" cy="769441"/>
-          </a:xfrm>
-          <a:prstGeom prst="rect">
-            <a:avLst/>
-          </a:prstGeom>
-          <a:noFill/>
-        </p:spPr>
-        <p:txBody>
-          <a:bodyPr wrap="square">
-            <a:spAutoFit/>
-          </a:bodyPr>
-          <a:lstStyle/>
-          <a:p>
-            <a:r>
-              <a:rPr lang="fr-CA" sz="4400" dirty="0" err="1">
-                <a:solidFill>
-                  <a:schemeClr val="accent4">
-                    <a:lumMod val="75000"/>
-                  </a:schemeClr>
-                </a:solidFill>
-              </a:rPr>
-              <a:t>variable_name</a:t>
-            </a:r>
-            <a:r>
-              <a:rPr lang="fr-CA" sz="4400" dirty="0"/>
-              <a:t>  = </a:t>
-            </a:r>
-            <a:r>
-              <a:rPr lang="fr-CA" sz="4400" dirty="0" err="1">
-                <a:solidFill>
-                  <a:srgbClr val="FF0000"/>
-                </a:solidFill>
-              </a:rPr>
-              <a:t>some_expression</a:t>
-            </a:r>
-            <a:endParaRPr lang="fr-CA" sz="4400" dirty="0">
-              <a:solidFill>
-                <a:srgbClr val="FF0000"/>
-              </a:solidFill>
-            </a:endParaRPr>
-          </a:p>
-        </p:txBody>
-      </p:sp>
-      <p:sp>
-        <p:nvSpPr>
-          <p:cNvPr id="16" name="TextBox 15">
-            <a:extLst>
-              <a:ext uri="{FF2B5EF4-FFF2-40B4-BE49-F238E27FC236}">
-                <a16:creationId xmlns:a16="http://schemas.microsoft.com/office/drawing/2014/main" id="{4A475B3A-3C45-4390-CF50-D147296916CE}"/>
-              </a:ext>
-            </a:extLst>
-          </p:cNvPr>
-          <p:cNvSpPr txBox="1"/>
-          <p:nvPr/>
-        </p:nvSpPr>
-        <p:spPr>
-          <a:xfrm>
-            <a:off x="4246503" y="2044601"/>
-            <a:ext cx="2947153" cy="461665"/>
-          </a:xfrm>
-          <a:prstGeom prst="rect">
-            <a:avLst/>
-          </a:prstGeom>
-          <a:noFill/>
-        </p:spPr>
-        <p:txBody>
-          <a:bodyPr wrap="none" rtlCol="0">
-            <a:spAutoFit/>
-          </a:bodyPr>
-          <a:lstStyle/>
-          <a:p>
-            <a:r>
-              <a:rPr lang="en-US" sz="2400" dirty="0"/>
-              <a:t>Assignment operator</a:t>
-            </a:r>
-            <a:endParaRPr lang="fr-CA" sz="2400" dirty="0"/>
-          </a:p>
-        </p:txBody>
-      </p:sp>
-      <p:cxnSp>
-        <p:nvCxnSpPr>
-          <p:cNvPr id="18" name="Straight Arrow Connector 17">
-            <a:extLst>
-              <a:ext uri="{FF2B5EF4-FFF2-40B4-BE49-F238E27FC236}">
-                <a16:creationId xmlns:a16="http://schemas.microsoft.com/office/drawing/2014/main" id="{6F27A056-C01A-3B34-24D7-BF99999C01BA}"/>
-              </a:ext>
-            </a:extLst>
-          </p:cNvPr>
-          <p:cNvCxnSpPr>
-            <a:cxnSpLocks/>
-          </p:cNvCxnSpPr>
-          <p:nvPr/>
-        </p:nvCxnSpPr>
-        <p:spPr>
-          <a:xfrm>
-            <a:off x="5720080" y="2610693"/>
-            <a:ext cx="0" cy="497840"/>
-          </a:xfrm>
-          <a:prstGeom prst="straightConnector1">
-            <a:avLst/>
-          </a:prstGeom>
-          <a:ln>
-            <a:tailEnd type="triangle"/>
-          </a:ln>
-        </p:spPr>
-        <p:style>
-          <a:lnRef idx="2">
-            <a:schemeClr val="accent1"/>
-          </a:lnRef>
-          <a:fillRef idx="0">
-            <a:schemeClr val="accent1"/>
-          </a:fillRef>
-          <a:effectRef idx="1">
-            <a:schemeClr val="accent1"/>
-          </a:effectRef>
-          <a:fontRef idx="minor">
-            <a:schemeClr val="tx1"/>
-          </a:fontRef>
-        </p:style>
-      </p:cxnSp>
-      <p:sp>
-        <p:nvSpPr>
-          <p:cNvPr id="20" name="TextBox 19">
-            <a:extLst>
-              <a:ext uri="{FF2B5EF4-FFF2-40B4-BE49-F238E27FC236}">
-                <a16:creationId xmlns:a16="http://schemas.microsoft.com/office/drawing/2014/main" id="{8E98FF3B-761E-F267-1C5D-60A95B8FB077}"/>
-              </a:ext>
-            </a:extLst>
-          </p:cNvPr>
-          <p:cNvSpPr txBox="1"/>
-          <p:nvPr/>
-        </p:nvSpPr>
-        <p:spPr>
-          <a:xfrm>
-            <a:off x="8147943" y="2663279"/>
-            <a:ext cx="308098" cy="369332"/>
-          </a:xfrm>
-          <a:prstGeom prst="rect">
-            <a:avLst/>
-          </a:prstGeom>
-          <a:noFill/>
-        </p:spPr>
-        <p:txBody>
-          <a:bodyPr wrap="square" rtlCol="0">
-            <a:spAutoFit/>
-          </a:bodyPr>
-          <a:lstStyle/>
-          <a:p>
-            <a:r>
-              <a:rPr lang="en-US" dirty="0">
-                <a:solidFill>
-                  <a:srgbClr val="FF0000"/>
-                </a:solidFill>
-              </a:rPr>
-              <a:t>1</a:t>
-            </a:r>
-            <a:endParaRPr lang="fr-CA" dirty="0">
-              <a:solidFill>
-                <a:srgbClr val="FF0000"/>
-              </a:solidFill>
-            </a:endParaRPr>
-          </a:p>
-        </p:txBody>
-      </p:sp>
-      <p:sp>
-        <p:nvSpPr>
-          <p:cNvPr id="22" name="TextBox 21">
-            <a:extLst>
-              <a:ext uri="{FF2B5EF4-FFF2-40B4-BE49-F238E27FC236}">
-                <a16:creationId xmlns:a16="http://schemas.microsoft.com/office/drawing/2014/main" id="{72C234F4-FA2E-4B9D-3F9C-03457D0D9D09}"/>
-              </a:ext>
-            </a:extLst>
-          </p:cNvPr>
-          <p:cNvSpPr txBox="1"/>
-          <p:nvPr/>
-        </p:nvSpPr>
-        <p:spPr>
-          <a:xfrm>
-            <a:off x="1696729" y="2674947"/>
-            <a:ext cx="308098" cy="369332"/>
-          </a:xfrm>
-          <a:prstGeom prst="rect">
-            <a:avLst/>
-          </a:prstGeom>
-          <a:noFill/>
-        </p:spPr>
-        <p:txBody>
-          <a:bodyPr wrap="square" rtlCol="0">
-            <a:spAutoFit/>
-          </a:bodyPr>
-          <a:lstStyle/>
-          <a:p>
-            <a:r>
-              <a:rPr lang="en-US" dirty="0">
-                <a:solidFill>
-                  <a:schemeClr val="accent4">
-                    <a:lumMod val="75000"/>
-                  </a:schemeClr>
-                </a:solidFill>
-              </a:rPr>
-              <a:t>2</a:t>
-            </a:r>
-            <a:endParaRPr lang="fr-CA" dirty="0">
-              <a:solidFill>
-                <a:schemeClr val="accent4">
-                  <a:lumMod val="75000"/>
-                </a:schemeClr>
-              </a:solidFill>
-            </a:endParaRPr>
-          </a:p>
-        </p:txBody>
-      </p:sp>
-      <p:cxnSp>
-        <p:nvCxnSpPr>
-          <p:cNvPr id="23" name="Straight Arrow Connector 22">
-            <a:extLst>
-              <a:ext uri="{FF2B5EF4-FFF2-40B4-BE49-F238E27FC236}">
-                <a16:creationId xmlns:a16="http://schemas.microsoft.com/office/drawing/2014/main" id="{9510673C-4BDD-F671-E248-1F982A05FE76}"/>
-              </a:ext>
-            </a:extLst>
-          </p:cNvPr>
-          <p:cNvCxnSpPr>
-            <a:cxnSpLocks/>
-          </p:cNvCxnSpPr>
-          <p:nvPr/>
-        </p:nvCxnSpPr>
-        <p:spPr>
-          <a:xfrm flipH="1">
-            <a:off x="5252720" y="4509215"/>
-            <a:ext cx="843280" cy="0"/>
-          </a:xfrm>
-          <a:prstGeom prst="straightConnector1">
-            <a:avLst/>
-          </a:prstGeom>
-          <a:ln>
-            <a:solidFill>
-              <a:schemeClr val="tx1"/>
-            </a:solidFill>
-            <a:tailEnd type="triangle"/>
-          </a:ln>
-        </p:spPr>
-        <p:style>
-          <a:lnRef idx="2">
-            <a:schemeClr val="accent1"/>
-          </a:lnRef>
-          <a:fillRef idx="0">
-            <a:schemeClr val="accent1"/>
-          </a:fillRef>
-          <a:effectRef idx="1">
-            <a:schemeClr val="accent1"/>
-          </a:effectRef>
-          <a:fontRef idx="minor">
-            <a:schemeClr val="tx1"/>
-          </a:fontRef>
-        </p:style>
-      </p:cxnSp>
-      <p:sp>
-        <p:nvSpPr>
-          <p:cNvPr id="26" name="TextBox 25">
-            <a:extLst>
-              <a:ext uri="{FF2B5EF4-FFF2-40B4-BE49-F238E27FC236}">
-                <a16:creationId xmlns:a16="http://schemas.microsoft.com/office/drawing/2014/main" id="{D6EF8A92-947E-2C47-EF7D-8C126A8E3AED}"/>
-              </a:ext>
-            </a:extLst>
-          </p:cNvPr>
-          <p:cNvSpPr txBox="1"/>
-          <p:nvPr/>
-        </p:nvSpPr>
-        <p:spPr>
-          <a:xfrm>
-            <a:off x="6187442" y="4183052"/>
-            <a:ext cx="1127756" cy="584775"/>
-          </a:xfrm>
-          <a:prstGeom prst="rect">
-            <a:avLst/>
-          </a:prstGeom>
-          <a:noFill/>
-        </p:spPr>
-        <p:txBody>
-          <a:bodyPr wrap="square">
-            <a:spAutoFit/>
-          </a:bodyPr>
-          <a:lstStyle/>
-          <a:p>
-            <a:r>
-              <a:rPr lang="fr-CA" sz="3200" dirty="0">
-                <a:solidFill>
-                  <a:srgbClr val="FF0000"/>
-                </a:solidFill>
-              </a:rPr>
-              <a:t>right</a:t>
-            </a:r>
-            <a:endParaRPr lang="fr-CA" sz="3200" dirty="0"/>
-          </a:p>
-        </p:txBody>
-      </p:sp>
-      <p:sp>
-        <p:nvSpPr>
-          <p:cNvPr id="28" name="TextBox 27">
-            <a:extLst>
-              <a:ext uri="{FF2B5EF4-FFF2-40B4-BE49-F238E27FC236}">
-                <a16:creationId xmlns:a16="http://schemas.microsoft.com/office/drawing/2014/main" id="{16712AF7-B036-CBB4-4086-5BACA599310F}"/>
-              </a:ext>
-            </a:extLst>
-          </p:cNvPr>
-          <p:cNvSpPr txBox="1"/>
-          <p:nvPr/>
-        </p:nvSpPr>
-        <p:spPr>
-          <a:xfrm>
-            <a:off x="4409440" y="4180184"/>
-            <a:ext cx="843280" cy="584775"/>
-          </a:xfrm>
-          <a:prstGeom prst="rect">
-            <a:avLst/>
-          </a:prstGeom>
-          <a:noFill/>
-        </p:spPr>
-        <p:txBody>
-          <a:bodyPr wrap="square">
-            <a:spAutoFit/>
-          </a:bodyPr>
-          <a:lstStyle/>
-          <a:p>
-            <a:r>
-              <a:rPr lang="fr-CA" sz="3200" dirty="0" err="1">
-                <a:solidFill>
-                  <a:schemeClr val="accent4">
-                    <a:lumMod val="75000"/>
-                  </a:schemeClr>
-                </a:solidFill>
-              </a:rPr>
-              <a:t>left</a:t>
-            </a:r>
-            <a:endParaRPr lang="fr-CA" sz="3200" dirty="0"/>
-          </a:p>
-        </p:txBody>
-      </p:sp>
-    </p:spTree>
-    <p:extLst>
-      <p:ext uri="{BB962C8B-B14F-4D97-AF65-F5344CB8AC3E}">
-        <p14:creationId xmlns:p14="http://schemas.microsoft.com/office/powerpoint/2010/main" val="1315956863"/>
-      </p:ext>
-    </p:extLst>
-  </p:cSld>
-  <p:clrMapOvr>
-    <a:masterClrMapping/>
-  </p:clrMapOvr>
-</p:sld>
-</file>
-
-<file path=ppt/slides/slide6.xml><?xml version="1.0" encoding="utf-8"?>
-<p:sld xmlns:a="http://schemas.openxmlformats.org/drawingml/2006/main" xmlns:r="http://schemas.openxmlformats.org/officeDocument/2006/relationships" xmlns:p="http://schemas.openxmlformats.org/presentationml/2006/main">
-  <p:cSld>
-    <p:spTree>
-      <p:nvGrpSpPr>
-        <p:cNvPr id="1" name=""/>
-        <p:cNvGrpSpPr/>
-        <p:nvPr/>
-      </p:nvGrpSpPr>
-      <p:grpSpPr>
-        <a:xfrm>
-          <a:off x="0" y="0"/>
-          <a:ext cx="0" cy="0"/>
-          <a:chOff x="0" y="0"/>
-          <a:chExt cx="0" cy="0"/>
-        </a:xfrm>
-      </p:grpSpPr>
-      <p:pic>
-        <p:nvPicPr>
-          <p:cNvPr id="8" name="Picture 7">
-            <a:extLst>
-              <a:ext uri="{FF2B5EF4-FFF2-40B4-BE49-F238E27FC236}">
-                <a16:creationId xmlns:a16="http://schemas.microsoft.com/office/drawing/2014/main" id="{1FF44668-ACC3-5292-1D64-F754FF56CB64}"/>
-              </a:ext>
-            </a:extLst>
-          </p:cNvPr>
-          <p:cNvPicPr>
-            <a:picLocks noChangeAspect="1"/>
-          </p:cNvPicPr>
-          <p:nvPr/>
-        </p:nvPicPr>
-        <p:blipFill>
-          <a:blip r:embed="rId2"/>
-          <a:stretch>
-            <a:fillRect/>
-          </a:stretch>
-        </p:blipFill>
-        <p:spPr>
-          <a:xfrm>
-            <a:off x="0" y="177588"/>
-            <a:ext cx="12192000" cy="6502824"/>
-          </a:xfrm>
-          <a:prstGeom prst="rect">
-            <a:avLst/>
-          </a:prstGeom>
-        </p:spPr>
-      </p:pic>
-      <p:sp>
-        <p:nvSpPr>
-          <p:cNvPr id="6" name="Rectangle 5">
-            <a:extLst>
-              <a:ext uri="{FF2B5EF4-FFF2-40B4-BE49-F238E27FC236}">
-                <a16:creationId xmlns:a16="http://schemas.microsoft.com/office/drawing/2014/main" id="{ED904F2D-4462-744E-8C6F-E062D0B9B0A0}"/>
-              </a:ext>
-            </a:extLst>
-          </p:cNvPr>
-          <p:cNvSpPr/>
-          <p:nvPr/>
-        </p:nvSpPr>
-        <p:spPr>
-          <a:xfrm>
-            <a:off x="2241756" y="580103"/>
-            <a:ext cx="9674942" cy="3746091"/>
-          </a:xfrm>
-          <a:prstGeom prst="rect">
-            <a:avLst/>
-          </a:prstGeom>
-          <a:noFill/>
-          <a:ln>
-            <a:solidFill>
-              <a:srgbClr val="FFFF00"/>
-            </a:solidFill>
-          </a:ln>
-        </p:spPr>
-        <p:style>
-          <a:lnRef idx="2">
-            <a:schemeClr val="accent1">
-              <a:shade val="15000"/>
-            </a:schemeClr>
-          </a:lnRef>
-          <a:fillRef idx="1">
-            <a:schemeClr val="accent1"/>
-          </a:fillRef>
-          <a:effectRef idx="0">
-            <a:schemeClr val="accent1"/>
-          </a:effectRef>
-          <a:fontRef idx="minor">
-            <a:schemeClr val="lt1"/>
-          </a:fontRef>
-        </p:style>
-        <p:txBody>
-          <a:bodyPr rtlCol="0" anchor="ctr"/>
-          <a:lstStyle/>
-          <a:p>
-            <a:pPr algn="ctr"/>
-            <a:endParaRPr lang="fr-CA"/>
-          </a:p>
-        </p:txBody>
-      </p:sp>
-      <p:sp>
-        <p:nvSpPr>
-          <p:cNvPr id="9" name="TextBox 8">
-            <a:extLst>
-              <a:ext uri="{FF2B5EF4-FFF2-40B4-BE49-F238E27FC236}">
-                <a16:creationId xmlns:a16="http://schemas.microsoft.com/office/drawing/2014/main" id="{55156B8C-A5BD-E58D-69D9-E21A7B288C1C}"/>
-              </a:ext>
-            </a:extLst>
-          </p:cNvPr>
-          <p:cNvSpPr txBox="1"/>
-          <p:nvPr/>
-        </p:nvSpPr>
-        <p:spPr>
-          <a:xfrm>
-            <a:off x="6607277" y="2182761"/>
-            <a:ext cx="775020" cy="369332"/>
-          </a:xfrm>
-          <a:prstGeom prst="rect">
-            <a:avLst/>
-          </a:prstGeom>
-          <a:noFill/>
-        </p:spPr>
-        <p:txBody>
-          <a:bodyPr wrap="none" rtlCol="0">
-            <a:spAutoFit/>
-          </a:bodyPr>
-          <a:lstStyle/>
-          <a:p>
-            <a:r>
-              <a:rPr lang="en-US" dirty="0">
-                <a:solidFill>
-                  <a:srgbClr val="FFFF00"/>
-                </a:solidFill>
-              </a:rPr>
-              <a:t>Editor</a:t>
-            </a:r>
-            <a:endParaRPr lang="fr-CA" dirty="0">
-              <a:solidFill>
-                <a:srgbClr val="FFFF00"/>
-              </a:solidFill>
-            </a:endParaRPr>
-          </a:p>
-        </p:txBody>
-      </p:sp>
-      <p:sp>
-        <p:nvSpPr>
-          <p:cNvPr id="10" name="Rectangle 9">
-            <a:extLst>
-              <a:ext uri="{FF2B5EF4-FFF2-40B4-BE49-F238E27FC236}">
-                <a16:creationId xmlns:a16="http://schemas.microsoft.com/office/drawing/2014/main" id="{CD178D6C-81CB-2AB8-A577-A34F4DC3A386}"/>
-              </a:ext>
-            </a:extLst>
-          </p:cNvPr>
-          <p:cNvSpPr/>
-          <p:nvPr/>
-        </p:nvSpPr>
-        <p:spPr>
-          <a:xfrm>
-            <a:off x="639097" y="4876800"/>
-            <a:ext cx="11277601" cy="1499419"/>
-          </a:xfrm>
-          <a:prstGeom prst="rect">
-            <a:avLst/>
-          </a:prstGeom>
-          <a:noFill/>
-          <a:ln>
-            <a:solidFill>
-              <a:srgbClr val="00B0F0"/>
-            </a:solidFill>
-          </a:ln>
-        </p:spPr>
-        <p:style>
-          <a:lnRef idx="2">
-            <a:schemeClr val="accent1">
-              <a:shade val="15000"/>
-            </a:schemeClr>
-          </a:lnRef>
-          <a:fillRef idx="1">
-            <a:schemeClr val="accent1"/>
-          </a:fillRef>
-          <a:effectRef idx="0">
-            <a:schemeClr val="accent1"/>
-          </a:effectRef>
-          <a:fontRef idx="minor">
-            <a:schemeClr val="lt1"/>
-          </a:fontRef>
-        </p:style>
-        <p:txBody>
-          <a:bodyPr rtlCol="0" anchor="ctr"/>
-          <a:lstStyle/>
-          <a:p>
-            <a:pPr algn="ctr"/>
-            <a:endParaRPr lang="fr-CA"/>
-          </a:p>
-        </p:txBody>
-      </p:sp>
-      <p:sp>
-        <p:nvSpPr>
-          <p:cNvPr id="11" name="TextBox 10">
-            <a:extLst>
-              <a:ext uri="{FF2B5EF4-FFF2-40B4-BE49-F238E27FC236}">
-                <a16:creationId xmlns:a16="http://schemas.microsoft.com/office/drawing/2014/main" id="{E54B45A2-22D9-B38F-A7A9-279C7FF85207}"/>
-              </a:ext>
-            </a:extLst>
-          </p:cNvPr>
-          <p:cNvSpPr txBox="1"/>
-          <p:nvPr/>
-        </p:nvSpPr>
-        <p:spPr>
-          <a:xfrm>
-            <a:off x="5171768" y="5441843"/>
-            <a:ext cx="2210529" cy="369332"/>
-          </a:xfrm>
-          <a:prstGeom prst="rect">
-            <a:avLst/>
-          </a:prstGeom>
-          <a:noFill/>
-        </p:spPr>
-        <p:txBody>
-          <a:bodyPr wrap="square" rtlCol="0">
-            <a:spAutoFit/>
-          </a:bodyPr>
-          <a:lstStyle/>
-          <a:p>
-            <a:r>
-              <a:rPr lang="en-US" dirty="0">
-                <a:solidFill>
-                  <a:srgbClr val="00B0F0"/>
-                </a:solidFill>
-              </a:rPr>
-              <a:t>Output window</a:t>
-            </a:r>
-            <a:endParaRPr lang="fr-CA" dirty="0">
-              <a:solidFill>
-                <a:srgbClr val="00B0F0"/>
-              </a:solidFill>
-            </a:endParaRPr>
-          </a:p>
-        </p:txBody>
-      </p:sp>
-      <p:sp>
-        <p:nvSpPr>
-          <p:cNvPr id="12" name="Rectangle 11">
-            <a:extLst>
-              <a:ext uri="{FF2B5EF4-FFF2-40B4-BE49-F238E27FC236}">
-                <a16:creationId xmlns:a16="http://schemas.microsoft.com/office/drawing/2014/main" id="{43023E4D-61C1-FC64-CB28-BE1E3EEF50C6}"/>
-              </a:ext>
-            </a:extLst>
-          </p:cNvPr>
-          <p:cNvSpPr/>
-          <p:nvPr/>
-        </p:nvSpPr>
-        <p:spPr>
-          <a:xfrm>
-            <a:off x="275302" y="481781"/>
-            <a:ext cx="1897627" cy="3844413"/>
-          </a:xfrm>
-          <a:prstGeom prst="rect">
-            <a:avLst/>
-          </a:prstGeom>
-          <a:noFill/>
-          <a:ln>
-            <a:solidFill>
-              <a:srgbClr val="FF0000"/>
-            </a:solidFill>
-          </a:ln>
-        </p:spPr>
-        <p:style>
-          <a:lnRef idx="2">
-            <a:schemeClr val="accent1">
-              <a:shade val="15000"/>
-            </a:schemeClr>
-          </a:lnRef>
-          <a:fillRef idx="1">
-            <a:schemeClr val="accent1"/>
-          </a:fillRef>
-          <a:effectRef idx="0">
-            <a:schemeClr val="accent1"/>
-          </a:effectRef>
-          <a:fontRef idx="minor">
-            <a:schemeClr val="lt1"/>
-          </a:fontRef>
-        </p:style>
-        <p:txBody>
-          <a:bodyPr rtlCol="0" anchor="ctr"/>
-          <a:lstStyle/>
-          <a:p>
-            <a:pPr algn="ctr"/>
-            <a:endParaRPr lang="fr-CA"/>
-          </a:p>
-        </p:txBody>
-      </p:sp>
-      <p:sp>
-        <p:nvSpPr>
-          <p:cNvPr id="13" name="TextBox 12">
-            <a:extLst>
-              <a:ext uri="{FF2B5EF4-FFF2-40B4-BE49-F238E27FC236}">
-                <a16:creationId xmlns:a16="http://schemas.microsoft.com/office/drawing/2014/main" id="{C2BBD6C7-B0CE-85D8-B901-C11619C72F04}"/>
-              </a:ext>
-            </a:extLst>
-          </p:cNvPr>
-          <p:cNvSpPr txBox="1"/>
-          <p:nvPr/>
-        </p:nvSpPr>
-        <p:spPr>
-          <a:xfrm>
-            <a:off x="739150" y="1880863"/>
-            <a:ext cx="1433779" cy="646331"/>
-          </a:xfrm>
-          <a:prstGeom prst="rect">
-            <a:avLst/>
-          </a:prstGeom>
-          <a:noFill/>
-        </p:spPr>
-        <p:txBody>
-          <a:bodyPr wrap="square" rtlCol="0">
-            <a:spAutoFit/>
-          </a:bodyPr>
-          <a:lstStyle/>
-          <a:p>
-            <a:r>
-              <a:rPr lang="en-US" dirty="0">
-                <a:solidFill>
-                  <a:srgbClr val="FF0000"/>
-                </a:solidFill>
-              </a:rPr>
-              <a:t>Project explorer</a:t>
-            </a:r>
-            <a:endParaRPr lang="fr-CA" dirty="0">
-              <a:solidFill>
-                <a:srgbClr val="FF0000"/>
-              </a:solidFill>
-            </a:endParaRPr>
-          </a:p>
-        </p:txBody>
-      </p:sp>
-      <p:sp>
-        <p:nvSpPr>
-          <p:cNvPr id="14" name="Rectangle 13">
-            <a:extLst>
-              <a:ext uri="{FF2B5EF4-FFF2-40B4-BE49-F238E27FC236}">
-                <a16:creationId xmlns:a16="http://schemas.microsoft.com/office/drawing/2014/main" id="{E436DCFA-9AE3-7849-C97D-4A39733232F2}"/>
-              </a:ext>
-            </a:extLst>
-          </p:cNvPr>
-          <p:cNvSpPr/>
-          <p:nvPr/>
-        </p:nvSpPr>
-        <p:spPr>
-          <a:xfrm>
-            <a:off x="7855847" y="177589"/>
-            <a:ext cx="1897627" cy="314274"/>
-          </a:xfrm>
-          <a:prstGeom prst="rect">
-            <a:avLst/>
-          </a:prstGeom>
-          <a:noFill/>
-          <a:ln>
-            <a:solidFill>
-              <a:srgbClr val="00B050"/>
-            </a:solidFill>
-          </a:ln>
-        </p:spPr>
-        <p:style>
-          <a:lnRef idx="2">
-            <a:schemeClr val="accent1">
-              <a:shade val="15000"/>
-            </a:schemeClr>
-          </a:lnRef>
-          <a:fillRef idx="1">
-            <a:schemeClr val="accent1"/>
-          </a:fillRef>
-          <a:effectRef idx="0">
-            <a:schemeClr val="accent1"/>
-          </a:effectRef>
-          <a:fontRef idx="minor">
-            <a:schemeClr val="lt1"/>
-          </a:fontRef>
-        </p:style>
-        <p:txBody>
-          <a:bodyPr rtlCol="0" anchor="ctr"/>
-          <a:lstStyle/>
-          <a:p>
-            <a:pPr algn="ctr"/>
-            <a:endParaRPr lang="fr-CA"/>
-          </a:p>
-        </p:txBody>
-      </p:sp>
-      <p:sp>
-        <p:nvSpPr>
-          <p:cNvPr id="15" name="TextBox 14">
-            <a:extLst>
-              <a:ext uri="{FF2B5EF4-FFF2-40B4-BE49-F238E27FC236}">
-                <a16:creationId xmlns:a16="http://schemas.microsoft.com/office/drawing/2014/main" id="{BA8CE5FA-D4F5-2420-C8BC-B56B42A30319}"/>
-              </a:ext>
-            </a:extLst>
-          </p:cNvPr>
-          <p:cNvSpPr txBox="1"/>
-          <p:nvPr/>
-        </p:nvSpPr>
-        <p:spPr>
-          <a:xfrm>
-            <a:off x="6457003" y="166651"/>
-            <a:ext cx="1398844" cy="369332"/>
-          </a:xfrm>
-          <a:prstGeom prst="rect">
-            <a:avLst/>
-          </a:prstGeom>
-          <a:noFill/>
-        </p:spPr>
-        <p:txBody>
-          <a:bodyPr wrap="none" rtlCol="0">
-            <a:spAutoFit/>
-          </a:bodyPr>
-          <a:lstStyle/>
-          <a:p>
-            <a:r>
-              <a:rPr lang="en-US" dirty="0">
-                <a:solidFill>
-                  <a:srgbClr val="00B050"/>
-                </a:solidFill>
-              </a:rPr>
-              <a:t>Run buttons</a:t>
-            </a:r>
-            <a:endParaRPr lang="fr-CA" dirty="0">
-              <a:solidFill>
-                <a:srgbClr val="00B050"/>
-              </a:solidFill>
-            </a:endParaRPr>
-          </a:p>
-        </p:txBody>
-      </p:sp>
-    </p:spTree>
-    <p:extLst>
-      <p:ext uri="{BB962C8B-B14F-4D97-AF65-F5344CB8AC3E}">
-        <p14:creationId xmlns:p14="http://schemas.microsoft.com/office/powerpoint/2010/main" val="3005410264"/>
-      </p:ext>
-    </p:extLst>
-  </p:cSld>
-  <p:clrMapOvr>
-    <a:masterClrMapping/>
-  </p:clrMapOvr>
-</p:sld>
-</file>
-
-<file path=ppt/slides/slide7.xml><?xml version="1.0" encoding="utf-8"?>
-<p:sld xmlns:a="http://schemas.openxmlformats.org/drawingml/2006/main" xmlns:r="http://schemas.openxmlformats.org/officeDocument/2006/relationships" xmlns:p="http://schemas.openxmlformats.org/presentationml/2006/main">
-  <p:cSld>
-    <p:spTree>
-      <p:nvGrpSpPr>
-        <p:cNvPr id="1" name=""/>
-        <p:cNvGrpSpPr/>
-        <p:nvPr/>
-      </p:nvGrpSpPr>
-      <p:grpSpPr>
-        <a:xfrm>
-          <a:off x="0" y="0"/>
-          <a:ext cx="0" cy="0"/>
-          <a:chOff x="0" y="0"/>
-          <a:chExt cx="0" cy="0"/>
-        </a:xfrm>
-      </p:grpSpPr>
-      <p:pic>
-        <p:nvPicPr>
-          <p:cNvPr id="4" name="Picture 3">
-            <a:extLst>
-              <a:ext uri="{FF2B5EF4-FFF2-40B4-BE49-F238E27FC236}">
-                <a16:creationId xmlns:a16="http://schemas.microsoft.com/office/drawing/2014/main" id="{81D8EE11-1066-1EF9-4BE7-BA8E4A99724B}"/>
-              </a:ext>
-            </a:extLst>
-          </p:cNvPr>
-          <p:cNvPicPr>
-            <a:picLocks noChangeAspect="1"/>
-          </p:cNvPicPr>
-          <p:nvPr/>
-        </p:nvPicPr>
-        <p:blipFill>
-          <a:blip r:embed="rId2"/>
-          <a:stretch>
-            <a:fillRect/>
-          </a:stretch>
-        </p:blipFill>
-        <p:spPr>
-          <a:xfrm>
-            <a:off x="0" y="177588"/>
-            <a:ext cx="12192000" cy="6502824"/>
-          </a:xfrm>
-          <a:prstGeom prst="rect">
-            <a:avLst/>
-          </a:prstGeom>
-        </p:spPr>
-      </p:pic>
-    </p:spTree>
-    <p:extLst>
-      <p:ext uri="{BB962C8B-B14F-4D97-AF65-F5344CB8AC3E}">
-        <p14:creationId xmlns:p14="http://schemas.microsoft.com/office/powerpoint/2010/main" val="1044688951"/>
-      </p:ext>
-    </p:extLst>
-  </p:cSld>
-  <p:clrMapOvr>
-    <a:masterClrMapping/>
-  </p:clrMapOvr>
-</p:sld>
-</file>
-
 <file path=ppt/slides/slide8.xml><?xml version="1.0" encoding="utf-8"?>
 <p:sld xmlns:a="http://schemas.openxmlformats.org/drawingml/2006/main" xmlns:r="http://schemas.openxmlformats.org/officeDocument/2006/relationships" xmlns:p="http://schemas.openxmlformats.org/presentationml/2006/main">
   <p:cSld>
@@ -6130,364 +6662,293 @@
           <a:chExt cx="0" cy="0"/>
         </a:xfrm>
       </p:grpSpPr>
-      <p:pic>
-        <p:nvPicPr>
-          <p:cNvPr id="5" name="Picture 4">
-            <a:extLst>
-              <a:ext uri="{FF2B5EF4-FFF2-40B4-BE49-F238E27FC236}">
-                <a16:creationId xmlns:a16="http://schemas.microsoft.com/office/drawing/2014/main" id="{0A01A34C-E32E-4212-8AE2-CDF8C5A993D4}"/>
-              </a:ext>
-            </a:extLst>
-          </p:cNvPr>
-          <p:cNvPicPr>
-            <a:picLocks noChangeAspect="1"/>
-          </p:cNvPicPr>
+      <p:sp>
+        <p:nvSpPr>
+          <p:cNvPr id="5" name="TextBox 4">
+            <a:extLst>
+              <a:ext uri="{FF2B5EF4-FFF2-40B4-BE49-F238E27FC236}">
+                <a16:creationId xmlns:a16="http://schemas.microsoft.com/office/drawing/2014/main" id="{DE3CFF3A-7376-62D6-676E-1F580E0460C1}"/>
+              </a:ext>
+            </a:extLst>
+          </p:cNvPr>
+          <p:cNvSpPr txBox="1"/>
           <p:nvPr/>
-        </p:nvPicPr>
-        <p:blipFill>
-          <a:blip r:embed="rId2"/>
-          <a:stretch>
-            <a:fillRect/>
-          </a:stretch>
-        </p:blipFill>
+        </p:nvSpPr>
         <p:spPr>
           <a:xfrm>
-            <a:off x="0" y="171231"/>
-            <a:ext cx="12192000" cy="6515537"/>
-          </a:xfrm>
-          <a:prstGeom prst="rect">
-            <a:avLst/>
-          </a:prstGeom>
-        </p:spPr>
-      </p:pic>
-      <p:sp>
-        <p:nvSpPr>
-          <p:cNvPr id="6" name="Rectangle 5">
-            <a:extLst>
-              <a:ext uri="{FF2B5EF4-FFF2-40B4-BE49-F238E27FC236}">
-                <a16:creationId xmlns:a16="http://schemas.microsoft.com/office/drawing/2014/main" id="{D12F8B2B-A4C2-508C-6408-FB57107EB8CE}"/>
-              </a:ext>
-            </a:extLst>
-          </p:cNvPr>
-          <p:cNvSpPr/>
-          <p:nvPr/>
-        </p:nvSpPr>
-        <p:spPr>
-          <a:xfrm>
-            <a:off x="345440" y="4246880"/>
-            <a:ext cx="11572240" cy="2123440"/>
+            <a:off x="4582160" y="1470075"/>
+            <a:ext cx="3596640" cy="2862322"/>
           </a:xfrm>
           <a:prstGeom prst="rect">
             <a:avLst/>
           </a:prstGeom>
           <a:noFill/>
-          <a:ln>
-            <a:solidFill>
-              <a:srgbClr val="FFC000"/>
-            </a:solidFill>
-          </a:ln>
-        </p:spPr>
-        <p:style>
-          <a:lnRef idx="2">
-            <a:schemeClr val="accent1">
-              <a:shade val="15000"/>
-            </a:schemeClr>
-          </a:lnRef>
-          <a:fillRef idx="1">
-            <a:schemeClr val="accent1"/>
-          </a:fillRef>
-          <a:effectRef idx="0">
-            <a:schemeClr val="accent1"/>
-          </a:effectRef>
-          <a:fontRef idx="minor">
-            <a:schemeClr val="lt1"/>
-          </a:fontRef>
-        </p:style>
-        <p:txBody>
-          <a:bodyPr rtlCol="0" anchor="ctr"/>
-          <a:lstStyle/>
-          <a:p>
-            <a:pPr algn="ctr"/>
-            <a:endParaRPr lang="fr-CA"/>
-          </a:p>
-        </p:txBody>
-      </p:sp>
-      <p:sp>
-        <p:nvSpPr>
-          <p:cNvPr id="7" name="TextBox 6">
-            <a:extLst>
-              <a:ext uri="{FF2B5EF4-FFF2-40B4-BE49-F238E27FC236}">
-                <a16:creationId xmlns:a16="http://schemas.microsoft.com/office/drawing/2014/main" id="{020D115D-1CEE-F5FD-C0E7-E1B74D939B05}"/>
-              </a:ext>
-            </a:extLst>
-          </p:cNvPr>
-          <p:cNvSpPr txBox="1"/>
-          <p:nvPr/>
-        </p:nvSpPr>
-        <p:spPr>
-          <a:xfrm>
-            <a:off x="4897120" y="4348480"/>
-            <a:ext cx="1861407" cy="461665"/>
-          </a:xfrm>
-          <a:prstGeom prst="rect">
-            <a:avLst/>
-          </a:prstGeom>
-          <a:noFill/>
-        </p:spPr>
-        <p:txBody>
-          <a:bodyPr wrap="none" rtlCol="0">
+        </p:spPr>
+        <p:txBody>
+          <a:bodyPr wrap="square">
             <a:spAutoFit/>
           </a:bodyPr>
           <a:lstStyle/>
           <a:p>
             <a:r>
-              <a:rPr lang="en-US" sz="2400" dirty="0">
-                <a:solidFill>
+              <a:rPr lang="fr-CA" dirty="0" err="1">
+                <a:solidFill>
+                  <a:schemeClr val="accent5">
+                    <a:lumMod val="75000"/>
+                  </a:schemeClr>
+                </a:solidFill>
+              </a:rPr>
+              <a:t>def</a:t>
+            </a:r>
+            <a:r>
+              <a:rPr lang="fr-CA" dirty="0"/>
+              <a:t> </a:t>
+            </a:r>
+            <a:r>
+              <a:rPr lang="fr-CA" dirty="0" err="1">
+                <a:solidFill>
+                  <a:srgbClr val="FF0000"/>
+                </a:solidFill>
+              </a:rPr>
+              <a:t>sum</a:t>
+            </a:r>
+            <a:r>
+              <a:rPr lang="fr-CA" dirty="0"/>
+              <a:t>(</a:t>
+            </a:r>
+            <a:r>
+              <a:rPr lang="fr-CA" dirty="0">
+                <a:solidFill>
+                  <a:schemeClr val="accent3"/>
+                </a:solidFill>
+              </a:rPr>
+              <a:t>num1</a:t>
+            </a:r>
+            <a:r>
+              <a:rPr lang="fr-CA" dirty="0"/>
+              <a:t>, </a:t>
+            </a:r>
+            <a:r>
+              <a:rPr lang="fr-CA" dirty="0">
+                <a:solidFill>
+                  <a:schemeClr val="accent1">
+                    <a:lumMod val="60000"/>
+                    <a:lumOff val="40000"/>
+                  </a:schemeClr>
+                </a:solidFill>
+              </a:rPr>
+              <a:t>num2</a:t>
+            </a:r>
+            <a:r>
+              <a:rPr lang="fr-CA" dirty="0"/>
+              <a:t>)</a:t>
+            </a:r>
+            <a:r>
+              <a:rPr lang="fr-CA" dirty="0">
+                <a:highlight>
                   <a:srgbClr val="FFFF00"/>
-                </a:solidFill>
-              </a:rPr>
-              <a:t>Debug Menu</a:t>
-            </a:r>
-            <a:endParaRPr lang="fr-CA" sz="2400" dirty="0">
+                </a:highlight>
+              </a:rPr>
+              <a:t>:</a:t>
+            </a:r>
+          </a:p>
+          <a:p>
+            <a:r>
+              <a:rPr lang="fr-CA" dirty="0">
+                <a:highlight>
+                  <a:srgbClr val="FFFF00"/>
+                </a:highlight>
+              </a:rPr>
+              <a:t>	</a:t>
+            </a:r>
+            <a:r>
+              <a:rPr lang="fr-CA" dirty="0">
+                <a:solidFill>
+                  <a:schemeClr val="accent5">
+                    <a:lumMod val="75000"/>
+                  </a:schemeClr>
+                </a:solidFill>
+              </a:rPr>
+              <a:t>return</a:t>
+            </a:r>
+            <a:r>
+              <a:rPr lang="fr-CA" dirty="0"/>
+              <a:t> </a:t>
+            </a:r>
+            <a:r>
+              <a:rPr lang="fr-CA" dirty="0">
+                <a:solidFill>
+                  <a:schemeClr val="accent6">
+                    <a:lumMod val="60000"/>
+                    <a:lumOff val="40000"/>
+                  </a:schemeClr>
+                </a:solidFill>
+              </a:rPr>
+              <a:t>(num1 + num2)</a:t>
+            </a:r>
+          </a:p>
+          <a:p>
+            <a:endParaRPr lang="fr-CA" dirty="0">
               <a:solidFill>
-                <a:srgbClr val="FFFF00"/>
+                <a:schemeClr val="accent6">
+                  <a:lumMod val="60000"/>
+                  <a:lumOff val="40000"/>
+                </a:schemeClr>
               </a:solidFill>
             </a:endParaRPr>
           </a:p>
-        </p:txBody>
-      </p:sp>
-      <p:sp>
-        <p:nvSpPr>
-          <p:cNvPr id="8" name="TextBox 7">
-            <a:extLst>
-              <a:ext uri="{FF2B5EF4-FFF2-40B4-BE49-F238E27FC236}">
-                <a16:creationId xmlns:a16="http://schemas.microsoft.com/office/drawing/2014/main" id="{01BEB3E8-813A-BF87-BA8D-924FAED3807B}"/>
-              </a:ext>
-            </a:extLst>
-          </p:cNvPr>
-          <p:cNvSpPr txBox="1"/>
-          <p:nvPr/>
-        </p:nvSpPr>
-        <p:spPr>
-          <a:xfrm>
-            <a:off x="2413000" y="1875274"/>
-            <a:ext cx="1268361" cy="369332"/>
-          </a:xfrm>
-          <a:prstGeom prst="rect">
-            <a:avLst/>
-          </a:prstGeom>
-          <a:noFill/>
-        </p:spPr>
-        <p:txBody>
-          <a:bodyPr wrap="none" rtlCol="0">
-            <a:spAutoFit/>
-          </a:bodyPr>
-          <a:lstStyle/>
-          <a:p>
-            <a:r>
-              <a:rPr lang="en-US" dirty="0">
-                <a:solidFill>
-                  <a:srgbClr val="DB5C5C"/>
-                </a:solidFill>
-              </a:rPr>
-              <a:t>Breakpoint</a:t>
+          <a:p>
+            <a:pPr marL="285750" indent="-285750">
+              <a:buFontTx/>
+              <a:buChar char="-"/>
+            </a:pPr>
+            <a:r>
+              <a:rPr lang="fr-CA" dirty="0" err="1">
+                <a:solidFill>
+                  <a:srgbClr val="7030A0"/>
+                </a:solidFill>
+              </a:rPr>
+              <a:t>def</a:t>
+            </a:r>
+            <a:r>
+              <a:rPr lang="fr-CA" dirty="0">
+                <a:solidFill>
+                  <a:srgbClr val="7030A0"/>
+                </a:solidFill>
+              </a:rPr>
+              <a:t> keyword</a:t>
+            </a:r>
+          </a:p>
+          <a:p>
+            <a:pPr marL="285750" indent="-285750">
+              <a:buFontTx/>
+              <a:buChar char="-"/>
+            </a:pPr>
+            <a:r>
+              <a:rPr lang="fr-CA" dirty="0">
+                <a:highlight>
+                  <a:srgbClr val="FFFF00"/>
+                </a:highlight>
+              </a:rPr>
+              <a:t>Semi-colon and indentation</a:t>
+            </a:r>
+          </a:p>
+          <a:p>
+            <a:pPr marL="285750" indent="-285750">
+              <a:buFontTx/>
+              <a:buChar char="-"/>
+            </a:pPr>
+            <a:r>
+              <a:rPr lang="fr-CA" dirty="0" err="1">
+                <a:solidFill>
+                  <a:srgbClr val="FF0000"/>
+                </a:solidFill>
+              </a:rPr>
+              <a:t>name</a:t>
+            </a:r>
+            <a:r>
+              <a:rPr lang="fr-CA" dirty="0">
+                <a:solidFill>
+                  <a:srgbClr val="FF0000"/>
+                </a:solidFill>
+              </a:rPr>
+              <a:t> of the </a:t>
+            </a:r>
+            <a:r>
+              <a:rPr lang="fr-CA" dirty="0" err="1">
+                <a:solidFill>
+                  <a:srgbClr val="FF0000"/>
+                </a:solidFill>
+              </a:rPr>
+              <a:t>function</a:t>
             </a:r>
             <a:endParaRPr lang="fr-CA" dirty="0">
               <a:solidFill>
-                <a:srgbClr val="DB5C5C"/>
+                <a:srgbClr val="FF0000"/>
               </a:solidFill>
             </a:endParaRPr>
           </a:p>
-        </p:txBody>
-      </p:sp>
-      <p:cxnSp>
-        <p:nvCxnSpPr>
-          <p:cNvPr id="10" name="Straight Arrow Connector 9">
-            <a:extLst>
-              <a:ext uri="{FF2B5EF4-FFF2-40B4-BE49-F238E27FC236}">
-                <a16:creationId xmlns:a16="http://schemas.microsoft.com/office/drawing/2014/main" id="{3D0C5B9D-8E34-B7FB-B6FE-59DB5AD653B6}"/>
-              </a:ext>
-            </a:extLst>
-          </p:cNvPr>
-          <p:cNvCxnSpPr>
-            <a:cxnSpLocks/>
-          </p:cNvCxnSpPr>
-          <p:nvPr/>
-        </p:nvCxnSpPr>
-        <p:spPr>
-          <a:xfrm flipH="1" flipV="1">
-            <a:off x="2499360" y="1178560"/>
-            <a:ext cx="411480" cy="723156"/>
-          </a:xfrm>
-          <a:prstGeom prst="straightConnector1">
-            <a:avLst/>
-          </a:prstGeom>
-          <a:ln>
-            <a:solidFill>
-              <a:srgbClr val="DB5C5C"/>
-            </a:solidFill>
-            <a:tailEnd type="triangle"/>
-          </a:ln>
-        </p:spPr>
-        <p:style>
-          <a:lnRef idx="2">
-            <a:schemeClr val="accent1"/>
-          </a:lnRef>
-          <a:fillRef idx="0">
-            <a:schemeClr val="accent1"/>
-          </a:fillRef>
-          <a:effectRef idx="1">
-            <a:schemeClr val="accent1"/>
-          </a:effectRef>
-          <a:fontRef idx="minor">
-            <a:schemeClr val="tx1"/>
-          </a:fontRef>
-        </p:style>
-      </p:cxnSp>
-      <p:sp>
-        <p:nvSpPr>
-          <p:cNvPr id="12" name="Rectangle 11">
-            <a:extLst>
-              <a:ext uri="{FF2B5EF4-FFF2-40B4-BE49-F238E27FC236}">
-                <a16:creationId xmlns:a16="http://schemas.microsoft.com/office/drawing/2014/main" id="{5DD58F3F-A29A-DDFB-FDA8-FEB0A7C1F507}"/>
-              </a:ext>
-            </a:extLst>
-          </p:cNvPr>
-          <p:cNvSpPr/>
-          <p:nvPr/>
-        </p:nvSpPr>
-        <p:spPr>
-          <a:xfrm>
-            <a:off x="9144000" y="78658"/>
-            <a:ext cx="353961" cy="570271"/>
-          </a:xfrm>
-          <a:prstGeom prst="rect">
-            <a:avLst/>
-          </a:prstGeom>
-          <a:noFill/>
-          <a:ln w="38100">
-            <a:solidFill>
-              <a:srgbClr val="00B050"/>
-            </a:solidFill>
-          </a:ln>
-        </p:spPr>
-        <p:style>
-          <a:lnRef idx="2">
-            <a:schemeClr val="accent1">
-              <a:shade val="15000"/>
-            </a:schemeClr>
-          </a:lnRef>
-          <a:fillRef idx="1">
-            <a:schemeClr val="accent1"/>
-          </a:fillRef>
-          <a:effectRef idx="0">
-            <a:schemeClr val="accent1"/>
-          </a:effectRef>
-          <a:fontRef idx="minor">
-            <a:schemeClr val="lt1"/>
-          </a:fontRef>
-        </p:style>
-        <p:txBody>
-          <a:bodyPr rtlCol="0" anchor="ctr"/>
-          <a:lstStyle/>
-          <a:p>
-            <a:pPr algn="ctr"/>
-            <a:endParaRPr lang="fr-CA"/>
-          </a:p>
-        </p:txBody>
-      </p:sp>
-      <p:sp>
-        <p:nvSpPr>
-          <p:cNvPr id="13" name="TextBox 12">
-            <a:extLst>
-              <a:ext uri="{FF2B5EF4-FFF2-40B4-BE49-F238E27FC236}">
-                <a16:creationId xmlns:a16="http://schemas.microsoft.com/office/drawing/2014/main" id="{2A15895F-5339-3454-63D9-B7E6A7876FA7}"/>
-              </a:ext>
-            </a:extLst>
-          </p:cNvPr>
-          <p:cNvSpPr txBox="1"/>
-          <p:nvPr/>
-        </p:nvSpPr>
-        <p:spPr>
-          <a:xfrm>
-            <a:off x="9144000" y="1651819"/>
-            <a:ext cx="1980992" cy="369332"/>
-          </a:xfrm>
-          <a:prstGeom prst="rect">
-            <a:avLst/>
-          </a:prstGeom>
-          <a:noFill/>
-        </p:spPr>
-        <p:txBody>
-          <a:bodyPr wrap="none" rtlCol="0">
-            <a:spAutoFit/>
-          </a:bodyPr>
-          <a:lstStyle/>
-          <a:p>
-            <a:r>
-              <a:rPr lang="en-US" dirty="0">
-                <a:solidFill>
-                  <a:srgbClr val="00B050"/>
-                </a:solidFill>
-              </a:rPr>
-              <a:t>Restart debugging</a:t>
-            </a:r>
-            <a:endParaRPr lang="fr-CA" dirty="0">
-              <a:solidFill>
-                <a:srgbClr val="00B050"/>
-              </a:solidFill>
-            </a:endParaRPr>
-          </a:p>
-        </p:txBody>
-      </p:sp>
-      <p:cxnSp>
-        <p:nvCxnSpPr>
-          <p:cNvPr id="14" name="Straight Arrow Connector 13">
-            <a:extLst>
-              <a:ext uri="{FF2B5EF4-FFF2-40B4-BE49-F238E27FC236}">
-                <a16:creationId xmlns:a16="http://schemas.microsoft.com/office/drawing/2014/main" id="{38E61D7D-7877-713B-3F09-2DA451D1BB0D}"/>
-              </a:ext>
-            </a:extLst>
-          </p:cNvPr>
-          <p:cNvCxnSpPr>
-            <a:cxnSpLocks/>
-          </p:cNvCxnSpPr>
-          <p:nvPr/>
-        </p:nvCxnSpPr>
-        <p:spPr>
-          <a:xfrm flipH="1" flipV="1">
-            <a:off x="9486900" y="741502"/>
-            <a:ext cx="647596" cy="910317"/>
-          </a:xfrm>
-          <a:prstGeom prst="straightConnector1">
-            <a:avLst/>
-          </a:prstGeom>
-          <a:ln>
-            <a:solidFill>
-              <a:srgbClr val="00B050"/>
-            </a:solidFill>
-            <a:tailEnd type="triangle"/>
-          </a:ln>
-        </p:spPr>
-        <p:style>
-          <a:lnRef idx="2">
-            <a:schemeClr val="accent1"/>
-          </a:lnRef>
-          <a:fillRef idx="0">
-            <a:schemeClr val="accent1"/>
-          </a:fillRef>
-          <a:effectRef idx="1">
-            <a:schemeClr val="accent1"/>
-          </a:effectRef>
-          <a:fontRef idx="minor">
-            <a:schemeClr val="tx1"/>
-          </a:fontRef>
-        </p:style>
-      </p:cxnSp>
+          <a:p>
+            <a:pPr marL="285750" indent="-285750">
+              <a:buFontTx/>
+              <a:buChar char="-"/>
+            </a:pPr>
+            <a:r>
+              <a:rPr lang="fr-CA" dirty="0">
+                <a:solidFill>
+                  <a:schemeClr val="accent3"/>
+                </a:solidFill>
+              </a:rPr>
+              <a:t>Argument 1</a:t>
+            </a:r>
+          </a:p>
+          <a:p>
+            <a:pPr marL="285750" indent="-285750">
+              <a:buFontTx/>
+              <a:buChar char="-"/>
+            </a:pPr>
+            <a:r>
+              <a:rPr lang="fr-CA" dirty="0">
+                <a:solidFill>
+                  <a:srgbClr val="00B0F0"/>
+                </a:solidFill>
+              </a:rPr>
+              <a:t>Argument 2</a:t>
+            </a:r>
+          </a:p>
+          <a:p>
+            <a:r>
+              <a:rPr lang="fr-CA" dirty="0">
+                <a:solidFill>
+                  <a:schemeClr val="accent5">
+                    <a:lumMod val="75000"/>
+                  </a:schemeClr>
+                </a:solidFill>
+              </a:rPr>
+              <a:t>-     return keyword</a:t>
+            </a:r>
+          </a:p>
+          <a:p>
+            <a:r>
+              <a:rPr lang="fr-CA" dirty="0">
+                <a:solidFill>
+                  <a:schemeClr val="accent6">
+                    <a:lumMod val="60000"/>
+                    <a:lumOff val="40000"/>
+                  </a:schemeClr>
+                </a:solidFill>
+              </a:rPr>
+              <a:t>- </a:t>
+            </a:r>
+            <a:r>
+              <a:rPr lang="fr-CA" dirty="0" err="1">
+                <a:solidFill>
+                  <a:schemeClr val="accent6">
+                    <a:lumMod val="60000"/>
+                    <a:lumOff val="40000"/>
+                  </a:schemeClr>
+                </a:solidFill>
+              </a:rPr>
+              <a:t>Returned</a:t>
+            </a:r>
+            <a:r>
+              <a:rPr lang="fr-CA" dirty="0">
+                <a:solidFill>
+                  <a:schemeClr val="accent6">
+                    <a:lumMod val="60000"/>
+                    <a:lumOff val="40000"/>
+                  </a:schemeClr>
+                </a:solidFill>
+              </a:rPr>
+              <a:t> value or expression</a:t>
+            </a:r>
+          </a:p>
+        </p:txBody>
+      </p:sp>
     </p:spTree>
     <p:extLst>
       <p:ext uri="{BB962C8B-B14F-4D97-AF65-F5344CB8AC3E}">
-        <p14:creationId xmlns:p14="http://schemas.microsoft.com/office/powerpoint/2010/main" val="3562940052"/>
+        <p14:creationId xmlns:p14="http://schemas.microsoft.com/office/powerpoint/2010/main" val="238358604"/>
       </p:ext>
     </p:extLst>
   </p:cSld>
@@ -6514,97 +6975,363 @@
           <a:chExt cx="0" cy="0"/>
         </a:xfrm>
       </p:grpSpPr>
-      <p:pic>
-        <p:nvPicPr>
-          <p:cNvPr id="9" name="Picture 8">
-            <a:extLst>
-              <a:ext uri="{FF2B5EF4-FFF2-40B4-BE49-F238E27FC236}">
-                <a16:creationId xmlns:a16="http://schemas.microsoft.com/office/drawing/2014/main" id="{2BD6D532-E12F-6745-BE53-F9C4DF583AC0}"/>
-              </a:ext>
-            </a:extLst>
-          </p:cNvPr>
-          <p:cNvPicPr>
-            <a:picLocks noChangeAspect="1"/>
-          </p:cNvPicPr>
+      <p:sp>
+        <p:nvSpPr>
+          <p:cNvPr id="5" name="TextBox 4">
+            <a:extLst>
+              <a:ext uri="{FF2B5EF4-FFF2-40B4-BE49-F238E27FC236}">
+                <a16:creationId xmlns:a16="http://schemas.microsoft.com/office/drawing/2014/main" id="{7E3F2419-DB6B-1EB8-F2CC-CA1558A3E96B}"/>
+              </a:ext>
+            </a:extLst>
+          </p:cNvPr>
+          <p:cNvSpPr txBox="1"/>
           <p:nvPr/>
-        </p:nvPicPr>
-        <p:blipFill rotWithShape="1">
-          <a:blip r:embed="rId2"/>
-          <a:srcRect b="40901"/>
-          <a:stretch/>
-        </p:blipFill>
+        </p:nvSpPr>
         <p:spPr>
           <a:xfrm>
-            <a:off x="474809" y="486071"/>
-            <a:ext cx="3886537" cy="1535769"/>
+            <a:off x="1696729" y="3044279"/>
+            <a:ext cx="8981430" cy="769441"/>
           </a:xfrm>
           <a:prstGeom prst="rect">
             <a:avLst/>
           </a:prstGeom>
-        </p:spPr>
-      </p:pic>
-      <p:pic>
-        <p:nvPicPr>
-          <p:cNvPr id="11" name="Picture 10">
-            <a:extLst>
-              <a:ext uri="{FF2B5EF4-FFF2-40B4-BE49-F238E27FC236}">
-                <a16:creationId xmlns:a16="http://schemas.microsoft.com/office/drawing/2014/main" id="{D1E2578E-E104-F99C-C3C2-BBF231188430}"/>
-              </a:ext>
-            </a:extLst>
-          </p:cNvPr>
-          <p:cNvPicPr>
-            <a:picLocks noChangeAspect="1"/>
-          </p:cNvPicPr>
+          <a:noFill/>
+        </p:spPr>
+        <p:txBody>
+          <a:bodyPr wrap="square">
+            <a:spAutoFit/>
+          </a:bodyPr>
+          <a:lstStyle/>
+          <a:p>
+            <a:r>
+              <a:rPr lang="fr-CA" sz="4400" dirty="0" err="1">
+                <a:solidFill>
+                  <a:schemeClr val="accent4">
+                    <a:lumMod val="75000"/>
+                  </a:schemeClr>
+                </a:solidFill>
+              </a:rPr>
+              <a:t>variable_name</a:t>
+            </a:r>
+            <a:r>
+              <a:rPr lang="fr-CA" sz="4400" dirty="0"/>
+              <a:t>  = </a:t>
+            </a:r>
+            <a:r>
+              <a:rPr lang="fr-CA" sz="4400" dirty="0" err="1">
+                <a:solidFill>
+                  <a:srgbClr val="FF0000"/>
+                </a:solidFill>
+              </a:rPr>
+              <a:t>some_expression</a:t>
+            </a:r>
+            <a:endParaRPr lang="fr-CA" sz="4400" dirty="0">
+              <a:solidFill>
+                <a:srgbClr val="FF0000"/>
+              </a:solidFill>
+            </a:endParaRPr>
+          </a:p>
+        </p:txBody>
+      </p:sp>
+      <p:sp>
+        <p:nvSpPr>
+          <p:cNvPr id="16" name="TextBox 15">
+            <a:extLst>
+              <a:ext uri="{FF2B5EF4-FFF2-40B4-BE49-F238E27FC236}">
+                <a16:creationId xmlns:a16="http://schemas.microsoft.com/office/drawing/2014/main" id="{4A475B3A-3C45-4390-CF50-D147296916CE}"/>
+              </a:ext>
+            </a:extLst>
+          </p:cNvPr>
+          <p:cNvSpPr txBox="1"/>
           <p:nvPr/>
-        </p:nvPicPr>
-        <p:blipFill rotWithShape="1">
-          <a:blip r:embed="rId3"/>
-          <a:srcRect l="1" t="8333" r="2485" b="37493"/>
-          <a:stretch/>
-        </p:blipFill>
+        </p:nvSpPr>
         <p:spPr>
           <a:xfrm>
-            <a:off x="4571999" y="486070"/>
-            <a:ext cx="3886537" cy="1535769"/>
+            <a:off x="4246503" y="2044601"/>
+            <a:ext cx="2947153" cy="461665"/>
           </a:xfrm>
           <a:prstGeom prst="rect">
             <a:avLst/>
           </a:prstGeom>
-        </p:spPr>
-      </p:pic>
-      <p:pic>
-        <p:nvPicPr>
-          <p:cNvPr id="5" name="Picture 4">
-            <a:extLst>
-              <a:ext uri="{FF2B5EF4-FFF2-40B4-BE49-F238E27FC236}">
-                <a16:creationId xmlns:a16="http://schemas.microsoft.com/office/drawing/2014/main" id="{54F704B3-1E30-31A2-E13A-3B197A15CF06}"/>
-              </a:ext>
-            </a:extLst>
-          </p:cNvPr>
-          <p:cNvPicPr>
-            <a:picLocks noChangeAspect="1"/>
-          </p:cNvPicPr>
+          <a:noFill/>
+        </p:spPr>
+        <p:txBody>
+          <a:bodyPr wrap="none" rtlCol="0">
+            <a:spAutoFit/>
+          </a:bodyPr>
+          <a:lstStyle/>
+          <a:p>
+            <a:r>
+              <a:rPr lang="en-US" sz="2400" dirty="0"/>
+              <a:t>Assignment operator</a:t>
+            </a:r>
+            <a:endParaRPr lang="fr-CA" sz="2400" dirty="0"/>
+          </a:p>
+        </p:txBody>
+      </p:sp>
+      <p:cxnSp>
+        <p:nvCxnSpPr>
+          <p:cNvPr id="18" name="Straight Arrow Connector 17">
+            <a:extLst>
+              <a:ext uri="{FF2B5EF4-FFF2-40B4-BE49-F238E27FC236}">
+                <a16:creationId xmlns:a16="http://schemas.microsoft.com/office/drawing/2014/main" id="{6F27A056-C01A-3B34-24D7-BF99999C01BA}"/>
+              </a:ext>
+            </a:extLst>
+          </p:cNvPr>
+          <p:cNvCxnSpPr>
+            <a:cxnSpLocks/>
+          </p:cNvCxnSpPr>
           <p:nvPr/>
-        </p:nvPicPr>
-        <p:blipFill rotWithShape="1">
-          <a:blip r:embed="rId4"/>
-          <a:srcRect l="-1" r="76377"/>
-          <a:stretch/>
-        </p:blipFill>
+        </p:nvCxnSpPr>
         <p:spPr>
           <a:xfrm>
-            <a:off x="2418078" y="4039761"/>
-            <a:ext cx="3886536" cy="2598645"/>
+            <a:off x="5720080" y="2610693"/>
+            <a:ext cx="0" cy="497840"/>
+          </a:xfrm>
+          <a:prstGeom prst="straightConnector1">
+            <a:avLst/>
+          </a:prstGeom>
+          <a:ln>
+            <a:tailEnd type="triangle"/>
+          </a:ln>
+        </p:spPr>
+        <p:style>
+          <a:lnRef idx="2">
+            <a:schemeClr val="accent1"/>
+          </a:lnRef>
+          <a:fillRef idx="0">
+            <a:schemeClr val="accent1"/>
+          </a:fillRef>
+          <a:effectRef idx="1">
+            <a:schemeClr val="accent1"/>
+          </a:effectRef>
+          <a:fontRef idx="minor">
+            <a:schemeClr val="tx1"/>
+          </a:fontRef>
+        </p:style>
+      </p:cxnSp>
+      <p:sp>
+        <p:nvSpPr>
+          <p:cNvPr id="20" name="TextBox 19">
+            <a:extLst>
+              <a:ext uri="{FF2B5EF4-FFF2-40B4-BE49-F238E27FC236}">
+                <a16:creationId xmlns:a16="http://schemas.microsoft.com/office/drawing/2014/main" id="{8E98FF3B-761E-F267-1C5D-60A95B8FB077}"/>
+              </a:ext>
+            </a:extLst>
+          </p:cNvPr>
+          <p:cNvSpPr txBox="1"/>
+          <p:nvPr/>
+        </p:nvSpPr>
+        <p:spPr>
+          <a:xfrm>
+            <a:off x="8147943" y="2663279"/>
+            <a:ext cx="308098" cy="369332"/>
           </a:xfrm>
           <a:prstGeom prst="rect">
             <a:avLst/>
           </a:prstGeom>
-        </p:spPr>
-      </p:pic>
+          <a:noFill/>
+        </p:spPr>
+        <p:txBody>
+          <a:bodyPr wrap="square" rtlCol="0">
+            <a:spAutoFit/>
+          </a:bodyPr>
+          <a:lstStyle/>
+          <a:p>
+            <a:r>
+              <a:rPr lang="en-US" dirty="0">
+                <a:solidFill>
+                  <a:srgbClr val="FF0000"/>
+                </a:solidFill>
+              </a:rPr>
+              <a:t>1</a:t>
+            </a:r>
+            <a:endParaRPr lang="fr-CA" dirty="0">
+              <a:solidFill>
+                <a:srgbClr val="FF0000"/>
+              </a:solidFill>
+            </a:endParaRPr>
+          </a:p>
+        </p:txBody>
+      </p:sp>
+      <p:sp>
+        <p:nvSpPr>
+          <p:cNvPr id="22" name="TextBox 21">
+            <a:extLst>
+              <a:ext uri="{FF2B5EF4-FFF2-40B4-BE49-F238E27FC236}">
+                <a16:creationId xmlns:a16="http://schemas.microsoft.com/office/drawing/2014/main" id="{72C234F4-FA2E-4B9D-3F9C-03457D0D9D09}"/>
+              </a:ext>
+            </a:extLst>
+          </p:cNvPr>
+          <p:cNvSpPr txBox="1"/>
+          <p:nvPr/>
+        </p:nvSpPr>
+        <p:spPr>
+          <a:xfrm>
+            <a:off x="1696729" y="2674947"/>
+            <a:ext cx="308098" cy="369332"/>
+          </a:xfrm>
+          <a:prstGeom prst="rect">
+            <a:avLst/>
+          </a:prstGeom>
+          <a:noFill/>
+        </p:spPr>
+        <p:txBody>
+          <a:bodyPr wrap="square" rtlCol="0">
+            <a:spAutoFit/>
+          </a:bodyPr>
+          <a:lstStyle/>
+          <a:p>
+            <a:r>
+              <a:rPr lang="en-US" dirty="0">
+                <a:solidFill>
+                  <a:schemeClr val="accent4">
+                    <a:lumMod val="75000"/>
+                  </a:schemeClr>
+                </a:solidFill>
+              </a:rPr>
+              <a:t>2</a:t>
+            </a:r>
+            <a:endParaRPr lang="fr-CA" dirty="0">
+              <a:solidFill>
+                <a:schemeClr val="accent4">
+                  <a:lumMod val="75000"/>
+                </a:schemeClr>
+              </a:solidFill>
+            </a:endParaRPr>
+          </a:p>
+        </p:txBody>
+      </p:sp>
+      <p:cxnSp>
+        <p:nvCxnSpPr>
+          <p:cNvPr id="23" name="Straight Arrow Connector 22">
+            <a:extLst>
+              <a:ext uri="{FF2B5EF4-FFF2-40B4-BE49-F238E27FC236}">
+                <a16:creationId xmlns:a16="http://schemas.microsoft.com/office/drawing/2014/main" id="{9510673C-4BDD-F671-E248-1F982A05FE76}"/>
+              </a:ext>
+            </a:extLst>
+          </p:cNvPr>
+          <p:cNvCxnSpPr>
+            <a:cxnSpLocks/>
+          </p:cNvCxnSpPr>
+          <p:nvPr/>
+        </p:nvCxnSpPr>
+        <p:spPr>
+          <a:xfrm flipH="1">
+            <a:off x="5252720" y="4509215"/>
+            <a:ext cx="843280" cy="0"/>
+          </a:xfrm>
+          <a:prstGeom prst="straightConnector1">
+            <a:avLst/>
+          </a:prstGeom>
+          <a:ln>
+            <a:solidFill>
+              <a:schemeClr val="tx1"/>
+            </a:solidFill>
+            <a:tailEnd type="triangle"/>
+          </a:ln>
+        </p:spPr>
+        <p:style>
+          <a:lnRef idx="2">
+            <a:schemeClr val="accent1"/>
+          </a:lnRef>
+          <a:fillRef idx="0">
+            <a:schemeClr val="accent1"/>
+          </a:fillRef>
+          <a:effectRef idx="1">
+            <a:schemeClr val="accent1"/>
+          </a:effectRef>
+          <a:fontRef idx="minor">
+            <a:schemeClr val="tx1"/>
+          </a:fontRef>
+        </p:style>
+      </p:cxnSp>
+      <p:sp>
+        <p:nvSpPr>
+          <p:cNvPr id="26" name="TextBox 25">
+            <a:extLst>
+              <a:ext uri="{FF2B5EF4-FFF2-40B4-BE49-F238E27FC236}">
+                <a16:creationId xmlns:a16="http://schemas.microsoft.com/office/drawing/2014/main" id="{D6EF8A92-947E-2C47-EF7D-8C126A8E3AED}"/>
+              </a:ext>
+            </a:extLst>
+          </p:cNvPr>
+          <p:cNvSpPr txBox="1"/>
+          <p:nvPr/>
+        </p:nvSpPr>
+        <p:spPr>
+          <a:xfrm>
+            <a:off x="6187442" y="4183052"/>
+            <a:ext cx="1127756" cy="584775"/>
+          </a:xfrm>
+          <a:prstGeom prst="rect">
+            <a:avLst/>
+          </a:prstGeom>
+          <a:noFill/>
+        </p:spPr>
+        <p:txBody>
+          <a:bodyPr wrap="square">
+            <a:spAutoFit/>
+          </a:bodyPr>
+          <a:lstStyle/>
+          <a:p>
+            <a:r>
+              <a:rPr lang="fr-CA" sz="3200" dirty="0">
+                <a:solidFill>
+                  <a:srgbClr val="FF0000"/>
+                </a:solidFill>
+              </a:rPr>
+              <a:t>right</a:t>
+            </a:r>
+            <a:endParaRPr lang="fr-CA" sz="3200" dirty="0"/>
+          </a:p>
+        </p:txBody>
+      </p:sp>
+      <p:sp>
+        <p:nvSpPr>
+          <p:cNvPr id="28" name="TextBox 27">
+            <a:extLst>
+              <a:ext uri="{FF2B5EF4-FFF2-40B4-BE49-F238E27FC236}">
+                <a16:creationId xmlns:a16="http://schemas.microsoft.com/office/drawing/2014/main" id="{16712AF7-B036-CBB4-4086-5BACA599310F}"/>
+              </a:ext>
+            </a:extLst>
+          </p:cNvPr>
+          <p:cNvSpPr txBox="1"/>
+          <p:nvPr/>
+        </p:nvSpPr>
+        <p:spPr>
+          <a:xfrm>
+            <a:off x="4409440" y="4180184"/>
+            <a:ext cx="843280" cy="584775"/>
+          </a:xfrm>
+          <a:prstGeom prst="rect">
+            <a:avLst/>
+          </a:prstGeom>
+          <a:noFill/>
+        </p:spPr>
+        <p:txBody>
+          <a:bodyPr wrap="square">
+            <a:spAutoFit/>
+          </a:bodyPr>
+          <a:lstStyle/>
+          <a:p>
+            <a:r>
+              <a:rPr lang="fr-CA" sz="3200" dirty="0" err="1">
+                <a:solidFill>
+                  <a:schemeClr val="accent4">
+                    <a:lumMod val="75000"/>
+                  </a:schemeClr>
+                </a:solidFill>
+              </a:rPr>
+              <a:t>left</a:t>
+            </a:r>
+            <a:endParaRPr lang="fr-CA" sz="3200" dirty="0"/>
+          </a:p>
+        </p:txBody>
+      </p:sp>
     </p:spTree>
     <p:extLst>
       <p:ext uri="{BB962C8B-B14F-4D97-AF65-F5344CB8AC3E}">
-        <p14:creationId xmlns:p14="http://schemas.microsoft.com/office/powerpoint/2010/main" val="3614881211"/>
+        <p14:creationId xmlns:p14="http://schemas.microsoft.com/office/powerpoint/2010/main" val="1315956863"/>
       </p:ext>
     </p:extLst>
   </p:cSld>

--- a/Images_Youmna.pptx
+++ b/Images_Youmna.pptx
@@ -10,14 +10,17 @@
     <p:sldId id="264" r:id="rId4"/>
     <p:sldId id="265" r:id="rId5"/>
     <p:sldId id="257" r:id="rId6"/>
-    <p:sldId id="259" r:id="rId7"/>
-    <p:sldId id="260" r:id="rId8"/>
-    <p:sldId id="258" r:id="rId9"/>
-    <p:sldId id="261" r:id="rId10"/>
-    <p:sldId id="266" r:id="rId11"/>
-    <p:sldId id="267" r:id="rId12"/>
-    <p:sldId id="268" r:id="rId13"/>
-    <p:sldId id="269" r:id="rId14"/>
+    <p:sldId id="272" r:id="rId7"/>
+    <p:sldId id="270" r:id="rId8"/>
+    <p:sldId id="271" r:id="rId9"/>
+    <p:sldId id="259" r:id="rId10"/>
+    <p:sldId id="260" r:id="rId11"/>
+    <p:sldId id="258" r:id="rId12"/>
+    <p:sldId id="261" r:id="rId13"/>
+    <p:sldId id="266" r:id="rId14"/>
+    <p:sldId id="267" r:id="rId15"/>
+    <p:sldId id="268" r:id="rId16"/>
+    <p:sldId id="269" r:id="rId17"/>
   </p:sldIdLst>
   <p:sldSz cx="12192000" cy="6858000"/>
   <p:notesSz cx="6858000" cy="9144000"/>
@@ -273,7 +276,7 @@
           <a:p>
             <a:fld id="{0F77A28A-3D95-4505-B6A9-5725374991B4}" type="datetimeFigureOut">
               <a:rPr lang="fr-CA" smtClean="0"/>
-              <a:t>2024-08-22</a:t>
+              <a:t>2024-08-31</a:t>
             </a:fld>
             <a:endParaRPr lang="fr-CA"/>
           </a:p>
@@ -473,7 +476,7 @@
           <a:p>
             <a:fld id="{0F77A28A-3D95-4505-B6A9-5725374991B4}" type="datetimeFigureOut">
               <a:rPr lang="fr-CA" smtClean="0"/>
-              <a:t>2024-08-22</a:t>
+              <a:t>2024-08-31</a:t>
             </a:fld>
             <a:endParaRPr lang="fr-CA"/>
           </a:p>
@@ -683,7 +686,7 @@
           <a:p>
             <a:fld id="{0F77A28A-3D95-4505-B6A9-5725374991B4}" type="datetimeFigureOut">
               <a:rPr lang="fr-CA" smtClean="0"/>
-              <a:t>2024-08-22</a:t>
+              <a:t>2024-08-31</a:t>
             </a:fld>
             <a:endParaRPr lang="fr-CA"/>
           </a:p>
@@ -883,7 +886,7 @@
           <a:p>
             <a:fld id="{0F77A28A-3D95-4505-B6A9-5725374991B4}" type="datetimeFigureOut">
               <a:rPr lang="fr-CA" smtClean="0"/>
-              <a:t>2024-08-22</a:t>
+              <a:t>2024-08-31</a:t>
             </a:fld>
             <a:endParaRPr lang="fr-CA"/>
           </a:p>
@@ -1159,7 +1162,7 @@
           <a:p>
             <a:fld id="{0F77A28A-3D95-4505-B6A9-5725374991B4}" type="datetimeFigureOut">
               <a:rPr lang="fr-CA" smtClean="0"/>
-              <a:t>2024-08-22</a:t>
+              <a:t>2024-08-31</a:t>
             </a:fld>
             <a:endParaRPr lang="fr-CA"/>
           </a:p>
@@ -1427,7 +1430,7 @@
           <a:p>
             <a:fld id="{0F77A28A-3D95-4505-B6A9-5725374991B4}" type="datetimeFigureOut">
               <a:rPr lang="fr-CA" smtClean="0"/>
-              <a:t>2024-08-22</a:t>
+              <a:t>2024-08-31</a:t>
             </a:fld>
             <a:endParaRPr lang="fr-CA"/>
           </a:p>
@@ -1842,7 +1845,7 @@
           <a:p>
             <a:fld id="{0F77A28A-3D95-4505-B6A9-5725374991B4}" type="datetimeFigureOut">
               <a:rPr lang="fr-CA" smtClean="0"/>
-              <a:t>2024-08-22</a:t>
+              <a:t>2024-08-31</a:t>
             </a:fld>
             <a:endParaRPr lang="fr-CA"/>
           </a:p>
@@ -1984,7 +1987,7 @@
           <a:p>
             <a:fld id="{0F77A28A-3D95-4505-B6A9-5725374991B4}" type="datetimeFigureOut">
               <a:rPr lang="fr-CA" smtClean="0"/>
-              <a:t>2024-08-22</a:t>
+              <a:t>2024-08-31</a:t>
             </a:fld>
             <a:endParaRPr lang="fr-CA"/>
           </a:p>
@@ -2097,7 +2100,7 @@
           <a:p>
             <a:fld id="{0F77A28A-3D95-4505-B6A9-5725374991B4}" type="datetimeFigureOut">
               <a:rPr lang="fr-CA" smtClean="0"/>
-              <a:t>2024-08-22</a:t>
+              <a:t>2024-08-31</a:t>
             </a:fld>
             <a:endParaRPr lang="fr-CA"/>
           </a:p>
@@ -2410,7 +2413,7 @@
           <a:p>
             <a:fld id="{0F77A28A-3D95-4505-B6A9-5725374991B4}" type="datetimeFigureOut">
               <a:rPr lang="fr-CA" smtClean="0"/>
-              <a:t>2024-08-22</a:t>
+              <a:t>2024-08-31</a:t>
             </a:fld>
             <a:endParaRPr lang="fr-CA"/>
           </a:p>
@@ -2699,7 +2702,7 @@
           <a:p>
             <a:fld id="{0F77A28A-3D95-4505-B6A9-5725374991B4}" type="datetimeFigureOut">
               <a:rPr lang="fr-CA" smtClean="0"/>
-              <a:t>2024-08-22</a:t>
+              <a:t>2024-08-31</a:t>
             </a:fld>
             <a:endParaRPr lang="fr-CA"/>
           </a:p>
@@ -2942,7 +2945,7 @@
           <a:p>
             <a:fld id="{0F77A28A-3D95-4505-B6A9-5725374991B4}" type="datetimeFigureOut">
               <a:rPr lang="fr-CA" smtClean="0"/>
-              <a:t>2024-08-22</a:t>
+              <a:t>2024-08-31</a:t>
             </a:fld>
             <a:endParaRPr lang="fr-CA"/>
           </a:p>
@@ -3805,10 +3808,10 @@
       </p:grpSpPr>
       <p:sp>
         <p:nvSpPr>
-          <p:cNvPr id="4" name="TextBox 3">
-            <a:extLst>
-              <a:ext uri="{FF2B5EF4-FFF2-40B4-BE49-F238E27FC236}">
-                <a16:creationId xmlns:a16="http://schemas.microsoft.com/office/drawing/2014/main" id="{952A75A2-77A2-1DF5-7461-DD5D3C820F60}"/>
+          <p:cNvPr id="25" name="TextBox 24">
+            <a:extLst>
+              <a:ext uri="{FF2B5EF4-FFF2-40B4-BE49-F238E27FC236}">
+                <a16:creationId xmlns:a16="http://schemas.microsoft.com/office/drawing/2014/main" id="{5D0E8DE0-90F4-1E05-3EEE-A27384B3A40B}"/>
               </a:ext>
             </a:extLst>
           </p:cNvPr>
@@ -3817,8 +3820,8 @@
         </p:nvSpPr>
         <p:spPr>
           <a:xfrm>
-            <a:off x="259815" y="529680"/>
-            <a:ext cx="8981430" cy="769441"/>
+            <a:off x="3048000" y="1992088"/>
+            <a:ext cx="6096000" cy="1200329"/>
           </a:xfrm>
           <a:prstGeom prst="rect">
             <a:avLst/>
@@ -3832,118 +3835,224 @@
           <a:lstStyle/>
           <a:p>
             <a:r>
-              <a:rPr lang="fr-CA" sz="4400" dirty="0">
-                <a:solidFill>
-                  <a:schemeClr val="accent4">
+              <a:rPr lang="fr-CA" dirty="0" err="1"/>
+              <a:t>def</a:t>
+            </a:r>
+            <a:r>
+              <a:rPr lang="fr-CA" dirty="0"/>
+              <a:t> </a:t>
+            </a:r>
+            <a:r>
+              <a:rPr lang="fr-CA" dirty="0" err="1">
+                <a:solidFill>
+                  <a:srgbClr val="FF0000"/>
+                </a:solidFill>
+              </a:rPr>
+              <a:t>sum</a:t>
+            </a:r>
+            <a:r>
+              <a:rPr lang="fr-CA" dirty="0"/>
+              <a:t>(</a:t>
+            </a:r>
+            <a:r>
+              <a:rPr lang="fr-CA" dirty="0">
+                <a:solidFill>
+                  <a:schemeClr val="tx2">
+                    <a:lumMod val="50000"/>
+                    <a:lumOff val="50000"/>
+                  </a:schemeClr>
+                </a:solidFill>
+              </a:rPr>
+              <a:t>num1 : </a:t>
+            </a:r>
+            <a:r>
+              <a:rPr lang="fr-CA" dirty="0" err="1">
+                <a:solidFill>
+                  <a:schemeClr val="tx2">
+                    <a:lumMod val="50000"/>
+                    <a:lumOff val="50000"/>
+                  </a:schemeClr>
+                </a:solidFill>
+              </a:rPr>
+              <a:t>float</a:t>
+            </a:r>
+            <a:r>
+              <a:rPr lang="fr-CA" dirty="0">
+                <a:solidFill>
+                  <a:schemeClr val="tx2">
+                    <a:lumMod val="50000"/>
+                    <a:lumOff val="50000"/>
+                  </a:schemeClr>
+                </a:solidFill>
+              </a:rPr>
+              <a:t>, num2 : </a:t>
+            </a:r>
+            <a:r>
+              <a:rPr lang="fr-CA" dirty="0" err="1">
+                <a:solidFill>
+                  <a:schemeClr val="tx2">
+                    <a:lumMod val="50000"/>
+                    <a:lumOff val="50000"/>
+                  </a:schemeClr>
+                </a:solidFill>
+              </a:rPr>
+              <a:t>float</a:t>
+            </a:r>
+            <a:r>
+              <a:rPr lang="fr-CA" dirty="0">
+                <a:solidFill>
+                  <a:srgbClr val="00B0F0"/>
+                </a:solidFill>
+              </a:rPr>
+              <a:t>)</a:t>
+            </a:r>
+            <a:r>
+              <a:rPr lang="fr-CA" dirty="0">
+                <a:solidFill>
+                  <a:srgbClr val="FF0000"/>
+                </a:solidFill>
+              </a:rPr>
+              <a:t> -&gt; </a:t>
+            </a:r>
+            <a:r>
+              <a:rPr lang="fr-CA" dirty="0" err="1">
+                <a:solidFill>
+                  <a:srgbClr val="FF0000"/>
+                </a:solidFill>
+              </a:rPr>
+              <a:t>float</a:t>
+            </a:r>
+            <a:r>
+              <a:rPr lang="fr-CA" dirty="0">
+                <a:solidFill>
+                  <a:srgbClr val="FF0000"/>
+                </a:solidFill>
+              </a:rPr>
+              <a:t> </a:t>
+            </a:r>
+            <a:r>
+              <a:rPr lang="fr-CA" dirty="0">
+                <a:highlight>
+                  <a:srgbClr val="FFFF00"/>
+                </a:highlight>
+              </a:rPr>
+              <a:t>:</a:t>
+            </a:r>
+          </a:p>
+          <a:p>
+            <a:r>
+              <a:rPr lang="fr-CA" dirty="0">
+                <a:highlight>
+                  <a:srgbClr val="FFFF00"/>
+                </a:highlight>
+              </a:rPr>
+              <a:t>	</a:t>
+            </a:r>
+            <a:r>
+              <a:rPr lang="fr-CA" dirty="0">
+                <a:solidFill>
+                  <a:schemeClr val="accent6">
+                    <a:lumMod val="60000"/>
+                    <a:lumOff val="40000"/>
+                  </a:schemeClr>
+                </a:solidFill>
+              </a:rPr>
+              <a:t>value  = num1 + num2</a:t>
+            </a:r>
+            <a:endParaRPr lang="fr-CA" dirty="0">
+              <a:highlight>
+                <a:srgbClr val="FFFF00"/>
+              </a:highlight>
+            </a:endParaRPr>
+          </a:p>
+          <a:p>
+            <a:r>
+              <a:rPr lang="fr-CA" dirty="0">
+                <a:solidFill>
+                  <a:schemeClr val="accent5">
                     <a:lumMod val="75000"/>
                   </a:schemeClr>
                 </a:solidFill>
-              </a:rPr>
-              <a:t>[</a:t>
-            </a:r>
-            <a:r>
-              <a:rPr lang="fr-CA" sz="4400" i="1" dirty="0">
-                <a:solidFill>
-                  <a:srgbClr val="FF0000"/>
-                </a:solidFill>
-              </a:rPr>
-              <a:t>expression </a:t>
-            </a:r>
-            <a:r>
-              <a:rPr lang="fr-CA" sz="4400" dirty="0">
-                <a:solidFill>
-                  <a:schemeClr val="tx2">
-                    <a:lumMod val="75000"/>
-                    <a:lumOff val="25000"/>
-                  </a:schemeClr>
-                </a:solidFill>
-              </a:rPr>
-              <a:t>for</a:t>
-            </a:r>
-            <a:r>
-              <a:rPr lang="fr-CA" sz="4400" dirty="0">
-                <a:solidFill>
-                  <a:srgbClr val="FF0000"/>
-                </a:solidFill>
-              </a:rPr>
-              <a:t> </a:t>
-            </a:r>
-            <a:r>
-              <a:rPr lang="fr-CA" sz="4400" i="1" dirty="0">
+                <a:highlight>
+                  <a:srgbClr val="FFFF00"/>
+                </a:highlight>
+              </a:rPr>
+              <a:t>	</a:t>
+            </a:r>
+            <a:r>
+              <a:rPr lang="fr-CA" dirty="0"/>
+              <a:t>return </a:t>
+            </a:r>
+            <a:r>
+              <a:rPr lang="fr-CA" dirty="0">
                 <a:solidFill>
                   <a:schemeClr val="accent6">
                     <a:lumMod val="50000"/>
                   </a:schemeClr>
                 </a:solidFill>
               </a:rPr>
-              <a:t>val</a:t>
-            </a:r>
-            <a:r>
-              <a:rPr lang="fr-CA" sz="4400" dirty="0">
-                <a:solidFill>
-                  <a:srgbClr val="FF0000"/>
-                </a:solidFill>
-              </a:rPr>
-              <a:t> </a:t>
-            </a:r>
-            <a:r>
-              <a:rPr lang="fr-CA" sz="4400" dirty="0">
-                <a:solidFill>
-                  <a:srgbClr val="0070C0"/>
-                </a:solidFill>
-              </a:rPr>
-              <a:t>in</a:t>
-            </a:r>
-            <a:r>
-              <a:rPr lang="fr-CA" sz="4400" dirty="0">
-                <a:solidFill>
-                  <a:srgbClr val="FF0000"/>
-                </a:solidFill>
-              </a:rPr>
-              <a:t> </a:t>
-            </a:r>
-            <a:r>
-              <a:rPr lang="fr-CA" sz="4400" i="1" dirty="0">
-                <a:solidFill>
-                  <a:schemeClr val="accent6">
-                    <a:lumMod val="50000"/>
-                  </a:schemeClr>
-                </a:solidFill>
-              </a:rPr>
-              <a:t>collection</a:t>
-            </a:r>
-            <a:r>
-              <a:rPr lang="fr-CA" sz="4400" dirty="0">
-                <a:solidFill>
-                  <a:srgbClr val="FF0000"/>
-                </a:solidFill>
-              </a:rPr>
-              <a:t> </a:t>
-            </a:r>
-            <a:r>
-              <a:rPr lang="fr-CA" sz="4400" dirty="0">
-                <a:solidFill>
-                  <a:schemeClr val="accent4">
-                    <a:lumMod val="75000"/>
-                  </a:schemeClr>
-                </a:solidFill>
-              </a:rPr>
-              <a:t>] </a:t>
-            </a:r>
-            <a:endParaRPr lang="fr-CA" sz="4400" dirty="0">
+              <a:t>value</a:t>
+            </a:r>
+          </a:p>
+          <a:p>
+            <a:endParaRPr lang="fr-CA" dirty="0">
               <a:solidFill>
-                <a:srgbClr val="FF0000"/>
+                <a:schemeClr val="accent6">
+                  <a:lumMod val="60000"/>
+                  <a:lumOff val="40000"/>
+                </a:schemeClr>
               </a:solidFill>
             </a:endParaRPr>
           </a:p>
         </p:txBody>
       </p:sp>
-      <p:sp>
-        <p:nvSpPr>
-          <p:cNvPr id="5" name="TextBox 4">
-            <a:extLst>
-              <a:ext uri="{FF2B5EF4-FFF2-40B4-BE49-F238E27FC236}">
-                <a16:creationId xmlns:a16="http://schemas.microsoft.com/office/drawing/2014/main" id="{FC6CAD27-0772-FEDB-971E-EEE0AD28A549}"/>
+      <p:cxnSp>
+        <p:nvCxnSpPr>
+          <p:cNvPr id="30" name="Straight Arrow Connector 29">
+            <a:extLst>
+              <a:ext uri="{FF2B5EF4-FFF2-40B4-BE49-F238E27FC236}">
+                <a16:creationId xmlns:a16="http://schemas.microsoft.com/office/drawing/2014/main" id="{261479D9-3094-1034-162B-1F70604EC0AF}"/>
+              </a:ext>
+            </a:extLst>
+          </p:cNvPr>
+          <p:cNvCxnSpPr>
+            <a:cxnSpLocks/>
+          </p:cNvCxnSpPr>
+          <p:nvPr/>
+        </p:nvCxnSpPr>
+        <p:spPr>
+          <a:xfrm>
+            <a:off x="6873819" y="2652973"/>
+            <a:ext cx="0" cy="1008622"/>
+          </a:xfrm>
+          <a:prstGeom prst="straightConnector1">
+            <a:avLst/>
+          </a:prstGeom>
+          <a:ln>
+            <a:tailEnd type="triangle"/>
+          </a:ln>
+        </p:spPr>
+        <p:style>
+          <a:lnRef idx="2">
+            <a:schemeClr val="accent1"/>
+          </a:lnRef>
+          <a:fillRef idx="0">
+            <a:schemeClr val="accent1"/>
+          </a:fillRef>
+          <a:effectRef idx="1">
+            <a:schemeClr val="accent1"/>
+          </a:effectRef>
+          <a:fontRef idx="minor">
+            <a:schemeClr val="tx1"/>
+          </a:fontRef>
+        </p:style>
+      </p:cxnSp>
+      <p:sp>
+        <p:nvSpPr>
+          <p:cNvPr id="41" name="TextBox 40">
+            <a:extLst>
+              <a:ext uri="{FF2B5EF4-FFF2-40B4-BE49-F238E27FC236}">
+                <a16:creationId xmlns:a16="http://schemas.microsoft.com/office/drawing/2014/main" id="{B89E9410-816E-42C8-A2AE-AFDE8B7D479A}"/>
               </a:ext>
             </a:extLst>
           </p:cNvPr>
@@ -3952,8 +4061,8 @@
         </p:nvSpPr>
         <p:spPr>
           <a:xfrm>
-            <a:off x="259815" y="1825079"/>
-            <a:ext cx="10794628" cy="769441"/>
+            <a:off x="6305439" y="3735819"/>
+            <a:ext cx="1136760" cy="307777"/>
           </a:xfrm>
           <a:prstGeom prst="rect">
             <a:avLst/>
@@ -3961,134 +4070,69 @@
           <a:noFill/>
         </p:spPr>
         <p:txBody>
-          <a:bodyPr wrap="square">
+          <a:bodyPr wrap="square" rtlCol="0">
             <a:spAutoFit/>
           </a:bodyPr>
           <a:lstStyle/>
           <a:p>
             <a:r>
-              <a:rPr lang="fr-CA" sz="4400" dirty="0">
-                <a:solidFill>
-                  <a:schemeClr val="accent4">
-                    <a:lumMod val="75000"/>
-                  </a:schemeClr>
-                </a:solidFill>
-              </a:rPr>
-              <a:t>[</a:t>
-            </a:r>
-            <a:r>
-              <a:rPr lang="fr-CA" sz="4400" i="1" dirty="0">
-                <a:solidFill>
-                  <a:srgbClr val="FF0000"/>
-                </a:solidFill>
-              </a:rPr>
-              <a:t>expression </a:t>
-            </a:r>
-            <a:r>
-              <a:rPr lang="fr-CA" sz="4400" dirty="0">
-                <a:solidFill>
-                  <a:schemeClr val="tx2">
-                    <a:lumMod val="75000"/>
-                    <a:lumOff val="25000"/>
-                  </a:schemeClr>
-                </a:solidFill>
-              </a:rPr>
-              <a:t>for</a:t>
-            </a:r>
-            <a:r>
-              <a:rPr lang="fr-CA" sz="4400" dirty="0">
-                <a:solidFill>
-                  <a:srgbClr val="FF0000"/>
-                </a:solidFill>
-              </a:rPr>
-              <a:t> </a:t>
-            </a:r>
-            <a:r>
-              <a:rPr lang="fr-CA" sz="4400" i="1" dirty="0">
-                <a:solidFill>
-                  <a:schemeClr val="accent6">
-                    <a:lumMod val="50000"/>
-                  </a:schemeClr>
-                </a:solidFill>
-              </a:rPr>
-              <a:t>val</a:t>
-            </a:r>
-            <a:r>
-              <a:rPr lang="fr-CA" sz="4400" dirty="0">
-                <a:solidFill>
-                  <a:srgbClr val="FF0000"/>
-                </a:solidFill>
-              </a:rPr>
-              <a:t> </a:t>
-            </a:r>
-            <a:r>
-              <a:rPr lang="fr-CA" sz="4400" dirty="0">
-                <a:solidFill>
-                  <a:srgbClr val="0070C0"/>
-                </a:solidFill>
-              </a:rPr>
-              <a:t>in</a:t>
-            </a:r>
-            <a:r>
-              <a:rPr lang="fr-CA" sz="4400" dirty="0">
-                <a:solidFill>
-                  <a:srgbClr val="FF0000"/>
-                </a:solidFill>
-              </a:rPr>
-              <a:t> </a:t>
-            </a:r>
-            <a:r>
-              <a:rPr lang="fr-CA" sz="4400" i="1" dirty="0">
-                <a:solidFill>
-                  <a:schemeClr val="accent6">
-                    <a:lumMod val="50000"/>
-                  </a:schemeClr>
-                </a:solidFill>
-              </a:rPr>
-              <a:t>collection</a:t>
-            </a:r>
-            <a:r>
-              <a:rPr lang="fr-CA" sz="4400" dirty="0">
-                <a:solidFill>
-                  <a:srgbClr val="FF0000"/>
-                </a:solidFill>
-              </a:rPr>
-              <a:t> </a:t>
-            </a:r>
-            <a:r>
-              <a:rPr lang="fr-CA" sz="4400" dirty="0">
-                <a:solidFill>
-                  <a:schemeClr val="accent2">
-                    <a:lumMod val="75000"/>
-                  </a:schemeClr>
-                </a:solidFill>
-              </a:rPr>
-              <a:t>if condition</a:t>
-            </a:r>
-            <a:r>
-              <a:rPr lang="fr-CA" sz="4400" dirty="0">
-                <a:solidFill>
-                  <a:schemeClr val="accent4">
-                    <a:lumMod val="75000"/>
-                  </a:schemeClr>
-                </a:solidFill>
-              </a:rPr>
-              <a:t>] </a:t>
-            </a:r>
-            <a:endParaRPr lang="fr-CA" sz="4400" dirty="0">
-              <a:solidFill>
-                <a:srgbClr val="FF0000"/>
-              </a:solidFill>
-            </a:endParaRPr>
-          </a:p>
-        </p:txBody>
-      </p:sp>
-      <p:sp>
-        <p:nvSpPr>
-          <p:cNvPr id="6" name="TextBox 5">
-            <a:extLst>
-              <a:ext uri="{FF2B5EF4-FFF2-40B4-BE49-F238E27FC236}">
-                <a16:creationId xmlns:a16="http://schemas.microsoft.com/office/drawing/2014/main" id="{1E207FF3-8E5A-0C2D-A119-04D7ED07AEFB}"/>
+              <a:rPr lang="en-US" sz="1400" dirty="0"/>
+              <a:t>Return type</a:t>
+            </a:r>
+            <a:endParaRPr lang="fr-CA" sz="1400" dirty="0"/>
+          </a:p>
+        </p:txBody>
+      </p:sp>
+      <p:sp>
+        <p:nvSpPr>
+          <p:cNvPr id="45" name="Left Bracket 44">
+            <a:extLst>
+              <a:ext uri="{FF2B5EF4-FFF2-40B4-BE49-F238E27FC236}">
+                <a16:creationId xmlns:a16="http://schemas.microsoft.com/office/drawing/2014/main" id="{188B7ED1-1FE8-94D4-3E76-D2FE18C64A97}"/>
+              </a:ext>
+            </a:extLst>
+          </p:cNvPr>
+          <p:cNvSpPr/>
+          <p:nvPr/>
+        </p:nvSpPr>
+        <p:spPr>
+          <a:xfrm rot="16200000">
+            <a:off x="6804770" y="2049889"/>
+            <a:ext cx="138099" cy="862441"/>
+          </a:xfrm>
+          <a:prstGeom prst="leftBracket">
+            <a:avLst/>
+          </a:prstGeom>
+        </p:spPr>
+        <p:style>
+          <a:lnRef idx="2">
+            <a:schemeClr val="accent1"/>
+          </a:lnRef>
+          <a:fillRef idx="0">
+            <a:schemeClr val="accent1"/>
+          </a:fillRef>
+          <a:effectRef idx="1">
+            <a:schemeClr val="accent1"/>
+          </a:effectRef>
+          <a:fontRef idx="minor">
+            <a:schemeClr val="tx1"/>
+          </a:fontRef>
+        </p:style>
+        <p:txBody>
+          <a:bodyPr rtlCol="0" anchor="ctr"/>
+          <a:lstStyle/>
+          <a:p>
+            <a:pPr algn="ctr"/>
+            <a:endParaRPr lang="fr-CA"/>
+          </a:p>
+        </p:txBody>
+      </p:sp>
+      <p:sp>
+        <p:nvSpPr>
+          <p:cNvPr id="46" name="TextBox 45">
+            <a:extLst>
+              <a:ext uri="{FF2B5EF4-FFF2-40B4-BE49-F238E27FC236}">
+                <a16:creationId xmlns:a16="http://schemas.microsoft.com/office/drawing/2014/main" id="{26DC44BA-211C-F6E7-F59C-47225351A0ED}"/>
               </a:ext>
             </a:extLst>
           </p:cNvPr>
@@ -4097,8 +4141,8 @@
         </p:nvSpPr>
         <p:spPr>
           <a:xfrm>
-            <a:off x="259814" y="3044279"/>
-            <a:ext cx="11660637" cy="646331"/>
+            <a:off x="4872988" y="1489025"/>
+            <a:ext cx="1550677" cy="307777"/>
           </a:xfrm>
           <a:prstGeom prst="rect">
             <a:avLst/>
@@ -4106,160 +4150,105 @@
           <a:noFill/>
         </p:spPr>
         <p:txBody>
-          <a:bodyPr wrap="square">
+          <a:bodyPr wrap="square" rtlCol="0">
             <a:spAutoFit/>
           </a:bodyPr>
           <a:lstStyle/>
           <a:p>
             <a:r>
-              <a:rPr lang="fr-CA" sz="3600" dirty="0">
-                <a:solidFill>
-                  <a:schemeClr val="accent4">
-                    <a:lumMod val="75000"/>
-                  </a:schemeClr>
-                </a:solidFill>
-              </a:rPr>
-              <a:t>[</a:t>
-            </a:r>
-            <a:r>
-              <a:rPr lang="fr-CA" sz="3600" i="1" dirty="0">
-                <a:solidFill>
-                  <a:srgbClr val="FF0000"/>
-                </a:solidFill>
-              </a:rPr>
-              <a:t>expression </a:t>
-            </a:r>
-            <a:r>
-              <a:rPr lang="fr-CA" sz="3600" dirty="0">
-                <a:solidFill>
-                  <a:schemeClr val="tx2">
-                    <a:lumMod val="75000"/>
-                    <a:lumOff val="25000"/>
-                  </a:schemeClr>
-                </a:solidFill>
-              </a:rPr>
-              <a:t>for</a:t>
-            </a:r>
-            <a:r>
-              <a:rPr lang="fr-CA" sz="3600" dirty="0">
-                <a:solidFill>
-                  <a:srgbClr val="FF0000"/>
-                </a:solidFill>
-              </a:rPr>
-              <a:t> </a:t>
-            </a:r>
-            <a:r>
-              <a:rPr lang="fr-CA" sz="3600" i="1" dirty="0">
-                <a:solidFill>
-                  <a:schemeClr val="accent6">
-                    <a:lumMod val="50000"/>
-                  </a:schemeClr>
-                </a:solidFill>
-              </a:rPr>
-              <a:t>val1, val2</a:t>
-            </a:r>
-            <a:r>
-              <a:rPr lang="fr-CA" sz="3600" dirty="0">
-                <a:solidFill>
-                  <a:srgbClr val="FF0000"/>
-                </a:solidFill>
-              </a:rPr>
-              <a:t> </a:t>
-            </a:r>
-            <a:r>
-              <a:rPr lang="fr-CA" sz="3600" dirty="0">
-                <a:solidFill>
-                  <a:srgbClr val="0070C0"/>
-                </a:solidFill>
-              </a:rPr>
-              <a:t>in</a:t>
-            </a:r>
-            <a:r>
-              <a:rPr lang="fr-CA" sz="3600" dirty="0">
-                <a:solidFill>
-                  <a:srgbClr val="FF0000"/>
-                </a:solidFill>
-              </a:rPr>
-              <a:t> zip(</a:t>
-            </a:r>
-            <a:r>
-              <a:rPr lang="fr-CA" sz="3600" i="1" dirty="0">
-                <a:solidFill>
-                  <a:schemeClr val="accent6">
-                    <a:lumMod val="50000"/>
-                  </a:schemeClr>
-                </a:solidFill>
-              </a:rPr>
-              <a:t>collection1</a:t>
-            </a:r>
-            <a:r>
-              <a:rPr lang="fr-CA" sz="3600" i="1">
-                <a:solidFill>
-                  <a:schemeClr val="accent6">
-                    <a:lumMod val="50000"/>
-                  </a:schemeClr>
-                </a:solidFill>
-              </a:rPr>
-              <a:t>,</a:t>
-            </a:r>
-            <a:r>
-              <a:rPr lang="fr-CA" sz="3600">
-                <a:solidFill>
-                  <a:srgbClr val="FF0000"/>
-                </a:solidFill>
-              </a:rPr>
-              <a:t> </a:t>
-            </a:r>
-            <a:r>
-              <a:rPr lang="fr-CA" sz="3600" i="1">
-                <a:solidFill>
-                  <a:schemeClr val="accent6">
-                    <a:lumMod val="50000"/>
-                  </a:schemeClr>
-                </a:solidFill>
-              </a:rPr>
-              <a:t>collection2</a:t>
-            </a:r>
-            <a:r>
-              <a:rPr lang="fr-CA" sz="3600">
-                <a:solidFill>
-                  <a:srgbClr val="FF0000"/>
-                </a:solidFill>
-              </a:rPr>
-              <a:t> )</a:t>
-            </a:r>
-            <a:r>
-              <a:rPr lang="fr-CA" sz="3600" i="1">
-                <a:solidFill>
-                  <a:schemeClr val="accent6">
-                    <a:lumMod val="50000"/>
-                  </a:schemeClr>
-                </a:solidFill>
-              </a:rPr>
-              <a:t> </a:t>
-            </a:r>
-            <a:r>
-              <a:rPr lang="fr-CA" sz="3600" dirty="0">
-                <a:solidFill>
-                  <a:schemeClr val="accent4">
-                    <a:lumMod val="75000"/>
-                  </a:schemeClr>
-                </a:solidFill>
-              </a:rPr>
-              <a:t>] </a:t>
-            </a:r>
-            <a:endParaRPr lang="fr-CA" sz="3600" dirty="0">
-              <a:solidFill>
-                <a:srgbClr val="FF0000"/>
-              </a:solidFill>
-            </a:endParaRPr>
-          </a:p>
-        </p:txBody>
-      </p:sp>
+              <a:rPr lang="en-US" sz="1400" dirty="0"/>
+              <a:t>Parameter types</a:t>
+            </a:r>
+            <a:endParaRPr lang="fr-CA" sz="1400" dirty="0"/>
+          </a:p>
+        </p:txBody>
+      </p:sp>
+      <p:cxnSp>
+        <p:nvCxnSpPr>
+          <p:cNvPr id="47" name="Straight Arrow Connector 46">
+            <a:extLst>
+              <a:ext uri="{FF2B5EF4-FFF2-40B4-BE49-F238E27FC236}">
+                <a16:creationId xmlns:a16="http://schemas.microsoft.com/office/drawing/2014/main" id="{6C617999-B9A1-752C-6ADB-0BF30C67D84E}"/>
+              </a:ext>
+            </a:extLst>
+          </p:cNvPr>
+          <p:cNvCxnSpPr>
+            <a:cxnSpLocks/>
+          </p:cNvCxnSpPr>
+          <p:nvPr/>
+        </p:nvCxnSpPr>
+        <p:spPr>
+          <a:xfrm flipH="1">
+            <a:off x="4918708" y="1796802"/>
+            <a:ext cx="212092" cy="300410"/>
+          </a:xfrm>
+          <a:prstGeom prst="straightConnector1">
+            <a:avLst/>
+          </a:prstGeom>
+          <a:ln>
+            <a:tailEnd type="triangle"/>
+          </a:ln>
+        </p:spPr>
+        <p:style>
+          <a:lnRef idx="2">
+            <a:schemeClr val="accent1"/>
+          </a:lnRef>
+          <a:fillRef idx="0">
+            <a:schemeClr val="accent1"/>
+          </a:fillRef>
+          <a:effectRef idx="1">
+            <a:schemeClr val="accent1"/>
+          </a:effectRef>
+          <a:fontRef idx="minor">
+            <a:schemeClr val="tx1"/>
+          </a:fontRef>
+        </p:style>
+      </p:cxnSp>
+      <p:cxnSp>
+        <p:nvCxnSpPr>
+          <p:cNvPr id="50" name="Straight Arrow Connector 49">
+            <a:extLst>
+              <a:ext uri="{FF2B5EF4-FFF2-40B4-BE49-F238E27FC236}">
+                <a16:creationId xmlns:a16="http://schemas.microsoft.com/office/drawing/2014/main" id="{2C87B971-348B-E503-87FB-20FE4495EBCD}"/>
+              </a:ext>
+            </a:extLst>
+          </p:cNvPr>
+          <p:cNvCxnSpPr>
+            <a:cxnSpLocks/>
+          </p:cNvCxnSpPr>
+          <p:nvPr/>
+        </p:nvCxnSpPr>
+        <p:spPr>
+          <a:xfrm>
+            <a:off x="5892800" y="1816756"/>
+            <a:ext cx="114300" cy="280456"/>
+          </a:xfrm>
+          <a:prstGeom prst="straightConnector1">
+            <a:avLst/>
+          </a:prstGeom>
+          <a:ln>
+            <a:tailEnd type="triangle"/>
+          </a:ln>
+        </p:spPr>
+        <p:style>
+          <a:lnRef idx="2">
+            <a:schemeClr val="accent1"/>
+          </a:lnRef>
+          <a:fillRef idx="0">
+            <a:schemeClr val="accent1"/>
+          </a:fillRef>
+          <a:effectRef idx="1">
+            <a:schemeClr val="accent1"/>
+          </a:effectRef>
+          <a:fontRef idx="minor">
+            <a:schemeClr val="tx1"/>
+          </a:fontRef>
+        </p:style>
+      </p:cxnSp>
     </p:spTree>
     <p:extLst>
       <p:ext uri="{BB962C8B-B14F-4D97-AF65-F5344CB8AC3E}">
-        <p14:creationId xmlns:p14="http://schemas.microsoft.com/office/powerpoint/2010/main" val="2492666843"/>
+        <p14:creationId xmlns:p14="http://schemas.microsoft.com/office/powerpoint/2010/main" val="3336155435"/>
       </p:ext>
     </p:extLst>
   </p:cSld>
@@ -4288,58 +4277,291 @@
       </p:grpSpPr>
       <p:sp>
         <p:nvSpPr>
-          <p:cNvPr id="2" name="Title 1">
-            <a:extLst>
-              <a:ext uri="{FF2B5EF4-FFF2-40B4-BE49-F238E27FC236}">
-                <a16:creationId xmlns:a16="http://schemas.microsoft.com/office/drawing/2014/main" id="{B7E62CEE-0967-2306-9F0A-527533969548}"/>
-              </a:ext>
-            </a:extLst>
-          </p:cNvPr>
-          <p:cNvSpPr>
-            <a:spLocks noGrp="1"/>
-          </p:cNvSpPr>
-          <p:nvPr>
-            <p:ph type="title"/>
-          </p:nvPr>
-        </p:nvSpPr>
-        <p:spPr/>
-        <p:txBody>
-          <a:bodyPr/>
-          <a:lstStyle/>
-          <a:p>
-            <a:endParaRPr lang="fr-CA"/>
-          </a:p>
-        </p:txBody>
-      </p:sp>
-      <p:sp>
-        <p:nvSpPr>
-          <p:cNvPr id="3" name="Content Placeholder 2">
-            <a:extLst>
-              <a:ext uri="{FF2B5EF4-FFF2-40B4-BE49-F238E27FC236}">
-                <a16:creationId xmlns:a16="http://schemas.microsoft.com/office/drawing/2014/main" id="{F6A65CBA-F56C-7CD4-7785-890743F1FE45}"/>
-              </a:ext>
-            </a:extLst>
-          </p:cNvPr>
-          <p:cNvSpPr>
-            <a:spLocks noGrp="1"/>
-          </p:cNvSpPr>
-          <p:nvPr>
-            <p:ph idx="1"/>
-          </p:nvPr>
-        </p:nvSpPr>
-        <p:spPr/>
-        <p:txBody>
-          <a:bodyPr/>
-          <a:lstStyle/>
-          <a:p>
-            <a:endParaRPr lang="fr-CA"/>
+          <p:cNvPr id="5" name="TextBox 4">
+            <a:extLst>
+              <a:ext uri="{FF2B5EF4-FFF2-40B4-BE49-F238E27FC236}">
+                <a16:creationId xmlns:a16="http://schemas.microsoft.com/office/drawing/2014/main" id="{DE3CFF3A-7376-62D6-676E-1F580E0460C1}"/>
+              </a:ext>
+            </a:extLst>
+          </p:cNvPr>
+          <p:cNvSpPr txBox="1"/>
+          <p:nvPr/>
+        </p:nvSpPr>
+        <p:spPr>
+          <a:xfrm>
+            <a:off x="4582160" y="1470075"/>
+            <a:ext cx="3596640" cy="2862322"/>
+          </a:xfrm>
+          <a:prstGeom prst="rect">
+            <a:avLst/>
+          </a:prstGeom>
+          <a:noFill/>
+        </p:spPr>
+        <p:txBody>
+          <a:bodyPr wrap="square">
+            <a:spAutoFit/>
+          </a:bodyPr>
+          <a:lstStyle/>
+          <a:p>
+            <a:r>
+              <a:rPr lang="fr-CA" dirty="0" err="1">
+                <a:solidFill>
+                  <a:schemeClr val="accent5">
+                    <a:lumMod val="75000"/>
+                  </a:schemeClr>
+                </a:solidFill>
+              </a:rPr>
+              <a:t>def</a:t>
+            </a:r>
+            <a:r>
+              <a:rPr lang="fr-CA" dirty="0"/>
+              <a:t> </a:t>
+            </a:r>
+            <a:r>
+              <a:rPr lang="fr-CA" dirty="0" err="1">
+                <a:solidFill>
+                  <a:srgbClr val="FF0000"/>
+                </a:solidFill>
+              </a:rPr>
+              <a:t>sum</a:t>
+            </a:r>
+            <a:r>
+              <a:rPr lang="fr-CA" dirty="0"/>
+              <a:t>(</a:t>
+            </a:r>
+            <a:r>
+              <a:rPr lang="fr-CA" dirty="0">
+                <a:solidFill>
+                  <a:schemeClr val="accent3"/>
+                </a:solidFill>
+              </a:rPr>
+              <a:t>num1</a:t>
+            </a:r>
+            <a:r>
+              <a:rPr lang="fr-CA" dirty="0"/>
+              <a:t>, </a:t>
+            </a:r>
+            <a:r>
+              <a:rPr lang="fr-CA" dirty="0">
+                <a:solidFill>
+                  <a:schemeClr val="accent1">
+                    <a:lumMod val="60000"/>
+                    <a:lumOff val="40000"/>
+                  </a:schemeClr>
+                </a:solidFill>
+              </a:rPr>
+              <a:t>num2</a:t>
+            </a:r>
+            <a:r>
+              <a:rPr lang="fr-CA" dirty="0"/>
+              <a:t>)</a:t>
+            </a:r>
+            <a:r>
+              <a:rPr lang="fr-CA" dirty="0">
+                <a:highlight>
+                  <a:srgbClr val="FFFF00"/>
+                </a:highlight>
+              </a:rPr>
+              <a:t>:</a:t>
+            </a:r>
+          </a:p>
+          <a:p>
+            <a:r>
+              <a:rPr lang="fr-CA" dirty="0">
+                <a:highlight>
+                  <a:srgbClr val="FFFF00"/>
+                </a:highlight>
+              </a:rPr>
+              <a:t>	</a:t>
+            </a:r>
+            <a:r>
+              <a:rPr lang="fr-CA" dirty="0">
+                <a:solidFill>
+                  <a:schemeClr val="accent5">
+                    <a:lumMod val="75000"/>
+                  </a:schemeClr>
+                </a:solidFill>
+              </a:rPr>
+              <a:t>return</a:t>
+            </a:r>
+            <a:r>
+              <a:rPr lang="fr-CA" dirty="0"/>
+              <a:t> </a:t>
+            </a:r>
+            <a:r>
+              <a:rPr lang="fr-CA" dirty="0">
+                <a:solidFill>
+                  <a:schemeClr val="accent6">
+                    <a:lumMod val="60000"/>
+                    <a:lumOff val="40000"/>
+                  </a:schemeClr>
+                </a:solidFill>
+              </a:rPr>
+              <a:t>(num1 + num2)</a:t>
+            </a:r>
+          </a:p>
+          <a:p>
+            <a:endParaRPr lang="fr-CA" dirty="0">
+              <a:solidFill>
+                <a:schemeClr val="accent6">
+                  <a:lumMod val="60000"/>
+                  <a:lumOff val="40000"/>
+                </a:schemeClr>
+              </a:solidFill>
+            </a:endParaRPr>
+          </a:p>
+          <a:p>
+            <a:pPr marL="285750" indent="-285750">
+              <a:buFontTx/>
+              <a:buChar char="-"/>
+            </a:pPr>
+            <a:r>
+              <a:rPr lang="fr-CA" dirty="0" err="1">
+                <a:solidFill>
+                  <a:srgbClr val="7030A0"/>
+                </a:solidFill>
+              </a:rPr>
+              <a:t>def</a:t>
+            </a:r>
+            <a:r>
+              <a:rPr lang="fr-CA" dirty="0">
+                <a:solidFill>
+                  <a:srgbClr val="7030A0"/>
+                </a:solidFill>
+              </a:rPr>
+              <a:t> keyword</a:t>
+            </a:r>
+          </a:p>
+          <a:p>
+            <a:pPr marL="285750" indent="-285750">
+              <a:buFontTx/>
+              <a:buChar char="-"/>
+            </a:pPr>
+            <a:r>
+              <a:rPr lang="fr-CA" dirty="0">
+                <a:highlight>
+                  <a:srgbClr val="FFFF00"/>
+                </a:highlight>
+              </a:rPr>
+              <a:t>Semi-colon and indentation</a:t>
+            </a:r>
+          </a:p>
+          <a:p>
+            <a:pPr marL="285750" indent="-285750">
+              <a:buFontTx/>
+              <a:buChar char="-"/>
+            </a:pPr>
+            <a:r>
+              <a:rPr lang="fr-CA" dirty="0" err="1">
+                <a:solidFill>
+                  <a:srgbClr val="FF0000"/>
+                </a:solidFill>
+              </a:rPr>
+              <a:t>name</a:t>
+            </a:r>
+            <a:r>
+              <a:rPr lang="fr-CA" dirty="0">
+                <a:solidFill>
+                  <a:srgbClr val="FF0000"/>
+                </a:solidFill>
+              </a:rPr>
+              <a:t> of the </a:t>
+            </a:r>
+            <a:r>
+              <a:rPr lang="fr-CA" dirty="0" err="1">
+                <a:solidFill>
+                  <a:srgbClr val="FF0000"/>
+                </a:solidFill>
+              </a:rPr>
+              <a:t>function</a:t>
+            </a:r>
+            <a:endParaRPr lang="fr-CA" dirty="0">
+              <a:solidFill>
+                <a:srgbClr val="FF0000"/>
+              </a:solidFill>
+            </a:endParaRPr>
+          </a:p>
+          <a:p>
+            <a:pPr marL="285750" indent="-285750">
+              <a:buFontTx/>
+              <a:buChar char="-"/>
+            </a:pPr>
+            <a:r>
+              <a:rPr lang="fr-CA" dirty="0">
+                <a:solidFill>
+                  <a:schemeClr val="accent3"/>
+                </a:solidFill>
+              </a:rPr>
+              <a:t>Argument 1</a:t>
+            </a:r>
+          </a:p>
+          <a:p>
+            <a:pPr marL="285750" indent="-285750">
+              <a:buFontTx/>
+              <a:buChar char="-"/>
+            </a:pPr>
+            <a:r>
+              <a:rPr lang="fr-CA" dirty="0">
+                <a:solidFill>
+                  <a:srgbClr val="00B0F0"/>
+                </a:solidFill>
+              </a:rPr>
+              <a:t>Argument 2</a:t>
+            </a:r>
+          </a:p>
+          <a:p>
+            <a:r>
+              <a:rPr lang="fr-CA" dirty="0">
+                <a:solidFill>
+                  <a:schemeClr val="accent5">
+                    <a:lumMod val="75000"/>
+                  </a:schemeClr>
+                </a:solidFill>
+              </a:rPr>
+              <a:t>-     return keyword</a:t>
+            </a:r>
+          </a:p>
+          <a:p>
+            <a:r>
+              <a:rPr lang="fr-CA" dirty="0">
+                <a:solidFill>
+                  <a:schemeClr val="accent6">
+                    <a:lumMod val="60000"/>
+                    <a:lumOff val="40000"/>
+                  </a:schemeClr>
+                </a:solidFill>
+              </a:rPr>
+              <a:t>- </a:t>
+            </a:r>
+            <a:r>
+              <a:rPr lang="fr-CA" dirty="0" err="1">
+                <a:solidFill>
+                  <a:schemeClr val="accent6">
+                    <a:lumMod val="60000"/>
+                    <a:lumOff val="40000"/>
+                  </a:schemeClr>
+                </a:solidFill>
+              </a:rPr>
+              <a:t>Returned</a:t>
+            </a:r>
+            <a:r>
+              <a:rPr lang="fr-CA" dirty="0">
+                <a:solidFill>
+                  <a:schemeClr val="accent6">
+                    <a:lumMod val="60000"/>
+                    <a:lumOff val="40000"/>
+                  </a:schemeClr>
+                </a:solidFill>
+              </a:rPr>
+              <a:t> value or expression</a:t>
+            </a:r>
           </a:p>
         </p:txBody>
       </p:sp>
     </p:spTree>
     <p:extLst>
       <p:ext uri="{BB962C8B-B14F-4D97-AF65-F5344CB8AC3E}">
-        <p14:creationId xmlns:p14="http://schemas.microsoft.com/office/powerpoint/2010/main" val="298196989"/>
+        <p14:creationId xmlns:p14="http://schemas.microsoft.com/office/powerpoint/2010/main" val="238358604"/>
       </p:ext>
     </p:extLst>
   </p:cSld>
@@ -4368,6 +4590,952 @@
       </p:grpSpPr>
       <p:sp>
         <p:nvSpPr>
+          <p:cNvPr id="5" name="TextBox 4">
+            <a:extLst>
+              <a:ext uri="{FF2B5EF4-FFF2-40B4-BE49-F238E27FC236}">
+                <a16:creationId xmlns:a16="http://schemas.microsoft.com/office/drawing/2014/main" id="{7E3F2419-DB6B-1EB8-F2CC-CA1558A3E96B}"/>
+              </a:ext>
+            </a:extLst>
+          </p:cNvPr>
+          <p:cNvSpPr txBox="1"/>
+          <p:nvPr/>
+        </p:nvSpPr>
+        <p:spPr>
+          <a:xfrm>
+            <a:off x="1696729" y="3044279"/>
+            <a:ext cx="8981430" cy="769441"/>
+          </a:xfrm>
+          <a:prstGeom prst="rect">
+            <a:avLst/>
+          </a:prstGeom>
+          <a:noFill/>
+        </p:spPr>
+        <p:txBody>
+          <a:bodyPr wrap="square">
+            <a:spAutoFit/>
+          </a:bodyPr>
+          <a:lstStyle/>
+          <a:p>
+            <a:r>
+              <a:rPr lang="fr-CA" sz="4400" dirty="0" err="1">
+                <a:solidFill>
+                  <a:schemeClr val="accent4">
+                    <a:lumMod val="75000"/>
+                  </a:schemeClr>
+                </a:solidFill>
+              </a:rPr>
+              <a:t>variable_name</a:t>
+            </a:r>
+            <a:r>
+              <a:rPr lang="fr-CA" sz="4400" dirty="0"/>
+              <a:t>  = </a:t>
+            </a:r>
+            <a:r>
+              <a:rPr lang="fr-CA" sz="4400" dirty="0" err="1">
+                <a:solidFill>
+                  <a:srgbClr val="FF0000"/>
+                </a:solidFill>
+              </a:rPr>
+              <a:t>some_expression</a:t>
+            </a:r>
+            <a:endParaRPr lang="fr-CA" sz="4400" dirty="0">
+              <a:solidFill>
+                <a:srgbClr val="FF0000"/>
+              </a:solidFill>
+            </a:endParaRPr>
+          </a:p>
+        </p:txBody>
+      </p:sp>
+      <p:sp>
+        <p:nvSpPr>
+          <p:cNvPr id="16" name="TextBox 15">
+            <a:extLst>
+              <a:ext uri="{FF2B5EF4-FFF2-40B4-BE49-F238E27FC236}">
+                <a16:creationId xmlns:a16="http://schemas.microsoft.com/office/drawing/2014/main" id="{4A475B3A-3C45-4390-CF50-D147296916CE}"/>
+              </a:ext>
+            </a:extLst>
+          </p:cNvPr>
+          <p:cNvSpPr txBox="1"/>
+          <p:nvPr/>
+        </p:nvSpPr>
+        <p:spPr>
+          <a:xfrm>
+            <a:off x="4246503" y="2044601"/>
+            <a:ext cx="2947153" cy="461665"/>
+          </a:xfrm>
+          <a:prstGeom prst="rect">
+            <a:avLst/>
+          </a:prstGeom>
+          <a:noFill/>
+        </p:spPr>
+        <p:txBody>
+          <a:bodyPr wrap="none" rtlCol="0">
+            <a:spAutoFit/>
+          </a:bodyPr>
+          <a:lstStyle/>
+          <a:p>
+            <a:r>
+              <a:rPr lang="en-US" sz="2400" dirty="0"/>
+              <a:t>Assignment operator</a:t>
+            </a:r>
+            <a:endParaRPr lang="fr-CA" sz="2400" dirty="0"/>
+          </a:p>
+        </p:txBody>
+      </p:sp>
+      <p:cxnSp>
+        <p:nvCxnSpPr>
+          <p:cNvPr id="18" name="Straight Arrow Connector 17">
+            <a:extLst>
+              <a:ext uri="{FF2B5EF4-FFF2-40B4-BE49-F238E27FC236}">
+                <a16:creationId xmlns:a16="http://schemas.microsoft.com/office/drawing/2014/main" id="{6F27A056-C01A-3B34-24D7-BF99999C01BA}"/>
+              </a:ext>
+            </a:extLst>
+          </p:cNvPr>
+          <p:cNvCxnSpPr>
+            <a:cxnSpLocks/>
+          </p:cNvCxnSpPr>
+          <p:nvPr/>
+        </p:nvCxnSpPr>
+        <p:spPr>
+          <a:xfrm>
+            <a:off x="5720080" y="2610693"/>
+            <a:ext cx="0" cy="497840"/>
+          </a:xfrm>
+          <a:prstGeom prst="straightConnector1">
+            <a:avLst/>
+          </a:prstGeom>
+          <a:ln>
+            <a:tailEnd type="triangle"/>
+          </a:ln>
+        </p:spPr>
+        <p:style>
+          <a:lnRef idx="2">
+            <a:schemeClr val="accent1"/>
+          </a:lnRef>
+          <a:fillRef idx="0">
+            <a:schemeClr val="accent1"/>
+          </a:fillRef>
+          <a:effectRef idx="1">
+            <a:schemeClr val="accent1"/>
+          </a:effectRef>
+          <a:fontRef idx="minor">
+            <a:schemeClr val="tx1"/>
+          </a:fontRef>
+        </p:style>
+      </p:cxnSp>
+      <p:sp>
+        <p:nvSpPr>
+          <p:cNvPr id="20" name="TextBox 19">
+            <a:extLst>
+              <a:ext uri="{FF2B5EF4-FFF2-40B4-BE49-F238E27FC236}">
+                <a16:creationId xmlns:a16="http://schemas.microsoft.com/office/drawing/2014/main" id="{8E98FF3B-761E-F267-1C5D-60A95B8FB077}"/>
+              </a:ext>
+            </a:extLst>
+          </p:cNvPr>
+          <p:cNvSpPr txBox="1"/>
+          <p:nvPr/>
+        </p:nvSpPr>
+        <p:spPr>
+          <a:xfrm>
+            <a:off x="8147943" y="2663279"/>
+            <a:ext cx="308098" cy="369332"/>
+          </a:xfrm>
+          <a:prstGeom prst="rect">
+            <a:avLst/>
+          </a:prstGeom>
+          <a:noFill/>
+        </p:spPr>
+        <p:txBody>
+          <a:bodyPr wrap="square" rtlCol="0">
+            <a:spAutoFit/>
+          </a:bodyPr>
+          <a:lstStyle/>
+          <a:p>
+            <a:r>
+              <a:rPr lang="en-US" dirty="0">
+                <a:solidFill>
+                  <a:srgbClr val="FF0000"/>
+                </a:solidFill>
+              </a:rPr>
+              <a:t>1</a:t>
+            </a:r>
+            <a:endParaRPr lang="fr-CA" dirty="0">
+              <a:solidFill>
+                <a:srgbClr val="FF0000"/>
+              </a:solidFill>
+            </a:endParaRPr>
+          </a:p>
+        </p:txBody>
+      </p:sp>
+      <p:sp>
+        <p:nvSpPr>
+          <p:cNvPr id="22" name="TextBox 21">
+            <a:extLst>
+              <a:ext uri="{FF2B5EF4-FFF2-40B4-BE49-F238E27FC236}">
+                <a16:creationId xmlns:a16="http://schemas.microsoft.com/office/drawing/2014/main" id="{72C234F4-FA2E-4B9D-3F9C-03457D0D9D09}"/>
+              </a:ext>
+            </a:extLst>
+          </p:cNvPr>
+          <p:cNvSpPr txBox="1"/>
+          <p:nvPr/>
+        </p:nvSpPr>
+        <p:spPr>
+          <a:xfrm>
+            <a:off x="1696729" y="2674947"/>
+            <a:ext cx="308098" cy="369332"/>
+          </a:xfrm>
+          <a:prstGeom prst="rect">
+            <a:avLst/>
+          </a:prstGeom>
+          <a:noFill/>
+        </p:spPr>
+        <p:txBody>
+          <a:bodyPr wrap="square" rtlCol="0">
+            <a:spAutoFit/>
+          </a:bodyPr>
+          <a:lstStyle/>
+          <a:p>
+            <a:r>
+              <a:rPr lang="en-US" dirty="0">
+                <a:solidFill>
+                  <a:schemeClr val="accent4">
+                    <a:lumMod val="75000"/>
+                  </a:schemeClr>
+                </a:solidFill>
+              </a:rPr>
+              <a:t>2</a:t>
+            </a:r>
+            <a:endParaRPr lang="fr-CA" dirty="0">
+              <a:solidFill>
+                <a:schemeClr val="accent4">
+                  <a:lumMod val="75000"/>
+                </a:schemeClr>
+              </a:solidFill>
+            </a:endParaRPr>
+          </a:p>
+        </p:txBody>
+      </p:sp>
+      <p:cxnSp>
+        <p:nvCxnSpPr>
+          <p:cNvPr id="23" name="Straight Arrow Connector 22">
+            <a:extLst>
+              <a:ext uri="{FF2B5EF4-FFF2-40B4-BE49-F238E27FC236}">
+                <a16:creationId xmlns:a16="http://schemas.microsoft.com/office/drawing/2014/main" id="{9510673C-4BDD-F671-E248-1F982A05FE76}"/>
+              </a:ext>
+            </a:extLst>
+          </p:cNvPr>
+          <p:cNvCxnSpPr>
+            <a:cxnSpLocks/>
+          </p:cNvCxnSpPr>
+          <p:nvPr/>
+        </p:nvCxnSpPr>
+        <p:spPr>
+          <a:xfrm flipH="1">
+            <a:off x="5252720" y="4509215"/>
+            <a:ext cx="843280" cy="0"/>
+          </a:xfrm>
+          <a:prstGeom prst="straightConnector1">
+            <a:avLst/>
+          </a:prstGeom>
+          <a:ln>
+            <a:solidFill>
+              <a:schemeClr val="tx1"/>
+            </a:solidFill>
+            <a:tailEnd type="triangle"/>
+          </a:ln>
+        </p:spPr>
+        <p:style>
+          <a:lnRef idx="2">
+            <a:schemeClr val="accent1"/>
+          </a:lnRef>
+          <a:fillRef idx="0">
+            <a:schemeClr val="accent1"/>
+          </a:fillRef>
+          <a:effectRef idx="1">
+            <a:schemeClr val="accent1"/>
+          </a:effectRef>
+          <a:fontRef idx="minor">
+            <a:schemeClr val="tx1"/>
+          </a:fontRef>
+        </p:style>
+      </p:cxnSp>
+      <p:sp>
+        <p:nvSpPr>
+          <p:cNvPr id="26" name="TextBox 25">
+            <a:extLst>
+              <a:ext uri="{FF2B5EF4-FFF2-40B4-BE49-F238E27FC236}">
+                <a16:creationId xmlns:a16="http://schemas.microsoft.com/office/drawing/2014/main" id="{D6EF8A92-947E-2C47-EF7D-8C126A8E3AED}"/>
+              </a:ext>
+            </a:extLst>
+          </p:cNvPr>
+          <p:cNvSpPr txBox="1"/>
+          <p:nvPr/>
+        </p:nvSpPr>
+        <p:spPr>
+          <a:xfrm>
+            <a:off x="6187442" y="4183052"/>
+            <a:ext cx="1127756" cy="584775"/>
+          </a:xfrm>
+          <a:prstGeom prst="rect">
+            <a:avLst/>
+          </a:prstGeom>
+          <a:noFill/>
+        </p:spPr>
+        <p:txBody>
+          <a:bodyPr wrap="square">
+            <a:spAutoFit/>
+          </a:bodyPr>
+          <a:lstStyle/>
+          <a:p>
+            <a:r>
+              <a:rPr lang="fr-CA" sz="3200" dirty="0">
+                <a:solidFill>
+                  <a:srgbClr val="FF0000"/>
+                </a:solidFill>
+              </a:rPr>
+              <a:t>right</a:t>
+            </a:r>
+            <a:endParaRPr lang="fr-CA" sz="3200" dirty="0"/>
+          </a:p>
+        </p:txBody>
+      </p:sp>
+      <p:sp>
+        <p:nvSpPr>
+          <p:cNvPr id="28" name="TextBox 27">
+            <a:extLst>
+              <a:ext uri="{FF2B5EF4-FFF2-40B4-BE49-F238E27FC236}">
+                <a16:creationId xmlns:a16="http://schemas.microsoft.com/office/drawing/2014/main" id="{16712AF7-B036-CBB4-4086-5BACA599310F}"/>
+              </a:ext>
+            </a:extLst>
+          </p:cNvPr>
+          <p:cNvSpPr txBox="1"/>
+          <p:nvPr/>
+        </p:nvSpPr>
+        <p:spPr>
+          <a:xfrm>
+            <a:off x="4409440" y="4180184"/>
+            <a:ext cx="843280" cy="584775"/>
+          </a:xfrm>
+          <a:prstGeom prst="rect">
+            <a:avLst/>
+          </a:prstGeom>
+          <a:noFill/>
+        </p:spPr>
+        <p:txBody>
+          <a:bodyPr wrap="square">
+            <a:spAutoFit/>
+          </a:bodyPr>
+          <a:lstStyle/>
+          <a:p>
+            <a:r>
+              <a:rPr lang="fr-CA" sz="3200" dirty="0" err="1">
+                <a:solidFill>
+                  <a:schemeClr val="accent4">
+                    <a:lumMod val="75000"/>
+                  </a:schemeClr>
+                </a:solidFill>
+              </a:rPr>
+              <a:t>left</a:t>
+            </a:r>
+            <a:endParaRPr lang="fr-CA" sz="3200" dirty="0"/>
+          </a:p>
+        </p:txBody>
+      </p:sp>
+    </p:spTree>
+    <p:extLst>
+      <p:ext uri="{BB962C8B-B14F-4D97-AF65-F5344CB8AC3E}">
+        <p14:creationId xmlns:p14="http://schemas.microsoft.com/office/powerpoint/2010/main" val="1315956863"/>
+      </p:ext>
+    </p:extLst>
+  </p:cSld>
+  <p:clrMapOvr>
+    <a:masterClrMapping/>
+  </p:clrMapOvr>
+</p:sld>
+</file>
+
+<file path=ppt/slides/slide13.xml><?xml version="1.0" encoding="utf-8"?>
+<p:sld xmlns:a="http://schemas.openxmlformats.org/drawingml/2006/main" xmlns:r="http://schemas.openxmlformats.org/officeDocument/2006/relationships" xmlns:p="http://schemas.openxmlformats.org/presentationml/2006/main">
+  <p:cSld>
+    <p:spTree>
+      <p:nvGrpSpPr>
+        <p:cNvPr id="1" name=""/>
+        <p:cNvGrpSpPr/>
+        <p:nvPr/>
+      </p:nvGrpSpPr>
+      <p:grpSpPr>
+        <a:xfrm>
+          <a:off x="0" y="0"/>
+          <a:ext cx="0" cy="0"/>
+          <a:chOff x="0" y="0"/>
+          <a:chExt cx="0" cy="0"/>
+        </a:xfrm>
+      </p:grpSpPr>
+      <p:sp>
+        <p:nvSpPr>
+          <p:cNvPr id="4" name="TextBox 3">
+            <a:extLst>
+              <a:ext uri="{FF2B5EF4-FFF2-40B4-BE49-F238E27FC236}">
+                <a16:creationId xmlns:a16="http://schemas.microsoft.com/office/drawing/2014/main" id="{952A75A2-77A2-1DF5-7461-DD5D3C820F60}"/>
+              </a:ext>
+            </a:extLst>
+          </p:cNvPr>
+          <p:cNvSpPr txBox="1"/>
+          <p:nvPr/>
+        </p:nvSpPr>
+        <p:spPr>
+          <a:xfrm>
+            <a:off x="259815" y="529680"/>
+            <a:ext cx="8981430" cy="769441"/>
+          </a:xfrm>
+          <a:prstGeom prst="rect">
+            <a:avLst/>
+          </a:prstGeom>
+          <a:noFill/>
+        </p:spPr>
+        <p:txBody>
+          <a:bodyPr wrap="square">
+            <a:spAutoFit/>
+          </a:bodyPr>
+          <a:lstStyle/>
+          <a:p>
+            <a:r>
+              <a:rPr lang="fr-CA" sz="4400" dirty="0">
+                <a:solidFill>
+                  <a:schemeClr val="accent4">
+                    <a:lumMod val="75000"/>
+                  </a:schemeClr>
+                </a:solidFill>
+              </a:rPr>
+              <a:t>[</a:t>
+            </a:r>
+            <a:r>
+              <a:rPr lang="fr-CA" sz="4400" i="1" dirty="0">
+                <a:solidFill>
+                  <a:srgbClr val="FF0000"/>
+                </a:solidFill>
+              </a:rPr>
+              <a:t>expression </a:t>
+            </a:r>
+            <a:r>
+              <a:rPr lang="fr-CA" sz="4400" dirty="0">
+                <a:solidFill>
+                  <a:schemeClr val="tx2">
+                    <a:lumMod val="75000"/>
+                    <a:lumOff val="25000"/>
+                  </a:schemeClr>
+                </a:solidFill>
+              </a:rPr>
+              <a:t>for</a:t>
+            </a:r>
+            <a:r>
+              <a:rPr lang="fr-CA" sz="4400" dirty="0">
+                <a:solidFill>
+                  <a:srgbClr val="FF0000"/>
+                </a:solidFill>
+              </a:rPr>
+              <a:t> </a:t>
+            </a:r>
+            <a:r>
+              <a:rPr lang="fr-CA" sz="4400" i="1" dirty="0">
+                <a:solidFill>
+                  <a:schemeClr val="accent6">
+                    <a:lumMod val="50000"/>
+                  </a:schemeClr>
+                </a:solidFill>
+              </a:rPr>
+              <a:t>val</a:t>
+            </a:r>
+            <a:r>
+              <a:rPr lang="fr-CA" sz="4400" dirty="0">
+                <a:solidFill>
+                  <a:srgbClr val="FF0000"/>
+                </a:solidFill>
+              </a:rPr>
+              <a:t> </a:t>
+            </a:r>
+            <a:r>
+              <a:rPr lang="fr-CA" sz="4400" dirty="0">
+                <a:solidFill>
+                  <a:srgbClr val="0070C0"/>
+                </a:solidFill>
+              </a:rPr>
+              <a:t>in</a:t>
+            </a:r>
+            <a:r>
+              <a:rPr lang="fr-CA" sz="4400" dirty="0">
+                <a:solidFill>
+                  <a:srgbClr val="FF0000"/>
+                </a:solidFill>
+              </a:rPr>
+              <a:t> </a:t>
+            </a:r>
+            <a:r>
+              <a:rPr lang="fr-CA" sz="4400" i="1" dirty="0">
+                <a:solidFill>
+                  <a:schemeClr val="accent6">
+                    <a:lumMod val="50000"/>
+                  </a:schemeClr>
+                </a:solidFill>
+              </a:rPr>
+              <a:t>collection</a:t>
+            </a:r>
+            <a:r>
+              <a:rPr lang="fr-CA" sz="4400" dirty="0">
+                <a:solidFill>
+                  <a:srgbClr val="FF0000"/>
+                </a:solidFill>
+              </a:rPr>
+              <a:t> </a:t>
+            </a:r>
+            <a:r>
+              <a:rPr lang="fr-CA" sz="4400" dirty="0">
+                <a:solidFill>
+                  <a:schemeClr val="accent4">
+                    <a:lumMod val="75000"/>
+                  </a:schemeClr>
+                </a:solidFill>
+              </a:rPr>
+              <a:t>] </a:t>
+            </a:r>
+            <a:endParaRPr lang="fr-CA" sz="4400" dirty="0">
+              <a:solidFill>
+                <a:srgbClr val="FF0000"/>
+              </a:solidFill>
+            </a:endParaRPr>
+          </a:p>
+        </p:txBody>
+      </p:sp>
+      <p:sp>
+        <p:nvSpPr>
+          <p:cNvPr id="5" name="TextBox 4">
+            <a:extLst>
+              <a:ext uri="{FF2B5EF4-FFF2-40B4-BE49-F238E27FC236}">
+                <a16:creationId xmlns:a16="http://schemas.microsoft.com/office/drawing/2014/main" id="{FC6CAD27-0772-FEDB-971E-EEE0AD28A549}"/>
+              </a:ext>
+            </a:extLst>
+          </p:cNvPr>
+          <p:cNvSpPr txBox="1"/>
+          <p:nvPr/>
+        </p:nvSpPr>
+        <p:spPr>
+          <a:xfrm>
+            <a:off x="259815" y="1825079"/>
+            <a:ext cx="10794628" cy="769441"/>
+          </a:xfrm>
+          <a:prstGeom prst="rect">
+            <a:avLst/>
+          </a:prstGeom>
+          <a:noFill/>
+        </p:spPr>
+        <p:txBody>
+          <a:bodyPr wrap="square">
+            <a:spAutoFit/>
+          </a:bodyPr>
+          <a:lstStyle/>
+          <a:p>
+            <a:r>
+              <a:rPr lang="fr-CA" sz="4400" dirty="0">
+                <a:solidFill>
+                  <a:schemeClr val="accent4">
+                    <a:lumMod val="75000"/>
+                  </a:schemeClr>
+                </a:solidFill>
+              </a:rPr>
+              <a:t>[</a:t>
+            </a:r>
+            <a:r>
+              <a:rPr lang="fr-CA" sz="4400" i="1" dirty="0">
+                <a:solidFill>
+                  <a:srgbClr val="FF0000"/>
+                </a:solidFill>
+              </a:rPr>
+              <a:t>expression </a:t>
+            </a:r>
+            <a:r>
+              <a:rPr lang="fr-CA" sz="4400" dirty="0">
+                <a:solidFill>
+                  <a:schemeClr val="tx2">
+                    <a:lumMod val="75000"/>
+                    <a:lumOff val="25000"/>
+                  </a:schemeClr>
+                </a:solidFill>
+              </a:rPr>
+              <a:t>for</a:t>
+            </a:r>
+            <a:r>
+              <a:rPr lang="fr-CA" sz="4400" dirty="0">
+                <a:solidFill>
+                  <a:srgbClr val="FF0000"/>
+                </a:solidFill>
+              </a:rPr>
+              <a:t> </a:t>
+            </a:r>
+            <a:r>
+              <a:rPr lang="fr-CA" sz="4400" i="1" dirty="0">
+                <a:solidFill>
+                  <a:schemeClr val="accent6">
+                    <a:lumMod val="50000"/>
+                  </a:schemeClr>
+                </a:solidFill>
+              </a:rPr>
+              <a:t>val</a:t>
+            </a:r>
+            <a:r>
+              <a:rPr lang="fr-CA" sz="4400" dirty="0">
+                <a:solidFill>
+                  <a:srgbClr val="FF0000"/>
+                </a:solidFill>
+              </a:rPr>
+              <a:t> </a:t>
+            </a:r>
+            <a:r>
+              <a:rPr lang="fr-CA" sz="4400" dirty="0">
+                <a:solidFill>
+                  <a:srgbClr val="0070C0"/>
+                </a:solidFill>
+              </a:rPr>
+              <a:t>in</a:t>
+            </a:r>
+            <a:r>
+              <a:rPr lang="fr-CA" sz="4400" dirty="0">
+                <a:solidFill>
+                  <a:srgbClr val="FF0000"/>
+                </a:solidFill>
+              </a:rPr>
+              <a:t> </a:t>
+            </a:r>
+            <a:r>
+              <a:rPr lang="fr-CA" sz="4400" i="1" dirty="0">
+                <a:solidFill>
+                  <a:schemeClr val="accent6">
+                    <a:lumMod val="50000"/>
+                  </a:schemeClr>
+                </a:solidFill>
+              </a:rPr>
+              <a:t>collection</a:t>
+            </a:r>
+            <a:r>
+              <a:rPr lang="fr-CA" sz="4400" dirty="0">
+                <a:solidFill>
+                  <a:srgbClr val="FF0000"/>
+                </a:solidFill>
+              </a:rPr>
+              <a:t> </a:t>
+            </a:r>
+            <a:r>
+              <a:rPr lang="fr-CA" sz="4400" dirty="0">
+                <a:solidFill>
+                  <a:schemeClr val="accent2">
+                    <a:lumMod val="75000"/>
+                  </a:schemeClr>
+                </a:solidFill>
+              </a:rPr>
+              <a:t>if condition</a:t>
+            </a:r>
+            <a:r>
+              <a:rPr lang="fr-CA" sz="4400" dirty="0">
+                <a:solidFill>
+                  <a:schemeClr val="accent4">
+                    <a:lumMod val="75000"/>
+                  </a:schemeClr>
+                </a:solidFill>
+              </a:rPr>
+              <a:t>] </a:t>
+            </a:r>
+            <a:endParaRPr lang="fr-CA" sz="4400" dirty="0">
+              <a:solidFill>
+                <a:srgbClr val="FF0000"/>
+              </a:solidFill>
+            </a:endParaRPr>
+          </a:p>
+        </p:txBody>
+      </p:sp>
+      <p:sp>
+        <p:nvSpPr>
+          <p:cNvPr id="6" name="TextBox 5">
+            <a:extLst>
+              <a:ext uri="{FF2B5EF4-FFF2-40B4-BE49-F238E27FC236}">
+                <a16:creationId xmlns:a16="http://schemas.microsoft.com/office/drawing/2014/main" id="{1E207FF3-8E5A-0C2D-A119-04D7ED07AEFB}"/>
+              </a:ext>
+            </a:extLst>
+          </p:cNvPr>
+          <p:cNvSpPr txBox="1"/>
+          <p:nvPr/>
+        </p:nvSpPr>
+        <p:spPr>
+          <a:xfrm>
+            <a:off x="259814" y="3044279"/>
+            <a:ext cx="11660637" cy="646331"/>
+          </a:xfrm>
+          <a:prstGeom prst="rect">
+            <a:avLst/>
+          </a:prstGeom>
+          <a:noFill/>
+        </p:spPr>
+        <p:txBody>
+          <a:bodyPr wrap="square">
+            <a:spAutoFit/>
+          </a:bodyPr>
+          <a:lstStyle/>
+          <a:p>
+            <a:r>
+              <a:rPr lang="fr-CA" sz="3600" dirty="0">
+                <a:solidFill>
+                  <a:schemeClr val="accent4">
+                    <a:lumMod val="75000"/>
+                  </a:schemeClr>
+                </a:solidFill>
+              </a:rPr>
+              <a:t>[</a:t>
+            </a:r>
+            <a:r>
+              <a:rPr lang="fr-CA" sz="3600" i="1" dirty="0">
+                <a:solidFill>
+                  <a:srgbClr val="FF0000"/>
+                </a:solidFill>
+              </a:rPr>
+              <a:t>expression </a:t>
+            </a:r>
+            <a:r>
+              <a:rPr lang="fr-CA" sz="3600" dirty="0">
+                <a:solidFill>
+                  <a:schemeClr val="tx2">
+                    <a:lumMod val="75000"/>
+                    <a:lumOff val="25000"/>
+                  </a:schemeClr>
+                </a:solidFill>
+              </a:rPr>
+              <a:t>for</a:t>
+            </a:r>
+            <a:r>
+              <a:rPr lang="fr-CA" sz="3600" dirty="0">
+                <a:solidFill>
+                  <a:srgbClr val="FF0000"/>
+                </a:solidFill>
+              </a:rPr>
+              <a:t> </a:t>
+            </a:r>
+            <a:r>
+              <a:rPr lang="fr-CA" sz="3600" i="1" dirty="0">
+                <a:solidFill>
+                  <a:schemeClr val="accent6">
+                    <a:lumMod val="50000"/>
+                  </a:schemeClr>
+                </a:solidFill>
+              </a:rPr>
+              <a:t>val1, val2</a:t>
+            </a:r>
+            <a:r>
+              <a:rPr lang="fr-CA" sz="3600" dirty="0">
+                <a:solidFill>
+                  <a:srgbClr val="FF0000"/>
+                </a:solidFill>
+              </a:rPr>
+              <a:t> </a:t>
+            </a:r>
+            <a:r>
+              <a:rPr lang="fr-CA" sz="3600" dirty="0">
+                <a:solidFill>
+                  <a:srgbClr val="0070C0"/>
+                </a:solidFill>
+              </a:rPr>
+              <a:t>in</a:t>
+            </a:r>
+            <a:r>
+              <a:rPr lang="fr-CA" sz="3600" dirty="0">
+                <a:solidFill>
+                  <a:srgbClr val="FF0000"/>
+                </a:solidFill>
+              </a:rPr>
+              <a:t> zip(</a:t>
+            </a:r>
+            <a:r>
+              <a:rPr lang="fr-CA" sz="3600" i="1" dirty="0">
+                <a:solidFill>
+                  <a:schemeClr val="accent6">
+                    <a:lumMod val="50000"/>
+                  </a:schemeClr>
+                </a:solidFill>
+              </a:rPr>
+              <a:t>collection1</a:t>
+            </a:r>
+            <a:r>
+              <a:rPr lang="fr-CA" sz="3600" i="1">
+                <a:solidFill>
+                  <a:schemeClr val="accent6">
+                    <a:lumMod val="50000"/>
+                  </a:schemeClr>
+                </a:solidFill>
+              </a:rPr>
+              <a:t>,</a:t>
+            </a:r>
+            <a:r>
+              <a:rPr lang="fr-CA" sz="3600">
+                <a:solidFill>
+                  <a:srgbClr val="FF0000"/>
+                </a:solidFill>
+              </a:rPr>
+              <a:t> </a:t>
+            </a:r>
+            <a:r>
+              <a:rPr lang="fr-CA" sz="3600" i="1">
+                <a:solidFill>
+                  <a:schemeClr val="accent6">
+                    <a:lumMod val="50000"/>
+                  </a:schemeClr>
+                </a:solidFill>
+              </a:rPr>
+              <a:t>collection2</a:t>
+            </a:r>
+            <a:r>
+              <a:rPr lang="fr-CA" sz="3600">
+                <a:solidFill>
+                  <a:srgbClr val="FF0000"/>
+                </a:solidFill>
+              </a:rPr>
+              <a:t> )</a:t>
+            </a:r>
+            <a:r>
+              <a:rPr lang="fr-CA" sz="3600" i="1">
+                <a:solidFill>
+                  <a:schemeClr val="accent6">
+                    <a:lumMod val="50000"/>
+                  </a:schemeClr>
+                </a:solidFill>
+              </a:rPr>
+              <a:t> </a:t>
+            </a:r>
+            <a:r>
+              <a:rPr lang="fr-CA" sz="3600" dirty="0">
+                <a:solidFill>
+                  <a:schemeClr val="accent4">
+                    <a:lumMod val="75000"/>
+                  </a:schemeClr>
+                </a:solidFill>
+              </a:rPr>
+              <a:t>] </a:t>
+            </a:r>
+            <a:endParaRPr lang="fr-CA" sz="3600" dirty="0">
+              <a:solidFill>
+                <a:srgbClr val="FF0000"/>
+              </a:solidFill>
+            </a:endParaRPr>
+          </a:p>
+        </p:txBody>
+      </p:sp>
+    </p:spTree>
+    <p:extLst>
+      <p:ext uri="{BB962C8B-B14F-4D97-AF65-F5344CB8AC3E}">
+        <p14:creationId xmlns:p14="http://schemas.microsoft.com/office/powerpoint/2010/main" val="2492666843"/>
+      </p:ext>
+    </p:extLst>
+  </p:cSld>
+  <p:clrMapOvr>
+    <a:masterClrMapping/>
+  </p:clrMapOvr>
+</p:sld>
+</file>
+
+<file path=ppt/slides/slide14.xml><?xml version="1.0" encoding="utf-8"?>
+<p:sld xmlns:a="http://schemas.openxmlformats.org/drawingml/2006/main" xmlns:r="http://schemas.openxmlformats.org/officeDocument/2006/relationships" xmlns:p="http://schemas.openxmlformats.org/presentationml/2006/main">
+  <p:cSld>
+    <p:spTree>
+      <p:nvGrpSpPr>
+        <p:cNvPr id="1" name=""/>
+        <p:cNvGrpSpPr/>
+        <p:nvPr/>
+      </p:nvGrpSpPr>
+      <p:grpSpPr>
+        <a:xfrm>
+          <a:off x="0" y="0"/>
+          <a:ext cx="0" cy="0"/>
+          <a:chOff x="0" y="0"/>
+          <a:chExt cx="0" cy="0"/>
+        </a:xfrm>
+      </p:grpSpPr>
+      <p:sp>
+        <p:nvSpPr>
+          <p:cNvPr id="2" name="Title 1">
+            <a:extLst>
+              <a:ext uri="{FF2B5EF4-FFF2-40B4-BE49-F238E27FC236}">
+                <a16:creationId xmlns:a16="http://schemas.microsoft.com/office/drawing/2014/main" id="{B7E62CEE-0967-2306-9F0A-527533969548}"/>
+              </a:ext>
+            </a:extLst>
+          </p:cNvPr>
+          <p:cNvSpPr>
+            <a:spLocks noGrp="1"/>
+          </p:cNvSpPr>
+          <p:nvPr>
+            <p:ph type="title"/>
+          </p:nvPr>
+        </p:nvSpPr>
+        <p:spPr/>
+        <p:txBody>
+          <a:bodyPr/>
+          <a:lstStyle/>
+          <a:p>
+            <a:endParaRPr lang="fr-CA"/>
+          </a:p>
+        </p:txBody>
+      </p:sp>
+      <p:sp>
+        <p:nvSpPr>
+          <p:cNvPr id="3" name="Content Placeholder 2">
+            <a:extLst>
+              <a:ext uri="{FF2B5EF4-FFF2-40B4-BE49-F238E27FC236}">
+                <a16:creationId xmlns:a16="http://schemas.microsoft.com/office/drawing/2014/main" id="{F6A65CBA-F56C-7CD4-7785-890743F1FE45}"/>
+              </a:ext>
+            </a:extLst>
+          </p:cNvPr>
+          <p:cNvSpPr>
+            <a:spLocks noGrp="1"/>
+          </p:cNvSpPr>
+          <p:nvPr>
+            <p:ph idx="1"/>
+          </p:nvPr>
+        </p:nvSpPr>
+        <p:spPr/>
+        <p:txBody>
+          <a:bodyPr/>
+          <a:lstStyle/>
+          <a:p>
+            <a:endParaRPr lang="fr-CA"/>
+          </a:p>
+        </p:txBody>
+      </p:sp>
+    </p:spTree>
+    <p:extLst>
+      <p:ext uri="{BB962C8B-B14F-4D97-AF65-F5344CB8AC3E}">
+        <p14:creationId xmlns:p14="http://schemas.microsoft.com/office/powerpoint/2010/main" val="298196989"/>
+      </p:ext>
+    </p:extLst>
+  </p:cSld>
+  <p:clrMapOvr>
+    <a:masterClrMapping/>
+  </p:clrMapOvr>
+</p:sld>
+</file>
+
+<file path=ppt/slides/slide15.xml><?xml version="1.0" encoding="utf-8"?>
+<p:sld xmlns:a="http://schemas.openxmlformats.org/drawingml/2006/main" xmlns:r="http://schemas.openxmlformats.org/officeDocument/2006/relationships" xmlns:p="http://schemas.openxmlformats.org/presentationml/2006/main">
+  <p:cSld>
+    <p:spTree>
+      <p:nvGrpSpPr>
+        <p:cNvPr id="1" name=""/>
+        <p:cNvGrpSpPr/>
+        <p:nvPr/>
+      </p:nvGrpSpPr>
+      <p:grpSpPr>
+        <a:xfrm>
+          <a:off x="0" y="0"/>
+          <a:ext cx="0" cy="0"/>
+          <a:chOff x="0" y="0"/>
+          <a:chExt cx="0" cy="0"/>
+        </a:xfrm>
+      </p:grpSpPr>
+      <p:sp>
+        <p:nvSpPr>
           <p:cNvPr id="2" name="Title 1">
             <a:extLst>
               <a:ext uri="{FF2B5EF4-FFF2-40B4-BE49-F238E27FC236}">
@@ -4429,7 +5597,7 @@
 </p:sld>
 </file>
 
-<file path=ppt/slides/slide13.xml><?xml version="1.0" encoding="utf-8"?>
+<file path=ppt/slides/slide16.xml><?xml version="1.0" encoding="utf-8"?>
 <p:sld xmlns:a="http://schemas.openxmlformats.org/drawingml/2006/main" xmlns:r="http://schemas.openxmlformats.org/officeDocument/2006/relationships" xmlns:p="http://schemas.openxmlformats.org/presentationml/2006/main">
   <p:cSld>
     <p:spTree>
@@ -5217,956 +6385,476 @@
           <a:chExt cx="0" cy="0"/>
         </a:xfrm>
       </p:grpSpPr>
-      <p:sp>
-        <p:nvSpPr>
-          <p:cNvPr id="5" name="TextBox 4">
-            <a:extLst>
-              <a:ext uri="{FF2B5EF4-FFF2-40B4-BE49-F238E27FC236}">
-                <a16:creationId xmlns:a16="http://schemas.microsoft.com/office/drawing/2014/main" id="{54859085-5C69-BF82-2CBB-C26528D274C9}"/>
-              </a:ext>
-            </a:extLst>
-          </p:cNvPr>
-          <p:cNvSpPr txBox="1"/>
-          <p:nvPr/>
-        </p:nvSpPr>
-        <p:spPr>
-          <a:xfrm>
-            <a:off x="3048000" y="1992088"/>
-            <a:ext cx="6096000" cy="1200329"/>
-          </a:xfrm>
-          <a:prstGeom prst="rect">
-            <a:avLst/>
-          </a:prstGeom>
-          <a:noFill/>
-        </p:spPr>
-        <p:txBody>
-          <a:bodyPr wrap="square">
-            <a:spAutoFit/>
-          </a:bodyPr>
-          <a:lstStyle/>
-          <a:p>
-            <a:r>
-              <a:rPr lang="fr-CA" dirty="0" err="1"/>
-              <a:t>def</a:t>
-            </a:r>
-            <a:r>
-              <a:rPr lang="fr-CA" dirty="0"/>
-              <a:t> </a:t>
-            </a:r>
-            <a:r>
-              <a:rPr lang="fr-CA" dirty="0" err="1">
-                <a:solidFill>
-                  <a:srgbClr val="FF0000"/>
-                </a:solidFill>
-              </a:rPr>
-              <a:t>sum</a:t>
-            </a:r>
-            <a:r>
-              <a:rPr lang="fr-CA" dirty="0"/>
-              <a:t>(</a:t>
-            </a:r>
-            <a:r>
-              <a:rPr lang="fr-CA" dirty="0">
-                <a:solidFill>
-                  <a:schemeClr val="tx2">
-                    <a:lumMod val="50000"/>
-                    <a:lumOff val="50000"/>
-                  </a:schemeClr>
-                </a:solidFill>
-              </a:rPr>
-              <a:t>num1, num2</a:t>
-            </a:r>
-            <a:r>
-              <a:rPr lang="fr-CA" dirty="0"/>
-              <a:t>)</a:t>
-            </a:r>
-            <a:r>
-              <a:rPr lang="fr-CA" dirty="0">
-                <a:highlight>
-                  <a:srgbClr val="FFFF00"/>
-                </a:highlight>
-              </a:rPr>
-              <a:t>:</a:t>
-            </a:r>
-          </a:p>
-          <a:p>
-            <a:r>
-              <a:rPr lang="fr-CA" dirty="0">
-                <a:highlight>
-                  <a:srgbClr val="FFFF00"/>
-                </a:highlight>
-              </a:rPr>
-              <a:t>	</a:t>
-            </a:r>
-            <a:r>
-              <a:rPr lang="fr-CA" dirty="0">
-                <a:solidFill>
-                  <a:schemeClr val="accent6">
-                    <a:lumMod val="60000"/>
-                    <a:lumOff val="40000"/>
-                  </a:schemeClr>
-                </a:solidFill>
-              </a:rPr>
-              <a:t>value  = num1 + num2</a:t>
-            </a:r>
-            <a:r>
-              <a:rPr lang="fr-CA" dirty="0">
-                <a:highlight>
-                  <a:srgbClr val="FFFF00"/>
-                </a:highlight>
-              </a:rPr>
-              <a:t>	</a:t>
-            </a:r>
-          </a:p>
-          <a:p>
-            <a:r>
-              <a:rPr lang="fr-CA" dirty="0">
-                <a:solidFill>
-                  <a:schemeClr val="accent5">
-                    <a:lumMod val="75000"/>
-                  </a:schemeClr>
-                </a:solidFill>
-                <a:highlight>
-                  <a:srgbClr val="FFFF00"/>
-                </a:highlight>
-              </a:rPr>
-              <a:t>	</a:t>
-            </a:r>
-            <a:r>
-              <a:rPr lang="fr-CA" dirty="0"/>
-              <a:t>return </a:t>
-            </a:r>
-            <a:r>
-              <a:rPr lang="fr-CA" dirty="0">
-                <a:solidFill>
-                  <a:schemeClr val="accent6">
-                    <a:lumMod val="50000"/>
-                  </a:schemeClr>
-                </a:solidFill>
-              </a:rPr>
-              <a:t>value</a:t>
-            </a:r>
-          </a:p>
-          <a:p>
-            <a:endParaRPr lang="fr-CA" dirty="0">
-              <a:solidFill>
-                <a:schemeClr val="accent6">
-                  <a:lumMod val="60000"/>
-                  <a:lumOff val="40000"/>
-                </a:schemeClr>
-              </a:solidFill>
-            </a:endParaRPr>
-          </a:p>
-        </p:txBody>
-      </p:sp>
-      <p:cxnSp>
-        <p:nvCxnSpPr>
-          <p:cNvPr id="7" name="Straight Arrow Connector 6">
-            <a:extLst>
-              <a:ext uri="{FF2B5EF4-FFF2-40B4-BE49-F238E27FC236}">
-                <a16:creationId xmlns:a16="http://schemas.microsoft.com/office/drawing/2014/main" id="{8CD337CE-D1BF-69E8-DB89-12001B324A60}"/>
-              </a:ext>
-            </a:extLst>
-          </p:cNvPr>
-          <p:cNvCxnSpPr>
-            <a:cxnSpLocks/>
-          </p:cNvCxnSpPr>
-          <p:nvPr/>
-        </p:nvCxnSpPr>
-        <p:spPr>
-          <a:xfrm>
-            <a:off x="4663440" y="1442720"/>
-            <a:ext cx="0" cy="570107"/>
-          </a:xfrm>
-          <a:prstGeom prst="straightConnector1">
-            <a:avLst/>
-          </a:prstGeom>
-          <a:ln>
-            <a:tailEnd type="triangle"/>
-          </a:ln>
-        </p:spPr>
-        <p:style>
-          <a:lnRef idx="2">
-            <a:schemeClr val="accent1"/>
-          </a:lnRef>
-          <a:fillRef idx="0">
-            <a:schemeClr val="accent1"/>
-          </a:fillRef>
-          <a:effectRef idx="1">
-            <a:schemeClr val="accent1"/>
-          </a:effectRef>
-          <a:fontRef idx="minor">
-            <a:schemeClr val="tx1"/>
-          </a:fontRef>
-        </p:style>
-      </p:cxnSp>
-      <p:cxnSp>
-        <p:nvCxnSpPr>
-          <p:cNvPr id="9" name="Straight Arrow Connector 8">
-            <a:extLst>
-              <a:ext uri="{FF2B5EF4-FFF2-40B4-BE49-F238E27FC236}">
-                <a16:creationId xmlns:a16="http://schemas.microsoft.com/office/drawing/2014/main" id="{166A65E0-D3DB-DDF3-908B-CBA94B47C4D1}"/>
-              </a:ext>
-            </a:extLst>
-          </p:cNvPr>
-          <p:cNvCxnSpPr>
-            <a:cxnSpLocks/>
-          </p:cNvCxnSpPr>
-          <p:nvPr/>
-        </p:nvCxnSpPr>
-        <p:spPr>
-          <a:xfrm flipH="1">
-            <a:off x="5415280" y="2187832"/>
-            <a:ext cx="365760" cy="0"/>
-          </a:xfrm>
-          <a:prstGeom prst="straightConnector1">
-            <a:avLst/>
-          </a:prstGeom>
-          <a:ln>
-            <a:tailEnd type="triangle"/>
-          </a:ln>
-        </p:spPr>
-        <p:style>
-          <a:lnRef idx="2">
-            <a:schemeClr val="accent1"/>
-          </a:lnRef>
-          <a:fillRef idx="0">
-            <a:schemeClr val="accent1"/>
-          </a:fillRef>
-          <a:effectRef idx="1">
-            <a:schemeClr val="accent1"/>
-          </a:effectRef>
-          <a:fontRef idx="minor">
-            <a:schemeClr val="tx1"/>
-          </a:fontRef>
-        </p:style>
-      </p:cxnSp>
-      <p:cxnSp>
-        <p:nvCxnSpPr>
-          <p:cNvPr id="14" name="Straight Arrow Connector 13">
-            <a:extLst>
-              <a:ext uri="{FF2B5EF4-FFF2-40B4-BE49-F238E27FC236}">
-                <a16:creationId xmlns:a16="http://schemas.microsoft.com/office/drawing/2014/main" id="{C5F4CE71-4D09-57A7-D28C-0C0FF3A017BF}"/>
-              </a:ext>
-            </a:extLst>
-          </p:cNvPr>
-          <p:cNvCxnSpPr>
-            <a:cxnSpLocks/>
-          </p:cNvCxnSpPr>
-          <p:nvPr/>
-        </p:nvCxnSpPr>
-        <p:spPr>
-          <a:xfrm>
-            <a:off x="2194560" y="2628483"/>
-            <a:ext cx="589280" cy="0"/>
-          </a:xfrm>
-          <a:prstGeom prst="straightConnector1">
-            <a:avLst/>
-          </a:prstGeom>
-          <a:ln>
-            <a:tailEnd type="triangle"/>
-          </a:ln>
-        </p:spPr>
-        <p:style>
-          <a:lnRef idx="2">
-            <a:schemeClr val="accent1"/>
-          </a:lnRef>
-          <a:fillRef idx="0">
-            <a:schemeClr val="accent1"/>
-          </a:fillRef>
-          <a:effectRef idx="1">
-            <a:schemeClr val="accent1"/>
-          </a:effectRef>
-          <a:fontRef idx="minor">
-            <a:schemeClr val="tx1"/>
-          </a:fontRef>
-        </p:style>
-      </p:cxnSp>
-      <p:cxnSp>
-        <p:nvCxnSpPr>
-          <p:cNvPr id="17" name="Straight Arrow Connector 16">
-            <a:extLst>
-              <a:ext uri="{FF2B5EF4-FFF2-40B4-BE49-F238E27FC236}">
-                <a16:creationId xmlns:a16="http://schemas.microsoft.com/office/drawing/2014/main" id="{B92F8E27-2213-5200-3E5C-8D9441ABA92A}"/>
-              </a:ext>
-            </a:extLst>
-          </p:cNvPr>
-          <p:cNvCxnSpPr>
-            <a:cxnSpLocks/>
-          </p:cNvCxnSpPr>
-          <p:nvPr/>
-        </p:nvCxnSpPr>
-        <p:spPr>
-          <a:xfrm flipH="1">
-            <a:off x="6329680" y="2474594"/>
-            <a:ext cx="894079" cy="0"/>
-          </a:xfrm>
-          <a:prstGeom prst="straightConnector1">
-            <a:avLst/>
-          </a:prstGeom>
-          <a:ln>
-            <a:tailEnd type="triangle"/>
-          </a:ln>
-        </p:spPr>
-        <p:style>
-          <a:lnRef idx="2">
-            <a:schemeClr val="accent1"/>
-          </a:lnRef>
-          <a:fillRef idx="0">
-            <a:schemeClr val="accent1"/>
-          </a:fillRef>
-          <a:effectRef idx="1">
-            <a:schemeClr val="accent1"/>
-          </a:effectRef>
-          <a:fontRef idx="minor">
-            <a:schemeClr val="tx1"/>
-          </a:fontRef>
-        </p:style>
-      </p:cxnSp>
-      <p:cxnSp>
-        <p:nvCxnSpPr>
-          <p:cNvPr id="21" name="Straight Arrow Connector 20">
-            <a:extLst>
-              <a:ext uri="{FF2B5EF4-FFF2-40B4-BE49-F238E27FC236}">
-                <a16:creationId xmlns:a16="http://schemas.microsoft.com/office/drawing/2014/main" id="{C709854C-CC2C-C3E1-3C59-37D162951638}"/>
-              </a:ext>
-            </a:extLst>
-          </p:cNvPr>
-          <p:cNvCxnSpPr>
-            <a:cxnSpLocks/>
-          </p:cNvCxnSpPr>
-          <p:nvPr/>
-        </p:nvCxnSpPr>
-        <p:spPr>
-          <a:xfrm flipV="1">
-            <a:off x="4993641" y="3021637"/>
-            <a:ext cx="0" cy="639958"/>
-          </a:xfrm>
-          <a:prstGeom prst="straightConnector1">
-            <a:avLst/>
-          </a:prstGeom>
-          <a:ln>
-            <a:tailEnd type="triangle"/>
-          </a:ln>
-        </p:spPr>
-        <p:style>
-          <a:lnRef idx="2">
-            <a:schemeClr val="accent1"/>
-          </a:lnRef>
-          <a:fillRef idx="0">
-            <a:schemeClr val="accent1"/>
-          </a:fillRef>
-          <a:effectRef idx="1">
-            <a:schemeClr val="accent1"/>
-          </a:effectRef>
-          <a:fontRef idx="minor">
-            <a:schemeClr val="tx1"/>
-          </a:fontRef>
-        </p:style>
-      </p:cxnSp>
-      <p:cxnSp>
-        <p:nvCxnSpPr>
-          <p:cNvPr id="23" name="Straight Arrow Connector 22">
-            <a:extLst>
-              <a:ext uri="{FF2B5EF4-FFF2-40B4-BE49-F238E27FC236}">
-                <a16:creationId xmlns:a16="http://schemas.microsoft.com/office/drawing/2014/main" id="{21E0BD77-4D3A-F523-F3F1-7B0C8058A9B3}"/>
-              </a:ext>
-            </a:extLst>
-          </p:cNvPr>
-          <p:cNvCxnSpPr>
-            <a:cxnSpLocks/>
-          </p:cNvCxnSpPr>
-          <p:nvPr/>
-        </p:nvCxnSpPr>
-        <p:spPr>
-          <a:xfrm>
-            <a:off x="3296919" y="1442720"/>
-            <a:ext cx="0" cy="570107"/>
-          </a:xfrm>
-          <a:prstGeom prst="straightConnector1">
-            <a:avLst/>
-          </a:prstGeom>
-          <a:ln>
-            <a:tailEnd type="triangle"/>
-          </a:ln>
-        </p:spPr>
-        <p:style>
-          <a:lnRef idx="2">
-            <a:schemeClr val="accent1"/>
-          </a:lnRef>
-          <a:fillRef idx="0">
-            <a:schemeClr val="accent1"/>
-          </a:fillRef>
-          <a:effectRef idx="1">
-            <a:schemeClr val="accent1"/>
-          </a:effectRef>
-          <a:fontRef idx="minor">
-            <a:schemeClr val="tx1"/>
-          </a:fontRef>
-        </p:style>
-      </p:cxnSp>
-      <p:cxnSp>
-        <p:nvCxnSpPr>
-          <p:cNvPr id="25" name="Straight Arrow Connector 24">
-            <a:extLst>
-              <a:ext uri="{FF2B5EF4-FFF2-40B4-BE49-F238E27FC236}">
-                <a16:creationId xmlns:a16="http://schemas.microsoft.com/office/drawing/2014/main" id="{DA30B6B2-630C-685D-0837-C17AD0D3E9B2}"/>
-              </a:ext>
-            </a:extLst>
-          </p:cNvPr>
-          <p:cNvCxnSpPr>
-            <a:cxnSpLocks/>
-          </p:cNvCxnSpPr>
-          <p:nvPr/>
-        </p:nvCxnSpPr>
-        <p:spPr>
-          <a:xfrm flipV="1">
-            <a:off x="4384039" y="3021637"/>
-            <a:ext cx="0" cy="639958"/>
-          </a:xfrm>
-          <a:prstGeom prst="straightConnector1">
-            <a:avLst/>
-          </a:prstGeom>
-          <a:ln>
-            <a:tailEnd type="triangle"/>
-          </a:ln>
-        </p:spPr>
-        <p:style>
-          <a:lnRef idx="2">
-            <a:schemeClr val="accent1"/>
-          </a:lnRef>
-          <a:fillRef idx="0">
-            <a:schemeClr val="accent1"/>
-          </a:fillRef>
-          <a:effectRef idx="1">
-            <a:schemeClr val="accent1"/>
-          </a:effectRef>
-          <a:fontRef idx="minor">
-            <a:schemeClr val="tx1"/>
-          </a:fontRef>
-        </p:style>
-      </p:cxnSp>
-      <p:sp>
-        <p:nvSpPr>
-          <p:cNvPr id="37" name="TextBox 36">
-            <a:extLst>
-              <a:ext uri="{FF2B5EF4-FFF2-40B4-BE49-F238E27FC236}">
-                <a16:creationId xmlns:a16="http://schemas.microsoft.com/office/drawing/2014/main" id="{28EC014F-E7C8-4F5D-8758-23637F6FBE10}"/>
-              </a:ext>
-            </a:extLst>
-          </p:cNvPr>
-          <p:cNvSpPr txBox="1"/>
-          <p:nvPr/>
-        </p:nvSpPr>
-        <p:spPr>
-          <a:xfrm>
-            <a:off x="2870199" y="1127198"/>
-            <a:ext cx="929640" cy="315522"/>
-          </a:xfrm>
-          <a:prstGeom prst="rect">
-            <a:avLst/>
-          </a:prstGeom>
-          <a:noFill/>
-        </p:spPr>
-        <p:txBody>
-          <a:bodyPr wrap="square" rtlCol="0">
-            <a:spAutoFit/>
-          </a:bodyPr>
-          <a:lstStyle/>
-          <a:p>
-            <a:r>
-              <a:rPr lang="en-US" sz="1400" dirty="0"/>
-              <a:t>Keyword</a:t>
-            </a:r>
-            <a:endParaRPr lang="fr-CA" sz="1400" dirty="0"/>
-          </a:p>
-        </p:txBody>
-      </p:sp>
-      <p:cxnSp>
-        <p:nvCxnSpPr>
-          <p:cNvPr id="38" name="Straight Arrow Connector 37">
-            <a:extLst>
-              <a:ext uri="{FF2B5EF4-FFF2-40B4-BE49-F238E27FC236}">
-                <a16:creationId xmlns:a16="http://schemas.microsoft.com/office/drawing/2014/main" id="{5BA1D574-4DE9-7B0D-176F-851D8AA4F2E3}"/>
-              </a:ext>
-            </a:extLst>
-          </p:cNvPr>
-          <p:cNvCxnSpPr>
-            <a:cxnSpLocks/>
-          </p:cNvCxnSpPr>
-          <p:nvPr/>
-        </p:nvCxnSpPr>
-        <p:spPr>
-          <a:xfrm>
-            <a:off x="3799839" y="1541907"/>
-            <a:ext cx="0" cy="486412"/>
-          </a:xfrm>
-          <a:prstGeom prst="straightConnector1">
-            <a:avLst/>
-          </a:prstGeom>
-          <a:ln>
-            <a:tailEnd type="triangle"/>
-          </a:ln>
-        </p:spPr>
-        <p:style>
-          <a:lnRef idx="2">
-            <a:schemeClr val="accent1"/>
-          </a:lnRef>
-          <a:fillRef idx="0">
-            <a:schemeClr val="accent1"/>
-          </a:fillRef>
-          <a:effectRef idx="1">
-            <a:schemeClr val="accent1"/>
-          </a:effectRef>
-          <a:fontRef idx="minor">
-            <a:schemeClr val="tx1"/>
-          </a:fontRef>
-        </p:style>
-      </p:cxnSp>
-      <p:sp>
-        <p:nvSpPr>
-          <p:cNvPr id="40" name="TextBox 39">
-            <a:extLst>
-              <a:ext uri="{FF2B5EF4-FFF2-40B4-BE49-F238E27FC236}">
-                <a16:creationId xmlns:a16="http://schemas.microsoft.com/office/drawing/2014/main" id="{AAA53D54-F464-C096-BD2D-3C5C4223DFF1}"/>
-              </a:ext>
-            </a:extLst>
-          </p:cNvPr>
-          <p:cNvSpPr txBox="1"/>
-          <p:nvPr/>
-        </p:nvSpPr>
-        <p:spPr>
-          <a:xfrm>
-            <a:off x="3581398" y="1045041"/>
-            <a:ext cx="929640" cy="523220"/>
-          </a:xfrm>
-          <a:prstGeom prst="rect">
-            <a:avLst/>
-          </a:prstGeom>
-          <a:noFill/>
-        </p:spPr>
-        <p:txBody>
-          <a:bodyPr wrap="square" rtlCol="0">
-            <a:spAutoFit/>
-          </a:bodyPr>
-          <a:lstStyle/>
-          <a:p>
-            <a:r>
-              <a:rPr lang="en-US" sz="1400" dirty="0"/>
-              <a:t>Function name</a:t>
-            </a:r>
-            <a:endParaRPr lang="fr-CA" sz="1400" dirty="0"/>
-          </a:p>
-        </p:txBody>
-      </p:sp>
-      <p:sp>
-        <p:nvSpPr>
-          <p:cNvPr id="41" name="TextBox 40">
-            <a:extLst>
-              <a:ext uri="{FF2B5EF4-FFF2-40B4-BE49-F238E27FC236}">
-                <a16:creationId xmlns:a16="http://schemas.microsoft.com/office/drawing/2014/main" id="{679777E2-A2FF-25FF-B278-A054F6CF21DF}"/>
-              </a:ext>
-            </a:extLst>
-          </p:cNvPr>
-          <p:cNvSpPr txBox="1"/>
-          <p:nvPr/>
-        </p:nvSpPr>
-        <p:spPr>
-          <a:xfrm>
-            <a:off x="4330696" y="1035528"/>
-            <a:ext cx="1084584" cy="523220"/>
-          </a:xfrm>
-          <a:prstGeom prst="rect">
-            <a:avLst/>
-          </a:prstGeom>
-          <a:noFill/>
-        </p:spPr>
-        <p:txBody>
-          <a:bodyPr wrap="square" rtlCol="0">
-            <a:spAutoFit/>
-          </a:bodyPr>
-          <a:lstStyle/>
-          <a:p>
-            <a:r>
-              <a:rPr lang="en-US" sz="1400" dirty="0"/>
-              <a:t>(optional)</a:t>
-            </a:r>
-          </a:p>
-          <a:p>
-            <a:r>
-              <a:rPr lang="en-US" sz="1400" dirty="0"/>
-              <a:t>Parameters</a:t>
-            </a:r>
-            <a:endParaRPr lang="fr-CA" sz="1400" dirty="0"/>
-          </a:p>
-        </p:txBody>
-      </p:sp>
-      <p:sp>
-        <p:nvSpPr>
-          <p:cNvPr id="42" name="TextBox 41">
-            <a:extLst>
-              <a:ext uri="{FF2B5EF4-FFF2-40B4-BE49-F238E27FC236}">
-                <a16:creationId xmlns:a16="http://schemas.microsoft.com/office/drawing/2014/main" id="{9CFABB50-3F7B-639F-680F-684FDC7C9E7C}"/>
-              </a:ext>
-            </a:extLst>
-          </p:cNvPr>
-          <p:cNvSpPr txBox="1"/>
-          <p:nvPr/>
-        </p:nvSpPr>
-        <p:spPr>
-          <a:xfrm>
-            <a:off x="977896" y="2474594"/>
-            <a:ext cx="1084584" cy="523220"/>
-          </a:xfrm>
-          <a:prstGeom prst="rect">
-            <a:avLst/>
-          </a:prstGeom>
-          <a:noFill/>
-        </p:spPr>
-        <p:txBody>
-          <a:bodyPr wrap="square" rtlCol="0">
-            <a:spAutoFit/>
-          </a:bodyPr>
-          <a:lstStyle/>
-          <a:p>
-            <a:r>
-              <a:rPr lang="en-US" sz="1400" dirty="0"/>
-              <a:t>Indentation</a:t>
-            </a:r>
-          </a:p>
-          <a:p>
-            <a:r>
-              <a:rPr lang="en-US" sz="1400" dirty="0"/>
-              <a:t>(“TAB”)</a:t>
-            </a:r>
-            <a:endParaRPr lang="fr-CA" sz="1400" dirty="0"/>
-          </a:p>
-        </p:txBody>
-      </p:sp>
-      <p:sp>
-        <p:nvSpPr>
-          <p:cNvPr id="43" name="TextBox 42">
-            <a:extLst>
-              <a:ext uri="{FF2B5EF4-FFF2-40B4-BE49-F238E27FC236}">
-                <a16:creationId xmlns:a16="http://schemas.microsoft.com/office/drawing/2014/main" id="{6789A8F0-7EEC-8E47-1EAA-0ED4EA48CA95}"/>
-              </a:ext>
-            </a:extLst>
-          </p:cNvPr>
-          <p:cNvSpPr txBox="1"/>
-          <p:nvPr/>
-        </p:nvSpPr>
-        <p:spPr>
-          <a:xfrm>
-            <a:off x="5819136" y="2001228"/>
-            <a:ext cx="1084584" cy="307777"/>
-          </a:xfrm>
-          <a:prstGeom prst="rect">
-            <a:avLst/>
-          </a:prstGeom>
-          <a:noFill/>
-        </p:spPr>
-        <p:txBody>
-          <a:bodyPr wrap="square" rtlCol="0">
-            <a:spAutoFit/>
-          </a:bodyPr>
-          <a:lstStyle/>
-          <a:p>
-            <a:r>
-              <a:rPr lang="en-US" sz="1400" dirty="0"/>
-              <a:t>Semi-colon</a:t>
-            </a:r>
-            <a:endParaRPr lang="fr-CA" sz="1400" dirty="0"/>
-          </a:p>
-        </p:txBody>
-      </p:sp>
-      <p:sp>
-        <p:nvSpPr>
-          <p:cNvPr id="45" name="TextBox 44">
-            <a:extLst>
-              <a:ext uri="{FF2B5EF4-FFF2-40B4-BE49-F238E27FC236}">
-                <a16:creationId xmlns:a16="http://schemas.microsoft.com/office/drawing/2014/main" id="{3E595CED-9CFE-A77A-5307-828C5840E440}"/>
-              </a:ext>
-            </a:extLst>
-          </p:cNvPr>
-          <p:cNvSpPr txBox="1"/>
-          <p:nvPr/>
-        </p:nvSpPr>
-        <p:spPr>
-          <a:xfrm>
-            <a:off x="7278370" y="2284475"/>
-            <a:ext cx="1170941" cy="307777"/>
-          </a:xfrm>
-          <a:prstGeom prst="rect">
-            <a:avLst/>
-          </a:prstGeom>
-          <a:noFill/>
-        </p:spPr>
-        <p:txBody>
-          <a:bodyPr wrap="square" rtlCol="0">
-            <a:spAutoFit/>
-          </a:bodyPr>
-          <a:lstStyle/>
-          <a:p>
-            <a:r>
-              <a:rPr lang="en-US" sz="1400" dirty="0"/>
-              <a:t>Expression</a:t>
-            </a:r>
-            <a:endParaRPr lang="fr-CA" sz="1400" dirty="0"/>
-          </a:p>
-        </p:txBody>
-      </p:sp>
-      <p:sp>
-        <p:nvSpPr>
-          <p:cNvPr id="46" name="TextBox 45">
-            <a:extLst>
-              <a:ext uri="{FF2B5EF4-FFF2-40B4-BE49-F238E27FC236}">
-                <a16:creationId xmlns:a16="http://schemas.microsoft.com/office/drawing/2014/main" id="{7A2BFBCF-B1BD-79F0-F263-B501EAB8FE52}"/>
-              </a:ext>
-            </a:extLst>
-          </p:cNvPr>
-          <p:cNvSpPr txBox="1"/>
-          <p:nvPr/>
-        </p:nvSpPr>
-        <p:spPr>
-          <a:xfrm>
-            <a:off x="3173728" y="3739372"/>
-            <a:ext cx="1744980" cy="307777"/>
-          </a:xfrm>
-          <a:prstGeom prst="rect">
-            <a:avLst/>
-          </a:prstGeom>
-          <a:noFill/>
-        </p:spPr>
-        <p:txBody>
-          <a:bodyPr wrap="square" rtlCol="0">
-            <a:spAutoFit/>
-          </a:bodyPr>
-          <a:lstStyle/>
-          <a:p>
-            <a:r>
-              <a:rPr lang="en-US" sz="1400" dirty="0"/>
-              <a:t>(Optional) Keyword</a:t>
-            </a:r>
-            <a:endParaRPr lang="fr-CA" sz="1400" dirty="0"/>
-          </a:p>
-        </p:txBody>
-      </p:sp>
-      <p:sp>
-        <p:nvSpPr>
-          <p:cNvPr id="47" name="TextBox 46">
-            <a:extLst>
-              <a:ext uri="{FF2B5EF4-FFF2-40B4-BE49-F238E27FC236}">
-                <a16:creationId xmlns:a16="http://schemas.microsoft.com/office/drawing/2014/main" id="{9E77A94D-B24C-1858-AC0A-31EFFAD1286B}"/>
-              </a:ext>
-            </a:extLst>
-          </p:cNvPr>
-          <p:cNvSpPr txBox="1"/>
-          <p:nvPr/>
-        </p:nvSpPr>
-        <p:spPr>
-          <a:xfrm>
-            <a:off x="4762500" y="3730881"/>
-            <a:ext cx="1244600" cy="307777"/>
-          </a:xfrm>
-          <a:prstGeom prst="rect">
-            <a:avLst/>
-          </a:prstGeom>
-          <a:noFill/>
-        </p:spPr>
-        <p:txBody>
-          <a:bodyPr wrap="square" rtlCol="0">
-            <a:spAutoFit/>
-          </a:bodyPr>
-          <a:lstStyle/>
-          <a:p>
-            <a:r>
-              <a:rPr lang="en-US" sz="1400" dirty="0"/>
-              <a:t>Return value</a:t>
-            </a:r>
-            <a:endParaRPr lang="fr-CA" sz="1400" dirty="0"/>
-          </a:p>
-        </p:txBody>
-      </p:sp>
-      <p:sp>
-        <p:nvSpPr>
-          <p:cNvPr id="49" name="Left Bracket 48">
-            <a:extLst>
-              <a:ext uri="{FF2B5EF4-FFF2-40B4-BE49-F238E27FC236}">
-                <a16:creationId xmlns:a16="http://schemas.microsoft.com/office/drawing/2014/main" id="{44AFDDAB-F9FF-50FF-C927-6A1AA737F143}"/>
-              </a:ext>
-            </a:extLst>
-          </p:cNvPr>
-          <p:cNvSpPr/>
-          <p:nvPr/>
-        </p:nvSpPr>
-        <p:spPr>
-          <a:xfrm>
-            <a:off x="2994025" y="2309005"/>
-            <a:ext cx="107949" cy="523220"/>
-          </a:xfrm>
-          <a:prstGeom prst="leftBracket">
-            <a:avLst/>
-          </a:prstGeom>
-        </p:spPr>
-        <p:style>
-          <a:lnRef idx="2">
-            <a:schemeClr val="accent1"/>
-          </a:lnRef>
-          <a:fillRef idx="0">
-            <a:schemeClr val="accent1"/>
-          </a:fillRef>
-          <a:effectRef idx="1">
-            <a:schemeClr val="accent1"/>
-          </a:effectRef>
-          <a:fontRef idx="minor">
-            <a:schemeClr val="tx1"/>
-          </a:fontRef>
-        </p:style>
-        <p:txBody>
-          <a:bodyPr rtlCol="0" anchor="ctr"/>
-          <a:lstStyle/>
-          <a:p>
-            <a:pPr algn="ctr"/>
-            <a:endParaRPr lang="fr-CA"/>
-          </a:p>
-        </p:txBody>
-      </p:sp>
-      <p:sp>
-        <p:nvSpPr>
-          <p:cNvPr id="50" name="Left Bracket 49">
-            <a:extLst>
-              <a:ext uri="{FF2B5EF4-FFF2-40B4-BE49-F238E27FC236}">
-                <a16:creationId xmlns:a16="http://schemas.microsoft.com/office/drawing/2014/main" id="{DBE1B940-8254-9C0E-6257-2BEC21F8ACD8}"/>
-              </a:ext>
-            </a:extLst>
-          </p:cNvPr>
-          <p:cNvSpPr/>
-          <p:nvPr/>
-        </p:nvSpPr>
-        <p:spPr>
-          <a:xfrm rot="10800000">
-            <a:off x="6181111" y="2309005"/>
-            <a:ext cx="129521" cy="307778"/>
-          </a:xfrm>
-          <a:prstGeom prst="leftBracket">
-            <a:avLst/>
-          </a:prstGeom>
-        </p:spPr>
-        <p:style>
-          <a:lnRef idx="2">
-            <a:schemeClr val="accent1"/>
-          </a:lnRef>
-          <a:fillRef idx="0">
-            <a:schemeClr val="accent1"/>
-          </a:fillRef>
-          <a:effectRef idx="1">
-            <a:schemeClr val="accent1"/>
-          </a:effectRef>
-          <a:fontRef idx="minor">
-            <a:schemeClr val="tx1"/>
-          </a:fontRef>
-        </p:style>
-        <p:txBody>
-          <a:bodyPr rtlCol="0" anchor="ctr"/>
-          <a:lstStyle/>
-          <a:p>
-            <a:pPr algn="ctr"/>
-            <a:endParaRPr lang="fr-CA"/>
-          </a:p>
-        </p:txBody>
-      </p:sp>
-      <p:sp>
-        <p:nvSpPr>
-          <p:cNvPr id="51" name="Left Bracket 50">
-            <a:extLst>
-              <a:ext uri="{FF2B5EF4-FFF2-40B4-BE49-F238E27FC236}">
-                <a16:creationId xmlns:a16="http://schemas.microsoft.com/office/drawing/2014/main" id="{351527B1-A2A1-DE17-6BC6-9CD95B615FB1}"/>
-              </a:ext>
-            </a:extLst>
-          </p:cNvPr>
-          <p:cNvSpPr/>
-          <p:nvPr/>
-        </p:nvSpPr>
-        <p:spPr>
-          <a:xfrm rot="16200000">
-            <a:off x="4314186" y="2591184"/>
-            <a:ext cx="100512" cy="602211"/>
-          </a:xfrm>
-          <a:prstGeom prst="leftBracket">
-            <a:avLst/>
-          </a:prstGeom>
-        </p:spPr>
-        <p:style>
-          <a:lnRef idx="2">
-            <a:schemeClr val="accent1"/>
-          </a:lnRef>
-          <a:fillRef idx="0">
-            <a:schemeClr val="accent1"/>
-          </a:fillRef>
-          <a:effectRef idx="1">
-            <a:schemeClr val="accent1"/>
-          </a:effectRef>
-          <a:fontRef idx="minor">
-            <a:schemeClr val="tx1"/>
-          </a:fontRef>
-        </p:style>
-        <p:txBody>
-          <a:bodyPr rtlCol="0" anchor="ctr"/>
-          <a:lstStyle/>
-          <a:p>
-            <a:pPr algn="ctr"/>
-            <a:endParaRPr lang="fr-CA"/>
-          </a:p>
-        </p:txBody>
-      </p:sp>
-      <p:sp>
-        <p:nvSpPr>
-          <p:cNvPr id="53" name="Left Bracket 52">
-            <a:extLst>
-              <a:ext uri="{FF2B5EF4-FFF2-40B4-BE49-F238E27FC236}">
-                <a16:creationId xmlns:a16="http://schemas.microsoft.com/office/drawing/2014/main" id="{8683F84B-6C3D-CAE5-58A8-E6ADC8DC67D4}"/>
-              </a:ext>
-            </a:extLst>
-          </p:cNvPr>
-          <p:cNvSpPr/>
-          <p:nvPr/>
-        </p:nvSpPr>
-        <p:spPr>
-          <a:xfrm rot="16200000">
-            <a:off x="4943385" y="2587480"/>
-            <a:ext cx="100512" cy="602211"/>
-          </a:xfrm>
-          <a:prstGeom prst="leftBracket">
-            <a:avLst/>
-          </a:prstGeom>
-        </p:spPr>
-        <p:style>
-          <a:lnRef idx="2">
-            <a:schemeClr val="accent1"/>
-          </a:lnRef>
-          <a:fillRef idx="0">
-            <a:schemeClr val="accent1"/>
-          </a:fillRef>
-          <a:effectRef idx="1">
-            <a:schemeClr val="accent1"/>
-          </a:effectRef>
-          <a:fontRef idx="minor">
-            <a:schemeClr val="tx1"/>
-          </a:fontRef>
-        </p:style>
-        <p:txBody>
-          <a:bodyPr rtlCol="0" anchor="ctr"/>
-          <a:lstStyle/>
-          <a:p>
-            <a:pPr algn="ctr"/>
-            <a:endParaRPr lang="fr-CA"/>
-          </a:p>
-        </p:txBody>
-      </p:sp>
+      <p:graphicFrame>
+        <p:nvGraphicFramePr>
+          <p:cNvPr id="4" name="Table 3">
+            <a:extLst>
+              <a:ext uri="{FF2B5EF4-FFF2-40B4-BE49-F238E27FC236}">
+                <a16:creationId xmlns:a16="http://schemas.microsoft.com/office/drawing/2014/main" id="{BD83E5CC-5C64-5149-41B5-51D3E0541CDA}"/>
+              </a:ext>
+            </a:extLst>
+          </p:cNvPr>
+          <p:cNvGraphicFramePr>
+            <a:graphicFrameLocks noGrp="1"/>
+          </p:cNvGraphicFramePr>
+          <p:nvPr>
+            <p:extLst>
+              <p:ext uri="{D42A27DB-BD31-4B8C-83A1-F6EECF244321}">
+                <p14:modId xmlns:p14="http://schemas.microsoft.com/office/powerpoint/2010/main" val="2000653891"/>
+              </p:ext>
+            </p:extLst>
+          </p:nvPr>
+        </p:nvGraphicFramePr>
+        <p:xfrm>
+          <a:off x="2840673" y="2687320"/>
+          <a:ext cx="6510654" cy="741680"/>
+        </p:xfrm>
+        <a:graphic>
+          <a:graphicData uri="http://schemas.openxmlformats.org/drawingml/2006/table">
+            <a:tbl>
+              <a:tblPr firstRow="1" bandRow="1">
+                <a:tableStyleId>{D7AC3CCA-C797-4891-BE02-D94E43425B78}</a:tableStyleId>
+              </a:tblPr>
+              <a:tblGrid>
+                <a:gridCol w="1180958">
+                  <a:extLst>
+                    <a:ext uri="{9D8B030D-6E8A-4147-A177-3AD203B41FA5}">
+                      <a16:colId xmlns:a16="http://schemas.microsoft.com/office/drawing/2014/main" val="1541670736"/>
+                    </a:ext>
+                  </a:extLst>
+                </a:gridCol>
+                <a:gridCol w="393651">
+                  <a:extLst>
+                    <a:ext uri="{9D8B030D-6E8A-4147-A177-3AD203B41FA5}">
+                      <a16:colId xmlns:a16="http://schemas.microsoft.com/office/drawing/2014/main" val="1212771680"/>
+                    </a:ext>
+                  </a:extLst>
+                </a:gridCol>
+                <a:gridCol w="367409">
+                  <a:extLst>
+                    <a:ext uri="{9D8B030D-6E8A-4147-A177-3AD203B41FA5}">
+                      <a16:colId xmlns:a16="http://schemas.microsoft.com/office/drawing/2014/main" val="1550460056"/>
+                    </a:ext>
+                  </a:extLst>
+                </a:gridCol>
+                <a:gridCol w="419897">
+                  <a:extLst>
+                    <a:ext uri="{9D8B030D-6E8A-4147-A177-3AD203B41FA5}">
+                      <a16:colId xmlns:a16="http://schemas.microsoft.com/office/drawing/2014/main" val="1583547144"/>
+                    </a:ext>
+                  </a:extLst>
+                </a:gridCol>
+                <a:gridCol w="537992">
+                  <a:extLst>
+                    <a:ext uri="{9D8B030D-6E8A-4147-A177-3AD203B41FA5}">
+                      <a16:colId xmlns:a16="http://schemas.microsoft.com/office/drawing/2014/main" val="1926840007"/>
+                    </a:ext>
+                  </a:extLst>
+                </a:gridCol>
+                <a:gridCol w="472384">
+                  <a:extLst>
+                    <a:ext uri="{9D8B030D-6E8A-4147-A177-3AD203B41FA5}">
+                      <a16:colId xmlns:a16="http://schemas.microsoft.com/office/drawing/2014/main" val="2554349480"/>
+                    </a:ext>
+                  </a:extLst>
+                </a:gridCol>
+                <a:gridCol w="433017">
+                  <a:extLst>
+                    <a:ext uri="{9D8B030D-6E8A-4147-A177-3AD203B41FA5}">
+                      <a16:colId xmlns:a16="http://schemas.microsoft.com/office/drawing/2014/main" val="1242352286"/>
+                    </a:ext>
+                  </a:extLst>
+                </a:gridCol>
+                <a:gridCol w="524870">
+                  <a:extLst>
+                    <a:ext uri="{9D8B030D-6E8A-4147-A177-3AD203B41FA5}">
+                      <a16:colId xmlns:a16="http://schemas.microsoft.com/office/drawing/2014/main" val="1437637135"/>
+                    </a:ext>
+                  </a:extLst>
+                </a:gridCol>
+                <a:gridCol w="498627">
+                  <a:extLst>
+                    <a:ext uri="{9D8B030D-6E8A-4147-A177-3AD203B41FA5}">
+                      <a16:colId xmlns:a16="http://schemas.microsoft.com/office/drawing/2014/main" val="1147342639"/>
+                    </a:ext>
+                  </a:extLst>
+                </a:gridCol>
+                <a:gridCol w="485505">
+                  <a:extLst>
+                    <a:ext uri="{9D8B030D-6E8A-4147-A177-3AD203B41FA5}">
+                      <a16:colId xmlns:a16="http://schemas.microsoft.com/office/drawing/2014/main" val="829983522"/>
+                    </a:ext>
+                  </a:extLst>
+                </a:gridCol>
+                <a:gridCol w="616722">
+                  <a:extLst>
+                    <a:ext uri="{9D8B030D-6E8A-4147-A177-3AD203B41FA5}">
+                      <a16:colId xmlns:a16="http://schemas.microsoft.com/office/drawing/2014/main" val="3943611320"/>
+                    </a:ext>
+                  </a:extLst>
+                </a:gridCol>
+                <a:gridCol w="579622">
+                  <a:extLst>
+                    <a:ext uri="{9D8B030D-6E8A-4147-A177-3AD203B41FA5}">
+                      <a16:colId xmlns:a16="http://schemas.microsoft.com/office/drawing/2014/main" val="695330963"/>
+                    </a:ext>
+                  </a:extLst>
+                </a:gridCol>
+              </a:tblGrid>
+              <a:tr h="370840">
+                <a:tc>
+                  <a:txBody>
+                    <a:bodyPr/>
+                    <a:lstStyle/>
+                    <a:p>
+                      <a:r>
+                        <a:rPr lang="en-US" dirty="0"/>
+                        <a:t>Index</a:t>
+                      </a:r>
+                      <a:endParaRPr lang="fr-CA" dirty="0"/>
+                    </a:p>
+                  </a:txBody>
+                  <a:tcPr/>
+                </a:tc>
+                <a:tc>
+                  <a:txBody>
+                    <a:bodyPr/>
+                    <a:lstStyle/>
+                    <a:p>
+                      <a:r>
+                        <a:rPr lang="en-US" dirty="0"/>
+                        <a:t>0</a:t>
+                      </a:r>
+                      <a:endParaRPr lang="fr-CA" dirty="0"/>
+                    </a:p>
+                  </a:txBody>
+                  <a:tcPr/>
+                </a:tc>
+                <a:tc>
+                  <a:txBody>
+                    <a:bodyPr/>
+                    <a:lstStyle/>
+                    <a:p>
+                      <a:r>
+                        <a:rPr lang="en-US" dirty="0"/>
+                        <a:t>1</a:t>
+                      </a:r>
+                      <a:endParaRPr lang="fr-CA" dirty="0"/>
+                    </a:p>
+                  </a:txBody>
+                  <a:tcPr/>
+                </a:tc>
+                <a:tc>
+                  <a:txBody>
+                    <a:bodyPr/>
+                    <a:lstStyle/>
+                    <a:p>
+                      <a:r>
+                        <a:rPr lang="en-US" dirty="0"/>
+                        <a:t>2</a:t>
+                      </a:r>
+                      <a:endParaRPr lang="fr-CA" dirty="0"/>
+                    </a:p>
+                  </a:txBody>
+                  <a:tcPr/>
+                </a:tc>
+                <a:tc>
+                  <a:txBody>
+                    <a:bodyPr/>
+                    <a:lstStyle/>
+                    <a:p>
+                      <a:r>
+                        <a:rPr lang="en-US" dirty="0"/>
+                        <a:t>3</a:t>
+                      </a:r>
+                      <a:endParaRPr lang="fr-CA" dirty="0"/>
+                    </a:p>
+                  </a:txBody>
+                  <a:tcPr/>
+                </a:tc>
+                <a:tc>
+                  <a:txBody>
+                    <a:bodyPr/>
+                    <a:lstStyle/>
+                    <a:p>
+                      <a:r>
+                        <a:rPr lang="en-US" dirty="0"/>
+                        <a:t>4</a:t>
+                      </a:r>
+                      <a:endParaRPr lang="fr-CA" dirty="0"/>
+                    </a:p>
+                  </a:txBody>
+                  <a:tcPr/>
+                </a:tc>
+                <a:tc>
+                  <a:txBody>
+                    <a:bodyPr/>
+                    <a:lstStyle/>
+                    <a:p>
+                      <a:r>
+                        <a:rPr lang="en-US" dirty="0"/>
+                        <a:t>5</a:t>
+                      </a:r>
+                      <a:endParaRPr lang="fr-CA" dirty="0"/>
+                    </a:p>
+                  </a:txBody>
+                  <a:tcPr/>
+                </a:tc>
+                <a:tc>
+                  <a:txBody>
+                    <a:bodyPr/>
+                    <a:lstStyle/>
+                    <a:p>
+                      <a:r>
+                        <a:rPr lang="en-US" dirty="0"/>
+                        <a:t>6</a:t>
+                      </a:r>
+                      <a:endParaRPr lang="fr-CA" dirty="0"/>
+                    </a:p>
+                  </a:txBody>
+                  <a:tcPr/>
+                </a:tc>
+                <a:tc>
+                  <a:txBody>
+                    <a:bodyPr/>
+                    <a:lstStyle/>
+                    <a:p>
+                      <a:r>
+                        <a:rPr lang="en-US" dirty="0"/>
+                        <a:t>7</a:t>
+                      </a:r>
+                      <a:endParaRPr lang="fr-CA" dirty="0"/>
+                    </a:p>
+                  </a:txBody>
+                  <a:tcPr/>
+                </a:tc>
+                <a:tc>
+                  <a:txBody>
+                    <a:bodyPr/>
+                    <a:lstStyle/>
+                    <a:p>
+                      <a:r>
+                        <a:rPr lang="en-US" dirty="0"/>
+                        <a:t>8</a:t>
+                      </a:r>
+                      <a:endParaRPr lang="fr-CA" dirty="0"/>
+                    </a:p>
+                  </a:txBody>
+                  <a:tcPr/>
+                </a:tc>
+                <a:tc>
+                  <a:txBody>
+                    <a:bodyPr/>
+                    <a:lstStyle/>
+                    <a:p>
+                      <a:r>
+                        <a:rPr lang="en-US" dirty="0"/>
+                        <a:t>9</a:t>
+                      </a:r>
+                      <a:endParaRPr lang="fr-CA" dirty="0"/>
+                    </a:p>
+                  </a:txBody>
+                  <a:tcPr/>
+                </a:tc>
+                <a:tc>
+                  <a:txBody>
+                    <a:bodyPr/>
+                    <a:lstStyle/>
+                    <a:p>
+                      <a:r>
+                        <a:rPr lang="en-US" dirty="0"/>
+                        <a:t>10</a:t>
+                      </a:r>
+                      <a:endParaRPr lang="fr-CA" dirty="0"/>
+                    </a:p>
+                  </a:txBody>
+                  <a:tcPr/>
+                </a:tc>
+                <a:extLst>
+                  <a:ext uri="{0D108BD9-81ED-4DB2-BD59-A6C34878D82A}">
+                    <a16:rowId xmlns:a16="http://schemas.microsoft.com/office/drawing/2014/main" val="3448264458"/>
+                  </a:ext>
+                </a:extLst>
+              </a:tr>
+              <a:tr h="370840">
+                <a:tc>
+                  <a:txBody>
+                    <a:bodyPr/>
+                    <a:lstStyle/>
+                    <a:p>
+                      <a:r>
+                        <a:rPr lang="en-US" dirty="0"/>
+                        <a:t>Character</a:t>
+                      </a:r>
+                      <a:endParaRPr lang="fr-CA" dirty="0"/>
+                    </a:p>
+                  </a:txBody>
+                  <a:tcPr/>
+                </a:tc>
+                <a:tc>
+                  <a:txBody>
+                    <a:bodyPr/>
+                    <a:lstStyle/>
+                    <a:p>
+                      <a:r>
+                        <a:rPr lang="en-US" dirty="0"/>
+                        <a:t>H</a:t>
+                      </a:r>
+                      <a:endParaRPr lang="fr-CA" dirty="0"/>
+                    </a:p>
+                  </a:txBody>
+                  <a:tcPr/>
+                </a:tc>
+                <a:tc>
+                  <a:txBody>
+                    <a:bodyPr/>
+                    <a:lstStyle/>
+                    <a:p>
+                      <a:r>
+                        <a:rPr lang="en-US" dirty="0"/>
+                        <a:t>e</a:t>
+                      </a:r>
+                      <a:endParaRPr lang="fr-CA" dirty="0"/>
+                    </a:p>
+                  </a:txBody>
+                  <a:tcPr/>
+                </a:tc>
+                <a:tc>
+                  <a:txBody>
+                    <a:bodyPr/>
+                    <a:lstStyle/>
+                    <a:p>
+                      <a:r>
+                        <a:rPr lang="en-US" dirty="0"/>
+                        <a:t>l</a:t>
+                      </a:r>
+                      <a:endParaRPr lang="fr-CA" dirty="0"/>
+                    </a:p>
+                  </a:txBody>
+                  <a:tcPr/>
+                </a:tc>
+                <a:tc>
+                  <a:txBody>
+                    <a:bodyPr/>
+                    <a:lstStyle/>
+                    <a:p>
+                      <a:r>
+                        <a:rPr lang="en-US" dirty="0"/>
+                        <a:t>l</a:t>
+                      </a:r>
+                      <a:endParaRPr lang="fr-CA" dirty="0"/>
+                    </a:p>
+                  </a:txBody>
+                  <a:tcPr/>
+                </a:tc>
+                <a:tc>
+                  <a:txBody>
+                    <a:bodyPr/>
+                    <a:lstStyle/>
+                    <a:p>
+                      <a:r>
+                        <a:rPr lang="en-US" dirty="0"/>
+                        <a:t>o</a:t>
+                      </a:r>
+                      <a:endParaRPr lang="fr-CA" dirty="0"/>
+                    </a:p>
+                  </a:txBody>
+                  <a:tcPr/>
+                </a:tc>
+                <a:tc>
+                  <a:txBody>
+                    <a:bodyPr/>
+                    <a:lstStyle/>
+                    <a:p>
+                      <a:endParaRPr lang="fr-CA" dirty="0"/>
+                    </a:p>
+                  </a:txBody>
+                  <a:tcPr/>
+                </a:tc>
+                <a:tc>
+                  <a:txBody>
+                    <a:bodyPr/>
+                    <a:lstStyle/>
+                    <a:p>
+                      <a:r>
+                        <a:rPr lang="en-US" dirty="0"/>
+                        <a:t>W</a:t>
+                      </a:r>
+                      <a:endParaRPr lang="fr-CA" dirty="0"/>
+                    </a:p>
+                  </a:txBody>
+                  <a:tcPr/>
+                </a:tc>
+                <a:tc>
+                  <a:txBody>
+                    <a:bodyPr/>
+                    <a:lstStyle/>
+                    <a:p>
+                      <a:r>
+                        <a:rPr lang="en-US" dirty="0"/>
+                        <a:t>o</a:t>
+                      </a:r>
+                      <a:endParaRPr lang="fr-CA" dirty="0"/>
+                    </a:p>
+                  </a:txBody>
+                  <a:tcPr/>
+                </a:tc>
+                <a:tc>
+                  <a:txBody>
+                    <a:bodyPr/>
+                    <a:lstStyle/>
+                    <a:p>
+                      <a:r>
+                        <a:rPr lang="en-US" dirty="0"/>
+                        <a:t>r</a:t>
+                      </a:r>
+                      <a:endParaRPr lang="fr-CA" dirty="0"/>
+                    </a:p>
+                  </a:txBody>
+                  <a:tcPr/>
+                </a:tc>
+                <a:tc>
+                  <a:txBody>
+                    <a:bodyPr/>
+                    <a:lstStyle/>
+                    <a:p>
+                      <a:r>
+                        <a:rPr lang="en-US" dirty="0"/>
+                        <a:t>l</a:t>
+                      </a:r>
+                      <a:endParaRPr lang="fr-CA" dirty="0"/>
+                    </a:p>
+                  </a:txBody>
+                  <a:tcPr/>
+                </a:tc>
+                <a:tc>
+                  <a:txBody>
+                    <a:bodyPr/>
+                    <a:lstStyle/>
+                    <a:p>
+                      <a:r>
+                        <a:rPr lang="en-US" dirty="0"/>
+                        <a:t>d</a:t>
+                      </a:r>
+                      <a:endParaRPr lang="fr-CA" dirty="0"/>
+                    </a:p>
+                  </a:txBody>
+                  <a:tcPr/>
+                </a:tc>
+                <a:extLst>
+                  <a:ext uri="{0D108BD9-81ED-4DB2-BD59-A6C34878D82A}">
+                    <a16:rowId xmlns:a16="http://schemas.microsoft.com/office/drawing/2014/main" val="1034072814"/>
+                  </a:ext>
+                </a:extLst>
+              </a:tr>
+            </a:tbl>
+          </a:graphicData>
+        </a:graphic>
+      </p:graphicFrame>
     </p:spTree>
     <p:extLst>
       <p:ext uri="{BB962C8B-B14F-4D97-AF65-F5344CB8AC3E}">
-        <p14:creationId xmlns:p14="http://schemas.microsoft.com/office/powerpoint/2010/main" val="4271305742"/>
+        <p14:creationId xmlns:p14="http://schemas.microsoft.com/office/powerpoint/2010/main" val="770038568"/>
       </p:ext>
     </p:extLst>
   </p:cSld>
@@ -6195,10 +6883,152 @@
       </p:grpSpPr>
       <p:sp>
         <p:nvSpPr>
-          <p:cNvPr id="25" name="TextBox 24">
-            <a:extLst>
-              <a:ext uri="{FF2B5EF4-FFF2-40B4-BE49-F238E27FC236}">
-                <a16:creationId xmlns:a16="http://schemas.microsoft.com/office/drawing/2014/main" id="{5D0E8DE0-90F4-1E05-3EEE-A27384B3A40B}"/>
+          <p:cNvPr id="2" name="Flowchart: Manual Operation 1">
+            <a:extLst>
+              <a:ext uri="{FF2B5EF4-FFF2-40B4-BE49-F238E27FC236}">
+                <a16:creationId xmlns:a16="http://schemas.microsoft.com/office/drawing/2014/main" id="{58C3442A-6B31-E22A-33A3-7CF67365E020}"/>
+              </a:ext>
+            </a:extLst>
+          </p:cNvPr>
+          <p:cNvSpPr/>
+          <p:nvPr/>
+        </p:nvSpPr>
+        <p:spPr>
+          <a:xfrm rot="10800000">
+            <a:off x="6862916" y="3667433"/>
+            <a:ext cx="796413" cy="766916"/>
+          </a:xfrm>
+          <a:prstGeom prst="flowChartManualOperation">
+            <a:avLst/>
+          </a:prstGeom>
+        </p:spPr>
+        <p:style>
+          <a:lnRef idx="2">
+            <a:schemeClr val="accent1">
+              <a:shade val="15000"/>
+            </a:schemeClr>
+          </a:lnRef>
+          <a:fillRef idx="1">
+            <a:schemeClr val="accent1"/>
+          </a:fillRef>
+          <a:effectRef idx="0">
+            <a:schemeClr val="accent1"/>
+          </a:effectRef>
+          <a:fontRef idx="minor">
+            <a:schemeClr val="lt1"/>
+          </a:fontRef>
+        </p:style>
+        <p:txBody>
+          <a:bodyPr rtlCol="0" anchor="ctr"/>
+          <a:lstStyle/>
+          <a:p>
+            <a:pPr algn="ctr"/>
+            <a:endParaRPr lang="fr-CA"/>
+          </a:p>
+        </p:txBody>
+      </p:sp>
+      <p:sp>
+        <p:nvSpPr>
+          <p:cNvPr id="7" name="Cube 6">
+            <a:extLst>
+              <a:ext uri="{FF2B5EF4-FFF2-40B4-BE49-F238E27FC236}">
+                <a16:creationId xmlns:a16="http://schemas.microsoft.com/office/drawing/2014/main" id="{7CE6BE04-3933-DB4C-363A-9088F8AE0ED4}"/>
+              </a:ext>
+            </a:extLst>
+          </p:cNvPr>
+          <p:cNvSpPr/>
+          <p:nvPr/>
+        </p:nvSpPr>
+        <p:spPr>
+          <a:xfrm>
+            <a:off x="3795252" y="2369574"/>
+            <a:ext cx="3991897" cy="1592826"/>
+          </a:xfrm>
+          <a:prstGeom prst="cube">
+            <a:avLst/>
+          </a:prstGeom>
+        </p:spPr>
+        <p:style>
+          <a:lnRef idx="2">
+            <a:schemeClr val="accent1">
+              <a:shade val="15000"/>
+            </a:schemeClr>
+          </a:lnRef>
+          <a:fillRef idx="1">
+            <a:schemeClr val="accent1"/>
+          </a:fillRef>
+          <a:effectRef idx="0">
+            <a:schemeClr val="accent1"/>
+          </a:effectRef>
+          <a:fontRef idx="minor">
+            <a:schemeClr val="lt1"/>
+          </a:fontRef>
+        </p:style>
+        <p:txBody>
+          <a:bodyPr rtlCol="0" anchor="ctr"/>
+          <a:lstStyle/>
+          <a:p>
+            <a:pPr algn="ctr"/>
+            <a:r>
+              <a:rPr lang="en-US" dirty="0"/>
+              <a:t>Function</a:t>
+            </a:r>
+            <a:endParaRPr lang="fr-CA" dirty="0"/>
+          </a:p>
+        </p:txBody>
+      </p:sp>
+      <p:sp>
+        <p:nvSpPr>
+          <p:cNvPr id="8" name="Flowchart: Manual Operation 7">
+            <a:extLst>
+              <a:ext uri="{FF2B5EF4-FFF2-40B4-BE49-F238E27FC236}">
+                <a16:creationId xmlns:a16="http://schemas.microsoft.com/office/drawing/2014/main" id="{4979BE6F-524E-C386-A5EA-88C0B97360D1}"/>
+              </a:ext>
+            </a:extLst>
+          </p:cNvPr>
+          <p:cNvSpPr/>
+          <p:nvPr/>
+        </p:nvSpPr>
+        <p:spPr>
+          <a:xfrm>
+            <a:off x="4119716" y="1897625"/>
+            <a:ext cx="796413" cy="766916"/>
+          </a:xfrm>
+          <a:prstGeom prst="flowChartManualOperation">
+            <a:avLst/>
+          </a:prstGeom>
+        </p:spPr>
+        <p:style>
+          <a:lnRef idx="2">
+            <a:schemeClr val="accent1">
+              <a:shade val="15000"/>
+            </a:schemeClr>
+          </a:lnRef>
+          <a:fillRef idx="1">
+            <a:schemeClr val="accent1"/>
+          </a:fillRef>
+          <a:effectRef idx="0">
+            <a:schemeClr val="accent1"/>
+          </a:effectRef>
+          <a:fontRef idx="minor">
+            <a:schemeClr val="lt1"/>
+          </a:fontRef>
+        </p:style>
+        <p:txBody>
+          <a:bodyPr rtlCol="0" anchor="ctr"/>
+          <a:lstStyle/>
+          <a:p>
+            <a:pPr algn="ctr"/>
+            <a:endParaRPr lang="fr-CA"/>
+          </a:p>
+        </p:txBody>
+      </p:sp>
+      <p:sp>
+        <p:nvSpPr>
+          <p:cNvPr id="3" name="TextBox 2">
+            <a:extLst>
+              <a:ext uri="{FF2B5EF4-FFF2-40B4-BE49-F238E27FC236}">
+                <a16:creationId xmlns:a16="http://schemas.microsoft.com/office/drawing/2014/main" id="{2A89A65D-32FD-53BD-4C1D-F36E38AFD0F2}"/>
               </a:ext>
             </a:extLst>
           </p:cNvPr>
@@ -6207,8 +7037,8 @@
         </p:nvSpPr>
         <p:spPr>
           <a:xfrm>
-            <a:off x="3048000" y="1992088"/>
-            <a:ext cx="6096000" cy="1200329"/>
+            <a:off x="4100049" y="1158971"/>
+            <a:ext cx="491613" cy="523220"/>
           </a:xfrm>
           <a:prstGeom prst="rect">
             <a:avLst/>
@@ -6216,230 +7046,53 @@
           <a:noFill/>
         </p:spPr>
         <p:txBody>
-          <a:bodyPr wrap="square">
+          <a:bodyPr wrap="square" rtlCol="0">
             <a:spAutoFit/>
           </a:bodyPr>
           <a:lstStyle/>
           <a:p>
             <a:r>
-              <a:rPr lang="fr-CA" dirty="0" err="1"/>
-              <a:t>def</a:t>
-            </a:r>
-            <a:r>
-              <a:rPr lang="fr-CA" dirty="0"/>
-              <a:t> </a:t>
-            </a:r>
-            <a:r>
-              <a:rPr lang="fr-CA" dirty="0" err="1">
-                <a:solidFill>
-                  <a:srgbClr val="FF0000"/>
-                </a:solidFill>
-              </a:rPr>
-              <a:t>sum</a:t>
-            </a:r>
-            <a:r>
-              <a:rPr lang="fr-CA" dirty="0"/>
-              <a:t>(</a:t>
-            </a:r>
-            <a:r>
-              <a:rPr lang="fr-CA" dirty="0">
-                <a:solidFill>
-                  <a:schemeClr val="tx2">
-                    <a:lumMod val="50000"/>
-                    <a:lumOff val="50000"/>
-                  </a:schemeClr>
-                </a:solidFill>
-              </a:rPr>
-              <a:t>num1 : </a:t>
-            </a:r>
-            <a:r>
-              <a:rPr lang="fr-CA" dirty="0" err="1">
-                <a:solidFill>
-                  <a:schemeClr val="tx2">
-                    <a:lumMod val="50000"/>
-                    <a:lumOff val="50000"/>
-                  </a:schemeClr>
-                </a:solidFill>
-              </a:rPr>
-              <a:t>float</a:t>
-            </a:r>
-            <a:r>
-              <a:rPr lang="fr-CA" dirty="0">
-                <a:solidFill>
-                  <a:schemeClr val="tx2">
-                    <a:lumMod val="50000"/>
-                    <a:lumOff val="50000"/>
-                  </a:schemeClr>
-                </a:solidFill>
-              </a:rPr>
-              <a:t>, num2 : </a:t>
-            </a:r>
-            <a:r>
-              <a:rPr lang="fr-CA" dirty="0" err="1">
-                <a:solidFill>
-                  <a:schemeClr val="tx2">
-                    <a:lumMod val="50000"/>
-                    <a:lumOff val="50000"/>
-                  </a:schemeClr>
-                </a:solidFill>
-              </a:rPr>
-              <a:t>float</a:t>
-            </a:r>
-            <a:r>
-              <a:rPr lang="fr-CA" dirty="0">
-                <a:solidFill>
-                  <a:srgbClr val="00B0F0"/>
-                </a:solidFill>
-              </a:rPr>
-              <a:t>)</a:t>
-            </a:r>
-            <a:r>
-              <a:rPr lang="fr-CA" dirty="0">
-                <a:solidFill>
-                  <a:srgbClr val="FF0000"/>
-                </a:solidFill>
-              </a:rPr>
-              <a:t> -&gt; </a:t>
-            </a:r>
-            <a:r>
-              <a:rPr lang="fr-CA" dirty="0" err="1">
-                <a:solidFill>
-                  <a:srgbClr val="FF0000"/>
-                </a:solidFill>
-              </a:rPr>
-              <a:t>float</a:t>
-            </a:r>
-            <a:r>
-              <a:rPr lang="fr-CA" dirty="0">
-                <a:solidFill>
-                  <a:srgbClr val="FF0000"/>
-                </a:solidFill>
-              </a:rPr>
-              <a:t> </a:t>
-            </a:r>
-            <a:r>
-              <a:rPr lang="fr-CA" dirty="0">
-                <a:highlight>
-                  <a:srgbClr val="FFFF00"/>
-                </a:highlight>
-              </a:rPr>
-              <a:t>:</a:t>
-            </a:r>
-          </a:p>
-          <a:p>
-            <a:r>
-              <a:rPr lang="fr-CA" dirty="0">
-                <a:highlight>
-                  <a:srgbClr val="FFFF00"/>
-                </a:highlight>
-              </a:rPr>
-              <a:t>	</a:t>
-            </a:r>
-            <a:r>
-              <a:rPr lang="fr-CA" dirty="0">
-                <a:solidFill>
-                  <a:schemeClr val="accent6">
-                    <a:lumMod val="60000"/>
-                    <a:lumOff val="40000"/>
-                  </a:schemeClr>
-                </a:solidFill>
-              </a:rPr>
-              <a:t>value  = num1 + num2</a:t>
-            </a:r>
-            <a:endParaRPr lang="fr-CA" dirty="0">
-              <a:highlight>
-                <a:srgbClr val="FFFF00"/>
-              </a:highlight>
-            </a:endParaRPr>
-          </a:p>
-          <a:p>
-            <a:r>
-              <a:rPr lang="fr-CA" dirty="0">
-                <a:solidFill>
-                  <a:schemeClr val="accent5">
-                    <a:lumMod val="75000"/>
-                  </a:schemeClr>
-                </a:solidFill>
-                <a:highlight>
-                  <a:srgbClr val="FFFF00"/>
-                </a:highlight>
-              </a:rPr>
-              <a:t>	</a:t>
-            </a:r>
-            <a:r>
-              <a:rPr lang="fr-CA" dirty="0"/>
-              <a:t>return </a:t>
-            </a:r>
-            <a:r>
-              <a:rPr lang="fr-CA" dirty="0">
-                <a:solidFill>
-                  <a:schemeClr val="accent6">
+              <a:rPr lang="en-US" sz="2800" b="1" dirty="0">
+                <a:ln w="9525">
+                  <a:solidFill>
+                    <a:schemeClr val="bg1"/>
+                  </a:solidFill>
+                  <a:prstDash val="solid"/>
+                </a:ln>
+                <a:effectLst>
+                  <a:outerShdw blurRad="12700" dist="38100" dir="2700000" algn="tl" rotWithShape="0">
+                    <a:schemeClr val="bg1">
+                      <a:lumMod val="50000"/>
+                    </a:schemeClr>
+                  </a:outerShdw>
+                </a:effectLst>
+              </a:rPr>
+              <a:t>2</a:t>
+            </a:r>
+            <a:endParaRPr lang="fr-CA" b="1" dirty="0">
+              <a:ln w="9525">
+                <a:solidFill>
+                  <a:schemeClr val="bg1"/>
+                </a:solidFill>
+                <a:prstDash val="solid"/>
+              </a:ln>
+              <a:effectLst>
+                <a:outerShdw blurRad="12700" dist="38100" dir="2700000" algn="tl" rotWithShape="0">
+                  <a:schemeClr val="bg1">
                     <a:lumMod val="50000"/>
                   </a:schemeClr>
-                </a:solidFill>
-              </a:rPr>
-              <a:t>value</a:t>
-            </a:r>
-          </a:p>
-          <a:p>
-            <a:endParaRPr lang="fr-CA" dirty="0">
-              <a:solidFill>
-                <a:schemeClr val="accent6">
-                  <a:lumMod val="60000"/>
-                  <a:lumOff val="40000"/>
-                </a:schemeClr>
-              </a:solidFill>
+                </a:outerShdw>
+              </a:effectLst>
             </a:endParaRPr>
           </a:p>
         </p:txBody>
       </p:sp>
-      <p:cxnSp>
-        <p:nvCxnSpPr>
-          <p:cNvPr id="30" name="Straight Arrow Connector 29">
-            <a:extLst>
-              <a:ext uri="{FF2B5EF4-FFF2-40B4-BE49-F238E27FC236}">
-                <a16:creationId xmlns:a16="http://schemas.microsoft.com/office/drawing/2014/main" id="{261479D9-3094-1034-162B-1F70604EC0AF}"/>
-              </a:ext>
-            </a:extLst>
-          </p:cNvPr>
-          <p:cNvCxnSpPr>
-            <a:cxnSpLocks/>
-          </p:cNvCxnSpPr>
-          <p:nvPr/>
-        </p:nvCxnSpPr>
-        <p:spPr>
-          <a:xfrm>
-            <a:off x="6873819" y="2652973"/>
-            <a:ext cx="0" cy="1008622"/>
-          </a:xfrm>
-          <a:prstGeom prst="straightConnector1">
-            <a:avLst/>
-          </a:prstGeom>
-          <a:ln>
-            <a:tailEnd type="triangle"/>
-          </a:ln>
-        </p:spPr>
-        <p:style>
-          <a:lnRef idx="2">
-            <a:schemeClr val="accent1"/>
-          </a:lnRef>
-          <a:fillRef idx="0">
-            <a:schemeClr val="accent1"/>
-          </a:fillRef>
-          <a:effectRef idx="1">
-            <a:schemeClr val="accent1"/>
-          </a:effectRef>
-          <a:fontRef idx="minor">
-            <a:schemeClr val="tx1"/>
-          </a:fontRef>
-        </p:style>
-      </p:cxnSp>
-      <p:sp>
-        <p:nvSpPr>
-          <p:cNvPr id="41" name="TextBox 40">
-            <a:extLst>
-              <a:ext uri="{FF2B5EF4-FFF2-40B4-BE49-F238E27FC236}">
-                <a16:creationId xmlns:a16="http://schemas.microsoft.com/office/drawing/2014/main" id="{B89E9410-816E-42C8-A2AE-AFDE8B7D479A}"/>
+      <p:sp>
+        <p:nvSpPr>
+          <p:cNvPr id="4" name="TextBox 3">
+            <a:extLst>
+              <a:ext uri="{FF2B5EF4-FFF2-40B4-BE49-F238E27FC236}">
+                <a16:creationId xmlns:a16="http://schemas.microsoft.com/office/drawing/2014/main" id="{4FD8FBF9-F22E-B362-3E33-54B6C6298459}"/>
               </a:ext>
             </a:extLst>
           </p:cNvPr>
@@ -6448,8 +7101,8 @@
         </p:nvSpPr>
         <p:spPr>
           <a:xfrm>
-            <a:off x="6305439" y="3735819"/>
-            <a:ext cx="1136760" cy="307777"/>
+            <a:off x="4272115" y="876821"/>
+            <a:ext cx="491613" cy="523220"/>
           </a:xfrm>
           <a:prstGeom prst="rect">
             <a:avLst/>
@@ -6463,63 +7116,47 @@
           <a:lstStyle/>
           <a:p>
             <a:r>
-              <a:rPr lang="en-US" sz="1400" dirty="0"/>
-              <a:t>Return type</a:t>
-            </a:r>
-            <a:endParaRPr lang="fr-CA" sz="1400" dirty="0"/>
-          </a:p>
-        </p:txBody>
-      </p:sp>
-      <p:sp>
-        <p:nvSpPr>
-          <p:cNvPr id="45" name="Left Bracket 44">
-            <a:extLst>
-              <a:ext uri="{FF2B5EF4-FFF2-40B4-BE49-F238E27FC236}">
-                <a16:creationId xmlns:a16="http://schemas.microsoft.com/office/drawing/2014/main" id="{188B7ED1-1FE8-94D4-3E76-D2FE18C64A97}"/>
-              </a:ext>
-            </a:extLst>
-          </p:cNvPr>
-          <p:cNvSpPr/>
-          <p:nvPr/>
-        </p:nvSpPr>
-        <p:spPr>
-          <a:xfrm rot="16200000">
-            <a:off x="6804770" y="2049889"/>
-            <a:ext cx="138099" cy="862441"/>
-          </a:xfrm>
-          <a:prstGeom prst="leftBracket">
-            <a:avLst/>
-          </a:prstGeom>
-        </p:spPr>
-        <p:style>
-          <a:lnRef idx="2">
-            <a:schemeClr val="accent1"/>
-          </a:lnRef>
-          <a:fillRef idx="0">
-            <a:schemeClr val="accent1"/>
-          </a:fillRef>
-          <a:effectRef idx="1">
-            <a:schemeClr val="accent1"/>
-          </a:effectRef>
-          <a:fontRef idx="minor">
-            <a:schemeClr val="tx1"/>
-          </a:fontRef>
-        </p:style>
-        <p:txBody>
-          <a:bodyPr rtlCol="0" anchor="ctr"/>
-          <a:lstStyle/>
-          <a:p>
-            <a:pPr algn="ctr"/>
-            <a:endParaRPr lang="fr-CA"/>
-          </a:p>
-        </p:txBody>
-      </p:sp>
-      <p:sp>
-        <p:nvSpPr>
-          <p:cNvPr id="46" name="TextBox 45">
-            <a:extLst>
-              <a:ext uri="{FF2B5EF4-FFF2-40B4-BE49-F238E27FC236}">
-                <a16:creationId xmlns:a16="http://schemas.microsoft.com/office/drawing/2014/main" id="{26DC44BA-211C-F6E7-F59C-47225351A0ED}"/>
+              <a:rPr lang="en-US" sz="2800" b="1" dirty="0">
+                <a:ln w="9525">
+                  <a:solidFill>
+                    <a:schemeClr val="bg1"/>
+                  </a:solidFill>
+                  <a:prstDash val="solid"/>
+                </a:ln>
+                <a:effectLst>
+                  <a:outerShdw blurRad="12700" dist="38100" dir="2700000" algn="tl" rotWithShape="0">
+                    <a:schemeClr val="bg1">
+                      <a:lumMod val="50000"/>
+                    </a:schemeClr>
+                  </a:outerShdw>
+                </a:effectLst>
+              </a:rPr>
+              <a:t>3</a:t>
+            </a:r>
+            <a:endParaRPr lang="fr-CA" b="1" dirty="0">
+              <a:ln w="9525">
+                <a:solidFill>
+                  <a:schemeClr val="bg1"/>
+                </a:solidFill>
+                <a:prstDash val="solid"/>
+              </a:ln>
+              <a:effectLst>
+                <a:outerShdw blurRad="12700" dist="38100" dir="2700000" algn="tl" rotWithShape="0">
+                  <a:schemeClr val="bg1">
+                    <a:lumMod val="50000"/>
+                  </a:schemeClr>
+                </a:outerShdw>
+              </a:effectLst>
+            </a:endParaRPr>
+          </a:p>
+        </p:txBody>
+      </p:sp>
+      <p:sp>
+        <p:nvSpPr>
+          <p:cNvPr id="5" name="TextBox 4">
+            <a:extLst>
+              <a:ext uri="{FF2B5EF4-FFF2-40B4-BE49-F238E27FC236}">
+                <a16:creationId xmlns:a16="http://schemas.microsoft.com/office/drawing/2014/main" id="{F5F552D9-2BAF-29D6-D874-5E0FEDC58D12}"/>
               </a:ext>
             </a:extLst>
           </p:cNvPr>
@@ -6528,8 +7165,8 @@
         </p:nvSpPr>
         <p:spPr>
           <a:xfrm>
-            <a:off x="4872988" y="1489025"/>
-            <a:ext cx="1550677" cy="307777"/>
+            <a:off x="4444181" y="1282054"/>
+            <a:ext cx="491613" cy="523220"/>
           </a:xfrm>
           <a:prstGeom prst="rect">
             <a:avLst/>
@@ -6543,99 +7180,309 @@
           <a:lstStyle/>
           <a:p>
             <a:r>
-              <a:rPr lang="en-US" sz="1400" dirty="0"/>
-              <a:t>Parameter types</a:t>
-            </a:r>
-            <a:endParaRPr lang="fr-CA" sz="1400" dirty="0"/>
-          </a:p>
-        </p:txBody>
-      </p:sp>
-      <p:cxnSp>
-        <p:nvCxnSpPr>
-          <p:cNvPr id="47" name="Straight Arrow Connector 46">
-            <a:extLst>
-              <a:ext uri="{FF2B5EF4-FFF2-40B4-BE49-F238E27FC236}">
-                <a16:creationId xmlns:a16="http://schemas.microsoft.com/office/drawing/2014/main" id="{6C617999-B9A1-752C-6ADB-0BF30C67D84E}"/>
-              </a:ext>
-            </a:extLst>
-          </p:cNvPr>
-          <p:cNvCxnSpPr>
-            <a:cxnSpLocks/>
-          </p:cNvCxnSpPr>
+              <a:rPr lang="en-US" sz="2800" b="1" dirty="0">
+                <a:ln w="9525">
+                  <a:solidFill>
+                    <a:schemeClr val="bg1"/>
+                  </a:solidFill>
+                  <a:prstDash val="solid"/>
+                </a:ln>
+                <a:effectLst>
+                  <a:outerShdw blurRad="12700" dist="38100" dir="2700000" algn="tl" rotWithShape="0">
+                    <a:schemeClr val="bg1">
+                      <a:lumMod val="50000"/>
+                    </a:schemeClr>
+                  </a:outerShdw>
+                </a:effectLst>
+              </a:rPr>
+              <a:t>4</a:t>
+            </a:r>
+            <a:endParaRPr lang="fr-CA" b="1" dirty="0">
+              <a:ln w="9525">
+                <a:solidFill>
+                  <a:schemeClr val="bg1"/>
+                </a:solidFill>
+                <a:prstDash val="solid"/>
+              </a:ln>
+              <a:effectLst>
+                <a:outerShdw blurRad="12700" dist="38100" dir="2700000" algn="tl" rotWithShape="0">
+                  <a:schemeClr val="bg1">
+                    <a:lumMod val="50000"/>
+                  </a:schemeClr>
+                </a:outerShdw>
+              </a:effectLst>
+            </a:endParaRPr>
+          </a:p>
+        </p:txBody>
+      </p:sp>
+      <p:sp>
+        <p:nvSpPr>
+          <p:cNvPr id="6" name="TextBox 5">
+            <a:extLst>
+              <a:ext uri="{FF2B5EF4-FFF2-40B4-BE49-F238E27FC236}">
+                <a16:creationId xmlns:a16="http://schemas.microsoft.com/office/drawing/2014/main" id="{C8867E01-C88F-9812-9DAF-724056D807D9}"/>
+              </a:ext>
+            </a:extLst>
+          </p:cNvPr>
+          <p:cNvSpPr txBox="1"/>
           <p:nvPr/>
-        </p:nvCxnSpPr>
-        <p:spPr>
-          <a:xfrm flipH="1">
-            <a:off x="4918708" y="1796802"/>
-            <a:ext cx="212092" cy="300410"/>
-          </a:xfrm>
-          <a:prstGeom prst="straightConnector1">
+        </p:nvSpPr>
+        <p:spPr>
+          <a:xfrm>
+            <a:off x="6941572" y="4670323"/>
+            <a:ext cx="491613" cy="523220"/>
+          </a:xfrm>
+          <a:prstGeom prst="rect">
             <a:avLst/>
           </a:prstGeom>
-          <a:ln>
-            <a:tailEnd type="triangle"/>
-          </a:ln>
-        </p:spPr>
-        <p:style>
-          <a:lnRef idx="2">
-            <a:schemeClr val="accent1"/>
-          </a:lnRef>
-          <a:fillRef idx="0">
-            <a:schemeClr val="accent1"/>
-          </a:fillRef>
-          <a:effectRef idx="1">
-            <a:schemeClr val="accent1"/>
-          </a:effectRef>
-          <a:fontRef idx="minor">
-            <a:schemeClr val="tx1"/>
-          </a:fontRef>
-        </p:style>
-      </p:cxnSp>
-      <p:cxnSp>
-        <p:nvCxnSpPr>
-          <p:cNvPr id="50" name="Straight Arrow Connector 49">
-            <a:extLst>
-              <a:ext uri="{FF2B5EF4-FFF2-40B4-BE49-F238E27FC236}">
-                <a16:creationId xmlns:a16="http://schemas.microsoft.com/office/drawing/2014/main" id="{2C87B971-348B-E503-87FB-20FE4495EBCD}"/>
-              </a:ext>
-            </a:extLst>
-          </p:cNvPr>
-          <p:cNvCxnSpPr>
-            <a:cxnSpLocks/>
-          </p:cNvCxnSpPr>
+          <a:noFill/>
+        </p:spPr>
+        <p:txBody>
+          <a:bodyPr wrap="square" rtlCol="0">
+            <a:spAutoFit/>
+          </a:bodyPr>
+          <a:lstStyle/>
+          <a:p>
+            <a:r>
+              <a:rPr lang="en-US" sz="2800" b="1" dirty="0">
+                <a:ln w="9525">
+                  <a:solidFill>
+                    <a:schemeClr val="bg1"/>
+                  </a:solidFill>
+                  <a:prstDash val="solid"/>
+                </a:ln>
+                <a:effectLst>
+                  <a:outerShdw blurRad="12700" dist="38100" dir="2700000" algn="tl" rotWithShape="0">
+                    <a:schemeClr val="bg1">
+                      <a:lumMod val="50000"/>
+                    </a:schemeClr>
+                  </a:outerShdw>
+                </a:effectLst>
+              </a:rPr>
+              <a:t>4</a:t>
+            </a:r>
+            <a:endParaRPr lang="fr-CA" b="1" dirty="0">
+              <a:ln w="9525">
+                <a:solidFill>
+                  <a:schemeClr val="bg1"/>
+                </a:solidFill>
+                <a:prstDash val="solid"/>
+              </a:ln>
+              <a:effectLst>
+                <a:outerShdw blurRad="12700" dist="38100" dir="2700000" algn="tl" rotWithShape="0">
+                  <a:schemeClr val="bg1">
+                    <a:lumMod val="50000"/>
+                  </a:schemeClr>
+                </a:outerShdw>
+              </a:effectLst>
+            </a:endParaRPr>
+          </a:p>
+        </p:txBody>
+      </p:sp>
+      <p:sp>
+        <p:nvSpPr>
+          <p:cNvPr id="9" name="TextBox 8">
+            <a:extLst>
+              <a:ext uri="{FF2B5EF4-FFF2-40B4-BE49-F238E27FC236}">
+                <a16:creationId xmlns:a16="http://schemas.microsoft.com/office/drawing/2014/main" id="{848087F5-C247-6480-3CA2-BDC6ED218FC0}"/>
+              </a:ext>
+            </a:extLst>
+          </p:cNvPr>
+          <p:cNvSpPr txBox="1"/>
           <p:nvPr/>
-        </p:nvCxnSpPr>
+        </p:nvSpPr>
         <p:spPr>
           <a:xfrm>
-            <a:off x="5892800" y="1816756"/>
-            <a:ext cx="114300" cy="280456"/>
-          </a:xfrm>
-          <a:prstGeom prst="straightConnector1">
+            <a:off x="7113638" y="4388173"/>
+            <a:ext cx="491613" cy="523220"/>
+          </a:xfrm>
+          <a:prstGeom prst="rect">
             <a:avLst/>
           </a:prstGeom>
-          <a:ln>
-            <a:tailEnd type="triangle"/>
-          </a:ln>
-        </p:spPr>
-        <p:style>
-          <a:lnRef idx="2">
-            <a:schemeClr val="accent1"/>
-          </a:lnRef>
-          <a:fillRef idx="0">
-            <a:schemeClr val="accent1"/>
-          </a:fillRef>
-          <a:effectRef idx="1">
-            <a:schemeClr val="accent1"/>
-          </a:effectRef>
-          <a:fontRef idx="minor">
-            <a:schemeClr val="tx1"/>
-          </a:fontRef>
-        </p:style>
-      </p:cxnSp>
+          <a:noFill/>
+        </p:spPr>
+        <p:txBody>
+          <a:bodyPr wrap="square" rtlCol="0">
+            <a:spAutoFit/>
+          </a:bodyPr>
+          <a:lstStyle/>
+          <a:p>
+            <a:r>
+              <a:rPr lang="en-US" sz="2800" b="1" dirty="0">
+                <a:ln w="9525">
+                  <a:solidFill>
+                    <a:schemeClr val="bg1"/>
+                  </a:solidFill>
+                  <a:prstDash val="solid"/>
+                </a:ln>
+                <a:effectLst>
+                  <a:outerShdw blurRad="12700" dist="38100" dir="2700000" algn="tl" rotWithShape="0">
+                    <a:schemeClr val="bg1">
+                      <a:lumMod val="50000"/>
+                    </a:schemeClr>
+                  </a:outerShdw>
+                </a:effectLst>
+              </a:rPr>
+              <a:t>9</a:t>
+            </a:r>
+            <a:endParaRPr lang="fr-CA" b="1" dirty="0">
+              <a:ln w="9525">
+                <a:solidFill>
+                  <a:schemeClr val="bg1"/>
+                </a:solidFill>
+                <a:prstDash val="solid"/>
+              </a:ln>
+              <a:effectLst>
+                <a:outerShdw blurRad="12700" dist="38100" dir="2700000" algn="tl" rotWithShape="0">
+                  <a:schemeClr val="bg1">
+                    <a:lumMod val="50000"/>
+                  </a:schemeClr>
+                </a:outerShdw>
+              </a:effectLst>
+            </a:endParaRPr>
+          </a:p>
+        </p:txBody>
+      </p:sp>
+      <p:sp>
+        <p:nvSpPr>
+          <p:cNvPr id="10" name="TextBox 9">
+            <a:extLst>
+              <a:ext uri="{FF2B5EF4-FFF2-40B4-BE49-F238E27FC236}">
+                <a16:creationId xmlns:a16="http://schemas.microsoft.com/office/drawing/2014/main" id="{C685C208-C3EB-7E80-C742-135BDBEF71BA}"/>
+              </a:ext>
+            </a:extLst>
+          </p:cNvPr>
+          <p:cNvSpPr txBox="1"/>
+          <p:nvPr/>
+        </p:nvSpPr>
+        <p:spPr>
+          <a:xfrm>
+            <a:off x="7295536" y="4670323"/>
+            <a:ext cx="648929" cy="523220"/>
+          </a:xfrm>
+          <a:prstGeom prst="rect">
+            <a:avLst/>
+          </a:prstGeom>
+          <a:noFill/>
+        </p:spPr>
+        <p:txBody>
+          <a:bodyPr wrap="square" rtlCol="0">
+            <a:spAutoFit/>
+          </a:bodyPr>
+          <a:lstStyle/>
+          <a:p>
+            <a:r>
+              <a:rPr lang="en-US" sz="2800" b="1" dirty="0">
+                <a:ln w="9525">
+                  <a:solidFill>
+                    <a:schemeClr val="bg1"/>
+                  </a:solidFill>
+                  <a:prstDash val="solid"/>
+                </a:ln>
+                <a:effectLst>
+                  <a:outerShdw blurRad="12700" dist="38100" dir="2700000" algn="tl" rotWithShape="0">
+                    <a:schemeClr val="bg1">
+                      <a:lumMod val="50000"/>
+                    </a:schemeClr>
+                  </a:outerShdw>
+                </a:effectLst>
+              </a:rPr>
+              <a:t>16</a:t>
+            </a:r>
+            <a:endParaRPr lang="fr-CA" b="1" dirty="0">
+              <a:ln w="9525">
+                <a:solidFill>
+                  <a:schemeClr val="bg1"/>
+                </a:solidFill>
+                <a:prstDash val="solid"/>
+              </a:ln>
+              <a:effectLst>
+                <a:outerShdw blurRad="12700" dist="38100" dir="2700000" algn="tl" rotWithShape="0">
+                  <a:schemeClr val="bg1">
+                    <a:lumMod val="50000"/>
+                  </a:schemeClr>
+                </a:outerShdw>
+              </a:effectLst>
+            </a:endParaRPr>
+          </a:p>
+        </p:txBody>
+      </p:sp>
+      <p:sp>
+        <p:nvSpPr>
+          <p:cNvPr id="11" name="TextBox 10">
+            <a:extLst>
+              <a:ext uri="{FF2B5EF4-FFF2-40B4-BE49-F238E27FC236}">
+                <a16:creationId xmlns:a16="http://schemas.microsoft.com/office/drawing/2014/main" id="{FF603617-A650-714F-3262-D01A6C66C969}"/>
+              </a:ext>
+            </a:extLst>
+          </p:cNvPr>
+          <p:cNvSpPr txBox="1"/>
+          <p:nvPr/>
+        </p:nvSpPr>
+        <p:spPr>
+          <a:xfrm>
+            <a:off x="4059689" y="440773"/>
+            <a:ext cx="704039" cy="369332"/>
+          </a:xfrm>
+          <a:prstGeom prst="rect">
+            <a:avLst/>
+          </a:prstGeom>
+          <a:noFill/>
+        </p:spPr>
+        <p:txBody>
+          <a:bodyPr wrap="none" rtlCol="0">
+            <a:spAutoFit/>
+          </a:bodyPr>
+          <a:lstStyle/>
+          <a:p>
+            <a:r>
+              <a:rPr lang="en-US" dirty="0"/>
+              <a:t>Input</a:t>
+            </a:r>
+            <a:endParaRPr lang="fr-CA" dirty="0"/>
+          </a:p>
+        </p:txBody>
+      </p:sp>
+      <p:sp>
+        <p:nvSpPr>
+          <p:cNvPr id="12" name="TextBox 11">
+            <a:extLst>
+              <a:ext uri="{FF2B5EF4-FFF2-40B4-BE49-F238E27FC236}">
+                <a16:creationId xmlns:a16="http://schemas.microsoft.com/office/drawing/2014/main" id="{2B68FAEF-71AC-8D2F-E549-A014837F2FEF}"/>
+              </a:ext>
+            </a:extLst>
+          </p:cNvPr>
+          <p:cNvSpPr txBox="1"/>
+          <p:nvPr/>
+        </p:nvSpPr>
+        <p:spPr>
+          <a:xfrm>
+            <a:off x="6988191" y="5142272"/>
+            <a:ext cx="889987" cy="369332"/>
+          </a:xfrm>
+          <a:prstGeom prst="rect">
+            <a:avLst/>
+          </a:prstGeom>
+          <a:noFill/>
+        </p:spPr>
+        <p:txBody>
+          <a:bodyPr wrap="none" rtlCol="0">
+            <a:spAutoFit/>
+          </a:bodyPr>
+          <a:lstStyle/>
+          <a:p>
+            <a:r>
+              <a:rPr lang="en-US" dirty="0"/>
+              <a:t>Output</a:t>
+            </a:r>
+            <a:endParaRPr lang="fr-CA" dirty="0"/>
+          </a:p>
+        </p:txBody>
+      </p:sp>
     </p:spTree>
     <p:extLst>
       <p:ext uri="{BB962C8B-B14F-4D97-AF65-F5344CB8AC3E}">
-        <p14:creationId xmlns:p14="http://schemas.microsoft.com/office/powerpoint/2010/main" val="3336155435"/>
+        <p14:creationId xmlns:p14="http://schemas.microsoft.com/office/powerpoint/2010/main" val="3822259115"/>
       </p:ext>
     </p:extLst>
   </p:cSld>
@@ -6664,10 +7511,106 @@
       </p:grpSpPr>
       <p:sp>
         <p:nvSpPr>
-          <p:cNvPr id="5" name="TextBox 4">
-            <a:extLst>
-              <a:ext uri="{FF2B5EF4-FFF2-40B4-BE49-F238E27FC236}">
-                <a16:creationId xmlns:a16="http://schemas.microsoft.com/office/drawing/2014/main" id="{DE3CFF3A-7376-62D6-676E-1F580E0460C1}"/>
+          <p:cNvPr id="7" name="Cube 6">
+            <a:extLst>
+              <a:ext uri="{FF2B5EF4-FFF2-40B4-BE49-F238E27FC236}">
+                <a16:creationId xmlns:a16="http://schemas.microsoft.com/office/drawing/2014/main" id="{9B2FF1F2-9A97-2031-FFC2-24B7BABBB16B}"/>
+              </a:ext>
+            </a:extLst>
+          </p:cNvPr>
+          <p:cNvSpPr/>
+          <p:nvPr/>
+        </p:nvSpPr>
+        <p:spPr>
+          <a:xfrm>
+            <a:off x="4011562" y="2729507"/>
+            <a:ext cx="3991897" cy="1592826"/>
+          </a:xfrm>
+          <a:prstGeom prst="cube">
+            <a:avLst/>
+          </a:prstGeom>
+        </p:spPr>
+        <p:style>
+          <a:lnRef idx="2">
+            <a:schemeClr val="accent1">
+              <a:shade val="15000"/>
+            </a:schemeClr>
+          </a:lnRef>
+          <a:fillRef idx="1">
+            <a:schemeClr val="accent1"/>
+          </a:fillRef>
+          <a:effectRef idx="0">
+            <a:schemeClr val="accent1"/>
+          </a:effectRef>
+          <a:fontRef idx="minor">
+            <a:schemeClr val="lt1"/>
+          </a:fontRef>
+        </p:style>
+        <p:txBody>
+          <a:bodyPr rtlCol="0" anchor="ctr"/>
+          <a:lstStyle/>
+          <a:p>
+            <a:pPr algn="ctr"/>
+            <a:r>
+              <a:rPr lang="en-US" dirty="0"/>
+              <a:t>Function</a:t>
+            </a:r>
+            <a:endParaRPr lang="fr-CA" dirty="0"/>
+          </a:p>
+        </p:txBody>
+      </p:sp>
+      <p:sp>
+        <p:nvSpPr>
+          <p:cNvPr id="8" name="Flowchart: Manual Operation 7">
+            <a:extLst>
+              <a:ext uri="{FF2B5EF4-FFF2-40B4-BE49-F238E27FC236}">
+                <a16:creationId xmlns:a16="http://schemas.microsoft.com/office/drawing/2014/main" id="{3D7289A4-3413-3787-C627-A277B5675284}"/>
+              </a:ext>
+            </a:extLst>
+          </p:cNvPr>
+          <p:cNvSpPr/>
+          <p:nvPr/>
+        </p:nvSpPr>
+        <p:spPr>
+          <a:xfrm>
+            <a:off x="4336026" y="2349909"/>
+            <a:ext cx="796413" cy="766916"/>
+          </a:xfrm>
+          <a:prstGeom prst="flowChartManualOperation">
+            <a:avLst/>
+          </a:prstGeom>
+        </p:spPr>
+        <p:style>
+          <a:lnRef idx="2">
+            <a:schemeClr val="accent1">
+              <a:shade val="15000"/>
+            </a:schemeClr>
+          </a:lnRef>
+          <a:fillRef idx="1">
+            <a:schemeClr val="accent1"/>
+          </a:fillRef>
+          <a:effectRef idx="0">
+            <a:schemeClr val="accent1"/>
+          </a:effectRef>
+          <a:fontRef idx="minor">
+            <a:schemeClr val="lt1"/>
+          </a:fontRef>
+        </p:style>
+        <p:txBody>
+          <a:bodyPr rtlCol="0" anchor="ctr"/>
+          <a:lstStyle/>
+          <a:p>
+            <a:pPr algn="ctr"/>
+            <a:endParaRPr lang="fr-CA"/>
+          </a:p>
+        </p:txBody>
+      </p:sp>
+      <p:sp>
+        <p:nvSpPr>
+          <p:cNvPr id="10" name="TextBox 9">
+            <a:extLst>
+              <a:ext uri="{FF2B5EF4-FFF2-40B4-BE49-F238E27FC236}">
+                <a16:creationId xmlns:a16="http://schemas.microsoft.com/office/drawing/2014/main" id="{B5834E18-F71D-0E6C-6A32-6DDFC0626C77}"/>
               </a:ext>
             </a:extLst>
           </p:cNvPr>
@@ -6676,8 +7619,8 @@
         </p:nvSpPr>
         <p:spPr>
           <a:xfrm>
-            <a:off x="4582160" y="1470075"/>
-            <a:ext cx="3596640" cy="2862322"/>
+            <a:off x="4100482" y="1813054"/>
+            <a:ext cx="1267500" cy="523220"/>
           </a:xfrm>
           <a:prstGeom prst="rect">
             <a:avLst/>
@@ -6685,270 +7628,231 @@
           <a:noFill/>
         </p:spPr>
         <p:txBody>
-          <a:bodyPr wrap="square">
+          <a:bodyPr wrap="square" rtlCol="0">
             <a:spAutoFit/>
           </a:bodyPr>
           <a:lstStyle/>
           <a:p>
             <a:r>
-              <a:rPr lang="fr-CA" dirty="0" err="1">
-                <a:solidFill>
-                  <a:schemeClr val="accent5">
-                    <a:lumMod val="75000"/>
+              <a:rPr lang="en-US" sz="2800" b="1" dirty="0">
+                <a:ln w="9525">
+                  <a:solidFill>
+                    <a:schemeClr val="bg1"/>
+                  </a:solidFill>
+                  <a:prstDash val="solid"/>
+                </a:ln>
+                <a:effectLst>
+                  <a:outerShdw blurRad="12700" dist="38100" dir="2700000" algn="tl" rotWithShape="0">
+                    <a:schemeClr val="bg1">
+                      <a:lumMod val="50000"/>
+                    </a:schemeClr>
+                  </a:outerShdw>
+                </a:effectLst>
+              </a:rPr>
+              <a:t>“</a:t>
+            </a:r>
+            <a:r>
+              <a:rPr lang="en-US" sz="2800" b="1" dirty="0" err="1">
+                <a:ln w="9525">
+                  <a:solidFill>
+                    <a:schemeClr val="bg1"/>
+                  </a:solidFill>
+                  <a:prstDash val="solid"/>
+                </a:ln>
+                <a:effectLst>
+                  <a:outerShdw blurRad="12700" dist="38100" dir="2700000" algn="tl" rotWithShape="0">
+                    <a:schemeClr val="bg1">
+                      <a:lumMod val="50000"/>
+                    </a:schemeClr>
+                  </a:outerShdw>
+                </a:effectLst>
+              </a:rPr>
+              <a:t>abc</a:t>
+            </a:r>
+            <a:r>
+              <a:rPr lang="en-US" sz="2800" b="1" dirty="0">
+                <a:ln w="9525">
+                  <a:solidFill>
+                    <a:schemeClr val="bg1"/>
+                  </a:solidFill>
+                  <a:prstDash val="solid"/>
+                </a:ln>
+                <a:effectLst>
+                  <a:outerShdw blurRad="12700" dist="38100" dir="2700000" algn="tl" rotWithShape="0">
+                    <a:schemeClr val="bg1">
+                      <a:lumMod val="50000"/>
+                    </a:schemeClr>
+                  </a:outerShdw>
+                </a:effectLst>
+              </a:rPr>
+              <a:t>”</a:t>
+            </a:r>
+            <a:endParaRPr lang="fr-CA" b="1" dirty="0">
+              <a:ln w="9525">
+                <a:solidFill>
+                  <a:schemeClr val="bg1"/>
+                </a:solidFill>
+                <a:prstDash val="solid"/>
+              </a:ln>
+              <a:effectLst>
+                <a:outerShdw blurRad="12700" dist="38100" dir="2700000" algn="tl" rotWithShape="0">
+                  <a:schemeClr val="bg1">
+                    <a:lumMod val="50000"/>
                   </a:schemeClr>
-                </a:solidFill>
-              </a:rPr>
-              <a:t>def</a:t>
-            </a:r>
-            <a:r>
-              <a:rPr lang="fr-CA" dirty="0"/>
-              <a:t> </a:t>
-            </a:r>
-            <a:r>
-              <a:rPr lang="fr-CA" dirty="0" err="1">
-                <a:solidFill>
-                  <a:srgbClr val="FF0000"/>
-                </a:solidFill>
-              </a:rPr>
-              <a:t>sum</a:t>
-            </a:r>
-            <a:r>
-              <a:rPr lang="fr-CA" dirty="0"/>
-              <a:t>(</a:t>
-            </a:r>
-            <a:r>
-              <a:rPr lang="fr-CA" dirty="0">
-                <a:solidFill>
-                  <a:schemeClr val="accent3"/>
-                </a:solidFill>
-              </a:rPr>
-              <a:t>num1</a:t>
-            </a:r>
-            <a:r>
-              <a:rPr lang="fr-CA" dirty="0"/>
-              <a:t>, </a:t>
-            </a:r>
-            <a:r>
-              <a:rPr lang="fr-CA" dirty="0">
-                <a:solidFill>
-                  <a:schemeClr val="accent1">
-                    <a:lumMod val="60000"/>
-                    <a:lumOff val="40000"/>
-                  </a:schemeClr>
-                </a:solidFill>
-              </a:rPr>
-              <a:t>num2</a:t>
-            </a:r>
-            <a:r>
-              <a:rPr lang="fr-CA" dirty="0"/>
-              <a:t>)</a:t>
-            </a:r>
-            <a:r>
-              <a:rPr lang="fr-CA" dirty="0">
-                <a:highlight>
-                  <a:srgbClr val="FFFF00"/>
-                </a:highlight>
-              </a:rPr>
-              <a:t>:</a:t>
-            </a:r>
-          </a:p>
-          <a:p>
-            <a:r>
-              <a:rPr lang="fr-CA" dirty="0">
-                <a:highlight>
-                  <a:srgbClr val="FFFF00"/>
-                </a:highlight>
-              </a:rPr>
-              <a:t>	</a:t>
-            </a:r>
-            <a:r>
-              <a:rPr lang="fr-CA" dirty="0">
-                <a:solidFill>
-                  <a:schemeClr val="accent5">
-                    <a:lumMod val="75000"/>
-                  </a:schemeClr>
-                </a:solidFill>
-              </a:rPr>
-              <a:t>return</a:t>
-            </a:r>
-            <a:r>
-              <a:rPr lang="fr-CA" dirty="0"/>
-              <a:t> </a:t>
-            </a:r>
-            <a:r>
-              <a:rPr lang="fr-CA" dirty="0">
-                <a:solidFill>
-                  <a:schemeClr val="accent6">
-                    <a:lumMod val="60000"/>
-                    <a:lumOff val="40000"/>
-                  </a:schemeClr>
-                </a:solidFill>
-              </a:rPr>
-              <a:t>(num1 + num2)</a:t>
-            </a:r>
-          </a:p>
-          <a:p>
-            <a:endParaRPr lang="fr-CA" dirty="0">
-              <a:solidFill>
-                <a:schemeClr val="accent6">
-                  <a:lumMod val="60000"/>
-                  <a:lumOff val="40000"/>
-                </a:schemeClr>
-              </a:solidFill>
+                </a:outerShdw>
+              </a:effectLst>
             </a:endParaRPr>
           </a:p>
-          <a:p>
-            <a:pPr marL="285750" indent="-285750">
-              <a:buFontTx/>
-              <a:buChar char="-"/>
-            </a:pPr>
-            <a:r>
-              <a:rPr lang="fr-CA" dirty="0" err="1">
-                <a:solidFill>
-                  <a:srgbClr val="7030A0"/>
-                </a:solidFill>
-              </a:rPr>
-              <a:t>def</a:t>
-            </a:r>
-            <a:r>
-              <a:rPr lang="fr-CA" dirty="0">
-                <a:solidFill>
-                  <a:srgbClr val="7030A0"/>
-                </a:solidFill>
-              </a:rPr>
-              <a:t> keyword</a:t>
-            </a:r>
-          </a:p>
-          <a:p>
-            <a:pPr marL="285750" indent="-285750">
-              <a:buFontTx/>
-              <a:buChar char="-"/>
-            </a:pPr>
-            <a:r>
-              <a:rPr lang="fr-CA" dirty="0">
-                <a:highlight>
-                  <a:srgbClr val="FFFF00"/>
-                </a:highlight>
-              </a:rPr>
-              <a:t>Semi-colon and indentation</a:t>
-            </a:r>
-          </a:p>
-          <a:p>
-            <a:pPr marL="285750" indent="-285750">
-              <a:buFontTx/>
-              <a:buChar char="-"/>
-            </a:pPr>
-            <a:r>
-              <a:rPr lang="fr-CA" dirty="0" err="1">
-                <a:solidFill>
-                  <a:srgbClr val="FF0000"/>
-                </a:solidFill>
-              </a:rPr>
-              <a:t>name</a:t>
-            </a:r>
-            <a:r>
-              <a:rPr lang="fr-CA" dirty="0">
-                <a:solidFill>
-                  <a:srgbClr val="FF0000"/>
-                </a:solidFill>
-              </a:rPr>
-              <a:t> of the </a:t>
-            </a:r>
-            <a:r>
-              <a:rPr lang="fr-CA" dirty="0" err="1">
-                <a:solidFill>
-                  <a:srgbClr val="FF0000"/>
-                </a:solidFill>
-              </a:rPr>
-              <a:t>function</a:t>
-            </a:r>
-            <a:endParaRPr lang="fr-CA" dirty="0">
-              <a:solidFill>
-                <a:srgbClr val="FF0000"/>
-              </a:solidFill>
-            </a:endParaRPr>
-          </a:p>
-          <a:p>
-            <a:pPr marL="285750" indent="-285750">
-              <a:buFontTx/>
-              <a:buChar char="-"/>
-            </a:pPr>
-            <a:r>
-              <a:rPr lang="fr-CA" dirty="0">
-                <a:solidFill>
-                  <a:schemeClr val="accent3"/>
-                </a:solidFill>
-              </a:rPr>
-              <a:t>Argument 1</a:t>
-            </a:r>
-          </a:p>
-          <a:p>
-            <a:pPr marL="285750" indent="-285750">
-              <a:buFontTx/>
-              <a:buChar char="-"/>
-            </a:pPr>
-            <a:r>
-              <a:rPr lang="fr-CA" dirty="0">
-                <a:solidFill>
-                  <a:srgbClr val="00B0F0"/>
-                </a:solidFill>
-              </a:rPr>
-              <a:t>Argument 2</a:t>
-            </a:r>
-          </a:p>
-          <a:p>
-            <a:r>
-              <a:rPr lang="fr-CA" dirty="0">
-                <a:solidFill>
-                  <a:schemeClr val="accent5">
-                    <a:lumMod val="75000"/>
-                  </a:schemeClr>
-                </a:solidFill>
-              </a:rPr>
-              <a:t>-     return keyword</a:t>
-            </a:r>
-          </a:p>
-          <a:p>
-            <a:r>
-              <a:rPr lang="fr-CA" dirty="0">
-                <a:solidFill>
-                  <a:schemeClr val="accent6">
-                    <a:lumMod val="60000"/>
-                    <a:lumOff val="40000"/>
-                  </a:schemeClr>
-                </a:solidFill>
-              </a:rPr>
-              <a:t>- </a:t>
-            </a:r>
-            <a:r>
-              <a:rPr lang="fr-CA" dirty="0" err="1">
-                <a:solidFill>
-                  <a:schemeClr val="accent6">
-                    <a:lumMod val="60000"/>
-                    <a:lumOff val="40000"/>
-                  </a:schemeClr>
-                </a:solidFill>
-              </a:rPr>
-              <a:t>Returned</a:t>
-            </a:r>
-            <a:r>
-              <a:rPr lang="fr-CA" dirty="0">
-                <a:solidFill>
-                  <a:schemeClr val="accent6">
-                    <a:lumMod val="60000"/>
-                    <a:lumOff val="40000"/>
-                  </a:schemeClr>
-                </a:solidFill>
-              </a:rPr>
-              <a:t> value or expression</a:t>
-            </a:r>
+        </p:txBody>
+      </p:sp>
+      <p:sp>
+        <p:nvSpPr>
+          <p:cNvPr id="12" name="TextBox 11">
+            <a:extLst>
+              <a:ext uri="{FF2B5EF4-FFF2-40B4-BE49-F238E27FC236}">
+                <a16:creationId xmlns:a16="http://schemas.microsoft.com/office/drawing/2014/main" id="{22E33C0B-4FAC-5707-FDB5-C2E6211F7BFB}"/>
+              </a:ext>
+            </a:extLst>
+          </p:cNvPr>
+          <p:cNvSpPr txBox="1"/>
+          <p:nvPr/>
+        </p:nvSpPr>
+        <p:spPr>
+          <a:xfrm>
+            <a:off x="4275999" y="893057"/>
+            <a:ext cx="704039" cy="369332"/>
+          </a:xfrm>
+          <a:prstGeom prst="rect">
+            <a:avLst/>
+          </a:prstGeom>
+          <a:noFill/>
+        </p:spPr>
+        <p:txBody>
+          <a:bodyPr wrap="none" rtlCol="0">
+            <a:spAutoFit/>
+          </a:bodyPr>
+          <a:lstStyle/>
+          <a:p>
+            <a:r>
+              <a:rPr lang="en-US" dirty="0"/>
+              <a:t>Input</a:t>
+            </a:r>
+            <a:endParaRPr lang="fr-CA" dirty="0"/>
+          </a:p>
+        </p:txBody>
+      </p:sp>
+      <p:pic>
+        <p:nvPicPr>
+          <p:cNvPr id="14" name="Graphic 13" descr="Projector screen outline">
+            <a:extLst>
+              <a:ext uri="{FF2B5EF4-FFF2-40B4-BE49-F238E27FC236}">
+                <a16:creationId xmlns:a16="http://schemas.microsoft.com/office/drawing/2014/main" id="{70BDC008-C2F8-5EC9-816A-EEC7DB2A53A4}"/>
+              </a:ext>
+            </a:extLst>
+          </p:cNvPr>
+          <p:cNvPicPr>
+            <a:picLocks noChangeAspect="1"/>
+          </p:cNvPicPr>
+          <p:nvPr/>
+        </p:nvPicPr>
+        <p:blipFill>
+          <a:blip r:embed="rId2">
+            <a:extLst>
+              <a:ext uri="{96DAC541-7B7A-43D3-8B79-37D633B846F1}">
+                <asvg:svgBlip xmlns:asvg="http://schemas.microsoft.com/office/drawing/2016/SVG/main" r:embed="rId3"/>
+              </a:ext>
+            </a:extLst>
+          </a:blip>
+          <a:stretch>
+            <a:fillRect/>
+          </a:stretch>
+        </p:blipFill>
+        <p:spPr>
+          <a:xfrm>
+            <a:off x="7870722" y="878267"/>
+            <a:ext cx="2164817" cy="2164817"/>
+          </a:xfrm>
+          <a:prstGeom prst="rect">
+            <a:avLst/>
+          </a:prstGeom>
+        </p:spPr>
+      </p:pic>
+      <p:pic>
+        <p:nvPicPr>
+          <p:cNvPr id="16" name="Graphic 15" descr="Video camera outline">
+            <a:extLst>
+              <a:ext uri="{FF2B5EF4-FFF2-40B4-BE49-F238E27FC236}">
+                <a16:creationId xmlns:a16="http://schemas.microsoft.com/office/drawing/2014/main" id="{07439A18-90DB-19C6-0C72-457498C9798B}"/>
+              </a:ext>
+            </a:extLst>
+          </p:cNvPr>
+          <p:cNvPicPr>
+            <a:picLocks noChangeAspect="1"/>
+          </p:cNvPicPr>
+          <p:nvPr/>
+        </p:nvPicPr>
+        <p:blipFill>
+          <a:blip r:embed="rId4">
+            <a:extLst>
+              <a:ext uri="{96DAC541-7B7A-43D3-8B79-37D633B846F1}">
+                <asvg:svgBlip xmlns:asvg="http://schemas.microsoft.com/office/drawing/2016/SVG/main" r:embed="rId5"/>
+              </a:ext>
+            </a:extLst>
+          </a:blip>
+          <a:stretch>
+            <a:fillRect/>
+          </a:stretch>
+        </p:blipFill>
+        <p:spPr>
+          <a:xfrm rot="20142262">
+            <a:off x="6760905" y="1960675"/>
+            <a:ext cx="914400" cy="914400"/>
+          </a:xfrm>
+          <a:prstGeom prst="rect">
+            <a:avLst/>
+          </a:prstGeom>
+        </p:spPr>
+      </p:pic>
+      <p:sp>
+        <p:nvSpPr>
+          <p:cNvPr id="17" name="TextBox 16">
+            <a:extLst>
+              <a:ext uri="{FF2B5EF4-FFF2-40B4-BE49-F238E27FC236}">
+                <a16:creationId xmlns:a16="http://schemas.microsoft.com/office/drawing/2014/main" id="{95C21F66-88A0-DE5B-228D-6C3094D80CFE}"/>
+              </a:ext>
+            </a:extLst>
+          </p:cNvPr>
+          <p:cNvSpPr txBox="1"/>
+          <p:nvPr/>
+        </p:nvSpPr>
+        <p:spPr>
+          <a:xfrm>
+            <a:off x="8569851" y="1551444"/>
+            <a:ext cx="766557" cy="523220"/>
+          </a:xfrm>
+          <a:prstGeom prst="rect">
+            <a:avLst/>
+          </a:prstGeom>
+          <a:noFill/>
+        </p:spPr>
+        <p:txBody>
+          <a:bodyPr wrap="none" rtlCol="0">
+            <a:spAutoFit/>
+          </a:bodyPr>
+          <a:lstStyle/>
+          <a:p>
+            <a:r>
+              <a:rPr lang="en-US" sz="2800" i="1" dirty="0" err="1"/>
+              <a:t>abc</a:t>
+            </a:r>
+            <a:endParaRPr lang="fr-CA" i="1" dirty="0"/>
           </a:p>
         </p:txBody>
       </p:sp>
     </p:spTree>
     <p:extLst>
       <p:ext uri="{BB962C8B-B14F-4D97-AF65-F5344CB8AC3E}">
-        <p14:creationId xmlns:p14="http://schemas.microsoft.com/office/powerpoint/2010/main" val="238358604"/>
+        <p14:creationId xmlns:p14="http://schemas.microsoft.com/office/powerpoint/2010/main" val="135137599"/>
       </p:ext>
     </p:extLst>
   </p:cSld>
@@ -6980,7 +7884,7 @@
           <p:cNvPr id="5" name="TextBox 4">
             <a:extLst>
               <a:ext uri="{FF2B5EF4-FFF2-40B4-BE49-F238E27FC236}">
-                <a16:creationId xmlns:a16="http://schemas.microsoft.com/office/drawing/2014/main" id="{7E3F2419-DB6B-1EB8-F2CC-CA1558A3E96B}"/>
+                <a16:creationId xmlns:a16="http://schemas.microsoft.com/office/drawing/2014/main" id="{54859085-5C69-BF82-2CBB-C26528D274C9}"/>
               </a:ext>
             </a:extLst>
           </p:cNvPr>
@@ -6989,8 +7893,8 @@
         </p:nvSpPr>
         <p:spPr>
           <a:xfrm>
-            <a:off x="1696729" y="3044279"/>
-            <a:ext cx="8981430" cy="769441"/>
+            <a:off x="3048000" y="1992088"/>
+            <a:ext cx="6096000" cy="1200329"/>
           </a:xfrm>
           <a:prstGeom prst="rect">
             <a:avLst/>
@@ -7004,77 +7908,125 @@
           <a:lstStyle/>
           <a:p>
             <a:r>
-              <a:rPr lang="fr-CA" sz="4400" dirty="0" err="1">
-                <a:solidFill>
-                  <a:schemeClr val="accent4">
+              <a:rPr lang="fr-CA" dirty="0" err="1"/>
+              <a:t>def</a:t>
+            </a:r>
+            <a:r>
+              <a:rPr lang="fr-CA" dirty="0"/>
+              <a:t> </a:t>
+            </a:r>
+            <a:r>
+              <a:rPr lang="fr-CA" dirty="0" err="1">
+                <a:solidFill>
+                  <a:srgbClr val="FF0000"/>
+                </a:solidFill>
+              </a:rPr>
+              <a:t>sum</a:t>
+            </a:r>
+            <a:r>
+              <a:rPr lang="fr-CA" dirty="0"/>
+              <a:t>(</a:t>
+            </a:r>
+            <a:r>
+              <a:rPr lang="fr-CA" dirty="0">
+                <a:solidFill>
+                  <a:schemeClr val="tx2">
+                    <a:lumMod val="50000"/>
+                    <a:lumOff val="50000"/>
+                  </a:schemeClr>
+                </a:solidFill>
+              </a:rPr>
+              <a:t>num1, num2</a:t>
+            </a:r>
+            <a:r>
+              <a:rPr lang="fr-CA" dirty="0"/>
+              <a:t>)</a:t>
+            </a:r>
+            <a:r>
+              <a:rPr lang="fr-CA" dirty="0">
+                <a:highlight>
+                  <a:srgbClr val="FFFF00"/>
+                </a:highlight>
+              </a:rPr>
+              <a:t>:</a:t>
+            </a:r>
+          </a:p>
+          <a:p>
+            <a:r>
+              <a:rPr lang="fr-CA" dirty="0">
+                <a:highlight>
+                  <a:srgbClr val="FFFF00"/>
+                </a:highlight>
+              </a:rPr>
+              <a:t>	</a:t>
+            </a:r>
+            <a:r>
+              <a:rPr lang="fr-CA" dirty="0">
+                <a:solidFill>
+                  <a:schemeClr val="accent6">
+                    <a:lumMod val="60000"/>
+                    <a:lumOff val="40000"/>
+                  </a:schemeClr>
+                </a:solidFill>
+              </a:rPr>
+              <a:t>value  = num1 + num2</a:t>
+            </a:r>
+            <a:r>
+              <a:rPr lang="fr-CA" dirty="0">
+                <a:highlight>
+                  <a:srgbClr val="FFFF00"/>
+                </a:highlight>
+              </a:rPr>
+              <a:t>	</a:t>
+            </a:r>
+          </a:p>
+          <a:p>
+            <a:r>
+              <a:rPr lang="fr-CA" dirty="0">
+                <a:solidFill>
+                  <a:schemeClr val="accent5">
                     <a:lumMod val="75000"/>
                   </a:schemeClr>
                 </a:solidFill>
-              </a:rPr>
-              <a:t>variable_name</a:t>
-            </a:r>
-            <a:r>
-              <a:rPr lang="fr-CA" sz="4400" dirty="0"/>
-              <a:t>  = </a:t>
-            </a:r>
-            <a:r>
-              <a:rPr lang="fr-CA" sz="4400" dirty="0" err="1">
-                <a:solidFill>
-                  <a:srgbClr val="FF0000"/>
-                </a:solidFill>
-              </a:rPr>
-              <a:t>some_expression</a:t>
-            </a:r>
-            <a:endParaRPr lang="fr-CA" sz="4400" dirty="0">
+                <a:highlight>
+                  <a:srgbClr val="FFFF00"/>
+                </a:highlight>
+              </a:rPr>
+              <a:t>	</a:t>
+            </a:r>
+            <a:r>
+              <a:rPr lang="fr-CA" dirty="0"/>
+              <a:t>return </a:t>
+            </a:r>
+            <a:r>
+              <a:rPr lang="fr-CA" dirty="0">
+                <a:solidFill>
+                  <a:schemeClr val="accent6">
+                    <a:lumMod val="50000"/>
+                  </a:schemeClr>
+                </a:solidFill>
+              </a:rPr>
+              <a:t>value</a:t>
+            </a:r>
+          </a:p>
+          <a:p>
+            <a:endParaRPr lang="fr-CA" dirty="0">
               <a:solidFill>
-                <a:srgbClr val="FF0000"/>
+                <a:schemeClr val="accent6">
+                  <a:lumMod val="60000"/>
+                  <a:lumOff val="40000"/>
+                </a:schemeClr>
               </a:solidFill>
             </a:endParaRPr>
           </a:p>
         </p:txBody>
       </p:sp>
-      <p:sp>
-        <p:nvSpPr>
-          <p:cNvPr id="16" name="TextBox 15">
-            <a:extLst>
-              <a:ext uri="{FF2B5EF4-FFF2-40B4-BE49-F238E27FC236}">
-                <a16:creationId xmlns:a16="http://schemas.microsoft.com/office/drawing/2014/main" id="{4A475B3A-3C45-4390-CF50-D147296916CE}"/>
-              </a:ext>
-            </a:extLst>
-          </p:cNvPr>
-          <p:cNvSpPr txBox="1"/>
-          <p:nvPr/>
-        </p:nvSpPr>
-        <p:spPr>
-          <a:xfrm>
-            <a:off x="4246503" y="2044601"/>
-            <a:ext cx="2947153" cy="461665"/>
-          </a:xfrm>
-          <a:prstGeom prst="rect">
-            <a:avLst/>
-          </a:prstGeom>
-          <a:noFill/>
-        </p:spPr>
-        <p:txBody>
-          <a:bodyPr wrap="none" rtlCol="0">
-            <a:spAutoFit/>
-          </a:bodyPr>
-          <a:lstStyle/>
-          <a:p>
-            <a:r>
-              <a:rPr lang="en-US" sz="2400" dirty="0"/>
-              <a:t>Assignment operator</a:t>
-            </a:r>
-            <a:endParaRPr lang="fr-CA" sz="2400" dirty="0"/>
-          </a:p>
-        </p:txBody>
-      </p:sp>
       <p:cxnSp>
         <p:nvCxnSpPr>
-          <p:cNvPr id="18" name="Straight Arrow Connector 17">
-            <a:extLst>
-              <a:ext uri="{FF2B5EF4-FFF2-40B4-BE49-F238E27FC236}">
-                <a16:creationId xmlns:a16="http://schemas.microsoft.com/office/drawing/2014/main" id="{6F27A056-C01A-3B34-24D7-BF99999C01BA}"/>
+          <p:cNvPr id="7" name="Straight Arrow Connector 6">
+            <a:extLst>
+              <a:ext uri="{FF2B5EF4-FFF2-40B4-BE49-F238E27FC236}">
+                <a16:creationId xmlns:a16="http://schemas.microsoft.com/office/drawing/2014/main" id="{8CD337CE-D1BF-69E8-DB89-12001B324A60}"/>
               </a:ext>
             </a:extLst>
           </p:cNvPr>
@@ -7085,8 +8037,8 @@
         </p:nvCxnSpPr>
         <p:spPr>
           <a:xfrm>
-            <a:off x="5720080" y="2610693"/>
-            <a:ext cx="0" cy="497840"/>
+            <a:off x="4663440" y="1442720"/>
+            <a:ext cx="0" cy="570107"/>
           </a:xfrm>
           <a:prstGeom prst="straightConnector1">
             <a:avLst/>
@@ -7110,104 +8062,12 @@
           </a:fontRef>
         </p:style>
       </p:cxnSp>
-      <p:sp>
-        <p:nvSpPr>
-          <p:cNvPr id="20" name="TextBox 19">
-            <a:extLst>
-              <a:ext uri="{FF2B5EF4-FFF2-40B4-BE49-F238E27FC236}">
-                <a16:creationId xmlns:a16="http://schemas.microsoft.com/office/drawing/2014/main" id="{8E98FF3B-761E-F267-1C5D-60A95B8FB077}"/>
-              </a:ext>
-            </a:extLst>
-          </p:cNvPr>
-          <p:cNvSpPr txBox="1"/>
-          <p:nvPr/>
-        </p:nvSpPr>
-        <p:spPr>
-          <a:xfrm>
-            <a:off x="8147943" y="2663279"/>
-            <a:ext cx="308098" cy="369332"/>
-          </a:xfrm>
-          <a:prstGeom prst="rect">
-            <a:avLst/>
-          </a:prstGeom>
-          <a:noFill/>
-        </p:spPr>
-        <p:txBody>
-          <a:bodyPr wrap="square" rtlCol="0">
-            <a:spAutoFit/>
-          </a:bodyPr>
-          <a:lstStyle/>
-          <a:p>
-            <a:r>
-              <a:rPr lang="en-US" dirty="0">
-                <a:solidFill>
-                  <a:srgbClr val="FF0000"/>
-                </a:solidFill>
-              </a:rPr>
-              <a:t>1</a:t>
-            </a:r>
-            <a:endParaRPr lang="fr-CA" dirty="0">
-              <a:solidFill>
-                <a:srgbClr val="FF0000"/>
-              </a:solidFill>
-            </a:endParaRPr>
-          </a:p>
-        </p:txBody>
-      </p:sp>
-      <p:sp>
-        <p:nvSpPr>
-          <p:cNvPr id="22" name="TextBox 21">
-            <a:extLst>
-              <a:ext uri="{FF2B5EF4-FFF2-40B4-BE49-F238E27FC236}">
-                <a16:creationId xmlns:a16="http://schemas.microsoft.com/office/drawing/2014/main" id="{72C234F4-FA2E-4B9D-3F9C-03457D0D9D09}"/>
-              </a:ext>
-            </a:extLst>
-          </p:cNvPr>
-          <p:cNvSpPr txBox="1"/>
-          <p:nvPr/>
-        </p:nvSpPr>
-        <p:spPr>
-          <a:xfrm>
-            <a:off x="1696729" y="2674947"/>
-            <a:ext cx="308098" cy="369332"/>
-          </a:xfrm>
-          <a:prstGeom prst="rect">
-            <a:avLst/>
-          </a:prstGeom>
-          <a:noFill/>
-        </p:spPr>
-        <p:txBody>
-          <a:bodyPr wrap="square" rtlCol="0">
-            <a:spAutoFit/>
-          </a:bodyPr>
-          <a:lstStyle/>
-          <a:p>
-            <a:r>
-              <a:rPr lang="en-US" dirty="0">
-                <a:solidFill>
-                  <a:schemeClr val="accent4">
-                    <a:lumMod val="75000"/>
-                  </a:schemeClr>
-                </a:solidFill>
-              </a:rPr>
-              <a:t>2</a:t>
-            </a:r>
-            <a:endParaRPr lang="fr-CA" dirty="0">
-              <a:solidFill>
-                <a:schemeClr val="accent4">
-                  <a:lumMod val="75000"/>
-                </a:schemeClr>
-              </a:solidFill>
-            </a:endParaRPr>
-          </a:p>
-        </p:txBody>
-      </p:sp>
       <p:cxnSp>
         <p:nvCxnSpPr>
-          <p:cNvPr id="23" name="Straight Arrow Connector 22">
-            <a:extLst>
-              <a:ext uri="{FF2B5EF4-FFF2-40B4-BE49-F238E27FC236}">
-                <a16:creationId xmlns:a16="http://schemas.microsoft.com/office/drawing/2014/main" id="{9510673C-4BDD-F671-E248-1F982A05FE76}"/>
+          <p:cNvPr id="9" name="Straight Arrow Connector 8">
+            <a:extLst>
+              <a:ext uri="{FF2B5EF4-FFF2-40B4-BE49-F238E27FC236}">
+                <a16:creationId xmlns:a16="http://schemas.microsoft.com/office/drawing/2014/main" id="{166A65E0-D3DB-DDF3-908B-CBA94B47C4D1}"/>
               </a:ext>
             </a:extLst>
           </p:cNvPr>
@@ -7218,16 +8078,13 @@
         </p:nvCxnSpPr>
         <p:spPr>
           <a:xfrm flipH="1">
-            <a:off x="5252720" y="4509215"/>
-            <a:ext cx="843280" cy="0"/>
+            <a:off x="5415280" y="2187832"/>
+            <a:ext cx="365760" cy="0"/>
           </a:xfrm>
           <a:prstGeom prst="straightConnector1">
             <a:avLst/>
           </a:prstGeom>
           <a:ln>
-            <a:solidFill>
-              <a:schemeClr val="tx1"/>
-            </a:solidFill>
             <a:tailEnd type="triangle"/>
           </a:ln>
         </p:spPr>
@@ -7246,12 +8103,217 @@
           </a:fontRef>
         </p:style>
       </p:cxnSp>
-      <p:sp>
-        <p:nvSpPr>
-          <p:cNvPr id="26" name="TextBox 25">
-            <a:extLst>
-              <a:ext uri="{FF2B5EF4-FFF2-40B4-BE49-F238E27FC236}">
-                <a16:creationId xmlns:a16="http://schemas.microsoft.com/office/drawing/2014/main" id="{D6EF8A92-947E-2C47-EF7D-8C126A8E3AED}"/>
+      <p:cxnSp>
+        <p:nvCxnSpPr>
+          <p:cNvPr id="14" name="Straight Arrow Connector 13">
+            <a:extLst>
+              <a:ext uri="{FF2B5EF4-FFF2-40B4-BE49-F238E27FC236}">
+                <a16:creationId xmlns:a16="http://schemas.microsoft.com/office/drawing/2014/main" id="{C5F4CE71-4D09-57A7-D28C-0C0FF3A017BF}"/>
+              </a:ext>
+            </a:extLst>
+          </p:cNvPr>
+          <p:cNvCxnSpPr>
+            <a:cxnSpLocks/>
+          </p:cNvCxnSpPr>
+          <p:nvPr/>
+        </p:nvCxnSpPr>
+        <p:spPr>
+          <a:xfrm>
+            <a:off x="2194560" y="2628483"/>
+            <a:ext cx="589280" cy="0"/>
+          </a:xfrm>
+          <a:prstGeom prst="straightConnector1">
+            <a:avLst/>
+          </a:prstGeom>
+          <a:ln>
+            <a:tailEnd type="triangle"/>
+          </a:ln>
+        </p:spPr>
+        <p:style>
+          <a:lnRef idx="2">
+            <a:schemeClr val="accent1"/>
+          </a:lnRef>
+          <a:fillRef idx="0">
+            <a:schemeClr val="accent1"/>
+          </a:fillRef>
+          <a:effectRef idx="1">
+            <a:schemeClr val="accent1"/>
+          </a:effectRef>
+          <a:fontRef idx="minor">
+            <a:schemeClr val="tx1"/>
+          </a:fontRef>
+        </p:style>
+      </p:cxnSp>
+      <p:cxnSp>
+        <p:nvCxnSpPr>
+          <p:cNvPr id="17" name="Straight Arrow Connector 16">
+            <a:extLst>
+              <a:ext uri="{FF2B5EF4-FFF2-40B4-BE49-F238E27FC236}">
+                <a16:creationId xmlns:a16="http://schemas.microsoft.com/office/drawing/2014/main" id="{B92F8E27-2213-5200-3E5C-8D9441ABA92A}"/>
+              </a:ext>
+            </a:extLst>
+          </p:cNvPr>
+          <p:cNvCxnSpPr>
+            <a:cxnSpLocks/>
+          </p:cNvCxnSpPr>
+          <p:nvPr/>
+        </p:nvCxnSpPr>
+        <p:spPr>
+          <a:xfrm flipH="1">
+            <a:off x="6329680" y="2474594"/>
+            <a:ext cx="894079" cy="0"/>
+          </a:xfrm>
+          <a:prstGeom prst="straightConnector1">
+            <a:avLst/>
+          </a:prstGeom>
+          <a:ln>
+            <a:tailEnd type="triangle"/>
+          </a:ln>
+        </p:spPr>
+        <p:style>
+          <a:lnRef idx="2">
+            <a:schemeClr val="accent1"/>
+          </a:lnRef>
+          <a:fillRef idx="0">
+            <a:schemeClr val="accent1"/>
+          </a:fillRef>
+          <a:effectRef idx="1">
+            <a:schemeClr val="accent1"/>
+          </a:effectRef>
+          <a:fontRef idx="minor">
+            <a:schemeClr val="tx1"/>
+          </a:fontRef>
+        </p:style>
+      </p:cxnSp>
+      <p:cxnSp>
+        <p:nvCxnSpPr>
+          <p:cNvPr id="21" name="Straight Arrow Connector 20">
+            <a:extLst>
+              <a:ext uri="{FF2B5EF4-FFF2-40B4-BE49-F238E27FC236}">
+                <a16:creationId xmlns:a16="http://schemas.microsoft.com/office/drawing/2014/main" id="{C709854C-CC2C-C3E1-3C59-37D162951638}"/>
+              </a:ext>
+            </a:extLst>
+          </p:cNvPr>
+          <p:cNvCxnSpPr>
+            <a:cxnSpLocks/>
+          </p:cNvCxnSpPr>
+          <p:nvPr/>
+        </p:nvCxnSpPr>
+        <p:spPr>
+          <a:xfrm flipV="1">
+            <a:off x="4993641" y="3021637"/>
+            <a:ext cx="0" cy="639958"/>
+          </a:xfrm>
+          <a:prstGeom prst="straightConnector1">
+            <a:avLst/>
+          </a:prstGeom>
+          <a:ln>
+            <a:tailEnd type="triangle"/>
+          </a:ln>
+        </p:spPr>
+        <p:style>
+          <a:lnRef idx="2">
+            <a:schemeClr val="accent1"/>
+          </a:lnRef>
+          <a:fillRef idx="0">
+            <a:schemeClr val="accent1"/>
+          </a:fillRef>
+          <a:effectRef idx="1">
+            <a:schemeClr val="accent1"/>
+          </a:effectRef>
+          <a:fontRef idx="minor">
+            <a:schemeClr val="tx1"/>
+          </a:fontRef>
+        </p:style>
+      </p:cxnSp>
+      <p:cxnSp>
+        <p:nvCxnSpPr>
+          <p:cNvPr id="23" name="Straight Arrow Connector 22">
+            <a:extLst>
+              <a:ext uri="{FF2B5EF4-FFF2-40B4-BE49-F238E27FC236}">
+                <a16:creationId xmlns:a16="http://schemas.microsoft.com/office/drawing/2014/main" id="{21E0BD77-4D3A-F523-F3F1-7B0C8058A9B3}"/>
+              </a:ext>
+            </a:extLst>
+          </p:cNvPr>
+          <p:cNvCxnSpPr>
+            <a:cxnSpLocks/>
+          </p:cNvCxnSpPr>
+          <p:nvPr/>
+        </p:nvCxnSpPr>
+        <p:spPr>
+          <a:xfrm>
+            <a:off x="3296919" y="1442720"/>
+            <a:ext cx="0" cy="570107"/>
+          </a:xfrm>
+          <a:prstGeom prst="straightConnector1">
+            <a:avLst/>
+          </a:prstGeom>
+          <a:ln>
+            <a:tailEnd type="triangle"/>
+          </a:ln>
+        </p:spPr>
+        <p:style>
+          <a:lnRef idx="2">
+            <a:schemeClr val="accent1"/>
+          </a:lnRef>
+          <a:fillRef idx="0">
+            <a:schemeClr val="accent1"/>
+          </a:fillRef>
+          <a:effectRef idx="1">
+            <a:schemeClr val="accent1"/>
+          </a:effectRef>
+          <a:fontRef idx="minor">
+            <a:schemeClr val="tx1"/>
+          </a:fontRef>
+        </p:style>
+      </p:cxnSp>
+      <p:cxnSp>
+        <p:nvCxnSpPr>
+          <p:cNvPr id="25" name="Straight Arrow Connector 24">
+            <a:extLst>
+              <a:ext uri="{FF2B5EF4-FFF2-40B4-BE49-F238E27FC236}">
+                <a16:creationId xmlns:a16="http://schemas.microsoft.com/office/drawing/2014/main" id="{DA30B6B2-630C-685D-0837-C17AD0D3E9B2}"/>
+              </a:ext>
+            </a:extLst>
+          </p:cNvPr>
+          <p:cNvCxnSpPr>
+            <a:cxnSpLocks/>
+          </p:cNvCxnSpPr>
+          <p:nvPr/>
+        </p:nvCxnSpPr>
+        <p:spPr>
+          <a:xfrm flipV="1">
+            <a:off x="4384039" y="3021637"/>
+            <a:ext cx="0" cy="639958"/>
+          </a:xfrm>
+          <a:prstGeom prst="straightConnector1">
+            <a:avLst/>
+          </a:prstGeom>
+          <a:ln>
+            <a:tailEnd type="triangle"/>
+          </a:ln>
+        </p:spPr>
+        <p:style>
+          <a:lnRef idx="2">
+            <a:schemeClr val="accent1"/>
+          </a:lnRef>
+          <a:fillRef idx="0">
+            <a:schemeClr val="accent1"/>
+          </a:fillRef>
+          <a:effectRef idx="1">
+            <a:schemeClr val="accent1"/>
+          </a:effectRef>
+          <a:fontRef idx="minor">
+            <a:schemeClr val="tx1"/>
+          </a:fontRef>
+        </p:style>
+      </p:cxnSp>
+      <p:sp>
+        <p:nvSpPr>
+          <p:cNvPr id="37" name="TextBox 36">
+            <a:extLst>
+              <a:ext uri="{FF2B5EF4-FFF2-40B4-BE49-F238E27FC236}">
+                <a16:creationId xmlns:a16="http://schemas.microsoft.com/office/drawing/2014/main" id="{28EC014F-E7C8-4F5D-8758-23637F6FBE10}"/>
               </a:ext>
             </a:extLst>
           </p:cNvPr>
@@ -7260,8 +8322,8 @@
         </p:nvSpPr>
         <p:spPr>
           <a:xfrm>
-            <a:off x="6187442" y="4183052"/>
-            <a:ext cx="1127756" cy="584775"/>
+            <a:off x="2870199" y="1127198"/>
+            <a:ext cx="929640" cy="315522"/>
           </a:xfrm>
           <a:prstGeom prst="rect">
             <a:avLst/>
@@ -7269,29 +8331,66 @@
           <a:noFill/>
         </p:spPr>
         <p:txBody>
-          <a:bodyPr wrap="square">
+          <a:bodyPr wrap="square" rtlCol="0">
             <a:spAutoFit/>
           </a:bodyPr>
           <a:lstStyle/>
           <a:p>
             <a:r>
-              <a:rPr lang="fr-CA" sz="3200" dirty="0">
-                <a:solidFill>
-                  <a:srgbClr val="FF0000"/>
-                </a:solidFill>
-              </a:rPr>
-              <a:t>right</a:t>
-            </a:r>
-            <a:endParaRPr lang="fr-CA" sz="3200" dirty="0"/>
-          </a:p>
-        </p:txBody>
-      </p:sp>
-      <p:sp>
-        <p:nvSpPr>
-          <p:cNvPr id="28" name="TextBox 27">
-            <a:extLst>
-              <a:ext uri="{FF2B5EF4-FFF2-40B4-BE49-F238E27FC236}">
-                <a16:creationId xmlns:a16="http://schemas.microsoft.com/office/drawing/2014/main" id="{16712AF7-B036-CBB4-4086-5BACA599310F}"/>
+              <a:rPr lang="en-US" sz="1400" dirty="0"/>
+              <a:t>Keyword</a:t>
+            </a:r>
+            <a:endParaRPr lang="fr-CA" sz="1400" dirty="0"/>
+          </a:p>
+        </p:txBody>
+      </p:sp>
+      <p:cxnSp>
+        <p:nvCxnSpPr>
+          <p:cNvPr id="38" name="Straight Arrow Connector 37">
+            <a:extLst>
+              <a:ext uri="{FF2B5EF4-FFF2-40B4-BE49-F238E27FC236}">
+                <a16:creationId xmlns:a16="http://schemas.microsoft.com/office/drawing/2014/main" id="{5BA1D574-4DE9-7B0D-176F-851D8AA4F2E3}"/>
+              </a:ext>
+            </a:extLst>
+          </p:cNvPr>
+          <p:cNvCxnSpPr>
+            <a:cxnSpLocks/>
+          </p:cNvCxnSpPr>
+          <p:nvPr/>
+        </p:nvCxnSpPr>
+        <p:spPr>
+          <a:xfrm>
+            <a:off x="3799839" y="1541907"/>
+            <a:ext cx="0" cy="486412"/>
+          </a:xfrm>
+          <a:prstGeom prst="straightConnector1">
+            <a:avLst/>
+          </a:prstGeom>
+          <a:ln>
+            <a:tailEnd type="triangle"/>
+          </a:ln>
+        </p:spPr>
+        <p:style>
+          <a:lnRef idx="2">
+            <a:schemeClr val="accent1"/>
+          </a:lnRef>
+          <a:fillRef idx="0">
+            <a:schemeClr val="accent1"/>
+          </a:fillRef>
+          <a:effectRef idx="1">
+            <a:schemeClr val="accent1"/>
+          </a:effectRef>
+          <a:fontRef idx="minor">
+            <a:schemeClr val="tx1"/>
+          </a:fontRef>
+        </p:style>
+      </p:cxnSp>
+      <p:sp>
+        <p:nvSpPr>
+          <p:cNvPr id="40" name="TextBox 39">
+            <a:extLst>
+              <a:ext uri="{FF2B5EF4-FFF2-40B4-BE49-F238E27FC236}">
+                <a16:creationId xmlns:a16="http://schemas.microsoft.com/office/drawing/2014/main" id="{AAA53D54-F464-C096-BD2D-3C5C4223DFF1}"/>
               </a:ext>
             </a:extLst>
           </p:cNvPr>
@@ -7300,8 +8399,8 @@
         </p:nvSpPr>
         <p:spPr>
           <a:xfrm>
-            <a:off x="4409440" y="4180184"/>
-            <a:ext cx="843280" cy="584775"/>
+            <a:off x="3581398" y="1045041"/>
+            <a:ext cx="929640" cy="523220"/>
           </a:xfrm>
           <a:prstGeom prst="rect">
             <a:avLst/>
@@ -7309,29 +8408,427 @@
           <a:noFill/>
         </p:spPr>
         <p:txBody>
-          <a:bodyPr wrap="square">
+          <a:bodyPr wrap="square" rtlCol="0">
             <a:spAutoFit/>
           </a:bodyPr>
           <a:lstStyle/>
           <a:p>
             <a:r>
-              <a:rPr lang="fr-CA" sz="3200" dirty="0" err="1">
-                <a:solidFill>
-                  <a:schemeClr val="accent4">
-                    <a:lumMod val="75000"/>
-                  </a:schemeClr>
-                </a:solidFill>
-              </a:rPr>
-              <a:t>left</a:t>
-            </a:r>
-            <a:endParaRPr lang="fr-CA" sz="3200" dirty="0"/>
+              <a:rPr lang="en-US" sz="1400" dirty="0"/>
+              <a:t>Function name</a:t>
+            </a:r>
+            <a:endParaRPr lang="fr-CA" sz="1400" dirty="0"/>
+          </a:p>
+        </p:txBody>
+      </p:sp>
+      <p:sp>
+        <p:nvSpPr>
+          <p:cNvPr id="41" name="TextBox 40">
+            <a:extLst>
+              <a:ext uri="{FF2B5EF4-FFF2-40B4-BE49-F238E27FC236}">
+                <a16:creationId xmlns:a16="http://schemas.microsoft.com/office/drawing/2014/main" id="{679777E2-A2FF-25FF-B278-A054F6CF21DF}"/>
+              </a:ext>
+            </a:extLst>
+          </p:cNvPr>
+          <p:cNvSpPr txBox="1"/>
+          <p:nvPr/>
+        </p:nvSpPr>
+        <p:spPr>
+          <a:xfrm>
+            <a:off x="4330696" y="1035528"/>
+            <a:ext cx="1084584" cy="523220"/>
+          </a:xfrm>
+          <a:prstGeom prst="rect">
+            <a:avLst/>
+          </a:prstGeom>
+          <a:noFill/>
+        </p:spPr>
+        <p:txBody>
+          <a:bodyPr wrap="square" rtlCol="0">
+            <a:spAutoFit/>
+          </a:bodyPr>
+          <a:lstStyle/>
+          <a:p>
+            <a:r>
+              <a:rPr lang="en-US" sz="1400" dirty="0"/>
+              <a:t>(optional)</a:t>
+            </a:r>
+          </a:p>
+          <a:p>
+            <a:r>
+              <a:rPr lang="en-US" sz="1400" dirty="0"/>
+              <a:t>Parameters</a:t>
+            </a:r>
+            <a:endParaRPr lang="fr-CA" sz="1400" dirty="0"/>
+          </a:p>
+        </p:txBody>
+      </p:sp>
+      <p:sp>
+        <p:nvSpPr>
+          <p:cNvPr id="42" name="TextBox 41">
+            <a:extLst>
+              <a:ext uri="{FF2B5EF4-FFF2-40B4-BE49-F238E27FC236}">
+                <a16:creationId xmlns:a16="http://schemas.microsoft.com/office/drawing/2014/main" id="{9CFABB50-3F7B-639F-680F-684FDC7C9E7C}"/>
+              </a:ext>
+            </a:extLst>
+          </p:cNvPr>
+          <p:cNvSpPr txBox="1"/>
+          <p:nvPr/>
+        </p:nvSpPr>
+        <p:spPr>
+          <a:xfrm>
+            <a:off x="977896" y="2474594"/>
+            <a:ext cx="1084584" cy="523220"/>
+          </a:xfrm>
+          <a:prstGeom prst="rect">
+            <a:avLst/>
+          </a:prstGeom>
+          <a:noFill/>
+        </p:spPr>
+        <p:txBody>
+          <a:bodyPr wrap="square" rtlCol="0">
+            <a:spAutoFit/>
+          </a:bodyPr>
+          <a:lstStyle/>
+          <a:p>
+            <a:r>
+              <a:rPr lang="en-US" sz="1400" dirty="0"/>
+              <a:t>Indentation</a:t>
+            </a:r>
+          </a:p>
+          <a:p>
+            <a:r>
+              <a:rPr lang="en-US" sz="1400" dirty="0"/>
+              <a:t>(“TAB”)</a:t>
+            </a:r>
+            <a:endParaRPr lang="fr-CA" sz="1400" dirty="0"/>
+          </a:p>
+        </p:txBody>
+      </p:sp>
+      <p:sp>
+        <p:nvSpPr>
+          <p:cNvPr id="43" name="TextBox 42">
+            <a:extLst>
+              <a:ext uri="{FF2B5EF4-FFF2-40B4-BE49-F238E27FC236}">
+                <a16:creationId xmlns:a16="http://schemas.microsoft.com/office/drawing/2014/main" id="{6789A8F0-7EEC-8E47-1EAA-0ED4EA48CA95}"/>
+              </a:ext>
+            </a:extLst>
+          </p:cNvPr>
+          <p:cNvSpPr txBox="1"/>
+          <p:nvPr/>
+        </p:nvSpPr>
+        <p:spPr>
+          <a:xfrm>
+            <a:off x="5819136" y="2001228"/>
+            <a:ext cx="1084584" cy="307777"/>
+          </a:xfrm>
+          <a:prstGeom prst="rect">
+            <a:avLst/>
+          </a:prstGeom>
+          <a:noFill/>
+        </p:spPr>
+        <p:txBody>
+          <a:bodyPr wrap="square" rtlCol="0">
+            <a:spAutoFit/>
+          </a:bodyPr>
+          <a:lstStyle/>
+          <a:p>
+            <a:r>
+              <a:rPr lang="en-US" sz="1400" dirty="0"/>
+              <a:t>Semi-colon</a:t>
+            </a:r>
+            <a:endParaRPr lang="fr-CA" sz="1400" dirty="0"/>
+          </a:p>
+        </p:txBody>
+      </p:sp>
+      <p:sp>
+        <p:nvSpPr>
+          <p:cNvPr id="45" name="TextBox 44">
+            <a:extLst>
+              <a:ext uri="{FF2B5EF4-FFF2-40B4-BE49-F238E27FC236}">
+                <a16:creationId xmlns:a16="http://schemas.microsoft.com/office/drawing/2014/main" id="{3E595CED-9CFE-A77A-5307-828C5840E440}"/>
+              </a:ext>
+            </a:extLst>
+          </p:cNvPr>
+          <p:cNvSpPr txBox="1"/>
+          <p:nvPr/>
+        </p:nvSpPr>
+        <p:spPr>
+          <a:xfrm>
+            <a:off x="7278370" y="2284475"/>
+            <a:ext cx="1170941" cy="307777"/>
+          </a:xfrm>
+          <a:prstGeom prst="rect">
+            <a:avLst/>
+          </a:prstGeom>
+          <a:noFill/>
+        </p:spPr>
+        <p:txBody>
+          <a:bodyPr wrap="square" rtlCol="0">
+            <a:spAutoFit/>
+          </a:bodyPr>
+          <a:lstStyle/>
+          <a:p>
+            <a:r>
+              <a:rPr lang="en-US" sz="1400" dirty="0"/>
+              <a:t>Expression</a:t>
+            </a:r>
+            <a:endParaRPr lang="fr-CA" sz="1400" dirty="0"/>
+          </a:p>
+        </p:txBody>
+      </p:sp>
+      <p:sp>
+        <p:nvSpPr>
+          <p:cNvPr id="46" name="TextBox 45">
+            <a:extLst>
+              <a:ext uri="{FF2B5EF4-FFF2-40B4-BE49-F238E27FC236}">
+                <a16:creationId xmlns:a16="http://schemas.microsoft.com/office/drawing/2014/main" id="{7A2BFBCF-B1BD-79F0-F263-B501EAB8FE52}"/>
+              </a:ext>
+            </a:extLst>
+          </p:cNvPr>
+          <p:cNvSpPr txBox="1"/>
+          <p:nvPr/>
+        </p:nvSpPr>
+        <p:spPr>
+          <a:xfrm>
+            <a:off x="3173728" y="3739372"/>
+            <a:ext cx="1744980" cy="307777"/>
+          </a:xfrm>
+          <a:prstGeom prst="rect">
+            <a:avLst/>
+          </a:prstGeom>
+          <a:noFill/>
+        </p:spPr>
+        <p:txBody>
+          <a:bodyPr wrap="square" rtlCol="0">
+            <a:spAutoFit/>
+          </a:bodyPr>
+          <a:lstStyle/>
+          <a:p>
+            <a:r>
+              <a:rPr lang="en-US" sz="1400" dirty="0"/>
+              <a:t>(Optional) Keyword</a:t>
+            </a:r>
+            <a:endParaRPr lang="fr-CA" sz="1400" dirty="0"/>
+          </a:p>
+        </p:txBody>
+      </p:sp>
+      <p:sp>
+        <p:nvSpPr>
+          <p:cNvPr id="47" name="TextBox 46">
+            <a:extLst>
+              <a:ext uri="{FF2B5EF4-FFF2-40B4-BE49-F238E27FC236}">
+                <a16:creationId xmlns:a16="http://schemas.microsoft.com/office/drawing/2014/main" id="{9E77A94D-B24C-1858-AC0A-31EFFAD1286B}"/>
+              </a:ext>
+            </a:extLst>
+          </p:cNvPr>
+          <p:cNvSpPr txBox="1"/>
+          <p:nvPr/>
+        </p:nvSpPr>
+        <p:spPr>
+          <a:xfrm>
+            <a:off x="4762500" y="3730881"/>
+            <a:ext cx="1244600" cy="307777"/>
+          </a:xfrm>
+          <a:prstGeom prst="rect">
+            <a:avLst/>
+          </a:prstGeom>
+          <a:noFill/>
+        </p:spPr>
+        <p:txBody>
+          <a:bodyPr wrap="square" rtlCol="0">
+            <a:spAutoFit/>
+          </a:bodyPr>
+          <a:lstStyle/>
+          <a:p>
+            <a:r>
+              <a:rPr lang="en-US" sz="1400" dirty="0"/>
+              <a:t>Return value</a:t>
+            </a:r>
+            <a:endParaRPr lang="fr-CA" sz="1400" dirty="0"/>
+          </a:p>
+        </p:txBody>
+      </p:sp>
+      <p:sp>
+        <p:nvSpPr>
+          <p:cNvPr id="49" name="Left Bracket 48">
+            <a:extLst>
+              <a:ext uri="{FF2B5EF4-FFF2-40B4-BE49-F238E27FC236}">
+                <a16:creationId xmlns:a16="http://schemas.microsoft.com/office/drawing/2014/main" id="{44AFDDAB-F9FF-50FF-C927-6A1AA737F143}"/>
+              </a:ext>
+            </a:extLst>
+          </p:cNvPr>
+          <p:cNvSpPr/>
+          <p:nvPr/>
+        </p:nvSpPr>
+        <p:spPr>
+          <a:xfrm>
+            <a:off x="2994025" y="2309005"/>
+            <a:ext cx="107949" cy="523220"/>
+          </a:xfrm>
+          <a:prstGeom prst="leftBracket">
+            <a:avLst/>
+          </a:prstGeom>
+        </p:spPr>
+        <p:style>
+          <a:lnRef idx="2">
+            <a:schemeClr val="accent1"/>
+          </a:lnRef>
+          <a:fillRef idx="0">
+            <a:schemeClr val="accent1"/>
+          </a:fillRef>
+          <a:effectRef idx="1">
+            <a:schemeClr val="accent1"/>
+          </a:effectRef>
+          <a:fontRef idx="minor">
+            <a:schemeClr val="tx1"/>
+          </a:fontRef>
+        </p:style>
+        <p:txBody>
+          <a:bodyPr rtlCol="0" anchor="ctr"/>
+          <a:lstStyle/>
+          <a:p>
+            <a:pPr algn="ctr"/>
+            <a:endParaRPr lang="fr-CA"/>
+          </a:p>
+        </p:txBody>
+      </p:sp>
+      <p:sp>
+        <p:nvSpPr>
+          <p:cNvPr id="50" name="Left Bracket 49">
+            <a:extLst>
+              <a:ext uri="{FF2B5EF4-FFF2-40B4-BE49-F238E27FC236}">
+                <a16:creationId xmlns:a16="http://schemas.microsoft.com/office/drawing/2014/main" id="{DBE1B940-8254-9C0E-6257-2BEC21F8ACD8}"/>
+              </a:ext>
+            </a:extLst>
+          </p:cNvPr>
+          <p:cNvSpPr/>
+          <p:nvPr/>
+        </p:nvSpPr>
+        <p:spPr>
+          <a:xfrm rot="10800000">
+            <a:off x="6181111" y="2309005"/>
+            <a:ext cx="129521" cy="307778"/>
+          </a:xfrm>
+          <a:prstGeom prst="leftBracket">
+            <a:avLst/>
+          </a:prstGeom>
+        </p:spPr>
+        <p:style>
+          <a:lnRef idx="2">
+            <a:schemeClr val="accent1"/>
+          </a:lnRef>
+          <a:fillRef idx="0">
+            <a:schemeClr val="accent1"/>
+          </a:fillRef>
+          <a:effectRef idx="1">
+            <a:schemeClr val="accent1"/>
+          </a:effectRef>
+          <a:fontRef idx="minor">
+            <a:schemeClr val="tx1"/>
+          </a:fontRef>
+        </p:style>
+        <p:txBody>
+          <a:bodyPr rtlCol="0" anchor="ctr"/>
+          <a:lstStyle/>
+          <a:p>
+            <a:pPr algn="ctr"/>
+            <a:endParaRPr lang="fr-CA"/>
+          </a:p>
+        </p:txBody>
+      </p:sp>
+      <p:sp>
+        <p:nvSpPr>
+          <p:cNvPr id="51" name="Left Bracket 50">
+            <a:extLst>
+              <a:ext uri="{FF2B5EF4-FFF2-40B4-BE49-F238E27FC236}">
+                <a16:creationId xmlns:a16="http://schemas.microsoft.com/office/drawing/2014/main" id="{351527B1-A2A1-DE17-6BC6-9CD95B615FB1}"/>
+              </a:ext>
+            </a:extLst>
+          </p:cNvPr>
+          <p:cNvSpPr/>
+          <p:nvPr/>
+        </p:nvSpPr>
+        <p:spPr>
+          <a:xfrm rot="16200000">
+            <a:off x="4314186" y="2591184"/>
+            <a:ext cx="100512" cy="602211"/>
+          </a:xfrm>
+          <a:prstGeom prst="leftBracket">
+            <a:avLst/>
+          </a:prstGeom>
+        </p:spPr>
+        <p:style>
+          <a:lnRef idx="2">
+            <a:schemeClr val="accent1"/>
+          </a:lnRef>
+          <a:fillRef idx="0">
+            <a:schemeClr val="accent1"/>
+          </a:fillRef>
+          <a:effectRef idx="1">
+            <a:schemeClr val="accent1"/>
+          </a:effectRef>
+          <a:fontRef idx="minor">
+            <a:schemeClr val="tx1"/>
+          </a:fontRef>
+        </p:style>
+        <p:txBody>
+          <a:bodyPr rtlCol="0" anchor="ctr"/>
+          <a:lstStyle/>
+          <a:p>
+            <a:pPr algn="ctr"/>
+            <a:endParaRPr lang="fr-CA"/>
+          </a:p>
+        </p:txBody>
+      </p:sp>
+      <p:sp>
+        <p:nvSpPr>
+          <p:cNvPr id="53" name="Left Bracket 52">
+            <a:extLst>
+              <a:ext uri="{FF2B5EF4-FFF2-40B4-BE49-F238E27FC236}">
+                <a16:creationId xmlns:a16="http://schemas.microsoft.com/office/drawing/2014/main" id="{8683F84B-6C3D-CAE5-58A8-E6ADC8DC67D4}"/>
+              </a:ext>
+            </a:extLst>
+          </p:cNvPr>
+          <p:cNvSpPr/>
+          <p:nvPr/>
+        </p:nvSpPr>
+        <p:spPr>
+          <a:xfrm rot="16200000">
+            <a:off x="4943385" y="2587480"/>
+            <a:ext cx="100512" cy="602211"/>
+          </a:xfrm>
+          <a:prstGeom prst="leftBracket">
+            <a:avLst/>
+          </a:prstGeom>
+        </p:spPr>
+        <p:style>
+          <a:lnRef idx="2">
+            <a:schemeClr val="accent1"/>
+          </a:lnRef>
+          <a:fillRef idx="0">
+            <a:schemeClr val="accent1"/>
+          </a:fillRef>
+          <a:effectRef idx="1">
+            <a:schemeClr val="accent1"/>
+          </a:effectRef>
+          <a:fontRef idx="minor">
+            <a:schemeClr val="tx1"/>
+          </a:fontRef>
+        </p:style>
+        <p:txBody>
+          <a:bodyPr rtlCol="0" anchor="ctr"/>
+          <a:lstStyle/>
+          <a:p>
+            <a:pPr algn="ctr"/>
+            <a:endParaRPr lang="fr-CA"/>
           </a:p>
         </p:txBody>
       </p:sp>
     </p:spTree>
     <p:extLst>
       <p:ext uri="{BB962C8B-B14F-4D97-AF65-F5344CB8AC3E}">
-        <p14:creationId xmlns:p14="http://schemas.microsoft.com/office/powerpoint/2010/main" val="1315956863"/>
+        <p14:creationId xmlns:p14="http://schemas.microsoft.com/office/powerpoint/2010/main" val="4271305742"/>
       </p:ext>
     </p:extLst>
   </p:cSld>

--- a/Images_Youmna.pptx
+++ b/Images_Youmna.pptx
@@ -280,7 +280,7 @@
           <a:p>
             <a:fld id="{0F77A28A-3D95-4505-B6A9-5725374991B4}" type="datetimeFigureOut">
               <a:rPr lang="fr-CA" smtClean="0"/>
-              <a:t>2024-09-10</a:t>
+              <a:t>2024-09-12</a:t>
             </a:fld>
             <a:endParaRPr lang="fr-CA"/>
           </a:p>
@@ -480,7 +480,7 @@
           <a:p>
             <a:fld id="{0F77A28A-3D95-4505-B6A9-5725374991B4}" type="datetimeFigureOut">
               <a:rPr lang="fr-CA" smtClean="0"/>
-              <a:t>2024-09-10</a:t>
+              <a:t>2024-09-12</a:t>
             </a:fld>
             <a:endParaRPr lang="fr-CA"/>
           </a:p>
@@ -690,7 +690,7 @@
           <a:p>
             <a:fld id="{0F77A28A-3D95-4505-B6A9-5725374991B4}" type="datetimeFigureOut">
               <a:rPr lang="fr-CA" smtClean="0"/>
-              <a:t>2024-09-10</a:t>
+              <a:t>2024-09-12</a:t>
             </a:fld>
             <a:endParaRPr lang="fr-CA"/>
           </a:p>
@@ -890,7 +890,7 @@
           <a:p>
             <a:fld id="{0F77A28A-3D95-4505-B6A9-5725374991B4}" type="datetimeFigureOut">
               <a:rPr lang="fr-CA" smtClean="0"/>
-              <a:t>2024-09-10</a:t>
+              <a:t>2024-09-12</a:t>
             </a:fld>
             <a:endParaRPr lang="fr-CA"/>
           </a:p>
@@ -1166,7 +1166,7 @@
           <a:p>
             <a:fld id="{0F77A28A-3D95-4505-B6A9-5725374991B4}" type="datetimeFigureOut">
               <a:rPr lang="fr-CA" smtClean="0"/>
-              <a:t>2024-09-10</a:t>
+              <a:t>2024-09-12</a:t>
             </a:fld>
             <a:endParaRPr lang="fr-CA"/>
           </a:p>
@@ -1434,7 +1434,7 @@
           <a:p>
             <a:fld id="{0F77A28A-3D95-4505-B6A9-5725374991B4}" type="datetimeFigureOut">
               <a:rPr lang="fr-CA" smtClean="0"/>
-              <a:t>2024-09-10</a:t>
+              <a:t>2024-09-12</a:t>
             </a:fld>
             <a:endParaRPr lang="fr-CA"/>
           </a:p>
@@ -1849,7 +1849,7 @@
           <a:p>
             <a:fld id="{0F77A28A-3D95-4505-B6A9-5725374991B4}" type="datetimeFigureOut">
               <a:rPr lang="fr-CA" smtClean="0"/>
-              <a:t>2024-09-10</a:t>
+              <a:t>2024-09-12</a:t>
             </a:fld>
             <a:endParaRPr lang="fr-CA"/>
           </a:p>
@@ -1991,7 +1991,7 @@
           <a:p>
             <a:fld id="{0F77A28A-3D95-4505-B6A9-5725374991B4}" type="datetimeFigureOut">
               <a:rPr lang="fr-CA" smtClean="0"/>
-              <a:t>2024-09-10</a:t>
+              <a:t>2024-09-12</a:t>
             </a:fld>
             <a:endParaRPr lang="fr-CA"/>
           </a:p>
@@ -2104,7 +2104,7 @@
           <a:p>
             <a:fld id="{0F77A28A-3D95-4505-B6A9-5725374991B4}" type="datetimeFigureOut">
               <a:rPr lang="fr-CA" smtClean="0"/>
-              <a:t>2024-09-10</a:t>
+              <a:t>2024-09-12</a:t>
             </a:fld>
             <a:endParaRPr lang="fr-CA"/>
           </a:p>
@@ -2417,7 +2417,7 @@
           <a:p>
             <a:fld id="{0F77A28A-3D95-4505-B6A9-5725374991B4}" type="datetimeFigureOut">
               <a:rPr lang="fr-CA" smtClean="0"/>
-              <a:t>2024-09-10</a:t>
+              <a:t>2024-09-12</a:t>
             </a:fld>
             <a:endParaRPr lang="fr-CA"/>
           </a:p>
@@ -2706,7 +2706,7 @@
           <a:p>
             <a:fld id="{0F77A28A-3D95-4505-B6A9-5725374991B4}" type="datetimeFigureOut">
               <a:rPr lang="fr-CA" smtClean="0"/>
-              <a:t>2024-09-10</a:t>
+              <a:t>2024-09-12</a:t>
             </a:fld>
             <a:endParaRPr lang="fr-CA"/>
           </a:p>
@@ -2949,7 +2949,7 @@
           <a:p>
             <a:fld id="{0F77A28A-3D95-4505-B6A9-5725374991B4}" type="datetimeFigureOut">
               <a:rPr lang="fr-CA" smtClean="0"/>
-              <a:t>2024-09-10</a:t>
+              <a:t>2024-09-12</a:t>
             </a:fld>
             <a:endParaRPr lang="fr-CA"/>
           </a:p>
@@ -3824,8 +3824,8 @@
         </p:nvSpPr>
         <p:spPr>
           <a:xfrm>
-            <a:off x="7973988" y="3136612"/>
-            <a:ext cx="3824722" cy="584775"/>
+            <a:off x="7973987" y="3136612"/>
+            <a:ext cx="3952541" cy="584775"/>
           </a:xfrm>
           <a:prstGeom prst="rect">
             <a:avLst/>
@@ -3843,7 +3843,7 @@
                 <a:latin typeface="Courier New" panose="02070309020205020404" pitchFamily="49" charset="0"/>
                 <a:cs typeface="Courier New" panose="02070309020205020404" pitchFamily="49" charset="0"/>
               </a:rPr>
-              <a:t>f"{pi:&gt;10.7}"</a:t>
+              <a:t>f"{pi:&gt;10.6f}"</a:t>
             </a:r>
           </a:p>
         </p:txBody>
@@ -3863,7 +3863,7 @@
           <p:nvPr>
             <p:extLst>
               <p:ext uri="{D42A27DB-BD31-4B8C-83A1-F6EECF244321}">
-                <p14:modId xmlns:p14="http://schemas.microsoft.com/office/powerpoint/2010/main" val="2429657933"/>
+                <p14:modId xmlns:p14="http://schemas.microsoft.com/office/powerpoint/2010/main" val="609966113"/>
               </p:ext>
             </p:extLst>
           </p:nvPr>
@@ -5291,7 +5291,7 @@
         <p:spPr>
           <a:xfrm>
             <a:off x="8091975" y="4871789"/>
-            <a:ext cx="3706735" cy="584775"/>
+            <a:ext cx="3952541" cy="584775"/>
           </a:xfrm>
           <a:prstGeom prst="rect">
             <a:avLst/>
@@ -5309,7 +5309,7 @@
                 <a:latin typeface="Courier New" panose="02070309020205020404" pitchFamily="49" charset="0"/>
                 <a:cs typeface="Courier New" panose="02070309020205020404" pitchFamily="49" charset="0"/>
               </a:rPr>
-              <a:t>f"{pi:^10.7}"</a:t>
+              <a:t>f"{pi:^10.6f}"</a:t>
             </a:r>
           </a:p>
         </p:txBody>
@@ -5329,7 +5329,7 @@
           <p:nvPr>
             <p:extLst>
               <p:ext uri="{D42A27DB-BD31-4B8C-83A1-F6EECF244321}">
-                <p14:modId xmlns:p14="http://schemas.microsoft.com/office/powerpoint/2010/main" val="1406236081"/>
+                <p14:modId xmlns:p14="http://schemas.microsoft.com/office/powerpoint/2010/main" val="703088568"/>
               </p:ext>
             </p:extLst>
           </p:nvPr>
@@ -6775,7 +6775,7 @@
                 <a:latin typeface="Courier New" panose="02070309020205020404" pitchFamily="49" charset="0"/>
                 <a:cs typeface="Courier New" panose="02070309020205020404" pitchFamily="49" charset="0"/>
               </a:rPr>
-              <a:t>f"{pi:&lt;10.7}"</a:t>
+              <a:t>f"{pi:&lt;10.6f}"</a:t>
             </a:r>
           </a:p>
         </p:txBody>
@@ -6795,7 +6795,7 @@
           <p:nvPr>
             <p:extLst>
               <p:ext uri="{D42A27DB-BD31-4B8C-83A1-F6EECF244321}">
-                <p14:modId xmlns:p14="http://schemas.microsoft.com/office/powerpoint/2010/main" val="3285153405"/>
+                <p14:modId xmlns:p14="http://schemas.microsoft.com/office/powerpoint/2010/main" val="706387085"/>
               </p:ext>
             </p:extLst>
           </p:nvPr>
@@ -14320,7 +14320,7 @@
           <p:nvPr>
             <p:extLst>
               <p:ext uri="{D42A27DB-BD31-4B8C-83A1-F6EECF244321}">
-                <p14:modId xmlns:p14="http://schemas.microsoft.com/office/powerpoint/2010/main" val="3383719210"/>
+                <p14:modId xmlns:p14="http://schemas.microsoft.com/office/powerpoint/2010/main" val="3321140085"/>
               </p:ext>
             </p:extLst>
           </p:nvPr>
@@ -15756,7 +15756,7 @@
         <p:spPr>
           <a:xfrm>
             <a:off x="2498755" y="953418"/>
-            <a:ext cx="3223620" cy="584775"/>
+            <a:ext cx="3223620" cy="1077218"/>
           </a:xfrm>
           <a:prstGeom prst="rect">
             <a:avLst/>
@@ -15774,7 +15774,7 @@
                 <a:latin typeface="Courier New" panose="02070309020205020404" pitchFamily="49" charset="0"/>
                 <a:cs typeface="Courier New" panose="02070309020205020404" pitchFamily="49" charset="0"/>
               </a:rPr>
-              <a:t>f"{pi:10.9}"</a:t>
+              <a:t>f"{pi:10.8f}"</a:t>
             </a:r>
           </a:p>
         </p:txBody>
@@ -15793,8 +15793,8 @@
         </p:nvSpPr>
         <p:spPr>
           <a:xfrm>
-            <a:off x="2595743" y="3755571"/>
-            <a:ext cx="3223620" cy="584775"/>
+            <a:off x="2595742" y="3755571"/>
+            <a:ext cx="3500257" cy="584775"/>
           </a:xfrm>
           <a:prstGeom prst="rect">
             <a:avLst/>
@@ -15812,7 +15812,7 @@
                 <a:latin typeface="Courier New" panose="02070309020205020404" pitchFamily="49" charset="0"/>
                 <a:cs typeface="Courier New" panose="02070309020205020404" pitchFamily="49" charset="0"/>
               </a:rPr>
-              <a:t>f"{pi:10.7}"</a:t>
+              <a:t>f"{pi:10.6f}"</a:t>
             </a:r>
           </a:p>
         </p:txBody>
@@ -15832,7 +15832,7 @@
           <p:nvPr>
             <p:extLst>
               <p:ext uri="{D42A27DB-BD31-4B8C-83A1-F6EECF244321}">
-                <p14:modId xmlns:p14="http://schemas.microsoft.com/office/powerpoint/2010/main" val="1166812510"/>
+                <p14:modId xmlns:p14="http://schemas.microsoft.com/office/powerpoint/2010/main" val="1014428210"/>
               </p:ext>
             </p:extLst>
           </p:nvPr>

--- a/Images_Youmna.pptx
+++ b/Images_Youmna.pptx
@@ -280,7 +280,7 @@
           <a:p>
             <a:fld id="{0F77A28A-3D95-4505-B6A9-5725374991B4}" type="datetimeFigureOut">
               <a:rPr lang="fr-CA" smtClean="0"/>
-              <a:t>2024-09-12</a:t>
+              <a:t>2024-09-18</a:t>
             </a:fld>
             <a:endParaRPr lang="fr-CA"/>
           </a:p>
@@ -480,7 +480,7 @@
           <a:p>
             <a:fld id="{0F77A28A-3D95-4505-B6A9-5725374991B4}" type="datetimeFigureOut">
               <a:rPr lang="fr-CA" smtClean="0"/>
-              <a:t>2024-09-12</a:t>
+              <a:t>2024-09-18</a:t>
             </a:fld>
             <a:endParaRPr lang="fr-CA"/>
           </a:p>
@@ -690,7 +690,7 @@
           <a:p>
             <a:fld id="{0F77A28A-3D95-4505-B6A9-5725374991B4}" type="datetimeFigureOut">
               <a:rPr lang="fr-CA" smtClean="0"/>
-              <a:t>2024-09-12</a:t>
+              <a:t>2024-09-18</a:t>
             </a:fld>
             <a:endParaRPr lang="fr-CA"/>
           </a:p>
@@ -890,7 +890,7 @@
           <a:p>
             <a:fld id="{0F77A28A-3D95-4505-B6A9-5725374991B4}" type="datetimeFigureOut">
               <a:rPr lang="fr-CA" smtClean="0"/>
-              <a:t>2024-09-12</a:t>
+              <a:t>2024-09-18</a:t>
             </a:fld>
             <a:endParaRPr lang="fr-CA"/>
           </a:p>
@@ -1166,7 +1166,7 @@
           <a:p>
             <a:fld id="{0F77A28A-3D95-4505-B6A9-5725374991B4}" type="datetimeFigureOut">
               <a:rPr lang="fr-CA" smtClean="0"/>
-              <a:t>2024-09-12</a:t>
+              <a:t>2024-09-18</a:t>
             </a:fld>
             <a:endParaRPr lang="fr-CA"/>
           </a:p>
@@ -1434,7 +1434,7 @@
           <a:p>
             <a:fld id="{0F77A28A-3D95-4505-B6A9-5725374991B4}" type="datetimeFigureOut">
               <a:rPr lang="fr-CA" smtClean="0"/>
-              <a:t>2024-09-12</a:t>
+              <a:t>2024-09-18</a:t>
             </a:fld>
             <a:endParaRPr lang="fr-CA"/>
           </a:p>
@@ -1849,7 +1849,7 @@
           <a:p>
             <a:fld id="{0F77A28A-3D95-4505-B6A9-5725374991B4}" type="datetimeFigureOut">
               <a:rPr lang="fr-CA" smtClean="0"/>
-              <a:t>2024-09-12</a:t>
+              <a:t>2024-09-18</a:t>
             </a:fld>
             <a:endParaRPr lang="fr-CA"/>
           </a:p>
@@ -1991,7 +1991,7 @@
           <a:p>
             <a:fld id="{0F77A28A-3D95-4505-B6A9-5725374991B4}" type="datetimeFigureOut">
               <a:rPr lang="fr-CA" smtClean="0"/>
-              <a:t>2024-09-12</a:t>
+              <a:t>2024-09-18</a:t>
             </a:fld>
             <a:endParaRPr lang="fr-CA"/>
           </a:p>
@@ -2104,7 +2104,7 @@
           <a:p>
             <a:fld id="{0F77A28A-3D95-4505-B6A9-5725374991B4}" type="datetimeFigureOut">
               <a:rPr lang="fr-CA" smtClean="0"/>
-              <a:t>2024-09-12</a:t>
+              <a:t>2024-09-18</a:t>
             </a:fld>
             <a:endParaRPr lang="fr-CA"/>
           </a:p>
@@ -2417,7 +2417,7 @@
           <a:p>
             <a:fld id="{0F77A28A-3D95-4505-B6A9-5725374991B4}" type="datetimeFigureOut">
               <a:rPr lang="fr-CA" smtClean="0"/>
-              <a:t>2024-09-12</a:t>
+              <a:t>2024-09-18</a:t>
             </a:fld>
             <a:endParaRPr lang="fr-CA"/>
           </a:p>
@@ -2706,7 +2706,7 @@
           <a:p>
             <a:fld id="{0F77A28A-3D95-4505-B6A9-5725374991B4}" type="datetimeFigureOut">
               <a:rPr lang="fr-CA" smtClean="0"/>
-              <a:t>2024-09-12</a:t>
+              <a:t>2024-09-18</a:t>
             </a:fld>
             <a:endParaRPr lang="fr-CA"/>
           </a:p>
@@ -2949,7 +2949,7 @@
           <a:p>
             <a:fld id="{0F77A28A-3D95-4505-B6A9-5725374991B4}" type="datetimeFigureOut">
               <a:rPr lang="fr-CA" smtClean="0"/>
-              <a:t>2024-09-12</a:t>
+              <a:t>2024-09-18</a:t>
             </a:fld>
             <a:endParaRPr lang="fr-CA"/>
           </a:p>
@@ -11860,53 +11860,554 @@
           <a:chExt cx="0" cy="0"/>
         </a:xfrm>
       </p:grpSpPr>
+      <p:pic>
+        <p:nvPicPr>
+          <p:cNvPr id="5" name="Picture 4" descr="A map of islands with trees and boats&#10;&#10;Description automatically generated">
+            <a:extLst>
+              <a:ext uri="{FF2B5EF4-FFF2-40B4-BE49-F238E27FC236}">
+                <a16:creationId xmlns:a16="http://schemas.microsoft.com/office/drawing/2014/main" id="{728470BE-88A7-27D3-F298-485092E6D644}"/>
+              </a:ext>
+            </a:extLst>
+          </p:cNvPr>
+          <p:cNvPicPr>
+            <a:picLocks noChangeAspect="1"/>
+          </p:cNvPicPr>
+          <p:nvPr/>
+        </p:nvPicPr>
+        <p:blipFill>
+          <a:blip r:embed="rId2">
+            <a:extLst>
+              <a:ext uri="{28A0092B-C50C-407E-A947-70E740481C1C}">
+                <a14:useLocalDpi xmlns:a14="http://schemas.microsoft.com/office/drawing/2010/main" val="0"/>
+              </a:ext>
+            </a:extLst>
+          </a:blip>
+          <a:stretch>
+            <a:fillRect/>
+          </a:stretch>
+        </p:blipFill>
+        <p:spPr>
+          <a:xfrm>
+            <a:off x="2667000" y="0"/>
+            <a:ext cx="6858000" cy="6858000"/>
+          </a:xfrm>
+          <a:prstGeom prst="rect">
+            <a:avLst/>
+          </a:prstGeom>
+        </p:spPr>
+      </p:pic>
+      <p:pic>
+        <p:nvPicPr>
+          <p:cNvPr id="1026" name="Picture 2" descr="Cartoon Treasure PNG Transparent Images Free Download ...">
+            <a:extLst>
+              <a:ext uri="{FF2B5EF4-FFF2-40B4-BE49-F238E27FC236}">
+                <a16:creationId xmlns:a16="http://schemas.microsoft.com/office/drawing/2014/main" id="{DD70B9DA-15A4-E7C3-E6B3-A070CFE6D5F4}"/>
+              </a:ext>
+            </a:extLst>
+          </p:cNvPr>
+          <p:cNvPicPr>
+            <a:picLocks noChangeAspect="1" noChangeArrowheads="1"/>
+          </p:cNvPicPr>
+          <p:nvPr/>
+        </p:nvPicPr>
+        <p:blipFill>
+          <a:blip r:embed="rId3">
+            <a:extLst>
+              <a:ext uri="{BEBA8EAE-BF5A-486C-A8C5-ECC9F3942E4B}">
+                <a14:imgProps xmlns:a14="http://schemas.microsoft.com/office/drawing/2010/main">
+                  <a14:imgLayer r:embed="rId4">
+                    <a14:imgEffect>
+                      <a14:backgroundRemoval t="10000" b="90000" l="10000" r="90000">
+                        <a14:foregroundMark x1="59444" y1="87500" x2="61667" y2="86389"/>
+                        <a14:foregroundMark x1="52222" y1="85278" x2="53889" y2="86111"/>
+                      </a14:backgroundRemoval>
+                    </a14:imgEffect>
+                  </a14:imgLayer>
+                </a14:imgProps>
+              </a:ext>
+              <a:ext uri="{28A0092B-C50C-407E-A947-70E740481C1C}">
+                <a14:useLocalDpi xmlns:a14="http://schemas.microsoft.com/office/drawing/2010/main" val="0"/>
+              </a:ext>
+            </a:extLst>
+          </a:blip>
+          <a:srcRect/>
+          <a:stretch>
+            <a:fillRect/>
+          </a:stretch>
+        </p:blipFill>
+        <p:spPr bwMode="auto">
+          <a:xfrm>
+            <a:off x="7114868" y="2133600"/>
+            <a:ext cx="777977" cy="777977"/>
+          </a:xfrm>
+          <a:prstGeom prst="rect">
+            <a:avLst/>
+          </a:prstGeom>
+          <a:noFill/>
+          <a:extLst>
+            <a:ext uri="{909E8E84-426E-40DD-AFC4-6F175D3DCCD1}">
+              <a14:hiddenFill xmlns:a14="http://schemas.microsoft.com/office/drawing/2010/main">
+                <a:solidFill>
+                  <a:srgbClr val="FFFFFF"/>
+                </a:solidFill>
+              </a14:hiddenFill>
+            </a:ext>
+          </a:extLst>
+        </p:spPr>
+      </p:pic>
+      <p:cxnSp>
+        <p:nvCxnSpPr>
+          <p:cNvPr id="7" name="Straight Arrow Connector 6">
+            <a:extLst>
+              <a:ext uri="{FF2B5EF4-FFF2-40B4-BE49-F238E27FC236}">
+                <a16:creationId xmlns:a16="http://schemas.microsoft.com/office/drawing/2014/main" id="{3A1A5517-E2A4-234F-C3E7-D2F019C90B41}"/>
+              </a:ext>
+            </a:extLst>
+          </p:cNvPr>
+          <p:cNvCxnSpPr>
+            <a:cxnSpLocks/>
+            <a:stCxn id="5" idx="1"/>
+            <a:endCxn id="5" idx="3"/>
+          </p:cNvCxnSpPr>
+          <p:nvPr/>
+        </p:nvCxnSpPr>
+        <p:spPr>
+          <a:xfrm>
+            <a:off x="2667000" y="3429000"/>
+            <a:ext cx="6858000" cy="0"/>
+          </a:xfrm>
+          <a:prstGeom prst="straightConnector1">
+            <a:avLst/>
+          </a:prstGeom>
+          <a:ln w="38100">
+            <a:solidFill>
+              <a:srgbClr val="FF0000"/>
+            </a:solidFill>
+            <a:tailEnd type="triangle"/>
+          </a:ln>
+        </p:spPr>
+        <p:style>
+          <a:lnRef idx="2">
+            <a:schemeClr val="accent1"/>
+          </a:lnRef>
+          <a:fillRef idx="0">
+            <a:schemeClr val="accent1"/>
+          </a:fillRef>
+          <a:effectRef idx="1">
+            <a:schemeClr val="accent1"/>
+          </a:effectRef>
+          <a:fontRef idx="minor">
+            <a:schemeClr val="tx1"/>
+          </a:fontRef>
+        </p:style>
+      </p:cxnSp>
+      <p:cxnSp>
+        <p:nvCxnSpPr>
+          <p:cNvPr id="8" name="Straight Arrow Connector 7">
+            <a:extLst>
+              <a:ext uri="{FF2B5EF4-FFF2-40B4-BE49-F238E27FC236}">
+                <a16:creationId xmlns:a16="http://schemas.microsoft.com/office/drawing/2014/main" id="{C8462105-91CE-0A0E-6F5A-2DB94E08B7AB}"/>
+              </a:ext>
+            </a:extLst>
+          </p:cNvPr>
+          <p:cNvCxnSpPr>
+            <a:cxnSpLocks/>
+            <a:stCxn id="5" idx="2"/>
+            <a:endCxn id="5" idx="0"/>
+          </p:cNvCxnSpPr>
+          <p:nvPr/>
+        </p:nvCxnSpPr>
+        <p:spPr>
+          <a:xfrm flipV="1">
+            <a:off x="6096000" y="0"/>
+            <a:ext cx="0" cy="6858000"/>
+          </a:xfrm>
+          <a:prstGeom prst="straightConnector1">
+            <a:avLst/>
+          </a:prstGeom>
+          <a:ln w="38100">
+            <a:solidFill>
+              <a:srgbClr val="FF0000"/>
+            </a:solidFill>
+            <a:tailEnd type="triangle"/>
+          </a:ln>
+        </p:spPr>
+        <p:style>
+          <a:lnRef idx="2">
+            <a:schemeClr val="accent1"/>
+          </a:lnRef>
+          <a:fillRef idx="0">
+            <a:schemeClr val="accent1"/>
+          </a:fillRef>
+          <a:effectRef idx="1">
+            <a:schemeClr val="accent1"/>
+          </a:effectRef>
+          <a:fontRef idx="minor">
+            <a:schemeClr val="tx1"/>
+          </a:fontRef>
+        </p:style>
+      </p:cxnSp>
       <p:sp>
         <p:nvSpPr>
-          <p:cNvPr id="2" name="Title 1">
-            <a:extLst>
-              <a:ext uri="{FF2B5EF4-FFF2-40B4-BE49-F238E27FC236}">
-                <a16:creationId xmlns:a16="http://schemas.microsoft.com/office/drawing/2014/main" id="{B7E62CEE-0967-2306-9F0A-527533969548}"/>
-              </a:ext>
-            </a:extLst>
-          </p:cNvPr>
-          <p:cNvSpPr>
-            <a:spLocks noGrp="1"/>
-          </p:cNvSpPr>
-          <p:nvPr>
-            <p:ph type="title"/>
-          </p:nvPr>
+          <p:cNvPr id="17" name="TextBox 16">
+            <a:extLst>
+              <a:ext uri="{FF2B5EF4-FFF2-40B4-BE49-F238E27FC236}">
+                <a16:creationId xmlns:a16="http://schemas.microsoft.com/office/drawing/2014/main" id="{4EEE4C72-CBCC-46DD-B87F-5B1A30CCAC07}"/>
+              </a:ext>
+            </a:extLst>
+          </p:cNvPr>
+          <p:cNvSpPr txBox="1"/>
+          <p:nvPr/>
         </p:nvSpPr>
-        <p:spPr/>
+        <p:spPr>
+          <a:xfrm>
+            <a:off x="9083614" y="3378200"/>
+            <a:ext cx="343364" cy="523220"/>
+          </a:xfrm>
+          <a:prstGeom prst="rect">
+            <a:avLst/>
+          </a:prstGeom>
+          <a:noFill/>
+        </p:spPr>
         <p:txBody>
-          <a:bodyPr/>
+          <a:bodyPr wrap="none" rtlCol="0">
+            <a:spAutoFit/>
+          </a:bodyPr>
           <a:lstStyle/>
           <a:p>
-            <a:endParaRPr lang="fr-CA"/>
+            <a:r>
+              <a:rPr lang="en-US" sz="2800" dirty="0">
+                <a:solidFill>
+                  <a:srgbClr val="FF0000"/>
+                </a:solidFill>
+              </a:rPr>
+              <a:t>x</a:t>
+            </a:r>
+            <a:endParaRPr lang="fr-CA" sz="2800" dirty="0">
+              <a:solidFill>
+                <a:srgbClr val="FF0000"/>
+              </a:solidFill>
+            </a:endParaRPr>
           </a:p>
         </p:txBody>
       </p:sp>
       <p:sp>
         <p:nvSpPr>
-          <p:cNvPr id="3" name="Content Placeholder 2">
-            <a:extLst>
-              <a:ext uri="{FF2B5EF4-FFF2-40B4-BE49-F238E27FC236}">
-                <a16:creationId xmlns:a16="http://schemas.microsoft.com/office/drawing/2014/main" id="{F6A65CBA-F56C-7CD4-7785-890743F1FE45}"/>
-              </a:ext>
-            </a:extLst>
-          </p:cNvPr>
-          <p:cNvSpPr>
-            <a:spLocks noGrp="1"/>
-          </p:cNvSpPr>
-          <p:nvPr>
-            <p:ph idx="1"/>
-          </p:nvPr>
+          <p:cNvPr id="18" name="TextBox 17">
+            <a:extLst>
+              <a:ext uri="{FF2B5EF4-FFF2-40B4-BE49-F238E27FC236}">
+                <a16:creationId xmlns:a16="http://schemas.microsoft.com/office/drawing/2014/main" id="{2649B190-C551-0DE0-CBAE-0966BE781F3F}"/>
+              </a:ext>
+            </a:extLst>
+          </p:cNvPr>
+          <p:cNvSpPr txBox="1"/>
+          <p:nvPr/>
         </p:nvSpPr>
-        <p:spPr/>
+        <p:spPr>
+          <a:xfrm>
+            <a:off x="5678976" y="370103"/>
+            <a:ext cx="343364" cy="523220"/>
+          </a:xfrm>
+          <a:prstGeom prst="rect">
+            <a:avLst/>
+          </a:prstGeom>
+          <a:noFill/>
+        </p:spPr>
         <p:txBody>
-          <a:bodyPr/>
+          <a:bodyPr wrap="none" rtlCol="0">
+            <a:spAutoFit/>
+          </a:bodyPr>
           <a:lstStyle/>
           <a:p>
-            <a:endParaRPr lang="fr-CA"/>
+            <a:r>
+              <a:rPr lang="en-US" sz="2800" dirty="0">
+                <a:solidFill>
+                  <a:srgbClr val="FF0000"/>
+                </a:solidFill>
+              </a:rPr>
+              <a:t>y</a:t>
+            </a:r>
+            <a:endParaRPr lang="fr-CA" sz="2800" dirty="0">
+              <a:solidFill>
+                <a:srgbClr val="FF0000"/>
+              </a:solidFill>
+            </a:endParaRPr>
+          </a:p>
+        </p:txBody>
+      </p:sp>
+      <p:pic>
+        <p:nvPicPr>
+          <p:cNvPr id="1028" name="Picture 4" descr="Pirate PNG png images | PNGEgg">
+            <a:extLst>
+              <a:ext uri="{FF2B5EF4-FFF2-40B4-BE49-F238E27FC236}">
+                <a16:creationId xmlns:a16="http://schemas.microsoft.com/office/drawing/2014/main" id="{91DB5E77-E350-61B1-EBCB-AC000D4E1179}"/>
+              </a:ext>
+            </a:extLst>
+          </p:cNvPr>
+          <p:cNvPicPr>
+            <a:picLocks noChangeAspect="1" noChangeArrowheads="1"/>
+          </p:cNvPicPr>
+          <p:nvPr/>
+        </p:nvPicPr>
+        <p:blipFill>
+          <a:blip r:embed="rId5">
+            <a:extLst>
+              <a:ext uri="{BEBA8EAE-BF5A-486C-A8C5-ECC9F3942E4B}">
+                <a14:imgProps xmlns:a14="http://schemas.microsoft.com/office/drawing/2010/main">
+                  <a14:imgLayer r:embed="rId6">
+                    <a14:imgEffect>
+                      <a14:backgroundRemoval t="10000" b="90000" l="10000" r="90000">
+                        <a14:foregroundMark x1="80747" y1="52586" x2="80460" y2="53161"/>
+                        <a14:foregroundMark x1="80747" y1="52299" x2="83621" y2="54310"/>
+                        <a14:foregroundMark x1="83333" y1="52011" x2="82759" y2="48276"/>
+                        <a14:foregroundMark x1="83908" y1="56609" x2="86207" y2="59770"/>
+                        <a14:foregroundMark x1="77874" y1="56897" x2="72989" y2="57759"/>
+                        <a14:foregroundMark x1="76149" y1="79598" x2="77874" y2="82471"/>
+                        <a14:foregroundMark x1="79023" y1="87069" x2="82471" y2="89368"/>
+                      </a14:backgroundRemoval>
+                    </a14:imgEffect>
+                  </a14:imgLayer>
+                </a14:imgProps>
+              </a:ext>
+              <a:ext uri="{28A0092B-C50C-407E-A947-70E740481C1C}">
+                <a14:useLocalDpi xmlns:a14="http://schemas.microsoft.com/office/drawing/2010/main" val="0"/>
+              </a:ext>
+            </a:extLst>
+          </a:blip>
+          <a:srcRect/>
+          <a:stretch>
+            <a:fillRect/>
+          </a:stretch>
+        </p:blipFill>
+        <p:spPr bwMode="auto">
+          <a:xfrm>
+            <a:off x="7425690" y="4379062"/>
+            <a:ext cx="1259738" cy="1259738"/>
+          </a:xfrm>
+          <a:prstGeom prst="rect">
+            <a:avLst/>
+          </a:prstGeom>
+          <a:noFill/>
+          <a:extLst>
+            <a:ext uri="{909E8E84-426E-40DD-AFC4-6F175D3DCCD1}">
+              <a14:hiddenFill xmlns:a14="http://schemas.microsoft.com/office/drawing/2010/main">
+                <a:solidFill>
+                  <a:srgbClr val="FFFFFF"/>
+                </a:solidFill>
+              </a14:hiddenFill>
+            </a:ext>
+          </a:extLst>
+        </p:spPr>
+      </p:pic>
+      <p:pic>
+        <p:nvPicPr>
+          <p:cNvPr id="24" name="Graphic 23" descr="Map compass with solid fill">
+            <a:extLst>
+              <a:ext uri="{FF2B5EF4-FFF2-40B4-BE49-F238E27FC236}">
+                <a16:creationId xmlns:a16="http://schemas.microsoft.com/office/drawing/2014/main" id="{B6F454CA-559A-F6CA-6CC8-123FABB11870}"/>
+              </a:ext>
+            </a:extLst>
+          </p:cNvPr>
+          <p:cNvPicPr>
+            <a:picLocks noChangeAspect="1"/>
+          </p:cNvPicPr>
+          <p:nvPr/>
+        </p:nvPicPr>
+        <p:blipFill>
+          <a:blip r:embed="rId7">
+            <a:extLst>
+              <a:ext uri="{96DAC541-7B7A-43D3-8B79-37D633B846F1}">
+                <asvg:svgBlip xmlns:asvg="http://schemas.microsoft.com/office/drawing/2016/SVG/main" r:embed="rId8"/>
+              </a:ext>
+            </a:extLst>
+          </a:blip>
+          <a:stretch>
+            <a:fillRect/>
+          </a:stretch>
+        </p:blipFill>
+        <p:spPr>
+          <a:xfrm>
+            <a:off x="3288115" y="5351392"/>
+            <a:ext cx="1226571" cy="1226571"/>
+          </a:xfrm>
+          <a:prstGeom prst="rect">
+            <a:avLst/>
+          </a:prstGeom>
+        </p:spPr>
+      </p:pic>
+      <p:sp>
+        <p:nvSpPr>
+          <p:cNvPr id="31" name="TextBox 30">
+            <a:extLst>
+              <a:ext uri="{FF2B5EF4-FFF2-40B4-BE49-F238E27FC236}">
+                <a16:creationId xmlns:a16="http://schemas.microsoft.com/office/drawing/2014/main" id="{EB5C203E-147B-2EB1-E58B-2C2C1A2225C3}"/>
+              </a:ext>
+            </a:extLst>
+          </p:cNvPr>
+          <p:cNvSpPr txBox="1"/>
+          <p:nvPr/>
+        </p:nvSpPr>
+        <p:spPr>
+          <a:xfrm>
+            <a:off x="3678153" y="4979912"/>
+            <a:ext cx="407484" cy="461665"/>
+          </a:xfrm>
+          <a:prstGeom prst="rect">
+            <a:avLst/>
+          </a:prstGeom>
+          <a:noFill/>
+        </p:spPr>
+        <p:txBody>
+          <a:bodyPr wrap="none" rtlCol="0">
+            <a:spAutoFit/>
+          </a:bodyPr>
+          <a:lstStyle/>
+          <a:p>
+            <a:r>
+              <a:rPr lang="en-US" sz="2400" b="1" dirty="0">
+                <a:solidFill>
+                  <a:srgbClr val="DB5C5C"/>
+                </a:solidFill>
+              </a:rPr>
+              <a:t>N</a:t>
+            </a:r>
+            <a:endParaRPr lang="fr-CA" sz="2400" b="1" dirty="0">
+              <a:solidFill>
+                <a:srgbClr val="DB5C5C"/>
+              </a:solidFill>
+            </a:endParaRPr>
+          </a:p>
+        </p:txBody>
+      </p:sp>
+      <p:sp>
+        <p:nvSpPr>
+          <p:cNvPr id="32" name="TextBox 31">
+            <a:extLst>
+              <a:ext uri="{FF2B5EF4-FFF2-40B4-BE49-F238E27FC236}">
+                <a16:creationId xmlns:a16="http://schemas.microsoft.com/office/drawing/2014/main" id="{91E6FA8E-95E5-AD23-EAEA-7780411EFC74}"/>
+              </a:ext>
+            </a:extLst>
+          </p:cNvPr>
+          <p:cNvSpPr txBox="1"/>
+          <p:nvPr/>
+        </p:nvSpPr>
+        <p:spPr>
+          <a:xfrm>
+            <a:off x="4431878" y="5780011"/>
+            <a:ext cx="360996" cy="461665"/>
+          </a:xfrm>
+          <a:prstGeom prst="rect">
+            <a:avLst/>
+          </a:prstGeom>
+          <a:noFill/>
+        </p:spPr>
+        <p:txBody>
+          <a:bodyPr wrap="none" rtlCol="0">
+            <a:spAutoFit/>
+          </a:bodyPr>
+          <a:lstStyle/>
+          <a:p>
+            <a:r>
+              <a:rPr lang="en-US" sz="2400" b="1" dirty="0">
+                <a:solidFill>
+                  <a:srgbClr val="DB5C5C"/>
+                </a:solidFill>
+              </a:rPr>
+              <a:t>E</a:t>
+            </a:r>
+            <a:endParaRPr lang="fr-CA" sz="2400" b="1" dirty="0">
+              <a:solidFill>
+                <a:srgbClr val="DB5C5C"/>
+              </a:solidFill>
+            </a:endParaRPr>
+          </a:p>
+        </p:txBody>
+      </p:sp>
+      <p:sp>
+        <p:nvSpPr>
+          <p:cNvPr id="33" name="TextBox 32">
+            <a:extLst>
+              <a:ext uri="{FF2B5EF4-FFF2-40B4-BE49-F238E27FC236}">
+                <a16:creationId xmlns:a16="http://schemas.microsoft.com/office/drawing/2014/main" id="{E482A136-9AAA-E97C-B639-312D3D08960B}"/>
+              </a:ext>
+            </a:extLst>
+          </p:cNvPr>
+          <p:cNvSpPr txBox="1"/>
+          <p:nvPr/>
+        </p:nvSpPr>
+        <p:spPr>
+          <a:xfrm>
+            <a:off x="3752748" y="6438370"/>
+            <a:ext cx="369012" cy="461665"/>
+          </a:xfrm>
+          <a:prstGeom prst="rect">
+            <a:avLst/>
+          </a:prstGeom>
+          <a:noFill/>
+        </p:spPr>
+        <p:txBody>
+          <a:bodyPr wrap="none" rtlCol="0">
+            <a:spAutoFit/>
+          </a:bodyPr>
+          <a:lstStyle/>
+          <a:p>
+            <a:r>
+              <a:rPr lang="en-US" sz="2400" b="1" dirty="0">
+                <a:solidFill>
+                  <a:srgbClr val="DB5C5C"/>
+                </a:solidFill>
+              </a:rPr>
+              <a:t>S</a:t>
+            </a:r>
+            <a:endParaRPr lang="fr-CA" sz="2400" b="1" dirty="0">
+              <a:solidFill>
+                <a:srgbClr val="DB5C5C"/>
+              </a:solidFill>
+            </a:endParaRPr>
+          </a:p>
+        </p:txBody>
+      </p:sp>
+      <p:sp>
+        <p:nvSpPr>
+          <p:cNvPr id="34" name="TextBox 33">
+            <a:extLst>
+              <a:ext uri="{FF2B5EF4-FFF2-40B4-BE49-F238E27FC236}">
+                <a16:creationId xmlns:a16="http://schemas.microsoft.com/office/drawing/2014/main" id="{1596FA7B-FB76-D099-0547-361ED351D79A}"/>
+              </a:ext>
+            </a:extLst>
+          </p:cNvPr>
+          <p:cNvSpPr txBox="1"/>
+          <p:nvPr/>
+        </p:nvSpPr>
+        <p:spPr>
+          <a:xfrm>
+            <a:off x="2990744" y="5774692"/>
+            <a:ext cx="474810" cy="461665"/>
+          </a:xfrm>
+          <a:prstGeom prst="rect">
+            <a:avLst/>
+          </a:prstGeom>
+          <a:noFill/>
+        </p:spPr>
+        <p:txBody>
+          <a:bodyPr wrap="none" rtlCol="0">
+            <a:spAutoFit/>
+          </a:bodyPr>
+          <a:lstStyle/>
+          <a:p>
+            <a:r>
+              <a:rPr lang="en-US" sz="2400" b="1" dirty="0">
+                <a:solidFill>
+                  <a:srgbClr val="DB5C5C"/>
+                </a:solidFill>
+              </a:rPr>
+              <a:t>W</a:t>
+            </a:r>
+            <a:endParaRPr lang="fr-CA" sz="2400" b="1" dirty="0">
+              <a:solidFill>
+                <a:srgbClr val="DB5C5C"/>
+              </a:solidFill>
+            </a:endParaRPr>
           </a:p>
         </p:txBody>
       </p:sp>
@@ -11942,54 +12443,963 @@
       </p:grpSpPr>
       <p:sp>
         <p:nvSpPr>
-          <p:cNvPr id="2" name="Title 1">
-            <a:extLst>
-              <a:ext uri="{FF2B5EF4-FFF2-40B4-BE49-F238E27FC236}">
-                <a16:creationId xmlns:a16="http://schemas.microsoft.com/office/drawing/2014/main" id="{3C802849-D601-A166-B136-076FF182E584}"/>
-              </a:ext>
-            </a:extLst>
-          </p:cNvPr>
-          <p:cNvSpPr>
-            <a:spLocks noGrp="1"/>
-          </p:cNvSpPr>
-          <p:nvPr>
-            <p:ph type="title"/>
-          </p:nvPr>
+          <p:cNvPr id="23" name="Rectangle 22">
+            <a:extLst>
+              <a:ext uri="{FF2B5EF4-FFF2-40B4-BE49-F238E27FC236}">
+                <a16:creationId xmlns:a16="http://schemas.microsoft.com/office/drawing/2014/main" id="{95DAF9CC-5536-E221-6B06-A3D52E56D09B}"/>
+              </a:ext>
+            </a:extLst>
+          </p:cNvPr>
+          <p:cNvSpPr/>
+          <p:nvPr/>
         </p:nvSpPr>
-        <p:spPr/>
+        <p:spPr>
+          <a:xfrm>
+            <a:off x="5455060" y="4655573"/>
+            <a:ext cx="255639" cy="265471"/>
+          </a:xfrm>
+          <a:prstGeom prst="rect">
+            <a:avLst/>
+          </a:prstGeom>
+        </p:spPr>
+        <p:style>
+          <a:lnRef idx="2">
+            <a:schemeClr val="dk1">
+              <a:shade val="15000"/>
+            </a:schemeClr>
+          </a:lnRef>
+          <a:fillRef idx="1">
+            <a:schemeClr val="dk1"/>
+          </a:fillRef>
+          <a:effectRef idx="0">
+            <a:schemeClr val="dk1"/>
+          </a:effectRef>
+          <a:fontRef idx="minor">
+            <a:schemeClr val="lt1"/>
+          </a:fontRef>
+        </p:style>
         <p:txBody>
-          <a:bodyPr/>
+          <a:bodyPr rtlCol="0" anchor="ctr"/>
           <a:lstStyle/>
           <a:p>
+            <a:pPr algn="ctr"/>
             <a:endParaRPr lang="fr-CA"/>
           </a:p>
         </p:txBody>
       </p:sp>
+      <p:pic>
+        <p:nvPicPr>
+          <p:cNvPr id="5" name="Picture 2" descr="Cartoon Treasure PNG Transparent Images Free Download ...">
+            <a:extLst>
+              <a:ext uri="{FF2B5EF4-FFF2-40B4-BE49-F238E27FC236}">
+                <a16:creationId xmlns:a16="http://schemas.microsoft.com/office/drawing/2014/main" id="{5C6B4C0A-D4AE-A639-CDC7-17A18E366E9C}"/>
+              </a:ext>
+            </a:extLst>
+          </p:cNvPr>
+          <p:cNvPicPr>
+            <a:picLocks noChangeAspect="1" noChangeArrowheads="1"/>
+          </p:cNvPicPr>
+          <p:nvPr/>
+        </p:nvPicPr>
+        <p:blipFill>
+          <a:blip r:embed="rId2">
+            <a:alphaModFix amt="50000"/>
+            <a:extLst>
+              <a:ext uri="{BEBA8EAE-BF5A-486C-A8C5-ECC9F3942E4B}">
+                <a14:imgProps xmlns:a14="http://schemas.microsoft.com/office/drawing/2010/main">
+                  <a14:imgLayer r:embed="rId3">
+                    <a14:imgEffect>
+                      <a14:backgroundRemoval t="10000" b="90000" l="10000" r="90000">
+                        <a14:foregroundMark x1="59444" y1="87500" x2="61667" y2="86389"/>
+                        <a14:foregroundMark x1="52222" y1="85278" x2="53889" y2="86111"/>
+                      </a14:backgroundRemoval>
+                    </a14:imgEffect>
+                  </a14:imgLayer>
+                </a14:imgProps>
+              </a:ext>
+              <a:ext uri="{28A0092B-C50C-407E-A947-70E740481C1C}">
+                <a14:useLocalDpi xmlns:a14="http://schemas.microsoft.com/office/drawing/2010/main" val="0"/>
+              </a:ext>
+            </a:extLst>
+          </a:blip>
+          <a:srcRect/>
+          <a:stretch>
+            <a:fillRect/>
+          </a:stretch>
+        </p:blipFill>
+        <p:spPr bwMode="auto">
+          <a:xfrm>
+            <a:off x="4660491" y="593187"/>
+            <a:ext cx="1570703" cy="1570703"/>
+          </a:xfrm>
+          <a:prstGeom prst="rect">
+            <a:avLst/>
+          </a:prstGeom>
+          <a:noFill/>
+          <a:extLst>
+            <a:ext uri="{909E8E84-426E-40DD-AFC4-6F175D3DCCD1}">
+              <a14:hiddenFill xmlns:a14="http://schemas.microsoft.com/office/drawing/2010/main">
+                <a:solidFill>
+                  <a:srgbClr val="FFFFFF"/>
+                </a:solidFill>
+              </a14:hiddenFill>
+            </a:ext>
+          </a:extLst>
+        </p:spPr>
+      </p:pic>
+      <p:pic>
+        <p:nvPicPr>
+          <p:cNvPr id="6" name="Picture 4" descr="Pirate PNG png images | PNGEgg">
+            <a:extLst>
+              <a:ext uri="{FF2B5EF4-FFF2-40B4-BE49-F238E27FC236}">
+                <a16:creationId xmlns:a16="http://schemas.microsoft.com/office/drawing/2014/main" id="{286B8807-2300-109A-F3F3-50C1B7122B0B}"/>
+              </a:ext>
+            </a:extLst>
+          </p:cNvPr>
+          <p:cNvPicPr>
+            <a:picLocks noChangeAspect="1" noChangeArrowheads="1"/>
+          </p:cNvPicPr>
+          <p:nvPr/>
+        </p:nvPicPr>
+        <p:blipFill>
+          <a:blip r:embed="rId4">
+            <a:alphaModFix amt="35000"/>
+            <a:extLst>
+              <a:ext uri="{BEBA8EAE-BF5A-486C-A8C5-ECC9F3942E4B}">
+                <a14:imgProps xmlns:a14="http://schemas.microsoft.com/office/drawing/2010/main">
+                  <a14:imgLayer r:embed="rId5">
+                    <a14:imgEffect>
+                      <a14:backgroundRemoval t="10000" b="90000" l="10000" r="90000">
+                        <a14:foregroundMark x1="80747" y1="52586" x2="80460" y2="53161"/>
+                        <a14:foregroundMark x1="80747" y1="52299" x2="83621" y2="54310"/>
+                        <a14:foregroundMark x1="83333" y1="52011" x2="82759" y2="48276"/>
+                        <a14:foregroundMark x1="83908" y1="56609" x2="86207" y2="59770"/>
+                        <a14:foregroundMark x1="77874" y1="56897" x2="72989" y2="57759"/>
+                        <a14:foregroundMark x1="76149" y1="79598" x2="77874" y2="82471"/>
+                        <a14:foregroundMark x1="79023" y1="87069" x2="82471" y2="89368"/>
+                      </a14:backgroundRemoval>
+                    </a14:imgEffect>
+                  </a14:imgLayer>
+                </a14:imgProps>
+              </a:ext>
+              <a:ext uri="{28A0092B-C50C-407E-A947-70E740481C1C}">
+                <a14:useLocalDpi xmlns:a14="http://schemas.microsoft.com/office/drawing/2010/main" val="0"/>
+              </a:ext>
+            </a:extLst>
+          </a:blip>
+          <a:srcRect/>
+          <a:stretch>
+            <a:fillRect/>
+          </a:stretch>
+        </p:blipFill>
+        <p:spPr bwMode="auto">
+          <a:xfrm flipH="1">
+            <a:off x="7697375" y="3839061"/>
+            <a:ext cx="1821427" cy="1827624"/>
+          </a:xfrm>
+          <a:prstGeom prst="rect">
+            <a:avLst/>
+          </a:prstGeom>
+          <a:noFill/>
+          <a:extLst>
+            <a:ext uri="{909E8E84-426E-40DD-AFC4-6F175D3DCCD1}">
+              <a14:hiddenFill xmlns:a14="http://schemas.microsoft.com/office/drawing/2010/main">
+                <a:solidFill>
+                  <a:srgbClr val="FFFFFF"/>
+                </a:solidFill>
+              </a14:hiddenFill>
+            </a:ext>
+          </a:extLst>
+        </p:spPr>
+      </p:pic>
+      <p:cxnSp>
+        <p:nvCxnSpPr>
+          <p:cNvPr id="8" name="Straight Arrow Connector 7">
+            <a:extLst>
+              <a:ext uri="{FF2B5EF4-FFF2-40B4-BE49-F238E27FC236}">
+                <a16:creationId xmlns:a16="http://schemas.microsoft.com/office/drawing/2014/main" id="{B0EFDBB3-D020-23B1-B8E0-50DB0EE505A5}"/>
+              </a:ext>
+            </a:extLst>
+          </p:cNvPr>
+          <p:cNvCxnSpPr>
+            <a:cxnSpLocks/>
+          </p:cNvCxnSpPr>
+          <p:nvPr/>
+        </p:nvCxnSpPr>
+        <p:spPr>
+          <a:xfrm>
+            <a:off x="5445842" y="1432357"/>
+            <a:ext cx="3285204" cy="3464108"/>
+          </a:xfrm>
+          <a:prstGeom prst="straightConnector1">
+            <a:avLst/>
+          </a:prstGeom>
+          <a:ln w="57150">
+            <a:solidFill>
+              <a:schemeClr val="accent6">
+                <a:lumMod val="75000"/>
+              </a:schemeClr>
+            </a:solidFill>
+            <a:headEnd type="triangle"/>
+            <a:tailEnd type="triangle"/>
+          </a:ln>
+        </p:spPr>
+        <p:style>
+          <a:lnRef idx="2">
+            <a:schemeClr val="accent1"/>
+          </a:lnRef>
+          <a:fillRef idx="0">
+            <a:schemeClr val="accent1"/>
+          </a:fillRef>
+          <a:effectRef idx="1">
+            <a:schemeClr val="accent1"/>
+          </a:effectRef>
+          <a:fontRef idx="minor">
+            <a:schemeClr val="tx1"/>
+          </a:fontRef>
+        </p:style>
+      </p:cxnSp>
+      <p:cxnSp>
+        <p:nvCxnSpPr>
+          <p:cNvPr id="10" name="Straight Arrow Connector 9">
+            <a:extLst>
+              <a:ext uri="{FF2B5EF4-FFF2-40B4-BE49-F238E27FC236}">
+                <a16:creationId xmlns:a16="http://schemas.microsoft.com/office/drawing/2014/main" id="{104DD552-0055-5267-C816-7525AD83E90D}"/>
+              </a:ext>
+            </a:extLst>
+          </p:cNvPr>
+          <p:cNvCxnSpPr>
+            <a:cxnSpLocks/>
+          </p:cNvCxnSpPr>
+          <p:nvPr/>
+        </p:nvCxnSpPr>
+        <p:spPr>
+          <a:xfrm>
+            <a:off x="5445842" y="4896465"/>
+            <a:ext cx="3285204" cy="0"/>
+          </a:xfrm>
+          <a:prstGeom prst="straightConnector1">
+            <a:avLst/>
+          </a:prstGeom>
+          <a:ln w="57150">
+            <a:headEnd type="triangle"/>
+            <a:tailEnd type="triangle"/>
+          </a:ln>
+        </p:spPr>
+        <p:style>
+          <a:lnRef idx="2">
+            <a:schemeClr val="accent1"/>
+          </a:lnRef>
+          <a:fillRef idx="0">
+            <a:schemeClr val="accent1"/>
+          </a:fillRef>
+          <a:effectRef idx="1">
+            <a:schemeClr val="accent1"/>
+          </a:effectRef>
+          <a:fontRef idx="minor">
+            <a:schemeClr val="tx1"/>
+          </a:fontRef>
+        </p:style>
+      </p:cxnSp>
+      <p:cxnSp>
+        <p:nvCxnSpPr>
+          <p:cNvPr id="16" name="Straight Arrow Connector 15">
+            <a:extLst>
+              <a:ext uri="{FF2B5EF4-FFF2-40B4-BE49-F238E27FC236}">
+                <a16:creationId xmlns:a16="http://schemas.microsoft.com/office/drawing/2014/main" id="{BBEDA2F3-A01B-BFD0-9FE4-469FF6A3226C}"/>
+              </a:ext>
+            </a:extLst>
+          </p:cNvPr>
+          <p:cNvCxnSpPr/>
+          <p:nvPr/>
+        </p:nvCxnSpPr>
+        <p:spPr>
+          <a:xfrm>
+            <a:off x="5445842" y="1432357"/>
+            <a:ext cx="0" cy="3464108"/>
+          </a:xfrm>
+          <a:prstGeom prst="straightConnector1">
+            <a:avLst/>
+          </a:prstGeom>
+          <a:ln w="57150">
+            <a:solidFill>
+              <a:schemeClr val="accent2">
+                <a:lumMod val="75000"/>
+              </a:schemeClr>
+            </a:solidFill>
+            <a:headEnd type="triangle"/>
+            <a:tailEnd type="triangle"/>
+          </a:ln>
+        </p:spPr>
+        <p:style>
+          <a:lnRef idx="2">
+            <a:schemeClr val="accent1"/>
+          </a:lnRef>
+          <a:fillRef idx="0">
+            <a:schemeClr val="accent1"/>
+          </a:fillRef>
+          <a:effectRef idx="1">
+            <a:schemeClr val="accent1"/>
+          </a:effectRef>
+          <a:fontRef idx="minor">
+            <a:schemeClr val="tx1"/>
+          </a:fontRef>
+        </p:style>
+      </p:cxnSp>
+      <mc:AlternateContent xmlns:mc="http://schemas.openxmlformats.org/markup-compatibility/2006">
+        <mc:Choice xmlns:a14="http://schemas.microsoft.com/office/drawing/2010/main" Requires="a14">
+          <p:sp>
+            <p:nvSpPr>
+              <p:cNvPr id="19" name="TextBox 18">
+                <a:extLst>
+                  <a:ext uri="{FF2B5EF4-FFF2-40B4-BE49-F238E27FC236}">
+                    <a16:creationId xmlns:a16="http://schemas.microsoft.com/office/drawing/2014/main" id="{F3EE03E6-D52A-65C8-2610-26667590A062}"/>
+                  </a:ext>
+                </a:extLst>
+              </p:cNvPr>
+              <p:cNvSpPr txBox="1"/>
+              <p:nvPr/>
+            </p:nvSpPr>
+            <p:spPr>
+              <a:xfrm>
+                <a:off x="364046" y="5735635"/>
+                <a:ext cx="6247288" cy="718658"/>
+              </a:xfrm>
+              <a:prstGeom prst="rect">
+                <a:avLst/>
+              </a:prstGeom>
+              <a:noFill/>
+            </p:spPr>
+            <p:txBody>
+              <a:bodyPr wrap="none" rtlCol="0">
+                <a:spAutoFit/>
+              </a:bodyPr>
+              <a:lstStyle/>
+              <a:p>
+                <a14:m>
+                  <m:oMathPara xmlns:m="http://schemas.openxmlformats.org/officeDocument/2006/math">
+                    <m:oMathParaPr>
+                      <m:jc m:val="centerGroup"/>
+                    </m:oMathParaPr>
+                    <m:oMath xmlns:m="http://schemas.openxmlformats.org/officeDocument/2006/math">
+                      <m:r>
+                        <a:rPr lang="en-US" sz="2000" b="0" i="1" smtClean="0">
+                          <a:latin typeface="Cambria Math" panose="02040503050406030204" pitchFamily="18" charset="0"/>
+                        </a:rPr>
+                        <m:t>𝑑</m:t>
+                      </m:r>
+                      <m:r>
+                        <a:rPr lang="fr-CA" sz="2000" i="1" smtClean="0">
+                          <a:latin typeface="Cambria Math" panose="02040503050406030204" pitchFamily="18" charset="0"/>
+                        </a:rPr>
+                        <m:t>=</m:t>
+                      </m:r>
+                      <m:rad>
+                        <m:radPr>
+                          <m:degHide m:val="on"/>
+                          <m:ctrlPr>
+                            <a:rPr lang="fr-CA" sz="2000" i="1" smtClean="0">
+                              <a:latin typeface="Cambria Math" panose="02040503050406030204" pitchFamily="18" charset="0"/>
+                            </a:rPr>
+                          </m:ctrlPr>
+                        </m:radPr>
+                        <m:deg/>
+                        <m:e>
+                          <m:sSup>
+                            <m:sSupPr>
+                              <m:ctrlPr>
+                                <a:rPr lang="fr-CA" sz="2000" i="1" smtClean="0">
+                                  <a:latin typeface="Cambria Math" panose="02040503050406030204" pitchFamily="18" charset="0"/>
+                                </a:rPr>
+                              </m:ctrlPr>
+                            </m:sSupPr>
+                            <m:e>
+                              <m:d>
+                                <m:dPr>
+                                  <m:ctrlPr>
+                                    <a:rPr lang="fr-CA" sz="2000" i="1">
+                                      <a:latin typeface="Cambria Math" panose="02040503050406030204" pitchFamily="18" charset="0"/>
+                                    </a:rPr>
+                                  </m:ctrlPr>
+                                </m:dPr>
+                                <m:e>
+                                  <m:sSub>
+                                    <m:sSubPr>
+                                      <m:ctrlPr>
+                                        <a:rPr lang="fr-CA" sz="2000" i="1">
+                                          <a:latin typeface="Cambria Math" panose="02040503050406030204" pitchFamily="18" charset="0"/>
+                                        </a:rPr>
+                                      </m:ctrlPr>
+                                    </m:sSubPr>
+                                    <m:e>
+                                      <m:r>
+                                        <a:rPr lang="en-US" sz="2000" i="1">
+                                          <a:latin typeface="Cambria Math" panose="02040503050406030204" pitchFamily="18" charset="0"/>
+                                        </a:rPr>
+                                        <m:t>𝑥</m:t>
+                                      </m:r>
+                                    </m:e>
+                                    <m:sub>
+                                      <m:r>
+                                        <a:rPr lang="en-US" sz="2000" i="1">
+                                          <a:latin typeface="Cambria Math" panose="02040503050406030204" pitchFamily="18" charset="0"/>
+                                        </a:rPr>
+                                        <m:t>𝑡𝑟𝑒𝑎𝑠𝑢𝑟𝑒</m:t>
+                                      </m:r>
+                                      <m:r>
+                                        <a:rPr lang="en-US" sz="2000" i="1">
+                                          <a:latin typeface="Cambria Math" panose="02040503050406030204" pitchFamily="18" charset="0"/>
+                                        </a:rPr>
+                                        <m:t> </m:t>
+                                      </m:r>
+                                    </m:sub>
+                                  </m:sSub>
+                                  <m:r>
+                                    <a:rPr lang="en-US" sz="2000" i="1">
+                                      <a:latin typeface="Cambria Math" panose="02040503050406030204" pitchFamily="18" charset="0"/>
+                                    </a:rPr>
+                                    <m:t> − </m:t>
+                                  </m:r>
+                                  <m:sSub>
+                                    <m:sSubPr>
+                                      <m:ctrlPr>
+                                        <a:rPr lang="en-US" sz="2000" i="1">
+                                          <a:latin typeface="Cambria Math" panose="02040503050406030204" pitchFamily="18" charset="0"/>
+                                        </a:rPr>
+                                      </m:ctrlPr>
+                                    </m:sSubPr>
+                                    <m:e>
+                                      <m:r>
+                                        <a:rPr lang="en-US" sz="2000" i="1">
+                                          <a:latin typeface="Cambria Math" panose="02040503050406030204" pitchFamily="18" charset="0"/>
+                                        </a:rPr>
+                                        <m:t>𝑥</m:t>
+                                      </m:r>
+                                    </m:e>
+                                    <m:sub>
+                                      <m:r>
+                                        <a:rPr lang="en-US" sz="2000" i="1">
+                                          <a:latin typeface="Cambria Math" panose="02040503050406030204" pitchFamily="18" charset="0"/>
+                                        </a:rPr>
+                                        <m:t>𝑝𝑖𝑟𝑎𝑡𝑒</m:t>
+                                      </m:r>
+                                    </m:sub>
+                                  </m:sSub>
+                                </m:e>
+                              </m:d>
+                            </m:e>
+                            <m:sup>
+                              <m:r>
+                                <a:rPr lang="en-US" sz="2000" b="0" i="1" smtClean="0">
+                                  <a:latin typeface="Cambria Math" panose="02040503050406030204" pitchFamily="18" charset="0"/>
+                                </a:rPr>
+                                <m:t>2</m:t>
+                              </m:r>
+                            </m:sup>
+                          </m:sSup>
+                          <m:r>
+                            <a:rPr lang="en-US" sz="2000" b="0" i="1" smtClean="0">
+                              <a:latin typeface="Cambria Math" panose="02040503050406030204" pitchFamily="18" charset="0"/>
+                            </a:rPr>
+                            <m:t>+</m:t>
+                          </m:r>
+                          <m:sSup>
+                            <m:sSupPr>
+                              <m:ctrlPr>
+                                <a:rPr lang="fr-CA" sz="2000" i="1">
+                                  <a:latin typeface="Cambria Math" panose="02040503050406030204" pitchFamily="18" charset="0"/>
+                                </a:rPr>
+                              </m:ctrlPr>
+                            </m:sSupPr>
+                            <m:e>
+                              <m:d>
+                                <m:dPr>
+                                  <m:ctrlPr>
+                                    <a:rPr lang="fr-CA" sz="2000" i="1">
+                                      <a:latin typeface="Cambria Math" panose="02040503050406030204" pitchFamily="18" charset="0"/>
+                                    </a:rPr>
+                                  </m:ctrlPr>
+                                </m:dPr>
+                                <m:e>
+                                  <m:sSub>
+                                    <m:sSubPr>
+                                      <m:ctrlPr>
+                                        <a:rPr lang="fr-CA" sz="2000" i="1">
+                                          <a:latin typeface="Cambria Math" panose="02040503050406030204" pitchFamily="18" charset="0"/>
+                                        </a:rPr>
+                                      </m:ctrlPr>
+                                    </m:sSubPr>
+                                    <m:e>
+                                      <m:r>
+                                        <a:rPr lang="en-US" sz="2000" b="0" i="1" smtClean="0">
+                                          <a:latin typeface="Cambria Math" panose="02040503050406030204" pitchFamily="18" charset="0"/>
+                                        </a:rPr>
+                                        <m:t>𝑦</m:t>
+                                      </m:r>
+                                    </m:e>
+                                    <m:sub>
+                                      <m:r>
+                                        <a:rPr lang="en-US" sz="2000" i="1">
+                                          <a:latin typeface="Cambria Math" panose="02040503050406030204" pitchFamily="18" charset="0"/>
+                                        </a:rPr>
+                                        <m:t>𝑡𝑟𝑒𝑎𝑠𝑢𝑟𝑒</m:t>
+                                      </m:r>
+                                      <m:r>
+                                        <a:rPr lang="en-US" sz="2000" i="1">
+                                          <a:latin typeface="Cambria Math" panose="02040503050406030204" pitchFamily="18" charset="0"/>
+                                        </a:rPr>
+                                        <m:t> </m:t>
+                                      </m:r>
+                                    </m:sub>
+                                  </m:sSub>
+                                  <m:r>
+                                    <a:rPr lang="en-US" sz="2000" i="1">
+                                      <a:latin typeface="Cambria Math" panose="02040503050406030204" pitchFamily="18" charset="0"/>
+                                    </a:rPr>
+                                    <m:t> − </m:t>
+                                  </m:r>
+                                  <m:sSub>
+                                    <m:sSubPr>
+                                      <m:ctrlPr>
+                                        <a:rPr lang="en-US" sz="2000" i="1">
+                                          <a:latin typeface="Cambria Math" panose="02040503050406030204" pitchFamily="18" charset="0"/>
+                                        </a:rPr>
+                                      </m:ctrlPr>
+                                    </m:sSubPr>
+                                    <m:e>
+                                      <m:r>
+                                        <a:rPr lang="en-US" sz="2000" b="0" i="1" smtClean="0">
+                                          <a:latin typeface="Cambria Math" panose="02040503050406030204" pitchFamily="18" charset="0"/>
+                                        </a:rPr>
+                                        <m:t>𝑦</m:t>
+                                      </m:r>
+                                    </m:e>
+                                    <m:sub>
+                                      <m:r>
+                                        <a:rPr lang="en-US" sz="2000" i="1">
+                                          <a:latin typeface="Cambria Math" panose="02040503050406030204" pitchFamily="18" charset="0"/>
+                                        </a:rPr>
+                                        <m:t>𝑝𝑖𝑟𝑎𝑡𝑒</m:t>
+                                      </m:r>
+                                    </m:sub>
+                                  </m:sSub>
+                                </m:e>
+                              </m:d>
+                            </m:e>
+                            <m:sup>
+                              <m:r>
+                                <a:rPr lang="en-US" sz="2000" i="1">
+                                  <a:latin typeface="Cambria Math" panose="02040503050406030204" pitchFamily="18" charset="0"/>
+                                </a:rPr>
+                                <m:t>2</m:t>
+                              </m:r>
+                            </m:sup>
+                          </m:sSup>
+                        </m:e>
+                      </m:rad>
+                    </m:oMath>
+                  </m:oMathPara>
+                </a14:m>
+                <a:endParaRPr lang="fr-CA" sz="2000" dirty="0"/>
+              </a:p>
+            </p:txBody>
+          </p:sp>
+        </mc:Choice>
+        <mc:Fallback>
+          <p:sp>
+            <p:nvSpPr>
+              <p:cNvPr id="19" name="TextBox 18">
+                <a:extLst>
+                  <a:ext uri="{FF2B5EF4-FFF2-40B4-BE49-F238E27FC236}">
+                    <a16:creationId xmlns:a16="http://schemas.microsoft.com/office/drawing/2014/main" id="{F3EE03E6-D52A-65C8-2610-26667590A062}"/>
+                  </a:ext>
+                </a:extLst>
+              </p:cNvPr>
+              <p:cNvSpPr txBox="1">
+                <a:spLocks noRot="1" noChangeAspect="1" noMove="1" noResize="1" noEditPoints="1" noAdjustHandles="1" noChangeArrowheads="1" noChangeShapeType="1" noTextEdit="1"/>
+              </p:cNvSpPr>
+              <p:nvPr/>
+            </p:nvSpPr>
+            <p:spPr>
+              <a:xfrm>
+                <a:off x="364046" y="5735635"/>
+                <a:ext cx="6247288" cy="718658"/>
+              </a:xfrm>
+              <a:prstGeom prst="rect">
+                <a:avLst/>
+              </a:prstGeom>
+              <a:blipFill>
+                <a:blip r:embed="rId6"/>
+                <a:stretch>
+                  <a:fillRect/>
+                </a:stretch>
+              </a:blipFill>
+            </p:spPr>
+            <p:txBody>
+              <a:bodyPr/>
+              <a:lstStyle/>
+              <a:p>
+                <a:r>
+                  <a:rPr lang="fr-CA">
+                    <a:noFill/>
+                  </a:rPr>
+                  <a:t> </a:t>
+                </a:r>
+              </a:p>
+            </p:txBody>
+          </p:sp>
+        </mc:Fallback>
+      </mc:AlternateContent>
       <p:sp>
         <p:nvSpPr>
-          <p:cNvPr id="3" name="Content Placeholder 2">
-            <a:extLst>
-              <a:ext uri="{FF2B5EF4-FFF2-40B4-BE49-F238E27FC236}">
-                <a16:creationId xmlns:a16="http://schemas.microsoft.com/office/drawing/2014/main" id="{FA91B026-1259-4D33-D4FC-8F971C6D0584}"/>
-              </a:ext>
-            </a:extLst>
-          </p:cNvPr>
-          <p:cNvSpPr>
-            <a:spLocks noGrp="1"/>
-          </p:cNvSpPr>
-          <p:nvPr>
-            <p:ph idx="1"/>
-          </p:nvPr>
+          <p:cNvPr id="20" name="TextBox 19">
+            <a:extLst>
+              <a:ext uri="{FF2B5EF4-FFF2-40B4-BE49-F238E27FC236}">
+                <a16:creationId xmlns:a16="http://schemas.microsoft.com/office/drawing/2014/main" id="{D8716ED3-3AED-CD8D-2928-81ACA48B5F50}"/>
+              </a:ext>
+            </a:extLst>
+          </p:cNvPr>
+          <p:cNvSpPr txBox="1"/>
+          <p:nvPr/>
         </p:nvSpPr>
-        <p:spPr/>
+        <p:spPr>
+          <a:xfrm>
+            <a:off x="7028781" y="2281766"/>
+            <a:ext cx="668594" cy="707886"/>
+          </a:xfrm>
+          <a:prstGeom prst="rect">
+            <a:avLst/>
+          </a:prstGeom>
+          <a:noFill/>
+        </p:spPr>
         <p:txBody>
-          <a:bodyPr/>
+          <a:bodyPr wrap="square" rtlCol="0">
+            <a:spAutoFit/>
+          </a:bodyPr>
           <a:lstStyle/>
           <a:p>
-            <a:endParaRPr lang="fr-CA"/>
+            <a:r>
+              <a:rPr lang="en-US" sz="4000" dirty="0">
+                <a:solidFill>
+                  <a:schemeClr val="accent6">
+                    <a:lumMod val="75000"/>
+                  </a:schemeClr>
+                </a:solidFill>
+              </a:rPr>
+              <a:t>d</a:t>
+            </a:r>
+            <a:endParaRPr lang="fr-CA" sz="4000" dirty="0">
+              <a:solidFill>
+                <a:schemeClr val="accent6">
+                  <a:lumMod val="75000"/>
+                </a:schemeClr>
+              </a:solidFill>
+            </a:endParaRPr>
           </a:p>
         </p:txBody>
       </p:sp>
+      <mc:AlternateContent xmlns:mc="http://schemas.openxmlformats.org/markup-compatibility/2006">
+        <mc:Choice xmlns:a14="http://schemas.microsoft.com/office/drawing/2010/main" Requires="a14">
+          <p:sp>
+            <p:nvSpPr>
+              <p:cNvPr id="21" name="TextBox 20">
+                <a:extLst>
+                  <a:ext uri="{FF2B5EF4-FFF2-40B4-BE49-F238E27FC236}">
+                    <a16:creationId xmlns:a16="http://schemas.microsoft.com/office/drawing/2014/main" id="{9E74EE95-FB81-05AF-D8E4-9497801D570C}"/>
+                  </a:ext>
+                </a:extLst>
+              </p:cNvPr>
+              <p:cNvSpPr txBox="1"/>
+              <p:nvPr/>
+            </p:nvSpPr>
+            <p:spPr>
+              <a:xfrm>
+                <a:off x="6231194" y="5376521"/>
+                <a:ext cx="1991635" cy="298415"/>
+              </a:xfrm>
+              <a:prstGeom prst="rect">
+                <a:avLst/>
+              </a:prstGeom>
+              <a:noFill/>
+            </p:spPr>
+            <p:txBody>
+              <a:bodyPr wrap="none" lIns="0" tIns="0" rIns="0" bIns="0" rtlCol="0">
+                <a:spAutoFit/>
+              </a:bodyPr>
+              <a:lstStyle/>
+              <a:p>
+                <a14:m>
+                  <m:oMathPara xmlns:m="http://schemas.openxmlformats.org/officeDocument/2006/math">
+                    <m:oMathParaPr>
+                      <m:jc m:val="centerGroup"/>
+                    </m:oMathParaPr>
+                    <m:oMath xmlns:m="http://schemas.openxmlformats.org/officeDocument/2006/math">
+                      <m:sSub>
+                        <m:sSubPr>
+                          <m:ctrlPr>
+                            <a:rPr lang="fr-CA" i="1" smtClean="0">
+                              <a:latin typeface="Cambria Math" panose="02040503050406030204" pitchFamily="18" charset="0"/>
+                            </a:rPr>
+                          </m:ctrlPr>
+                        </m:sSubPr>
+                        <m:e>
+                          <m:r>
+                            <a:rPr lang="en-US" i="1">
+                              <a:latin typeface="Cambria Math" panose="02040503050406030204" pitchFamily="18" charset="0"/>
+                            </a:rPr>
+                            <m:t>𝑥</m:t>
+                          </m:r>
+                        </m:e>
+                        <m:sub>
+                          <m:r>
+                            <a:rPr lang="en-US" i="1">
+                              <a:latin typeface="Cambria Math" panose="02040503050406030204" pitchFamily="18" charset="0"/>
+                            </a:rPr>
+                            <m:t>𝑡𝑟𝑒𝑎𝑠𝑢𝑟𝑒</m:t>
+                          </m:r>
+                          <m:r>
+                            <a:rPr lang="en-US" i="1">
+                              <a:latin typeface="Cambria Math" panose="02040503050406030204" pitchFamily="18" charset="0"/>
+                            </a:rPr>
+                            <m:t> </m:t>
+                          </m:r>
+                        </m:sub>
+                      </m:sSub>
+                      <m:r>
+                        <a:rPr lang="en-US" i="1">
+                          <a:latin typeface="Cambria Math" panose="02040503050406030204" pitchFamily="18" charset="0"/>
+                        </a:rPr>
+                        <m:t> − </m:t>
+                      </m:r>
+                      <m:sSub>
+                        <m:sSubPr>
+                          <m:ctrlPr>
+                            <a:rPr lang="en-US" i="1">
+                              <a:latin typeface="Cambria Math" panose="02040503050406030204" pitchFamily="18" charset="0"/>
+                            </a:rPr>
+                          </m:ctrlPr>
+                        </m:sSubPr>
+                        <m:e>
+                          <m:r>
+                            <a:rPr lang="en-US" i="1">
+                              <a:latin typeface="Cambria Math" panose="02040503050406030204" pitchFamily="18" charset="0"/>
+                            </a:rPr>
+                            <m:t>𝑥</m:t>
+                          </m:r>
+                        </m:e>
+                        <m:sub>
+                          <m:r>
+                            <a:rPr lang="en-US" i="1">
+                              <a:latin typeface="Cambria Math" panose="02040503050406030204" pitchFamily="18" charset="0"/>
+                            </a:rPr>
+                            <m:t>𝑝𝑖𝑟𝑎𝑡𝑒</m:t>
+                          </m:r>
+                        </m:sub>
+                      </m:sSub>
+                    </m:oMath>
+                  </m:oMathPara>
+                </a14:m>
+                <a:endParaRPr lang="fr-CA" dirty="0"/>
+              </a:p>
+            </p:txBody>
+          </p:sp>
+        </mc:Choice>
+        <mc:Fallback>
+          <p:sp>
+            <p:nvSpPr>
+              <p:cNvPr id="21" name="TextBox 20">
+                <a:extLst>
+                  <a:ext uri="{FF2B5EF4-FFF2-40B4-BE49-F238E27FC236}">
+                    <a16:creationId xmlns:a16="http://schemas.microsoft.com/office/drawing/2014/main" id="{9E74EE95-FB81-05AF-D8E4-9497801D570C}"/>
+                  </a:ext>
+                </a:extLst>
+              </p:cNvPr>
+              <p:cNvSpPr txBox="1">
+                <a:spLocks noRot="1" noChangeAspect="1" noMove="1" noResize="1" noEditPoints="1" noAdjustHandles="1" noChangeArrowheads="1" noChangeShapeType="1" noTextEdit="1"/>
+              </p:cNvSpPr>
+              <p:nvPr/>
+            </p:nvSpPr>
+            <p:spPr>
+              <a:xfrm>
+                <a:off x="6231194" y="5376521"/>
+                <a:ext cx="1991635" cy="298415"/>
+              </a:xfrm>
+              <a:prstGeom prst="rect">
+                <a:avLst/>
+              </a:prstGeom>
+              <a:blipFill>
+                <a:blip r:embed="rId7"/>
+                <a:stretch>
+                  <a:fillRect l="-1529" r="-1835" b="-26531"/>
+                </a:stretch>
+              </a:blipFill>
+            </p:spPr>
+            <p:txBody>
+              <a:bodyPr/>
+              <a:lstStyle/>
+              <a:p>
+                <a:r>
+                  <a:rPr lang="fr-CA">
+                    <a:noFill/>
+                  </a:rPr>
+                  <a:t> </a:t>
+                </a:r>
+              </a:p>
+            </p:txBody>
+          </p:sp>
+        </mc:Fallback>
+      </mc:AlternateContent>
+      <mc:AlternateContent xmlns:mc="http://schemas.openxmlformats.org/markup-compatibility/2006">
+        <mc:Choice xmlns:a14="http://schemas.microsoft.com/office/drawing/2010/main" Requires="a14">
+          <p:sp>
+            <p:nvSpPr>
+              <p:cNvPr id="22" name="TextBox 21">
+                <a:extLst>
+                  <a:ext uri="{FF2B5EF4-FFF2-40B4-BE49-F238E27FC236}">
+                    <a16:creationId xmlns:a16="http://schemas.microsoft.com/office/drawing/2014/main" id="{BF3F8FAA-0656-BE13-146B-FD1269B5F0F3}"/>
+                  </a:ext>
+                </a:extLst>
+              </p:cNvPr>
+              <p:cNvSpPr txBox="1"/>
+              <p:nvPr/>
+            </p:nvSpPr>
+            <p:spPr>
+              <a:xfrm>
+                <a:off x="2851066" y="2865996"/>
+                <a:ext cx="1993303" cy="298415"/>
+              </a:xfrm>
+              <a:prstGeom prst="rect">
+                <a:avLst/>
+              </a:prstGeom>
+              <a:noFill/>
+            </p:spPr>
+            <p:txBody>
+              <a:bodyPr wrap="none" lIns="0" tIns="0" rIns="0" bIns="0" rtlCol="0">
+                <a:spAutoFit/>
+              </a:bodyPr>
+              <a:lstStyle/>
+              <a:p>
+                <a14:m>
+                  <m:oMathPara xmlns:m="http://schemas.openxmlformats.org/officeDocument/2006/math">
+                    <m:oMathParaPr>
+                      <m:jc m:val="centerGroup"/>
+                    </m:oMathParaPr>
+                    <m:oMath xmlns:m="http://schemas.openxmlformats.org/officeDocument/2006/math">
+                      <m:sSub>
+                        <m:sSubPr>
+                          <m:ctrlPr>
+                            <a:rPr lang="fr-CA" i="1" smtClean="0">
+                              <a:latin typeface="Cambria Math" panose="02040503050406030204" pitchFamily="18" charset="0"/>
+                            </a:rPr>
+                          </m:ctrlPr>
+                        </m:sSubPr>
+                        <m:e>
+                          <m:r>
+                            <a:rPr lang="en-US" b="0" i="1" smtClean="0">
+                              <a:latin typeface="Cambria Math" panose="02040503050406030204" pitchFamily="18" charset="0"/>
+                            </a:rPr>
+                            <m:t>𝑦</m:t>
+                          </m:r>
+                        </m:e>
+                        <m:sub>
+                          <m:r>
+                            <a:rPr lang="en-US" i="1">
+                              <a:latin typeface="Cambria Math" panose="02040503050406030204" pitchFamily="18" charset="0"/>
+                            </a:rPr>
+                            <m:t>𝑡𝑟𝑒𝑎𝑠𝑢𝑟𝑒</m:t>
+                          </m:r>
+                          <m:r>
+                            <a:rPr lang="en-US" i="1">
+                              <a:latin typeface="Cambria Math" panose="02040503050406030204" pitchFamily="18" charset="0"/>
+                            </a:rPr>
+                            <m:t> </m:t>
+                          </m:r>
+                        </m:sub>
+                      </m:sSub>
+                      <m:r>
+                        <a:rPr lang="en-US" i="1">
+                          <a:latin typeface="Cambria Math" panose="02040503050406030204" pitchFamily="18" charset="0"/>
+                        </a:rPr>
+                        <m:t> − </m:t>
+                      </m:r>
+                      <m:sSub>
+                        <m:sSubPr>
+                          <m:ctrlPr>
+                            <a:rPr lang="en-US" i="1" smtClean="0">
+                              <a:latin typeface="Cambria Math" panose="02040503050406030204" pitchFamily="18" charset="0"/>
+                            </a:rPr>
+                          </m:ctrlPr>
+                        </m:sSubPr>
+                        <m:e>
+                          <m:r>
+                            <a:rPr lang="en-US" b="0" i="1" smtClean="0">
+                              <a:latin typeface="Cambria Math" panose="02040503050406030204" pitchFamily="18" charset="0"/>
+                            </a:rPr>
+                            <m:t>𝑦</m:t>
+                          </m:r>
+                        </m:e>
+                        <m:sub>
+                          <m:r>
+                            <a:rPr lang="en-US" i="1">
+                              <a:latin typeface="Cambria Math" panose="02040503050406030204" pitchFamily="18" charset="0"/>
+                            </a:rPr>
+                            <m:t>𝑝𝑖𝑟𝑎𝑡𝑒</m:t>
+                          </m:r>
+                        </m:sub>
+                      </m:sSub>
+                    </m:oMath>
+                  </m:oMathPara>
+                </a14:m>
+                <a:endParaRPr lang="fr-CA" dirty="0"/>
+              </a:p>
+            </p:txBody>
+          </p:sp>
+        </mc:Choice>
+        <mc:Fallback>
+          <p:sp>
+            <p:nvSpPr>
+              <p:cNvPr id="22" name="TextBox 21">
+                <a:extLst>
+                  <a:ext uri="{FF2B5EF4-FFF2-40B4-BE49-F238E27FC236}">
+                    <a16:creationId xmlns:a16="http://schemas.microsoft.com/office/drawing/2014/main" id="{BF3F8FAA-0656-BE13-146B-FD1269B5F0F3}"/>
+                  </a:ext>
+                </a:extLst>
+              </p:cNvPr>
+              <p:cNvSpPr txBox="1">
+                <a:spLocks noRot="1" noChangeAspect="1" noMove="1" noResize="1" noEditPoints="1" noAdjustHandles="1" noChangeArrowheads="1" noChangeShapeType="1" noTextEdit="1"/>
+              </p:cNvSpPr>
+              <p:nvPr/>
+            </p:nvSpPr>
+            <p:spPr>
+              <a:xfrm>
+                <a:off x="2851066" y="2865996"/>
+                <a:ext cx="1993303" cy="298415"/>
+              </a:xfrm>
+              <a:prstGeom prst="rect">
+                <a:avLst/>
+              </a:prstGeom>
+              <a:blipFill>
+                <a:blip r:embed="rId8"/>
+                <a:stretch>
+                  <a:fillRect l="-2752" r="-1835" b="-26531"/>
+                </a:stretch>
+              </a:blipFill>
+            </p:spPr>
+            <p:txBody>
+              <a:bodyPr/>
+              <a:lstStyle/>
+              <a:p>
+                <a:r>
+                  <a:rPr lang="fr-CA">
+                    <a:noFill/>
+                  </a:rPr>
+                  <a:t> </a:t>
+                </a:r>
+              </a:p>
+            </p:txBody>
+          </p:sp>
+        </mc:Fallback>
+      </mc:AlternateContent>
     </p:spTree>
     <p:extLst>
       <p:ext uri="{BB962C8B-B14F-4D97-AF65-F5344CB8AC3E}">
@@ -12082,54 +13492,1151 @@
       </p:grpSpPr>
       <p:sp>
         <p:nvSpPr>
-          <p:cNvPr id="2" name="Title 1">
-            <a:extLst>
-              <a:ext uri="{FF2B5EF4-FFF2-40B4-BE49-F238E27FC236}">
-                <a16:creationId xmlns:a16="http://schemas.microsoft.com/office/drawing/2014/main" id="{59A0E10E-E5AA-1D97-B195-B1451D2958B6}"/>
-              </a:ext>
-            </a:extLst>
-          </p:cNvPr>
-          <p:cNvSpPr>
-            <a:spLocks noGrp="1"/>
-          </p:cNvSpPr>
-          <p:nvPr>
-            <p:ph type="title"/>
-          </p:nvPr>
+          <p:cNvPr id="4" name="Rectangle 3">
+            <a:extLst>
+              <a:ext uri="{FF2B5EF4-FFF2-40B4-BE49-F238E27FC236}">
+                <a16:creationId xmlns:a16="http://schemas.microsoft.com/office/drawing/2014/main" id="{A0B08383-EA24-3139-116A-6EEA43C30CB3}"/>
+              </a:ext>
+            </a:extLst>
+          </p:cNvPr>
+          <p:cNvSpPr/>
+          <p:nvPr/>
         </p:nvSpPr>
-        <p:spPr/>
+        <p:spPr>
+          <a:xfrm>
+            <a:off x="5455060" y="4655573"/>
+            <a:ext cx="255639" cy="265471"/>
+          </a:xfrm>
+          <a:prstGeom prst="rect">
+            <a:avLst/>
+          </a:prstGeom>
+        </p:spPr>
+        <p:style>
+          <a:lnRef idx="2">
+            <a:schemeClr val="dk1">
+              <a:shade val="15000"/>
+            </a:schemeClr>
+          </a:lnRef>
+          <a:fillRef idx="1">
+            <a:schemeClr val="dk1"/>
+          </a:fillRef>
+          <a:effectRef idx="0">
+            <a:schemeClr val="dk1"/>
+          </a:effectRef>
+          <a:fontRef idx="minor">
+            <a:schemeClr val="lt1"/>
+          </a:fontRef>
+        </p:style>
         <p:txBody>
-          <a:bodyPr/>
+          <a:bodyPr rtlCol="0" anchor="ctr"/>
           <a:lstStyle/>
           <a:p>
+            <a:pPr algn="ctr"/>
             <a:endParaRPr lang="fr-CA"/>
           </a:p>
         </p:txBody>
       </p:sp>
+      <p:pic>
+        <p:nvPicPr>
+          <p:cNvPr id="5" name="Picture 2" descr="Cartoon Treasure PNG Transparent Images Free Download ...">
+            <a:extLst>
+              <a:ext uri="{FF2B5EF4-FFF2-40B4-BE49-F238E27FC236}">
+                <a16:creationId xmlns:a16="http://schemas.microsoft.com/office/drawing/2014/main" id="{4147125C-C562-82AB-4B88-CFFAF88658DC}"/>
+              </a:ext>
+            </a:extLst>
+          </p:cNvPr>
+          <p:cNvPicPr>
+            <a:picLocks noChangeAspect="1" noChangeArrowheads="1"/>
+          </p:cNvPicPr>
+          <p:nvPr/>
+        </p:nvPicPr>
+        <p:blipFill>
+          <a:blip r:embed="rId2">
+            <a:alphaModFix amt="50000"/>
+            <a:extLst>
+              <a:ext uri="{BEBA8EAE-BF5A-486C-A8C5-ECC9F3942E4B}">
+                <a14:imgProps xmlns:a14="http://schemas.microsoft.com/office/drawing/2010/main">
+                  <a14:imgLayer r:embed="rId3">
+                    <a14:imgEffect>
+                      <a14:backgroundRemoval t="10000" b="90000" l="10000" r="90000">
+                        <a14:foregroundMark x1="59444" y1="87500" x2="61667" y2="86389"/>
+                        <a14:foregroundMark x1="52222" y1="85278" x2="53889" y2="86111"/>
+                      </a14:backgroundRemoval>
+                    </a14:imgEffect>
+                  </a14:imgLayer>
+                </a14:imgProps>
+              </a:ext>
+              <a:ext uri="{28A0092B-C50C-407E-A947-70E740481C1C}">
+                <a14:useLocalDpi xmlns:a14="http://schemas.microsoft.com/office/drawing/2010/main" val="0"/>
+              </a:ext>
+            </a:extLst>
+          </a:blip>
+          <a:srcRect/>
+          <a:stretch>
+            <a:fillRect/>
+          </a:stretch>
+        </p:blipFill>
+        <p:spPr bwMode="auto">
+          <a:xfrm>
+            <a:off x="4660491" y="593187"/>
+            <a:ext cx="1570703" cy="1570703"/>
+          </a:xfrm>
+          <a:prstGeom prst="rect">
+            <a:avLst/>
+          </a:prstGeom>
+          <a:noFill/>
+          <a:extLst>
+            <a:ext uri="{909E8E84-426E-40DD-AFC4-6F175D3DCCD1}">
+              <a14:hiddenFill xmlns:a14="http://schemas.microsoft.com/office/drawing/2010/main">
+                <a:solidFill>
+                  <a:srgbClr val="FFFFFF"/>
+                </a:solidFill>
+              </a14:hiddenFill>
+            </a:ext>
+          </a:extLst>
+        </p:spPr>
+      </p:pic>
+      <p:pic>
+        <p:nvPicPr>
+          <p:cNvPr id="6" name="Picture 4" descr="Pirate PNG png images | PNGEgg">
+            <a:extLst>
+              <a:ext uri="{FF2B5EF4-FFF2-40B4-BE49-F238E27FC236}">
+                <a16:creationId xmlns:a16="http://schemas.microsoft.com/office/drawing/2014/main" id="{1091117D-1581-5C95-B70F-A1A176AB5770}"/>
+              </a:ext>
+            </a:extLst>
+          </p:cNvPr>
+          <p:cNvPicPr>
+            <a:picLocks noChangeAspect="1" noChangeArrowheads="1"/>
+          </p:cNvPicPr>
+          <p:nvPr/>
+        </p:nvPicPr>
+        <p:blipFill>
+          <a:blip r:embed="rId4">
+            <a:alphaModFix amt="35000"/>
+            <a:extLst>
+              <a:ext uri="{BEBA8EAE-BF5A-486C-A8C5-ECC9F3942E4B}">
+                <a14:imgProps xmlns:a14="http://schemas.microsoft.com/office/drawing/2010/main">
+                  <a14:imgLayer r:embed="rId5">
+                    <a14:imgEffect>
+                      <a14:backgroundRemoval t="10000" b="90000" l="10000" r="90000">
+                        <a14:foregroundMark x1="80747" y1="52586" x2="80460" y2="53161"/>
+                        <a14:foregroundMark x1="80747" y1="52299" x2="83621" y2="54310"/>
+                        <a14:foregroundMark x1="83333" y1="52011" x2="82759" y2="48276"/>
+                        <a14:foregroundMark x1="83908" y1="56609" x2="86207" y2="59770"/>
+                        <a14:foregroundMark x1="77874" y1="56897" x2="72989" y2="57759"/>
+                        <a14:foregroundMark x1="76149" y1="79598" x2="77874" y2="82471"/>
+                        <a14:foregroundMark x1="79023" y1="87069" x2="82471" y2="89368"/>
+                      </a14:backgroundRemoval>
+                    </a14:imgEffect>
+                  </a14:imgLayer>
+                </a14:imgProps>
+              </a:ext>
+              <a:ext uri="{28A0092B-C50C-407E-A947-70E740481C1C}">
+                <a14:useLocalDpi xmlns:a14="http://schemas.microsoft.com/office/drawing/2010/main" val="0"/>
+              </a:ext>
+            </a:extLst>
+          </a:blip>
+          <a:srcRect/>
+          <a:stretch>
+            <a:fillRect/>
+          </a:stretch>
+        </p:blipFill>
+        <p:spPr bwMode="auto">
+          <a:xfrm flipH="1">
+            <a:off x="7830591" y="3741761"/>
+            <a:ext cx="1685799" cy="1827624"/>
+          </a:xfrm>
+          <a:prstGeom prst="rect">
+            <a:avLst/>
+          </a:prstGeom>
+          <a:noFill/>
+          <a:extLst>
+            <a:ext uri="{909E8E84-426E-40DD-AFC4-6F175D3DCCD1}">
+              <a14:hiddenFill xmlns:a14="http://schemas.microsoft.com/office/drawing/2010/main">
+                <a:solidFill>
+                  <a:srgbClr val="FFFFFF"/>
+                </a:solidFill>
+              </a14:hiddenFill>
+            </a:ext>
+          </a:extLst>
+        </p:spPr>
+      </p:pic>
+      <p:cxnSp>
+        <p:nvCxnSpPr>
+          <p:cNvPr id="7" name="Straight Arrow Connector 6">
+            <a:extLst>
+              <a:ext uri="{FF2B5EF4-FFF2-40B4-BE49-F238E27FC236}">
+                <a16:creationId xmlns:a16="http://schemas.microsoft.com/office/drawing/2014/main" id="{09F924D4-B838-AC18-18BC-5EB4814E88BF}"/>
+              </a:ext>
+            </a:extLst>
+          </p:cNvPr>
+          <p:cNvCxnSpPr>
+            <a:cxnSpLocks/>
+          </p:cNvCxnSpPr>
+          <p:nvPr/>
+        </p:nvCxnSpPr>
+        <p:spPr>
+          <a:xfrm>
+            <a:off x="5445842" y="1432357"/>
+            <a:ext cx="3285204" cy="3464108"/>
+          </a:xfrm>
+          <a:prstGeom prst="straightConnector1">
+            <a:avLst/>
+          </a:prstGeom>
+          <a:ln w="57150">
+            <a:solidFill>
+              <a:schemeClr val="accent6">
+                <a:lumMod val="75000"/>
+              </a:schemeClr>
+            </a:solidFill>
+            <a:headEnd type="triangle" w="med" len="med"/>
+            <a:tailEnd type="none" w="med" len="med"/>
+          </a:ln>
+        </p:spPr>
+        <p:style>
+          <a:lnRef idx="2">
+            <a:schemeClr val="accent1"/>
+          </a:lnRef>
+          <a:fillRef idx="0">
+            <a:schemeClr val="accent1"/>
+          </a:fillRef>
+          <a:effectRef idx="1">
+            <a:schemeClr val="accent1"/>
+          </a:effectRef>
+          <a:fontRef idx="minor">
+            <a:schemeClr val="tx1"/>
+          </a:fontRef>
+        </p:style>
+      </p:cxnSp>
+      <p:cxnSp>
+        <p:nvCxnSpPr>
+          <p:cNvPr id="8" name="Straight Arrow Connector 7">
+            <a:extLst>
+              <a:ext uri="{FF2B5EF4-FFF2-40B4-BE49-F238E27FC236}">
+                <a16:creationId xmlns:a16="http://schemas.microsoft.com/office/drawing/2014/main" id="{F60DD624-9FE2-90F2-3270-0DFB853B8ABB}"/>
+              </a:ext>
+            </a:extLst>
+          </p:cNvPr>
+          <p:cNvCxnSpPr>
+            <a:cxnSpLocks/>
+          </p:cNvCxnSpPr>
+          <p:nvPr/>
+        </p:nvCxnSpPr>
+        <p:spPr>
+          <a:xfrm>
+            <a:off x="5445842" y="4896465"/>
+            <a:ext cx="3285204" cy="0"/>
+          </a:xfrm>
+          <a:prstGeom prst="straightConnector1">
+            <a:avLst/>
+          </a:prstGeom>
+          <a:ln w="57150">
+            <a:headEnd type="triangle" w="med" len="med"/>
+            <a:tailEnd type="none" w="med" len="med"/>
+          </a:ln>
+        </p:spPr>
+        <p:style>
+          <a:lnRef idx="2">
+            <a:schemeClr val="accent1"/>
+          </a:lnRef>
+          <a:fillRef idx="0">
+            <a:schemeClr val="accent1"/>
+          </a:fillRef>
+          <a:effectRef idx="1">
+            <a:schemeClr val="accent1"/>
+          </a:effectRef>
+          <a:fontRef idx="minor">
+            <a:schemeClr val="tx1"/>
+          </a:fontRef>
+        </p:style>
+      </p:cxnSp>
+      <p:cxnSp>
+        <p:nvCxnSpPr>
+          <p:cNvPr id="9" name="Straight Arrow Connector 8">
+            <a:extLst>
+              <a:ext uri="{FF2B5EF4-FFF2-40B4-BE49-F238E27FC236}">
+                <a16:creationId xmlns:a16="http://schemas.microsoft.com/office/drawing/2014/main" id="{A8375CF5-7D1C-CB4B-6279-16C8B7D66DEE}"/>
+              </a:ext>
+            </a:extLst>
+          </p:cNvPr>
+          <p:cNvCxnSpPr/>
+          <p:nvPr/>
+        </p:nvCxnSpPr>
+        <p:spPr>
+          <a:xfrm>
+            <a:off x="5445842" y="1432357"/>
+            <a:ext cx="0" cy="3464108"/>
+          </a:xfrm>
+          <a:prstGeom prst="straightConnector1">
+            <a:avLst/>
+          </a:prstGeom>
+          <a:ln w="57150">
+            <a:solidFill>
+              <a:schemeClr val="accent2">
+                <a:lumMod val="75000"/>
+              </a:schemeClr>
+            </a:solidFill>
+            <a:headEnd type="triangle" w="med" len="med"/>
+            <a:tailEnd type="none" w="med" len="med"/>
+          </a:ln>
+        </p:spPr>
+        <p:style>
+          <a:lnRef idx="2">
+            <a:schemeClr val="accent1"/>
+          </a:lnRef>
+          <a:fillRef idx="0">
+            <a:schemeClr val="accent1"/>
+          </a:fillRef>
+          <a:effectRef idx="1">
+            <a:schemeClr val="accent1"/>
+          </a:effectRef>
+          <a:fontRef idx="minor">
+            <a:schemeClr val="tx1"/>
+          </a:fontRef>
+        </p:style>
+      </p:cxnSp>
       <p:sp>
         <p:nvSpPr>
-          <p:cNvPr id="3" name="Content Placeholder 2">
-            <a:extLst>
-              <a:ext uri="{FF2B5EF4-FFF2-40B4-BE49-F238E27FC236}">
-                <a16:creationId xmlns:a16="http://schemas.microsoft.com/office/drawing/2014/main" id="{23C9A458-2EC4-ADE7-F31C-A199D8B9628D}"/>
-              </a:ext>
-            </a:extLst>
-          </p:cNvPr>
-          <p:cNvSpPr>
-            <a:spLocks noGrp="1"/>
-          </p:cNvSpPr>
-          <p:nvPr>
-            <p:ph idx="1"/>
-          </p:nvPr>
+          <p:cNvPr id="11" name="TextBox 10">
+            <a:extLst>
+              <a:ext uri="{FF2B5EF4-FFF2-40B4-BE49-F238E27FC236}">
+                <a16:creationId xmlns:a16="http://schemas.microsoft.com/office/drawing/2014/main" id="{5C667A4C-08CC-DD47-355B-B44F01A2D677}"/>
+              </a:ext>
+            </a:extLst>
+          </p:cNvPr>
+          <p:cNvSpPr txBox="1"/>
+          <p:nvPr/>
         </p:nvSpPr>
-        <p:spPr/>
+        <p:spPr>
+          <a:xfrm>
+            <a:off x="7028781" y="2281766"/>
+            <a:ext cx="668594" cy="707886"/>
+          </a:xfrm>
+          <a:prstGeom prst="rect">
+            <a:avLst/>
+          </a:prstGeom>
+          <a:noFill/>
+        </p:spPr>
         <p:txBody>
-          <a:bodyPr/>
+          <a:bodyPr wrap="square" rtlCol="0">
+            <a:spAutoFit/>
+          </a:bodyPr>
           <a:lstStyle/>
           <a:p>
-            <a:endParaRPr lang="fr-CA"/>
+            <a:r>
+              <a:rPr lang="en-US" sz="4000" dirty="0">
+                <a:solidFill>
+                  <a:schemeClr val="accent6">
+                    <a:lumMod val="75000"/>
+                  </a:schemeClr>
+                </a:solidFill>
+              </a:rPr>
+              <a:t>d</a:t>
+            </a:r>
+            <a:endParaRPr lang="fr-CA" sz="4000" dirty="0">
+              <a:solidFill>
+                <a:schemeClr val="accent6">
+                  <a:lumMod val="75000"/>
+                </a:schemeClr>
+              </a:solidFill>
+            </a:endParaRPr>
           </a:p>
         </p:txBody>
       </p:sp>
+      <mc:AlternateContent xmlns:mc="http://schemas.openxmlformats.org/markup-compatibility/2006">
+        <mc:Choice xmlns:a14="http://schemas.microsoft.com/office/drawing/2010/main" Requires="a14">
+          <p:sp>
+            <p:nvSpPr>
+              <p:cNvPr id="12" name="TextBox 11">
+                <a:extLst>
+                  <a:ext uri="{FF2B5EF4-FFF2-40B4-BE49-F238E27FC236}">
+                    <a16:creationId xmlns:a16="http://schemas.microsoft.com/office/drawing/2014/main" id="{1FF9C53F-7115-C2B2-B3A6-9DD9B9CDC85A}"/>
+                  </a:ext>
+                </a:extLst>
+              </p:cNvPr>
+              <p:cNvSpPr txBox="1"/>
+              <p:nvPr/>
+            </p:nvSpPr>
+            <p:spPr>
+              <a:xfrm>
+                <a:off x="6231194" y="5376521"/>
+                <a:ext cx="1991635" cy="298415"/>
+              </a:xfrm>
+              <a:prstGeom prst="rect">
+                <a:avLst/>
+              </a:prstGeom>
+              <a:noFill/>
+            </p:spPr>
+            <p:txBody>
+              <a:bodyPr wrap="none" lIns="0" tIns="0" rIns="0" bIns="0" rtlCol="0">
+                <a:spAutoFit/>
+              </a:bodyPr>
+              <a:lstStyle/>
+              <a:p>
+                <a14:m>
+                  <m:oMathPara xmlns:m="http://schemas.openxmlformats.org/officeDocument/2006/math">
+                    <m:oMathParaPr>
+                      <m:jc m:val="centerGroup"/>
+                    </m:oMathParaPr>
+                    <m:oMath xmlns:m="http://schemas.openxmlformats.org/officeDocument/2006/math">
+                      <m:sSub>
+                        <m:sSubPr>
+                          <m:ctrlPr>
+                            <a:rPr lang="fr-CA" i="1" smtClean="0">
+                              <a:latin typeface="Cambria Math" panose="02040503050406030204" pitchFamily="18" charset="0"/>
+                            </a:rPr>
+                          </m:ctrlPr>
+                        </m:sSubPr>
+                        <m:e>
+                          <m:r>
+                            <a:rPr lang="en-US" i="1">
+                              <a:latin typeface="Cambria Math" panose="02040503050406030204" pitchFamily="18" charset="0"/>
+                            </a:rPr>
+                            <m:t>𝑥</m:t>
+                          </m:r>
+                        </m:e>
+                        <m:sub>
+                          <m:r>
+                            <a:rPr lang="en-US" i="1">
+                              <a:latin typeface="Cambria Math" panose="02040503050406030204" pitchFamily="18" charset="0"/>
+                            </a:rPr>
+                            <m:t>𝑡𝑟𝑒𝑎𝑠𝑢𝑟𝑒</m:t>
+                          </m:r>
+                          <m:r>
+                            <a:rPr lang="en-US" i="1">
+                              <a:latin typeface="Cambria Math" panose="02040503050406030204" pitchFamily="18" charset="0"/>
+                            </a:rPr>
+                            <m:t> </m:t>
+                          </m:r>
+                        </m:sub>
+                      </m:sSub>
+                      <m:r>
+                        <a:rPr lang="en-US" i="1">
+                          <a:latin typeface="Cambria Math" panose="02040503050406030204" pitchFamily="18" charset="0"/>
+                        </a:rPr>
+                        <m:t> − </m:t>
+                      </m:r>
+                      <m:sSub>
+                        <m:sSubPr>
+                          <m:ctrlPr>
+                            <a:rPr lang="en-US" i="1">
+                              <a:latin typeface="Cambria Math" panose="02040503050406030204" pitchFamily="18" charset="0"/>
+                            </a:rPr>
+                          </m:ctrlPr>
+                        </m:sSubPr>
+                        <m:e>
+                          <m:r>
+                            <a:rPr lang="en-US" i="1">
+                              <a:latin typeface="Cambria Math" panose="02040503050406030204" pitchFamily="18" charset="0"/>
+                            </a:rPr>
+                            <m:t>𝑥</m:t>
+                          </m:r>
+                        </m:e>
+                        <m:sub>
+                          <m:r>
+                            <a:rPr lang="en-US" i="1">
+                              <a:latin typeface="Cambria Math" panose="02040503050406030204" pitchFamily="18" charset="0"/>
+                            </a:rPr>
+                            <m:t>𝑝𝑖𝑟𝑎𝑡𝑒</m:t>
+                          </m:r>
+                        </m:sub>
+                      </m:sSub>
+                    </m:oMath>
+                  </m:oMathPara>
+                </a14:m>
+                <a:endParaRPr lang="fr-CA" dirty="0"/>
+              </a:p>
+            </p:txBody>
+          </p:sp>
+        </mc:Choice>
+        <mc:Fallback>
+          <p:sp>
+            <p:nvSpPr>
+              <p:cNvPr id="12" name="TextBox 11">
+                <a:extLst>
+                  <a:ext uri="{FF2B5EF4-FFF2-40B4-BE49-F238E27FC236}">
+                    <a16:creationId xmlns:a16="http://schemas.microsoft.com/office/drawing/2014/main" id="{1FF9C53F-7115-C2B2-B3A6-9DD9B9CDC85A}"/>
+                  </a:ext>
+                </a:extLst>
+              </p:cNvPr>
+              <p:cNvSpPr txBox="1">
+                <a:spLocks noRot="1" noChangeAspect="1" noMove="1" noResize="1" noEditPoints="1" noAdjustHandles="1" noChangeArrowheads="1" noChangeShapeType="1" noTextEdit="1"/>
+              </p:cNvSpPr>
+              <p:nvPr/>
+            </p:nvSpPr>
+            <p:spPr>
+              <a:xfrm>
+                <a:off x="6231194" y="5376521"/>
+                <a:ext cx="1991635" cy="298415"/>
+              </a:xfrm>
+              <a:prstGeom prst="rect">
+                <a:avLst/>
+              </a:prstGeom>
+              <a:blipFill>
+                <a:blip r:embed="rId6"/>
+                <a:stretch>
+                  <a:fillRect l="-1529" r="-1835" b="-26531"/>
+                </a:stretch>
+              </a:blipFill>
+            </p:spPr>
+            <p:txBody>
+              <a:bodyPr/>
+              <a:lstStyle/>
+              <a:p>
+                <a:r>
+                  <a:rPr lang="fr-CA">
+                    <a:noFill/>
+                  </a:rPr>
+                  <a:t> </a:t>
+                </a:r>
+              </a:p>
+            </p:txBody>
+          </p:sp>
+        </mc:Fallback>
+      </mc:AlternateContent>
+      <mc:AlternateContent xmlns:mc="http://schemas.openxmlformats.org/markup-compatibility/2006">
+        <mc:Choice xmlns:a14="http://schemas.microsoft.com/office/drawing/2010/main" Requires="a14">
+          <p:sp>
+            <p:nvSpPr>
+              <p:cNvPr id="13" name="TextBox 12">
+                <a:extLst>
+                  <a:ext uri="{FF2B5EF4-FFF2-40B4-BE49-F238E27FC236}">
+                    <a16:creationId xmlns:a16="http://schemas.microsoft.com/office/drawing/2014/main" id="{C48F4655-969A-50E7-1CC6-F46CC9F4E064}"/>
+                  </a:ext>
+                </a:extLst>
+              </p:cNvPr>
+              <p:cNvSpPr txBox="1"/>
+              <p:nvPr/>
+            </p:nvSpPr>
+            <p:spPr>
+              <a:xfrm>
+                <a:off x="2851066" y="2865996"/>
+                <a:ext cx="1993303" cy="298415"/>
+              </a:xfrm>
+              <a:prstGeom prst="rect">
+                <a:avLst/>
+              </a:prstGeom>
+              <a:noFill/>
+            </p:spPr>
+            <p:txBody>
+              <a:bodyPr wrap="none" lIns="0" tIns="0" rIns="0" bIns="0" rtlCol="0">
+                <a:spAutoFit/>
+              </a:bodyPr>
+              <a:lstStyle/>
+              <a:p>
+                <a14:m>
+                  <m:oMathPara xmlns:m="http://schemas.openxmlformats.org/officeDocument/2006/math">
+                    <m:oMathParaPr>
+                      <m:jc m:val="centerGroup"/>
+                    </m:oMathParaPr>
+                    <m:oMath xmlns:m="http://schemas.openxmlformats.org/officeDocument/2006/math">
+                      <m:sSub>
+                        <m:sSubPr>
+                          <m:ctrlPr>
+                            <a:rPr lang="fr-CA" i="1" smtClean="0">
+                              <a:latin typeface="Cambria Math" panose="02040503050406030204" pitchFamily="18" charset="0"/>
+                            </a:rPr>
+                          </m:ctrlPr>
+                        </m:sSubPr>
+                        <m:e>
+                          <m:r>
+                            <a:rPr lang="en-US" b="0" i="1" smtClean="0">
+                              <a:latin typeface="Cambria Math" panose="02040503050406030204" pitchFamily="18" charset="0"/>
+                            </a:rPr>
+                            <m:t>𝑦</m:t>
+                          </m:r>
+                        </m:e>
+                        <m:sub>
+                          <m:r>
+                            <a:rPr lang="en-US" i="1">
+                              <a:latin typeface="Cambria Math" panose="02040503050406030204" pitchFamily="18" charset="0"/>
+                            </a:rPr>
+                            <m:t>𝑡𝑟𝑒𝑎𝑠𝑢𝑟𝑒</m:t>
+                          </m:r>
+                          <m:r>
+                            <a:rPr lang="en-US" i="1">
+                              <a:latin typeface="Cambria Math" panose="02040503050406030204" pitchFamily="18" charset="0"/>
+                            </a:rPr>
+                            <m:t> </m:t>
+                          </m:r>
+                        </m:sub>
+                      </m:sSub>
+                      <m:r>
+                        <a:rPr lang="en-US" i="1">
+                          <a:latin typeface="Cambria Math" panose="02040503050406030204" pitchFamily="18" charset="0"/>
+                        </a:rPr>
+                        <m:t> − </m:t>
+                      </m:r>
+                      <m:sSub>
+                        <m:sSubPr>
+                          <m:ctrlPr>
+                            <a:rPr lang="en-US" i="1" smtClean="0">
+                              <a:latin typeface="Cambria Math" panose="02040503050406030204" pitchFamily="18" charset="0"/>
+                            </a:rPr>
+                          </m:ctrlPr>
+                        </m:sSubPr>
+                        <m:e>
+                          <m:r>
+                            <a:rPr lang="en-US" b="0" i="1" smtClean="0">
+                              <a:latin typeface="Cambria Math" panose="02040503050406030204" pitchFamily="18" charset="0"/>
+                            </a:rPr>
+                            <m:t>𝑦</m:t>
+                          </m:r>
+                        </m:e>
+                        <m:sub>
+                          <m:r>
+                            <a:rPr lang="en-US" i="1">
+                              <a:latin typeface="Cambria Math" panose="02040503050406030204" pitchFamily="18" charset="0"/>
+                            </a:rPr>
+                            <m:t>𝑝𝑖𝑟𝑎𝑡𝑒</m:t>
+                          </m:r>
+                        </m:sub>
+                      </m:sSub>
+                    </m:oMath>
+                  </m:oMathPara>
+                </a14:m>
+                <a:endParaRPr lang="fr-CA" dirty="0"/>
+              </a:p>
+            </p:txBody>
+          </p:sp>
+        </mc:Choice>
+        <mc:Fallback>
+          <p:sp>
+            <p:nvSpPr>
+              <p:cNvPr id="13" name="TextBox 12">
+                <a:extLst>
+                  <a:ext uri="{FF2B5EF4-FFF2-40B4-BE49-F238E27FC236}">
+                    <a16:creationId xmlns:a16="http://schemas.microsoft.com/office/drawing/2014/main" id="{C48F4655-969A-50E7-1CC6-F46CC9F4E064}"/>
+                  </a:ext>
+                </a:extLst>
+              </p:cNvPr>
+              <p:cNvSpPr txBox="1">
+                <a:spLocks noRot="1" noChangeAspect="1" noMove="1" noResize="1" noEditPoints="1" noAdjustHandles="1" noChangeArrowheads="1" noChangeShapeType="1" noTextEdit="1"/>
+              </p:cNvSpPr>
+              <p:nvPr/>
+            </p:nvSpPr>
+            <p:spPr>
+              <a:xfrm>
+                <a:off x="2851066" y="2865996"/>
+                <a:ext cx="1993303" cy="298415"/>
+              </a:xfrm>
+              <a:prstGeom prst="rect">
+                <a:avLst/>
+              </a:prstGeom>
+              <a:blipFill>
+                <a:blip r:embed="rId7"/>
+                <a:stretch>
+                  <a:fillRect l="-2752" r="-1835" b="-26531"/>
+                </a:stretch>
+              </a:blipFill>
+            </p:spPr>
+            <p:txBody>
+              <a:bodyPr/>
+              <a:lstStyle/>
+              <a:p>
+                <a:r>
+                  <a:rPr lang="fr-CA">
+                    <a:noFill/>
+                  </a:rPr>
+                  <a:t> </a:t>
+                </a:r>
+              </a:p>
+            </p:txBody>
+          </p:sp>
+        </mc:Fallback>
+      </mc:AlternateContent>
+      <mc:AlternateContent xmlns:mc="http://schemas.openxmlformats.org/markup-compatibility/2006">
+        <mc:Choice xmlns:a14="http://schemas.microsoft.com/office/drawing/2010/main" Requires="a14">
+          <p:sp>
+            <p:nvSpPr>
+              <p:cNvPr id="14" name="TextBox 13">
+                <a:extLst>
+                  <a:ext uri="{FF2B5EF4-FFF2-40B4-BE49-F238E27FC236}">
+                    <a16:creationId xmlns:a16="http://schemas.microsoft.com/office/drawing/2014/main" id="{D2545DCC-1E94-00DA-C1FE-E078E3EE808D}"/>
+                  </a:ext>
+                </a:extLst>
+              </p:cNvPr>
+              <p:cNvSpPr txBox="1"/>
+              <p:nvPr/>
+            </p:nvSpPr>
+            <p:spPr>
+              <a:xfrm>
+                <a:off x="8968352" y="3863695"/>
+                <a:ext cx="407740" cy="615553"/>
+              </a:xfrm>
+              <a:prstGeom prst="rect">
+                <a:avLst/>
+              </a:prstGeom>
+              <a:noFill/>
+            </p:spPr>
+            <p:txBody>
+              <a:bodyPr wrap="none" lIns="0" tIns="0" rIns="0" bIns="0" rtlCol="0">
+                <a:spAutoFit/>
+              </a:bodyPr>
+              <a:lstStyle/>
+              <a:p>
+                <a14:m>
+                  <m:oMathPara xmlns:m="http://schemas.openxmlformats.org/officeDocument/2006/math">
+                    <m:oMathParaPr>
+                      <m:jc m:val="centerGroup"/>
+                    </m:oMathParaPr>
+                    <m:oMath xmlns:m="http://schemas.openxmlformats.org/officeDocument/2006/math">
+                      <m:r>
+                        <a:rPr lang="fr-CA" sz="4000" i="1" smtClean="0">
+                          <a:latin typeface="Cambria Math" panose="02040503050406030204" pitchFamily="18" charset="0"/>
+                          <a:ea typeface="Cambria Math" panose="02040503050406030204" pitchFamily="18" charset="0"/>
+                        </a:rPr>
+                        <m:t>𝜃</m:t>
+                      </m:r>
+                    </m:oMath>
+                  </m:oMathPara>
+                </a14:m>
+                <a:endParaRPr lang="fr-CA" sz="4000" dirty="0"/>
+              </a:p>
+            </p:txBody>
+          </p:sp>
+        </mc:Choice>
+        <mc:Fallback>
+          <p:sp>
+            <p:nvSpPr>
+              <p:cNvPr id="14" name="TextBox 13">
+                <a:extLst>
+                  <a:ext uri="{FF2B5EF4-FFF2-40B4-BE49-F238E27FC236}">
+                    <a16:creationId xmlns:a16="http://schemas.microsoft.com/office/drawing/2014/main" id="{D2545DCC-1E94-00DA-C1FE-E078E3EE808D}"/>
+                  </a:ext>
+                </a:extLst>
+              </p:cNvPr>
+              <p:cNvSpPr txBox="1">
+                <a:spLocks noRot="1" noChangeAspect="1" noMove="1" noResize="1" noEditPoints="1" noAdjustHandles="1" noChangeArrowheads="1" noChangeShapeType="1" noTextEdit="1"/>
+              </p:cNvSpPr>
+              <p:nvPr/>
+            </p:nvSpPr>
+            <p:spPr>
+              <a:xfrm>
+                <a:off x="8968352" y="3863695"/>
+                <a:ext cx="407740" cy="615553"/>
+              </a:xfrm>
+              <a:prstGeom prst="rect">
+                <a:avLst/>
+              </a:prstGeom>
+              <a:blipFill>
+                <a:blip r:embed="rId8"/>
+                <a:stretch>
+                  <a:fillRect/>
+                </a:stretch>
+              </a:blipFill>
+            </p:spPr>
+            <p:txBody>
+              <a:bodyPr/>
+              <a:lstStyle/>
+              <a:p>
+                <a:r>
+                  <a:rPr lang="fr-CA">
+                    <a:noFill/>
+                  </a:rPr>
+                  <a:t> </a:t>
+                </a:r>
+              </a:p>
+            </p:txBody>
+          </p:sp>
+        </mc:Fallback>
+      </mc:AlternateContent>
+      <p:sp>
+        <p:nvSpPr>
+          <p:cNvPr id="15" name="Arc 14">
+            <a:extLst>
+              <a:ext uri="{FF2B5EF4-FFF2-40B4-BE49-F238E27FC236}">
+                <a16:creationId xmlns:a16="http://schemas.microsoft.com/office/drawing/2014/main" id="{3A9355F4-6A56-C3CD-79B4-AAB95E6ACFD3}"/>
+              </a:ext>
+            </a:extLst>
+          </p:cNvPr>
+          <p:cNvSpPr/>
+          <p:nvPr/>
+        </p:nvSpPr>
+        <p:spPr>
+          <a:xfrm rot="20688471">
+            <a:off x="8273846" y="4412979"/>
+            <a:ext cx="914400" cy="914400"/>
+          </a:xfrm>
+          <a:prstGeom prst="arc">
+            <a:avLst>
+              <a:gd name="adj1" fmla="val 15157043"/>
+              <a:gd name="adj2" fmla="val 1578278"/>
+            </a:avLst>
+          </a:prstGeom>
+          <a:ln w="38100"/>
+        </p:spPr>
+        <p:style>
+          <a:lnRef idx="2">
+            <a:schemeClr val="dk1"/>
+          </a:lnRef>
+          <a:fillRef idx="0">
+            <a:schemeClr val="dk1"/>
+          </a:fillRef>
+          <a:effectRef idx="1">
+            <a:schemeClr val="dk1"/>
+          </a:effectRef>
+          <a:fontRef idx="minor">
+            <a:schemeClr val="tx1"/>
+          </a:fontRef>
+        </p:style>
+        <p:txBody>
+          <a:bodyPr rtlCol="0" anchor="ctr"/>
+          <a:lstStyle/>
+          <a:p>
+            <a:pPr algn="ctr"/>
+            <a:endParaRPr lang="fr-CA"/>
+          </a:p>
+        </p:txBody>
+      </p:sp>
+      <mc:AlternateContent xmlns:mc="http://schemas.openxmlformats.org/markup-compatibility/2006">
+        <mc:Choice xmlns:a14="http://schemas.microsoft.com/office/drawing/2010/main" Requires="a14">
+          <p:sp>
+            <p:nvSpPr>
+              <p:cNvPr id="16" name="TextBox 15">
+                <a:extLst>
+                  <a:ext uri="{FF2B5EF4-FFF2-40B4-BE49-F238E27FC236}">
+                    <a16:creationId xmlns:a16="http://schemas.microsoft.com/office/drawing/2014/main" id="{41040D1F-F546-13CB-0F81-E5A158213F8D}"/>
+                  </a:ext>
+                </a:extLst>
+              </p:cNvPr>
+              <p:cNvSpPr txBox="1"/>
+              <p:nvPr/>
+            </p:nvSpPr>
+            <p:spPr>
+              <a:xfrm>
+                <a:off x="6537052" y="532312"/>
+                <a:ext cx="5173339" cy="976036"/>
+              </a:xfrm>
+              <a:prstGeom prst="rect">
+                <a:avLst/>
+              </a:prstGeom>
+              <a:noFill/>
+            </p:spPr>
+            <p:txBody>
+              <a:bodyPr wrap="none" lIns="0" tIns="0" rIns="0" bIns="0" rtlCol="0">
+                <a:spAutoFit/>
+              </a:bodyPr>
+              <a:lstStyle/>
+              <a:p>
+                <a14:m>
+                  <m:oMathPara xmlns:m="http://schemas.openxmlformats.org/officeDocument/2006/math">
+                    <m:oMathParaPr>
+                      <m:jc m:val="centerGroup"/>
+                    </m:oMathParaPr>
+                    <m:oMath xmlns:m="http://schemas.openxmlformats.org/officeDocument/2006/math">
+                      <m:r>
+                        <a:rPr lang="fr-CA" sz="2800" i="1" smtClean="0">
+                          <a:latin typeface="Cambria Math" panose="02040503050406030204" pitchFamily="18" charset="0"/>
+                          <a:ea typeface="Cambria Math" panose="02040503050406030204" pitchFamily="18" charset="0"/>
+                        </a:rPr>
+                        <m:t>𝜃</m:t>
+                      </m:r>
+                      <m:r>
+                        <a:rPr lang="en-US" sz="2800" b="0" i="1" smtClean="0">
+                          <a:latin typeface="Cambria Math" panose="02040503050406030204" pitchFamily="18" charset="0"/>
+                          <a:ea typeface="Cambria Math" panose="02040503050406030204" pitchFamily="18" charset="0"/>
+                        </a:rPr>
+                        <m:t>=</m:t>
+                      </m:r>
+                      <m:func>
+                        <m:funcPr>
+                          <m:ctrlPr>
+                            <a:rPr lang="en-US" sz="2800" b="0" i="1" smtClean="0">
+                              <a:latin typeface="Cambria Math" panose="02040503050406030204" pitchFamily="18" charset="0"/>
+                              <a:ea typeface="Cambria Math" panose="02040503050406030204" pitchFamily="18" charset="0"/>
+                            </a:rPr>
+                          </m:ctrlPr>
+                        </m:funcPr>
+                        <m:fName>
+                          <m:sSup>
+                            <m:sSupPr>
+                              <m:ctrlPr>
+                                <a:rPr lang="en-US" sz="2800" b="0" i="1" smtClean="0">
+                                  <a:latin typeface="Cambria Math" panose="02040503050406030204" pitchFamily="18" charset="0"/>
+                                  <a:ea typeface="Cambria Math" panose="02040503050406030204" pitchFamily="18" charset="0"/>
+                                </a:rPr>
+                              </m:ctrlPr>
+                            </m:sSupPr>
+                            <m:e>
+                              <m:r>
+                                <m:rPr>
+                                  <m:sty m:val="p"/>
+                                </m:rPr>
+                                <a:rPr lang="en-US" sz="2800" b="0" i="0" smtClean="0">
+                                  <a:latin typeface="Cambria Math" panose="02040503050406030204" pitchFamily="18" charset="0"/>
+                                  <a:ea typeface="Cambria Math" panose="02040503050406030204" pitchFamily="18" charset="0"/>
+                                </a:rPr>
+                                <m:t>tan</m:t>
+                              </m:r>
+                            </m:e>
+                            <m:sup>
+                              <m:r>
+                                <a:rPr lang="en-US" sz="2800" b="0" i="1" smtClean="0">
+                                  <a:latin typeface="Cambria Math" panose="02040503050406030204" pitchFamily="18" charset="0"/>
+                                  <a:ea typeface="Cambria Math" panose="02040503050406030204" pitchFamily="18" charset="0"/>
+                                </a:rPr>
+                                <m:t>−1</m:t>
+                              </m:r>
+                            </m:sup>
+                          </m:sSup>
+                        </m:fName>
+                        <m:e>
+                          <m:d>
+                            <m:dPr>
+                              <m:ctrlPr>
+                                <a:rPr lang="en-US" sz="2800" b="0" i="1" smtClean="0">
+                                  <a:latin typeface="Cambria Math" panose="02040503050406030204" pitchFamily="18" charset="0"/>
+                                  <a:ea typeface="Cambria Math" panose="02040503050406030204" pitchFamily="18" charset="0"/>
+                                </a:rPr>
+                              </m:ctrlPr>
+                            </m:dPr>
+                            <m:e>
+                              <m:f>
+                                <m:fPr>
+                                  <m:ctrlPr>
+                                    <a:rPr lang="en-US" sz="2800" b="0" i="1" smtClean="0">
+                                      <a:latin typeface="Cambria Math" panose="02040503050406030204" pitchFamily="18" charset="0"/>
+                                      <a:ea typeface="Cambria Math" panose="02040503050406030204" pitchFamily="18" charset="0"/>
+                                    </a:rPr>
+                                  </m:ctrlPr>
+                                </m:fPr>
+                                <m:num>
+                                  <m:sSub>
+                                    <m:sSubPr>
+                                      <m:ctrlPr>
+                                        <a:rPr lang="fr-CA" sz="2800" i="1">
+                                          <a:latin typeface="Cambria Math" panose="02040503050406030204" pitchFamily="18" charset="0"/>
+                                        </a:rPr>
+                                      </m:ctrlPr>
+                                    </m:sSubPr>
+                                    <m:e>
+                                      <m:r>
+                                        <a:rPr lang="en-US" sz="2800" i="1">
+                                          <a:latin typeface="Cambria Math" panose="02040503050406030204" pitchFamily="18" charset="0"/>
+                                        </a:rPr>
+                                        <m:t>𝑦</m:t>
+                                      </m:r>
+                                    </m:e>
+                                    <m:sub>
+                                      <m:r>
+                                        <a:rPr lang="en-US" sz="2800" i="1">
+                                          <a:latin typeface="Cambria Math" panose="02040503050406030204" pitchFamily="18" charset="0"/>
+                                        </a:rPr>
+                                        <m:t>𝑡𝑟𝑒𝑎𝑠𝑢𝑟𝑒</m:t>
+                                      </m:r>
+                                      <m:r>
+                                        <a:rPr lang="en-US" sz="2800" i="1">
+                                          <a:latin typeface="Cambria Math" panose="02040503050406030204" pitchFamily="18" charset="0"/>
+                                        </a:rPr>
+                                        <m:t> </m:t>
+                                      </m:r>
+                                    </m:sub>
+                                  </m:sSub>
+                                  <m:r>
+                                    <a:rPr lang="en-US" sz="2800" i="1">
+                                      <a:latin typeface="Cambria Math" panose="02040503050406030204" pitchFamily="18" charset="0"/>
+                                    </a:rPr>
+                                    <m:t> − </m:t>
+                                  </m:r>
+                                  <m:sSub>
+                                    <m:sSubPr>
+                                      <m:ctrlPr>
+                                        <a:rPr lang="en-US" sz="2800" i="1">
+                                          <a:latin typeface="Cambria Math" panose="02040503050406030204" pitchFamily="18" charset="0"/>
+                                        </a:rPr>
+                                      </m:ctrlPr>
+                                    </m:sSubPr>
+                                    <m:e>
+                                      <m:r>
+                                        <a:rPr lang="en-US" sz="2800" i="1">
+                                          <a:latin typeface="Cambria Math" panose="02040503050406030204" pitchFamily="18" charset="0"/>
+                                        </a:rPr>
+                                        <m:t>𝑦</m:t>
+                                      </m:r>
+                                    </m:e>
+                                    <m:sub>
+                                      <m:r>
+                                        <a:rPr lang="en-US" sz="2800" i="1">
+                                          <a:latin typeface="Cambria Math" panose="02040503050406030204" pitchFamily="18" charset="0"/>
+                                        </a:rPr>
+                                        <m:t>𝑝𝑖𝑟𝑎𝑡𝑒</m:t>
+                                      </m:r>
+                                    </m:sub>
+                                  </m:sSub>
+                                </m:num>
+                                <m:den>
+                                  <m:sSub>
+                                    <m:sSubPr>
+                                      <m:ctrlPr>
+                                        <a:rPr lang="fr-CA" sz="2800" i="1">
+                                          <a:latin typeface="Cambria Math" panose="02040503050406030204" pitchFamily="18" charset="0"/>
+                                        </a:rPr>
+                                      </m:ctrlPr>
+                                    </m:sSubPr>
+                                    <m:e>
+                                      <m:r>
+                                        <a:rPr lang="en-US" sz="2800" i="1">
+                                          <a:latin typeface="Cambria Math" panose="02040503050406030204" pitchFamily="18" charset="0"/>
+                                        </a:rPr>
+                                        <m:t>𝑥</m:t>
+                                      </m:r>
+                                    </m:e>
+                                    <m:sub>
+                                      <m:r>
+                                        <a:rPr lang="en-US" sz="2800" i="1">
+                                          <a:latin typeface="Cambria Math" panose="02040503050406030204" pitchFamily="18" charset="0"/>
+                                        </a:rPr>
+                                        <m:t>𝑡𝑟𝑒𝑎𝑠𝑢𝑟𝑒</m:t>
+                                      </m:r>
+                                      <m:r>
+                                        <a:rPr lang="en-US" sz="2800" i="1">
+                                          <a:latin typeface="Cambria Math" panose="02040503050406030204" pitchFamily="18" charset="0"/>
+                                        </a:rPr>
+                                        <m:t> </m:t>
+                                      </m:r>
+                                    </m:sub>
+                                  </m:sSub>
+                                  <m:r>
+                                    <a:rPr lang="en-US" sz="2800" i="1">
+                                      <a:latin typeface="Cambria Math" panose="02040503050406030204" pitchFamily="18" charset="0"/>
+                                    </a:rPr>
+                                    <m:t> − </m:t>
+                                  </m:r>
+                                  <m:sSub>
+                                    <m:sSubPr>
+                                      <m:ctrlPr>
+                                        <a:rPr lang="en-US" sz="2800" i="1">
+                                          <a:latin typeface="Cambria Math" panose="02040503050406030204" pitchFamily="18" charset="0"/>
+                                        </a:rPr>
+                                      </m:ctrlPr>
+                                    </m:sSubPr>
+                                    <m:e>
+                                      <m:r>
+                                        <a:rPr lang="en-US" sz="2800" i="1">
+                                          <a:latin typeface="Cambria Math" panose="02040503050406030204" pitchFamily="18" charset="0"/>
+                                        </a:rPr>
+                                        <m:t>𝑥</m:t>
+                                      </m:r>
+                                    </m:e>
+                                    <m:sub>
+                                      <m:r>
+                                        <a:rPr lang="en-US" sz="2800" i="1">
+                                          <a:latin typeface="Cambria Math" panose="02040503050406030204" pitchFamily="18" charset="0"/>
+                                        </a:rPr>
+                                        <m:t>𝑝𝑖𝑟𝑎𝑡𝑒</m:t>
+                                      </m:r>
+                                    </m:sub>
+                                  </m:sSub>
+                                  <m:r>
+                                    <m:rPr>
+                                      <m:nor/>
+                                    </m:rPr>
+                                    <a:rPr lang="fr-CA" sz="2800" dirty="0"/>
+                                    <m:t> </m:t>
+                                  </m:r>
+                                </m:den>
+                              </m:f>
+                            </m:e>
+                          </m:d>
+                        </m:e>
+                      </m:func>
+                    </m:oMath>
+                  </m:oMathPara>
+                </a14:m>
+                <a:endParaRPr lang="fr-CA" sz="2800" dirty="0"/>
+              </a:p>
+            </p:txBody>
+          </p:sp>
+        </mc:Choice>
+        <mc:Fallback>
+          <p:sp>
+            <p:nvSpPr>
+              <p:cNvPr id="16" name="TextBox 15">
+                <a:extLst>
+                  <a:ext uri="{FF2B5EF4-FFF2-40B4-BE49-F238E27FC236}">
+                    <a16:creationId xmlns:a16="http://schemas.microsoft.com/office/drawing/2014/main" id="{41040D1F-F546-13CB-0F81-E5A158213F8D}"/>
+                  </a:ext>
+                </a:extLst>
+              </p:cNvPr>
+              <p:cNvSpPr txBox="1">
+                <a:spLocks noRot="1" noChangeAspect="1" noMove="1" noResize="1" noEditPoints="1" noAdjustHandles="1" noChangeArrowheads="1" noChangeShapeType="1" noTextEdit="1"/>
+              </p:cNvSpPr>
+              <p:nvPr/>
+            </p:nvSpPr>
+            <p:spPr>
+              <a:xfrm>
+                <a:off x="6537052" y="532312"/>
+                <a:ext cx="5173339" cy="976036"/>
+              </a:xfrm>
+              <a:prstGeom prst="rect">
+                <a:avLst/>
+              </a:prstGeom>
+              <a:blipFill>
+                <a:blip r:embed="rId9"/>
+                <a:stretch>
+                  <a:fillRect/>
+                </a:stretch>
+              </a:blipFill>
+            </p:spPr>
+            <p:txBody>
+              <a:bodyPr/>
+              <a:lstStyle/>
+              <a:p>
+                <a:r>
+                  <a:rPr lang="fr-CA">
+                    <a:noFill/>
+                  </a:rPr>
+                  <a:t> </a:t>
+                </a:r>
+              </a:p>
+            </p:txBody>
+          </p:sp>
+        </mc:Fallback>
+      </mc:AlternateContent>
+      <p:cxnSp>
+        <p:nvCxnSpPr>
+          <p:cNvPr id="17" name="Straight Arrow Connector 16">
+            <a:extLst>
+              <a:ext uri="{FF2B5EF4-FFF2-40B4-BE49-F238E27FC236}">
+                <a16:creationId xmlns:a16="http://schemas.microsoft.com/office/drawing/2014/main" id="{D1641261-EAB7-053F-6596-8D06A80BF4E1}"/>
+              </a:ext>
+            </a:extLst>
+          </p:cNvPr>
+          <p:cNvCxnSpPr>
+            <a:cxnSpLocks/>
+          </p:cNvCxnSpPr>
+          <p:nvPr/>
+        </p:nvCxnSpPr>
+        <p:spPr>
+          <a:xfrm>
+            <a:off x="8050152" y="4925961"/>
+            <a:ext cx="3285204" cy="0"/>
+          </a:xfrm>
+          <a:prstGeom prst="straightConnector1">
+            <a:avLst/>
+          </a:prstGeom>
+          <a:ln w="57150">
+            <a:prstDash val="sysDash"/>
+            <a:headEnd type="none" w="med" len="med"/>
+            <a:tailEnd type="none" w="med" len="med"/>
+          </a:ln>
+        </p:spPr>
+        <p:style>
+          <a:lnRef idx="2">
+            <a:schemeClr val="accent1"/>
+          </a:lnRef>
+          <a:fillRef idx="0">
+            <a:schemeClr val="accent1"/>
+          </a:fillRef>
+          <a:effectRef idx="1">
+            <a:schemeClr val="accent1"/>
+          </a:effectRef>
+          <a:fontRef idx="minor">
+            <a:schemeClr val="tx1"/>
+          </a:fontRef>
+        </p:style>
+      </p:cxnSp>
     </p:spTree>
     <p:extLst>
       <p:ext uri="{BB962C8B-B14F-4D97-AF65-F5344CB8AC3E}">

--- a/Images_Youmna.pptx
+++ b/Images_Youmna.pptx
@@ -4,6 +4,9 @@
   <p:sldMasterIdLst>
     <p:sldMasterId id="2147483648" r:id="rId1"/>
   </p:sldMasterIdLst>
+  <p:notesMasterIdLst>
+    <p:notesMasterId r:id="rId24"/>
+  </p:notesMasterIdLst>
   <p:sldIdLst>
     <p:sldId id="262" r:id="rId2"/>
     <p:sldId id="263" r:id="rId3"/>
@@ -15,16 +18,18 @@
     <p:sldId id="274" r:id="rId9"/>
     <p:sldId id="275" r:id="rId10"/>
     <p:sldId id="276" r:id="rId11"/>
-    <p:sldId id="270" r:id="rId12"/>
-    <p:sldId id="271" r:id="rId13"/>
-    <p:sldId id="259" r:id="rId14"/>
-    <p:sldId id="260" r:id="rId15"/>
-    <p:sldId id="258" r:id="rId16"/>
-    <p:sldId id="261" r:id="rId17"/>
-    <p:sldId id="266" r:id="rId18"/>
-    <p:sldId id="267" r:id="rId19"/>
-    <p:sldId id="268" r:id="rId20"/>
-    <p:sldId id="269" r:id="rId21"/>
+    <p:sldId id="277" r:id="rId12"/>
+    <p:sldId id="278" r:id="rId13"/>
+    <p:sldId id="270" r:id="rId14"/>
+    <p:sldId id="271" r:id="rId15"/>
+    <p:sldId id="259" r:id="rId16"/>
+    <p:sldId id="260" r:id="rId17"/>
+    <p:sldId id="258" r:id="rId18"/>
+    <p:sldId id="261" r:id="rId19"/>
+    <p:sldId id="266" r:id="rId20"/>
+    <p:sldId id="267" r:id="rId21"/>
+    <p:sldId id="268" r:id="rId22"/>
+    <p:sldId id="269" r:id="rId23"/>
   </p:sldIdLst>
   <p:sldSz cx="12192000" cy="6858000"/>
   <p:notesSz cx="6858000" cy="9144000"/>
@@ -131,6 +136,440 @@
 </p:presentation>
 </file>
 
+<file path=ppt/notesMasters/notesMaster1.xml><?xml version="1.0" encoding="utf-8"?>
+<p:notesMaster xmlns:a="http://schemas.openxmlformats.org/drawingml/2006/main" xmlns:r="http://schemas.openxmlformats.org/officeDocument/2006/relationships" xmlns:p="http://schemas.openxmlformats.org/presentationml/2006/main">
+  <p:cSld>
+    <p:bg>
+      <p:bgRef idx="1001">
+        <a:schemeClr val="bg1"/>
+      </p:bgRef>
+    </p:bg>
+    <p:spTree>
+      <p:nvGrpSpPr>
+        <p:cNvPr id="1" name=""/>
+        <p:cNvGrpSpPr/>
+        <p:nvPr/>
+      </p:nvGrpSpPr>
+      <p:grpSpPr>
+        <a:xfrm>
+          <a:off x="0" y="0"/>
+          <a:ext cx="0" cy="0"/>
+          <a:chOff x="0" y="0"/>
+          <a:chExt cx="0" cy="0"/>
+        </a:xfrm>
+      </p:grpSpPr>
+      <p:sp>
+        <p:nvSpPr>
+          <p:cNvPr id="2" name="Header Placeholder 1"/>
+          <p:cNvSpPr>
+            <a:spLocks noGrp="1"/>
+          </p:cNvSpPr>
+          <p:nvPr>
+            <p:ph type="hdr" sz="quarter"/>
+          </p:nvPr>
+        </p:nvSpPr>
+        <p:spPr>
+          <a:xfrm>
+            <a:off x="0" y="0"/>
+            <a:ext cx="2971800" cy="458788"/>
+          </a:xfrm>
+          <a:prstGeom prst="rect">
+            <a:avLst/>
+          </a:prstGeom>
+        </p:spPr>
+        <p:txBody>
+          <a:bodyPr vert="horz" lIns="91440" tIns="45720" rIns="91440" bIns="45720" rtlCol="0"/>
+          <a:lstStyle>
+            <a:lvl1pPr algn="l">
+              <a:defRPr sz="1200"/>
+            </a:lvl1pPr>
+          </a:lstStyle>
+          <a:p>
+            <a:endParaRPr lang="fr-CA"/>
+          </a:p>
+        </p:txBody>
+      </p:sp>
+      <p:sp>
+        <p:nvSpPr>
+          <p:cNvPr id="3" name="Date Placeholder 2"/>
+          <p:cNvSpPr>
+            <a:spLocks noGrp="1"/>
+          </p:cNvSpPr>
+          <p:nvPr>
+            <p:ph type="dt" idx="1"/>
+          </p:nvPr>
+        </p:nvSpPr>
+        <p:spPr>
+          <a:xfrm>
+            <a:off x="3884613" y="0"/>
+            <a:ext cx="2971800" cy="458788"/>
+          </a:xfrm>
+          <a:prstGeom prst="rect">
+            <a:avLst/>
+          </a:prstGeom>
+        </p:spPr>
+        <p:txBody>
+          <a:bodyPr vert="horz" lIns="91440" tIns="45720" rIns="91440" bIns="45720" rtlCol="0"/>
+          <a:lstStyle>
+            <a:lvl1pPr algn="r">
+              <a:defRPr sz="1200"/>
+            </a:lvl1pPr>
+          </a:lstStyle>
+          <a:p>
+            <a:fld id="{1CCE3347-6229-4A36-B7EA-84D3DDFD5B0A}" type="datetimeFigureOut">
+              <a:rPr lang="fr-CA" smtClean="0"/>
+              <a:t>2024-09-25</a:t>
+            </a:fld>
+            <a:endParaRPr lang="fr-CA"/>
+          </a:p>
+        </p:txBody>
+      </p:sp>
+      <p:sp>
+        <p:nvSpPr>
+          <p:cNvPr id="4" name="Slide Image Placeholder 3"/>
+          <p:cNvSpPr>
+            <a:spLocks noGrp="1" noRot="1" noChangeAspect="1"/>
+          </p:cNvSpPr>
+          <p:nvPr>
+            <p:ph type="sldImg" idx="2"/>
+          </p:nvPr>
+        </p:nvSpPr>
+        <p:spPr>
+          <a:xfrm>
+            <a:off x="685800" y="1143000"/>
+            <a:ext cx="5486400" cy="3086100"/>
+          </a:xfrm>
+          <a:prstGeom prst="rect">
+            <a:avLst/>
+          </a:prstGeom>
+          <a:noFill/>
+          <a:ln w="12700">
+            <a:solidFill>
+              <a:prstClr val="black"/>
+            </a:solidFill>
+          </a:ln>
+        </p:spPr>
+        <p:txBody>
+          <a:bodyPr vert="horz" lIns="91440" tIns="45720" rIns="91440" bIns="45720" rtlCol="0" anchor="ctr"/>
+          <a:lstStyle/>
+          <a:p>
+            <a:endParaRPr lang="fr-CA"/>
+          </a:p>
+        </p:txBody>
+      </p:sp>
+      <p:sp>
+        <p:nvSpPr>
+          <p:cNvPr id="5" name="Notes Placeholder 4"/>
+          <p:cNvSpPr>
+            <a:spLocks noGrp="1"/>
+          </p:cNvSpPr>
+          <p:nvPr>
+            <p:ph type="body" sz="quarter" idx="3"/>
+          </p:nvPr>
+        </p:nvSpPr>
+        <p:spPr>
+          <a:xfrm>
+            <a:off x="685800" y="4400550"/>
+            <a:ext cx="5486400" cy="3600450"/>
+          </a:xfrm>
+          <a:prstGeom prst="rect">
+            <a:avLst/>
+          </a:prstGeom>
+        </p:spPr>
+        <p:txBody>
+          <a:bodyPr vert="horz" lIns="91440" tIns="45720" rIns="91440" bIns="45720" rtlCol="0"/>
+          <a:lstStyle/>
+          <a:p>
+            <a:pPr lvl="0"/>
+            <a:r>
+              <a:rPr lang="en-US"/>
+              <a:t>Click to edit Master text styles</a:t>
+            </a:r>
+          </a:p>
+          <a:p>
+            <a:pPr lvl="1"/>
+            <a:r>
+              <a:rPr lang="en-US"/>
+              <a:t>Second level</a:t>
+            </a:r>
+          </a:p>
+          <a:p>
+            <a:pPr lvl="2"/>
+            <a:r>
+              <a:rPr lang="en-US"/>
+              <a:t>Third level</a:t>
+            </a:r>
+          </a:p>
+          <a:p>
+            <a:pPr lvl="3"/>
+            <a:r>
+              <a:rPr lang="en-US"/>
+              <a:t>Fourth level</a:t>
+            </a:r>
+          </a:p>
+          <a:p>
+            <a:pPr lvl="4"/>
+            <a:r>
+              <a:rPr lang="en-US"/>
+              <a:t>Fifth level</a:t>
+            </a:r>
+            <a:endParaRPr lang="fr-CA"/>
+          </a:p>
+        </p:txBody>
+      </p:sp>
+      <p:sp>
+        <p:nvSpPr>
+          <p:cNvPr id="6" name="Footer Placeholder 5"/>
+          <p:cNvSpPr>
+            <a:spLocks noGrp="1"/>
+          </p:cNvSpPr>
+          <p:nvPr>
+            <p:ph type="ftr" sz="quarter" idx="4"/>
+          </p:nvPr>
+        </p:nvSpPr>
+        <p:spPr>
+          <a:xfrm>
+            <a:off x="0" y="8685213"/>
+            <a:ext cx="2971800" cy="458787"/>
+          </a:xfrm>
+          <a:prstGeom prst="rect">
+            <a:avLst/>
+          </a:prstGeom>
+        </p:spPr>
+        <p:txBody>
+          <a:bodyPr vert="horz" lIns="91440" tIns="45720" rIns="91440" bIns="45720" rtlCol="0" anchor="b"/>
+          <a:lstStyle>
+            <a:lvl1pPr algn="l">
+              <a:defRPr sz="1200"/>
+            </a:lvl1pPr>
+          </a:lstStyle>
+          <a:p>
+            <a:endParaRPr lang="fr-CA"/>
+          </a:p>
+        </p:txBody>
+      </p:sp>
+      <p:sp>
+        <p:nvSpPr>
+          <p:cNvPr id="7" name="Slide Number Placeholder 6"/>
+          <p:cNvSpPr>
+            <a:spLocks noGrp="1"/>
+          </p:cNvSpPr>
+          <p:nvPr>
+            <p:ph type="sldNum" sz="quarter" idx="5"/>
+          </p:nvPr>
+        </p:nvSpPr>
+        <p:spPr>
+          <a:xfrm>
+            <a:off x="3884613" y="8685213"/>
+            <a:ext cx="2971800" cy="458787"/>
+          </a:xfrm>
+          <a:prstGeom prst="rect">
+            <a:avLst/>
+          </a:prstGeom>
+        </p:spPr>
+        <p:txBody>
+          <a:bodyPr vert="horz" lIns="91440" tIns="45720" rIns="91440" bIns="45720" rtlCol="0" anchor="b"/>
+          <a:lstStyle>
+            <a:lvl1pPr algn="r">
+              <a:defRPr sz="1200"/>
+            </a:lvl1pPr>
+          </a:lstStyle>
+          <a:p>
+            <a:fld id="{DC469113-9F80-4FF7-8D09-31083FF4FEEC}" type="slidenum">
+              <a:rPr lang="fr-CA" smtClean="0"/>
+              <a:t>‹#›</a:t>
+            </a:fld>
+            <a:endParaRPr lang="fr-CA"/>
+          </a:p>
+        </p:txBody>
+      </p:sp>
+    </p:spTree>
+    <p:extLst>
+      <p:ext uri="{BB962C8B-B14F-4D97-AF65-F5344CB8AC3E}">
+        <p14:creationId xmlns:p14="http://schemas.microsoft.com/office/powerpoint/2010/main" val="1708997768"/>
+      </p:ext>
+    </p:extLst>
+  </p:cSld>
+  <p:clrMap bg1="lt1" tx1="dk1" bg2="lt2" tx2="dk2" accent1="accent1" accent2="accent2" accent3="accent3" accent4="accent4" accent5="accent5" accent6="accent6" hlink="hlink" folHlink="folHlink"/>
+  <p:notesStyle>
+    <a:lvl1pPr marL="0" algn="l" defTabSz="914400" rtl="0" eaLnBrk="1" latinLnBrk="0" hangingPunct="1">
+      <a:defRPr sz="1200" kern="1200">
+        <a:solidFill>
+          <a:schemeClr val="tx1"/>
+        </a:solidFill>
+        <a:latin typeface="+mn-lt"/>
+        <a:ea typeface="+mn-ea"/>
+        <a:cs typeface="+mn-cs"/>
+      </a:defRPr>
+    </a:lvl1pPr>
+    <a:lvl2pPr marL="457200" algn="l" defTabSz="914400" rtl="0" eaLnBrk="1" latinLnBrk="0" hangingPunct="1">
+      <a:defRPr sz="1200" kern="1200">
+        <a:solidFill>
+          <a:schemeClr val="tx1"/>
+        </a:solidFill>
+        <a:latin typeface="+mn-lt"/>
+        <a:ea typeface="+mn-ea"/>
+        <a:cs typeface="+mn-cs"/>
+      </a:defRPr>
+    </a:lvl2pPr>
+    <a:lvl3pPr marL="914400" algn="l" defTabSz="914400" rtl="0" eaLnBrk="1" latinLnBrk="0" hangingPunct="1">
+      <a:defRPr sz="1200" kern="1200">
+        <a:solidFill>
+          <a:schemeClr val="tx1"/>
+        </a:solidFill>
+        <a:latin typeface="+mn-lt"/>
+        <a:ea typeface="+mn-ea"/>
+        <a:cs typeface="+mn-cs"/>
+      </a:defRPr>
+    </a:lvl3pPr>
+    <a:lvl4pPr marL="1371600" algn="l" defTabSz="914400" rtl="0" eaLnBrk="1" latinLnBrk="0" hangingPunct="1">
+      <a:defRPr sz="1200" kern="1200">
+        <a:solidFill>
+          <a:schemeClr val="tx1"/>
+        </a:solidFill>
+        <a:latin typeface="+mn-lt"/>
+        <a:ea typeface="+mn-ea"/>
+        <a:cs typeface="+mn-cs"/>
+      </a:defRPr>
+    </a:lvl4pPr>
+    <a:lvl5pPr marL="1828800" algn="l" defTabSz="914400" rtl="0" eaLnBrk="1" latinLnBrk="0" hangingPunct="1">
+      <a:defRPr sz="1200" kern="1200">
+        <a:solidFill>
+          <a:schemeClr val="tx1"/>
+        </a:solidFill>
+        <a:latin typeface="+mn-lt"/>
+        <a:ea typeface="+mn-ea"/>
+        <a:cs typeface="+mn-cs"/>
+      </a:defRPr>
+    </a:lvl5pPr>
+    <a:lvl6pPr marL="2286000" algn="l" defTabSz="914400" rtl="0" eaLnBrk="1" latinLnBrk="0" hangingPunct="1">
+      <a:defRPr sz="1200" kern="1200">
+        <a:solidFill>
+          <a:schemeClr val="tx1"/>
+        </a:solidFill>
+        <a:latin typeface="+mn-lt"/>
+        <a:ea typeface="+mn-ea"/>
+        <a:cs typeface="+mn-cs"/>
+      </a:defRPr>
+    </a:lvl6pPr>
+    <a:lvl7pPr marL="2743200" algn="l" defTabSz="914400" rtl="0" eaLnBrk="1" latinLnBrk="0" hangingPunct="1">
+      <a:defRPr sz="1200" kern="1200">
+        <a:solidFill>
+          <a:schemeClr val="tx1"/>
+        </a:solidFill>
+        <a:latin typeface="+mn-lt"/>
+        <a:ea typeface="+mn-ea"/>
+        <a:cs typeface="+mn-cs"/>
+      </a:defRPr>
+    </a:lvl7pPr>
+    <a:lvl8pPr marL="3200400" algn="l" defTabSz="914400" rtl="0" eaLnBrk="1" latinLnBrk="0" hangingPunct="1">
+      <a:defRPr sz="1200" kern="1200">
+        <a:solidFill>
+          <a:schemeClr val="tx1"/>
+        </a:solidFill>
+        <a:latin typeface="+mn-lt"/>
+        <a:ea typeface="+mn-ea"/>
+        <a:cs typeface="+mn-cs"/>
+      </a:defRPr>
+    </a:lvl8pPr>
+    <a:lvl9pPr marL="3657600" algn="l" defTabSz="914400" rtl="0" eaLnBrk="1" latinLnBrk="0" hangingPunct="1">
+      <a:defRPr sz="1200" kern="1200">
+        <a:solidFill>
+          <a:schemeClr val="tx1"/>
+        </a:solidFill>
+        <a:latin typeface="+mn-lt"/>
+        <a:ea typeface="+mn-ea"/>
+        <a:cs typeface="+mn-cs"/>
+      </a:defRPr>
+    </a:lvl9pPr>
+  </p:notesStyle>
+</p:notesMaster>
+</file>
+
+<file path=ppt/notesSlides/notesSlide1.xml><?xml version="1.0" encoding="utf-8"?>
+<p:notes xmlns:a="http://schemas.openxmlformats.org/drawingml/2006/main" xmlns:r="http://schemas.openxmlformats.org/officeDocument/2006/relationships" xmlns:p="http://schemas.openxmlformats.org/presentationml/2006/main">
+  <p:cSld>
+    <p:spTree>
+      <p:nvGrpSpPr>
+        <p:cNvPr id="1" name=""/>
+        <p:cNvGrpSpPr/>
+        <p:nvPr/>
+      </p:nvGrpSpPr>
+      <p:grpSpPr>
+        <a:xfrm>
+          <a:off x="0" y="0"/>
+          <a:ext cx="0" cy="0"/>
+          <a:chOff x="0" y="0"/>
+          <a:chExt cx="0" cy="0"/>
+        </a:xfrm>
+      </p:grpSpPr>
+      <p:sp>
+        <p:nvSpPr>
+          <p:cNvPr id="2" name="Slide Image Placeholder 1"/>
+          <p:cNvSpPr>
+            <a:spLocks noGrp="1" noRot="1" noChangeAspect="1"/>
+          </p:cNvSpPr>
+          <p:nvPr>
+            <p:ph type="sldImg"/>
+          </p:nvPr>
+        </p:nvSpPr>
+        <p:spPr/>
+      </p:sp>
+      <p:sp>
+        <p:nvSpPr>
+          <p:cNvPr id="3" name="Notes Placeholder 2"/>
+          <p:cNvSpPr>
+            <a:spLocks noGrp="1"/>
+          </p:cNvSpPr>
+          <p:nvPr>
+            <p:ph type="body" idx="1"/>
+          </p:nvPr>
+        </p:nvSpPr>
+        <p:spPr/>
+        <p:txBody>
+          <a:bodyPr/>
+          <a:lstStyle/>
+          <a:p>
+            <a:endParaRPr lang="fr-CA" dirty="0"/>
+          </a:p>
+        </p:txBody>
+      </p:sp>
+      <p:sp>
+        <p:nvSpPr>
+          <p:cNvPr id="4" name="Slide Number Placeholder 3"/>
+          <p:cNvSpPr>
+            <a:spLocks noGrp="1"/>
+          </p:cNvSpPr>
+          <p:nvPr>
+            <p:ph type="sldNum" sz="quarter" idx="5"/>
+          </p:nvPr>
+        </p:nvSpPr>
+        <p:spPr/>
+        <p:txBody>
+          <a:bodyPr/>
+          <a:lstStyle/>
+          <a:p>
+            <a:fld id="{DC469113-9F80-4FF7-8D09-31083FF4FEEC}" type="slidenum">
+              <a:rPr lang="fr-CA" smtClean="0"/>
+              <a:t>12</a:t>
+            </a:fld>
+            <a:endParaRPr lang="fr-CA"/>
+          </a:p>
+        </p:txBody>
+      </p:sp>
+    </p:spTree>
+    <p:extLst>
+      <p:ext uri="{BB962C8B-B14F-4D97-AF65-F5344CB8AC3E}">
+        <p14:creationId xmlns:p14="http://schemas.microsoft.com/office/powerpoint/2010/main" val="3448252214"/>
+      </p:ext>
+    </p:extLst>
+  </p:cSld>
+  <p:clrMapOvr>
+    <a:masterClrMapping/>
+  </p:clrMapOvr>
+</p:notes>
+</file>
+
 <file path=ppt/slideLayouts/slideLayout1.xml><?xml version="1.0" encoding="utf-8"?>
 <p:sldLayout xmlns:a="http://schemas.openxmlformats.org/drawingml/2006/main" xmlns:r="http://schemas.openxmlformats.org/officeDocument/2006/relationships" xmlns:p="http://schemas.openxmlformats.org/presentationml/2006/main" type="title" preserve="1">
   <p:cSld name="Title Slide">
@@ -280,7 +719,7 @@
           <a:p>
             <a:fld id="{0F77A28A-3D95-4505-B6A9-5725374991B4}" type="datetimeFigureOut">
               <a:rPr lang="fr-CA" smtClean="0"/>
-              <a:t>2024-09-18</a:t>
+              <a:t>2024-09-25</a:t>
             </a:fld>
             <a:endParaRPr lang="fr-CA"/>
           </a:p>
@@ -480,7 +919,7 @@
           <a:p>
             <a:fld id="{0F77A28A-3D95-4505-B6A9-5725374991B4}" type="datetimeFigureOut">
               <a:rPr lang="fr-CA" smtClean="0"/>
-              <a:t>2024-09-18</a:t>
+              <a:t>2024-09-25</a:t>
             </a:fld>
             <a:endParaRPr lang="fr-CA"/>
           </a:p>
@@ -690,7 +1129,7 @@
           <a:p>
             <a:fld id="{0F77A28A-3D95-4505-B6A9-5725374991B4}" type="datetimeFigureOut">
               <a:rPr lang="fr-CA" smtClean="0"/>
-              <a:t>2024-09-18</a:t>
+              <a:t>2024-09-25</a:t>
             </a:fld>
             <a:endParaRPr lang="fr-CA"/>
           </a:p>
@@ -890,7 +1329,7 @@
           <a:p>
             <a:fld id="{0F77A28A-3D95-4505-B6A9-5725374991B4}" type="datetimeFigureOut">
               <a:rPr lang="fr-CA" smtClean="0"/>
-              <a:t>2024-09-18</a:t>
+              <a:t>2024-09-25</a:t>
             </a:fld>
             <a:endParaRPr lang="fr-CA"/>
           </a:p>
@@ -1166,7 +1605,7 @@
           <a:p>
             <a:fld id="{0F77A28A-3D95-4505-B6A9-5725374991B4}" type="datetimeFigureOut">
               <a:rPr lang="fr-CA" smtClean="0"/>
-              <a:t>2024-09-18</a:t>
+              <a:t>2024-09-25</a:t>
             </a:fld>
             <a:endParaRPr lang="fr-CA"/>
           </a:p>
@@ -1434,7 +1873,7 @@
           <a:p>
             <a:fld id="{0F77A28A-3D95-4505-B6A9-5725374991B4}" type="datetimeFigureOut">
               <a:rPr lang="fr-CA" smtClean="0"/>
-              <a:t>2024-09-18</a:t>
+              <a:t>2024-09-25</a:t>
             </a:fld>
             <a:endParaRPr lang="fr-CA"/>
           </a:p>
@@ -1849,7 +2288,7 @@
           <a:p>
             <a:fld id="{0F77A28A-3D95-4505-B6A9-5725374991B4}" type="datetimeFigureOut">
               <a:rPr lang="fr-CA" smtClean="0"/>
-              <a:t>2024-09-18</a:t>
+              <a:t>2024-09-25</a:t>
             </a:fld>
             <a:endParaRPr lang="fr-CA"/>
           </a:p>
@@ -1991,7 +2430,7 @@
           <a:p>
             <a:fld id="{0F77A28A-3D95-4505-B6A9-5725374991B4}" type="datetimeFigureOut">
               <a:rPr lang="fr-CA" smtClean="0"/>
-              <a:t>2024-09-18</a:t>
+              <a:t>2024-09-25</a:t>
             </a:fld>
             <a:endParaRPr lang="fr-CA"/>
           </a:p>
@@ -2104,7 +2543,7 @@
           <a:p>
             <a:fld id="{0F77A28A-3D95-4505-B6A9-5725374991B4}" type="datetimeFigureOut">
               <a:rPr lang="fr-CA" smtClean="0"/>
-              <a:t>2024-09-18</a:t>
+              <a:t>2024-09-25</a:t>
             </a:fld>
             <a:endParaRPr lang="fr-CA"/>
           </a:p>
@@ -2417,7 +2856,7 @@
           <a:p>
             <a:fld id="{0F77A28A-3D95-4505-B6A9-5725374991B4}" type="datetimeFigureOut">
               <a:rPr lang="fr-CA" smtClean="0"/>
-              <a:t>2024-09-18</a:t>
+              <a:t>2024-09-25</a:t>
             </a:fld>
             <a:endParaRPr lang="fr-CA"/>
           </a:p>
@@ -2706,7 +3145,7 @@
           <a:p>
             <a:fld id="{0F77A28A-3D95-4505-B6A9-5725374991B4}" type="datetimeFigureOut">
               <a:rPr lang="fr-CA" smtClean="0"/>
-              <a:t>2024-09-18</a:t>
+              <a:t>2024-09-25</a:t>
             </a:fld>
             <a:endParaRPr lang="fr-CA"/>
           </a:p>
@@ -2949,7 +3388,7 @@
           <a:p>
             <a:fld id="{0F77A28A-3D95-4505-B6A9-5725374991B4}" type="datetimeFigureOut">
               <a:rPr lang="fr-CA" smtClean="0"/>
-              <a:t>2024-09-18</a:t>
+              <a:t>2024-09-25</a:t>
             </a:fld>
             <a:endParaRPr lang="fr-CA"/>
           </a:p>
@@ -8240,10 +8679,10 @@
       </p:grpSpPr>
       <p:sp>
         <p:nvSpPr>
-          <p:cNvPr id="2" name="Flowchart: Manual Operation 1">
-            <a:extLst>
-              <a:ext uri="{FF2B5EF4-FFF2-40B4-BE49-F238E27FC236}">
-                <a16:creationId xmlns:a16="http://schemas.microsoft.com/office/drawing/2014/main" id="{58C3442A-6B31-E22A-33A3-7CF67365E020}"/>
+          <p:cNvPr id="4" name="Flowchart: Manual Operation 3">
+            <a:extLst>
+              <a:ext uri="{FF2B5EF4-FFF2-40B4-BE49-F238E27FC236}">
+                <a16:creationId xmlns:a16="http://schemas.microsoft.com/office/drawing/2014/main" id="{428D9DFE-C81A-79AF-B707-CF0AFBFF48D2}"/>
               </a:ext>
             </a:extLst>
           </p:cNvPr>
@@ -8284,6 +8723,1038 @@
           </a:p>
         </p:txBody>
       </p:sp>
+      <mc:AlternateContent xmlns:mc="http://schemas.openxmlformats.org/markup-compatibility/2006">
+        <mc:Choice xmlns:a14="http://schemas.microsoft.com/office/drawing/2010/main" Requires="a14">
+          <p:sp>
+            <p:nvSpPr>
+              <p:cNvPr id="5" name="Cube 4">
+                <a:extLst>
+                  <a:ext uri="{FF2B5EF4-FFF2-40B4-BE49-F238E27FC236}">
+                    <a16:creationId xmlns:a16="http://schemas.microsoft.com/office/drawing/2014/main" id="{95D73351-0DF1-155C-53FB-F933F25C936C}"/>
+                  </a:ext>
+                </a:extLst>
+              </p:cNvPr>
+              <p:cNvSpPr/>
+              <p:nvPr/>
+            </p:nvSpPr>
+            <p:spPr>
+              <a:xfrm>
+                <a:off x="3795252" y="2369574"/>
+                <a:ext cx="3991897" cy="1592826"/>
+              </a:xfrm>
+              <a:prstGeom prst="cube">
+                <a:avLst/>
+              </a:prstGeom>
+            </p:spPr>
+            <p:style>
+              <a:lnRef idx="2">
+                <a:schemeClr val="accent1">
+                  <a:shade val="15000"/>
+                </a:schemeClr>
+              </a:lnRef>
+              <a:fillRef idx="1">
+                <a:schemeClr val="accent1"/>
+              </a:fillRef>
+              <a:effectRef idx="0">
+                <a:schemeClr val="accent1"/>
+              </a:effectRef>
+              <a:fontRef idx="minor">
+                <a:schemeClr val="lt1"/>
+              </a:fontRef>
+            </p:style>
+            <p:txBody>
+              <a:bodyPr rtlCol="0" anchor="ctr"/>
+              <a:lstStyle/>
+              <a:p>
+                <a:pPr algn="ctr"/>
+                <a14:m>
+                  <m:oMathPara xmlns:m="http://schemas.openxmlformats.org/officeDocument/2006/math">
+                    <m:oMathParaPr>
+                      <m:jc m:val="centerGroup"/>
+                    </m:oMathParaPr>
+                    <m:oMath xmlns:m="http://schemas.openxmlformats.org/officeDocument/2006/math">
+                      <m:r>
+                        <a:rPr lang="en-US" sz="3200" b="0" i="1" dirty="0" smtClean="0">
+                          <a:latin typeface="Cambria Math" panose="02040503050406030204" pitchFamily="18" charset="0"/>
+                        </a:rPr>
+                        <m:t>𝑓</m:t>
+                      </m:r>
+                      <m:d>
+                        <m:dPr>
+                          <m:ctrlPr>
+                            <a:rPr lang="en-US" sz="3200" b="0" i="1" dirty="0" smtClean="0">
+                              <a:latin typeface="Cambria Math" panose="02040503050406030204" pitchFamily="18" charset="0"/>
+                            </a:rPr>
+                          </m:ctrlPr>
+                        </m:dPr>
+                        <m:e>
+                          <m:r>
+                            <a:rPr lang="en-US" sz="3200" b="0" i="1" dirty="0" smtClean="0">
+                              <a:latin typeface="Cambria Math" panose="02040503050406030204" pitchFamily="18" charset="0"/>
+                            </a:rPr>
+                            <m:t>𝑥</m:t>
+                          </m:r>
+                        </m:e>
+                      </m:d>
+                      <m:r>
+                        <a:rPr lang="en-US" sz="3200" b="0" i="1" dirty="0" smtClean="0">
+                          <a:latin typeface="Cambria Math" panose="02040503050406030204" pitchFamily="18" charset="0"/>
+                        </a:rPr>
+                        <m:t>=</m:t>
+                      </m:r>
+                      <m:sSup>
+                        <m:sSupPr>
+                          <m:ctrlPr>
+                            <a:rPr lang="en-US" sz="3200" b="0" i="1" dirty="0" smtClean="0">
+                              <a:latin typeface="Cambria Math" panose="02040503050406030204" pitchFamily="18" charset="0"/>
+                            </a:rPr>
+                          </m:ctrlPr>
+                        </m:sSupPr>
+                        <m:e>
+                          <m:r>
+                            <a:rPr lang="en-US" sz="3200" b="0" i="1" dirty="0" smtClean="0">
+                              <a:latin typeface="Cambria Math" panose="02040503050406030204" pitchFamily="18" charset="0"/>
+                            </a:rPr>
+                            <m:t>𝑥</m:t>
+                          </m:r>
+                        </m:e>
+                        <m:sup>
+                          <m:r>
+                            <a:rPr lang="en-US" sz="3200" b="0" i="1" dirty="0" smtClean="0">
+                              <a:latin typeface="Cambria Math" panose="02040503050406030204" pitchFamily="18" charset="0"/>
+                            </a:rPr>
+                            <m:t>2</m:t>
+                          </m:r>
+                        </m:sup>
+                      </m:sSup>
+                    </m:oMath>
+                  </m:oMathPara>
+                </a14:m>
+                <a:endParaRPr lang="fr-CA" dirty="0"/>
+              </a:p>
+            </p:txBody>
+          </p:sp>
+        </mc:Choice>
+        <mc:Fallback>
+          <p:sp>
+            <p:nvSpPr>
+              <p:cNvPr id="5" name="Cube 4">
+                <a:extLst>
+                  <a:ext uri="{FF2B5EF4-FFF2-40B4-BE49-F238E27FC236}">
+                    <a16:creationId xmlns:a16="http://schemas.microsoft.com/office/drawing/2014/main" id="{95D73351-0DF1-155C-53FB-F933F25C936C}"/>
+                  </a:ext>
+                </a:extLst>
+              </p:cNvPr>
+              <p:cNvSpPr>
+                <a:spLocks noRot="1" noChangeAspect="1" noMove="1" noResize="1" noEditPoints="1" noAdjustHandles="1" noChangeArrowheads="1" noChangeShapeType="1" noTextEdit="1"/>
+              </p:cNvSpPr>
+              <p:nvPr/>
+            </p:nvSpPr>
+            <p:spPr>
+              <a:xfrm>
+                <a:off x="3795252" y="2369574"/>
+                <a:ext cx="3991897" cy="1592826"/>
+              </a:xfrm>
+              <a:prstGeom prst="cube">
+                <a:avLst/>
+              </a:prstGeom>
+              <a:blipFill>
+                <a:blip r:embed="rId2"/>
+                <a:stretch>
+                  <a:fillRect/>
+                </a:stretch>
+              </a:blipFill>
+            </p:spPr>
+            <p:txBody>
+              <a:bodyPr/>
+              <a:lstStyle/>
+              <a:p>
+                <a:r>
+                  <a:rPr lang="fr-CA">
+                    <a:noFill/>
+                  </a:rPr>
+                  <a:t> </a:t>
+                </a:r>
+              </a:p>
+            </p:txBody>
+          </p:sp>
+        </mc:Fallback>
+      </mc:AlternateContent>
+      <p:sp>
+        <p:nvSpPr>
+          <p:cNvPr id="6" name="Flowchart: Manual Operation 5">
+            <a:extLst>
+              <a:ext uri="{FF2B5EF4-FFF2-40B4-BE49-F238E27FC236}">
+                <a16:creationId xmlns:a16="http://schemas.microsoft.com/office/drawing/2014/main" id="{8E265F03-3F84-1FF1-36E2-E3437471225B}"/>
+              </a:ext>
+            </a:extLst>
+          </p:cNvPr>
+          <p:cNvSpPr/>
+          <p:nvPr/>
+        </p:nvSpPr>
+        <p:spPr>
+          <a:xfrm>
+            <a:off x="4119716" y="1897625"/>
+            <a:ext cx="796413" cy="766916"/>
+          </a:xfrm>
+          <a:prstGeom prst="flowChartManualOperation">
+            <a:avLst/>
+          </a:prstGeom>
+        </p:spPr>
+        <p:style>
+          <a:lnRef idx="2">
+            <a:schemeClr val="accent1">
+              <a:shade val="15000"/>
+            </a:schemeClr>
+          </a:lnRef>
+          <a:fillRef idx="1">
+            <a:schemeClr val="accent1"/>
+          </a:fillRef>
+          <a:effectRef idx="0">
+            <a:schemeClr val="accent1"/>
+          </a:effectRef>
+          <a:fontRef idx="minor">
+            <a:schemeClr val="lt1"/>
+          </a:fontRef>
+        </p:style>
+        <p:txBody>
+          <a:bodyPr rtlCol="0" anchor="ctr"/>
+          <a:lstStyle/>
+          <a:p>
+            <a:pPr algn="ctr"/>
+            <a:endParaRPr lang="fr-CA"/>
+          </a:p>
+        </p:txBody>
+      </p:sp>
+      <p:sp>
+        <p:nvSpPr>
+          <p:cNvPr id="7" name="TextBox 6">
+            <a:extLst>
+              <a:ext uri="{FF2B5EF4-FFF2-40B4-BE49-F238E27FC236}">
+                <a16:creationId xmlns:a16="http://schemas.microsoft.com/office/drawing/2014/main" id="{6641239C-EE2F-7A9F-B25A-D1D4367E8761}"/>
+              </a:ext>
+            </a:extLst>
+          </p:cNvPr>
+          <p:cNvSpPr txBox="1"/>
+          <p:nvPr/>
+        </p:nvSpPr>
+        <p:spPr>
+          <a:xfrm>
+            <a:off x="4100049" y="1158971"/>
+            <a:ext cx="491613" cy="523220"/>
+          </a:xfrm>
+          <a:prstGeom prst="rect">
+            <a:avLst/>
+          </a:prstGeom>
+          <a:noFill/>
+        </p:spPr>
+        <p:txBody>
+          <a:bodyPr wrap="square" rtlCol="0">
+            <a:spAutoFit/>
+          </a:bodyPr>
+          <a:lstStyle/>
+          <a:p>
+            <a:r>
+              <a:rPr lang="en-US" sz="2800" b="1" dirty="0">
+                <a:ln w="9525">
+                  <a:solidFill>
+                    <a:schemeClr val="bg1"/>
+                  </a:solidFill>
+                  <a:prstDash val="solid"/>
+                </a:ln>
+                <a:effectLst>
+                  <a:outerShdw blurRad="12700" dist="38100" dir="2700000" algn="tl" rotWithShape="0">
+                    <a:schemeClr val="bg1">
+                      <a:lumMod val="50000"/>
+                    </a:schemeClr>
+                  </a:outerShdw>
+                </a:effectLst>
+              </a:rPr>
+              <a:t>2</a:t>
+            </a:r>
+            <a:endParaRPr lang="fr-CA" b="1" dirty="0">
+              <a:ln w="9525">
+                <a:solidFill>
+                  <a:schemeClr val="bg1"/>
+                </a:solidFill>
+                <a:prstDash val="solid"/>
+              </a:ln>
+              <a:effectLst>
+                <a:outerShdw blurRad="12700" dist="38100" dir="2700000" algn="tl" rotWithShape="0">
+                  <a:schemeClr val="bg1">
+                    <a:lumMod val="50000"/>
+                  </a:schemeClr>
+                </a:outerShdw>
+              </a:effectLst>
+            </a:endParaRPr>
+          </a:p>
+        </p:txBody>
+      </p:sp>
+      <p:sp>
+        <p:nvSpPr>
+          <p:cNvPr id="8" name="TextBox 7">
+            <a:extLst>
+              <a:ext uri="{FF2B5EF4-FFF2-40B4-BE49-F238E27FC236}">
+                <a16:creationId xmlns:a16="http://schemas.microsoft.com/office/drawing/2014/main" id="{4A602A80-1B95-9D22-65FF-5EDA5B81C6C7}"/>
+              </a:ext>
+            </a:extLst>
+          </p:cNvPr>
+          <p:cNvSpPr txBox="1"/>
+          <p:nvPr/>
+        </p:nvSpPr>
+        <p:spPr>
+          <a:xfrm>
+            <a:off x="4272115" y="876821"/>
+            <a:ext cx="491613" cy="523220"/>
+          </a:xfrm>
+          <a:prstGeom prst="rect">
+            <a:avLst/>
+          </a:prstGeom>
+          <a:noFill/>
+        </p:spPr>
+        <p:txBody>
+          <a:bodyPr wrap="square" rtlCol="0">
+            <a:spAutoFit/>
+          </a:bodyPr>
+          <a:lstStyle/>
+          <a:p>
+            <a:r>
+              <a:rPr lang="en-US" sz="2800" b="1" dirty="0">
+                <a:ln w="9525">
+                  <a:solidFill>
+                    <a:schemeClr val="bg1"/>
+                  </a:solidFill>
+                  <a:prstDash val="solid"/>
+                </a:ln>
+                <a:effectLst>
+                  <a:outerShdw blurRad="12700" dist="38100" dir="2700000" algn="tl" rotWithShape="0">
+                    <a:schemeClr val="bg1">
+                      <a:lumMod val="50000"/>
+                    </a:schemeClr>
+                  </a:outerShdw>
+                </a:effectLst>
+              </a:rPr>
+              <a:t>3</a:t>
+            </a:r>
+            <a:endParaRPr lang="fr-CA" b="1" dirty="0">
+              <a:ln w="9525">
+                <a:solidFill>
+                  <a:schemeClr val="bg1"/>
+                </a:solidFill>
+                <a:prstDash val="solid"/>
+              </a:ln>
+              <a:effectLst>
+                <a:outerShdw blurRad="12700" dist="38100" dir="2700000" algn="tl" rotWithShape="0">
+                  <a:schemeClr val="bg1">
+                    <a:lumMod val="50000"/>
+                  </a:schemeClr>
+                </a:outerShdw>
+              </a:effectLst>
+            </a:endParaRPr>
+          </a:p>
+        </p:txBody>
+      </p:sp>
+      <p:sp>
+        <p:nvSpPr>
+          <p:cNvPr id="9" name="TextBox 8">
+            <a:extLst>
+              <a:ext uri="{FF2B5EF4-FFF2-40B4-BE49-F238E27FC236}">
+                <a16:creationId xmlns:a16="http://schemas.microsoft.com/office/drawing/2014/main" id="{70EA2C23-7318-163E-6D44-CA2818C6D2A3}"/>
+              </a:ext>
+            </a:extLst>
+          </p:cNvPr>
+          <p:cNvSpPr txBox="1"/>
+          <p:nvPr/>
+        </p:nvSpPr>
+        <p:spPr>
+          <a:xfrm>
+            <a:off x="4444181" y="1282054"/>
+            <a:ext cx="491613" cy="523220"/>
+          </a:xfrm>
+          <a:prstGeom prst="rect">
+            <a:avLst/>
+          </a:prstGeom>
+          <a:noFill/>
+        </p:spPr>
+        <p:txBody>
+          <a:bodyPr wrap="square" rtlCol="0">
+            <a:spAutoFit/>
+          </a:bodyPr>
+          <a:lstStyle/>
+          <a:p>
+            <a:r>
+              <a:rPr lang="en-US" sz="2800" b="1" dirty="0">
+                <a:ln w="9525">
+                  <a:solidFill>
+                    <a:schemeClr val="bg1"/>
+                  </a:solidFill>
+                  <a:prstDash val="solid"/>
+                </a:ln>
+                <a:effectLst>
+                  <a:outerShdw blurRad="12700" dist="38100" dir="2700000" algn="tl" rotWithShape="0">
+                    <a:schemeClr val="bg1">
+                      <a:lumMod val="50000"/>
+                    </a:schemeClr>
+                  </a:outerShdw>
+                </a:effectLst>
+              </a:rPr>
+              <a:t>4</a:t>
+            </a:r>
+            <a:endParaRPr lang="fr-CA" b="1" dirty="0">
+              <a:ln w="9525">
+                <a:solidFill>
+                  <a:schemeClr val="bg1"/>
+                </a:solidFill>
+                <a:prstDash val="solid"/>
+              </a:ln>
+              <a:effectLst>
+                <a:outerShdw blurRad="12700" dist="38100" dir="2700000" algn="tl" rotWithShape="0">
+                  <a:schemeClr val="bg1">
+                    <a:lumMod val="50000"/>
+                  </a:schemeClr>
+                </a:outerShdw>
+              </a:effectLst>
+            </a:endParaRPr>
+          </a:p>
+        </p:txBody>
+      </p:sp>
+      <p:sp>
+        <p:nvSpPr>
+          <p:cNvPr id="10" name="TextBox 9">
+            <a:extLst>
+              <a:ext uri="{FF2B5EF4-FFF2-40B4-BE49-F238E27FC236}">
+                <a16:creationId xmlns:a16="http://schemas.microsoft.com/office/drawing/2014/main" id="{67FC864D-7403-DD9C-44D1-5EF7294B7F8C}"/>
+              </a:ext>
+            </a:extLst>
+          </p:cNvPr>
+          <p:cNvSpPr txBox="1"/>
+          <p:nvPr/>
+        </p:nvSpPr>
+        <p:spPr>
+          <a:xfrm>
+            <a:off x="6941572" y="4670323"/>
+            <a:ext cx="491613" cy="523220"/>
+          </a:xfrm>
+          <a:prstGeom prst="rect">
+            <a:avLst/>
+          </a:prstGeom>
+          <a:noFill/>
+        </p:spPr>
+        <p:txBody>
+          <a:bodyPr wrap="square" rtlCol="0">
+            <a:spAutoFit/>
+          </a:bodyPr>
+          <a:lstStyle/>
+          <a:p>
+            <a:r>
+              <a:rPr lang="en-US" sz="2800" b="1" dirty="0">
+                <a:ln w="9525">
+                  <a:solidFill>
+                    <a:schemeClr val="bg1"/>
+                  </a:solidFill>
+                  <a:prstDash val="solid"/>
+                </a:ln>
+                <a:effectLst>
+                  <a:outerShdw blurRad="12700" dist="38100" dir="2700000" algn="tl" rotWithShape="0">
+                    <a:schemeClr val="bg1">
+                      <a:lumMod val="50000"/>
+                    </a:schemeClr>
+                  </a:outerShdw>
+                </a:effectLst>
+              </a:rPr>
+              <a:t>4</a:t>
+            </a:r>
+            <a:endParaRPr lang="fr-CA" b="1" dirty="0">
+              <a:ln w="9525">
+                <a:solidFill>
+                  <a:schemeClr val="bg1"/>
+                </a:solidFill>
+                <a:prstDash val="solid"/>
+              </a:ln>
+              <a:effectLst>
+                <a:outerShdw blurRad="12700" dist="38100" dir="2700000" algn="tl" rotWithShape="0">
+                  <a:schemeClr val="bg1">
+                    <a:lumMod val="50000"/>
+                  </a:schemeClr>
+                </a:outerShdw>
+              </a:effectLst>
+            </a:endParaRPr>
+          </a:p>
+        </p:txBody>
+      </p:sp>
+      <p:sp>
+        <p:nvSpPr>
+          <p:cNvPr id="11" name="TextBox 10">
+            <a:extLst>
+              <a:ext uri="{FF2B5EF4-FFF2-40B4-BE49-F238E27FC236}">
+                <a16:creationId xmlns:a16="http://schemas.microsoft.com/office/drawing/2014/main" id="{17A66AF8-3ED6-1506-C67D-C7840C20F7F2}"/>
+              </a:ext>
+            </a:extLst>
+          </p:cNvPr>
+          <p:cNvSpPr txBox="1"/>
+          <p:nvPr/>
+        </p:nvSpPr>
+        <p:spPr>
+          <a:xfrm>
+            <a:off x="7113638" y="4388173"/>
+            <a:ext cx="491613" cy="523220"/>
+          </a:xfrm>
+          <a:prstGeom prst="rect">
+            <a:avLst/>
+          </a:prstGeom>
+          <a:noFill/>
+        </p:spPr>
+        <p:txBody>
+          <a:bodyPr wrap="square" rtlCol="0">
+            <a:spAutoFit/>
+          </a:bodyPr>
+          <a:lstStyle/>
+          <a:p>
+            <a:r>
+              <a:rPr lang="en-US" sz="2800" b="1" dirty="0">
+                <a:ln w="9525">
+                  <a:solidFill>
+                    <a:schemeClr val="bg1"/>
+                  </a:solidFill>
+                  <a:prstDash val="solid"/>
+                </a:ln>
+                <a:effectLst>
+                  <a:outerShdw blurRad="12700" dist="38100" dir="2700000" algn="tl" rotWithShape="0">
+                    <a:schemeClr val="bg1">
+                      <a:lumMod val="50000"/>
+                    </a:schemeClr>
+                  </a:outerShdw>
+                </a:effectLst>
+              </a:rPr>
+              <a:t>9</a:t>
+            </a:r>
+            <a:endParaRPr lang="fr-CA" b="1" dirty="0">
+              <a:ln w="9525">
+                <a:solidFill>
+                  <a:schemeClr val="bg1"/>
+                </a:solidFill>
+                <a:prstDash val="solid"/>
+              </a:ln>
+              <a:effectLst>
+                <a:outerShdw blurRad="12700" dist="38100" dir="2700000" algn="tl" rotWithShape="0">
+                  <a:schemeClr val="bg1">
+                    <a:lumMod val="50000"/>
+                  </a:schemeClr>
+                </a:outerShdw>
+              </a:effectLst>
+            </a:endParaRPr>
+          </a:p>
+        </p:txBody>
+      </p:sp>
+      <p:sp>
+        <p:nvSpPr>
+          <p:cNvPr id="12" name="TextBox 11">
+            <a:extLst>
+              <a:ext uri="{FF2B5EF4-FFF2-40B4-BE49-F238E27FC236}">
+                <a16:creationId xmlns:a16="http://schemas.microsoft.com/office/drawing/2014/main" id="{8569A8FA-F8CC-B401-6C20-9AC189A32389}"/>
+              </a:ext>
+            </a:extLst>
+          </p:cNvPr>
+          <p:cNvSpPr txBox="1"/>
+          <p:nvPr/>
+        </p:nvSpPr>
+        <p:spPr>
+          <a:xfrm>
+            <a:off x="7295536" y="4670323"/>
+            <a:ext cx="648929" cy="523220"/>
+          </a:xfrm>
+          <a:prstGeom prst="rect">
+            <a:avLst/>
+          </a:prstGeom>
+          <a:noFill/>
+        </p:spPr>
+        <p:txBody>
+          <a:bodyPr wrap="square" rtlCol="0">
+            <a:spAutoFit/>
+          </a:bodyPr>
+          <a:lstStyle/>
+          <a:p>
+            <a:r>
+              <a:rPr lang="en-US" sz="2800" b="1" dirty="0">
+                <a:ln w="9525">
+                  <a:solidFill>
+                    <a:schemeClr val="bg1"/>
+                  </a:solidFill>
+                  <a:prstDash val="solid"/>
+                </a:ln>
+                <a:effectLst>
+                  <a:outerShdw blurRad="12700" dist="38100" dir="2700000" algn="tl" rotWithShape="0">
+                    <a:schemeClr val="bg1">
+                      <a:lumMod val="50000"/>
+                    </a:schemeClr>
+                  </a:outerShdw>
+                </a:effectLst>
+              </a:rPr>
+              <a:t>16</a:t>
+            </a:r>
+            <a:endParaRPr lang="fr-CA" b="1" dirty="0">
+              <a:ln w="9525">
+                <a:solidFill>
+                  <a:schemeClr val="bg1"/>
+                </a:solidFill>
+                <a:prstDash val="solid"/>
+              </a:ln>
+              <a:effectLst>
+                <a:outerShdw blurRad="12700" dist="38100" dir="2700000" algn="tl" rotWithShape="0">
+                  <a:schemeClr val="bg1">
+                    <a:lumMod val="50000"/>
+                  </a:schemeClr>
+                </a:outerShdw>
+              </a:effectLst>
+            </a:endParaRPr>
+          </a:p>
+        </p:txBody>
+      </p:sp>
+      <p:sp>
+        <p:nvSpPr>
+          <p:cNvPr id="13" name="TextBox 12">
+            <a:extLst>
+              <a:ext uri="{FF2B5EF4-FFF2-40B4-BE49-F238E27FC236}">
+                <a16:creationId xmlns:a16="http://schemas.microsoft.com/office/drawing/2014/main" id="{5F51B3DD-5AEE-9B8C-F18B-FEA3142BB177}"/>
+              </a:ext>
+            </a:extLst>
+          </p:cNvPr>
+          <p:cNvSpPr txBox="1"/>
+          <p:nvPr/>
+        </p:nvSpPr>
+        <p:spPr>
+          <a:xfrm>
+            <a:off x="4059689" y="440773"/>
+            <a:ext cx="704039" cy="369332"/>
+          </a:xfrm>
+          <a:prstGeom prst="rect">
+            <a:avLst/>
+          </a:prstGeom>
+          <a:noFill/>
+        </p:spPr>
+        <p:txBody>
+          <a:bodyPr wrap="none" rtlCol="0">
+            <a:spAutoFit/>
+          </a:bodyPr>
+          <a:lstStyle/>
+          <a:p>
+            <a:r>
+              <a:rPr lang="en-US" dirty="0"/>
+              <a:t>Input</a:t>
+            </a:r>
+            <a:endParaRPr lang="fr-CA" dirty="0"/>
+          </a:p>
+        </p:txBody>
+      </p:sp>
+      <p:sp>
+        <p:nvSpPr>
+          <p:cNvPr id="14" name="TextBox 13">
+            <a:extLst>
+              <a:ext uri="{FF2B5EF4-FFF2-40B4-BE49-F238E27FC236}">
+                <a16:creationId xmlns:a16="http://schemas.microsoft.com/office/drawing/2014/main" id="{6C8FD326-7D58-3248-1898-F376B91EF1B4}"/>
+              </a:ext>
+            </a:extLst>
+          </p:cNvPr>
+          <p:cNvSpPr txBox="1"/>
+          <p:nvPr/>
+        </p:nvSpPr>
+        <p:spPr>
+          <a:xfrm>
+            <a:off x="6988191" y="5142272"/>
+            <a:ext cx="889987" cy="369332"/>
+          </a:xfrm>
+          <a:prstGeom prst="rect">
+            <a:avLst/>
+          </a:prstGeom>
+          <a:noFill/>
+        </p:spPr>
+        <p:txBody>
+          <a:bodyPr wrap="none" rtlCol="0">
+            <a:spAutoFit/>
+          </a:bodyPr>
+          <a:lstStyle/>
+          <a:p>
+            <a:r>
+              <a:rPr lang="en-US" dirty="0"/>
+              <a:t>Output</a:t>
+            </a:r>
+            <a:endParaRPr lang="fr-CA" dirty="0"/>
+          </a:p>
+        </p:txBody>
+      </p:sp>
+    </p:spTree>
+    <p:extLst>
+      <p:ext uri="{BB962C8B-B14F-4D97-AF65-F5344CB8AC3E}">
+        <p14:creationId xmlns:p14="http://schemas.microsoft.com/office/powerpoint/2010/main" val="729865443"/>
+      </p:ext>
+    </p:extLst>
+  </p:cSld>
+  <p:clrMapOvr>
+    <a:masterClrMapping/>
+  </p:clrMapOvr>
+</p:sld>
+</file>
+
+<file path=ppt/slides/slide12.xml><?xml version="1.0" encoding="utf-8"?>
+<p:sld xmlns:a="http://schemas.openxmlformats.org/drawingml/2006/main" xmlns:r="http://schemas.openxmlformats.org/officeDocument/2006/relationships" xmlns:p="http://schemas.openxmlformats.org/presentationml/2006/main">
+  <p:cSld>
+    <p:bg>
+      <p:bgPr>
+        <a:solidFill>
+          <a:schemeClr val="bg1"/>
+        </a:solidFill>
+        <a:effectLst/>
+      </p:bgPr>
+    </p:bg>
+    <p:spTree>
+      <p:nvGrpSpPr>
+        <p:cNvPr id="1" name=""/>
+        <p:cNvGrpSpPr/>
+        <p:nvPr/>
+      </p:nvGrpSpPr>
+      <p:grpSpPr>
+        <a:xfrm>
+          <a:off x="0" y="0"/>
+          <a:ext cx="0" cy="0"/>
+          <a:chOff x="0" y="0"/>
+          <a:chExt cx="0" cy="0"/>
+        </a:xfrm>
+      </p:grpSpPr>
+      <p:sp>
+        <p:nvSpPr>
+          <p:cNvPr id="14" name="Rectangle 13">
+            <a:extLst>
+              <a:ext uri="{FF2B5EF4-FFF2-40B4-BE49-F238E27FC236}">
+                <a16:creationId xmlns:a16="http://schemas.microsoft.com/office/drawing/2014/main" id="{0205D939-00C4-4F2E-9797-3170DD040D90}"/>
+              </a:ext>
+              <a:ext uri="{C183D7F6-B498-43B3-948B-1728B52AA6E4}">
+                <adec:decorative xmlns:adec="http://schemas.microsoft.com/office/drawing/2017/decorative" val="1"/>
+              </a:ext>
+            </a:extLst>
+          </p:cNvPr>
+          <p:cNvSpPr>
+            <a:spLocks noGrp="1" noRot="1" noChangeAspect="1" noMove="1" noResize="1" noEditPoints="1" noAdjustHandles="1" noChangeArrowheads="1" noChangeShapeType="1" noTextEdit="1"/>
+          </p:cNvSpPr>
+          <p:nvPr>
+            <p:extLst>
+              <p:ext uri="{386F3935-93C4-4BCD-93E2-E3B085C9AB24}">
+                <p16:designElem xmlns:p16="http://schemas.microsoft.com/office/powerpoint/2015/main" val="1"/>
+              </p:ext>
+            </p:extLst>
+          </p:nvPr>
+        </p:nvSpPr>
+        <p:spPr>
+          <a:xfrm>
+            <a:off x="0" y="0"/>
+            <a:ext cx="12192000" cy="6858000"/>
+          </a:xfrm>
+          <a:prstGeom prst="rect">
+            <a:avLst/>
+          </a:prstGeom>
+          <a:solidFill>
+            <a:srgbClr val="4E4E4E"/>
+          </a:solidFill>
+          <a:ln>
+            <a:noFill/>
+          </a:ln>
+        </p:spPr>
+        <p:style>
+          <a:lnRef idx="2">
+            <a:schemeClr val="accent1">
+              <a:shade val="50000"/>
+            </a:schemeClr>
+          </a:lnRef>
+          <a:fillRef idx="1">
+            <a:schemeClr val="accent1"/>
+          </a:fillRef>
+          <a:effectRef idx="0">
+            <a:schemeClr val="accent1"/>
+          </a:effectRef>
+          <a:fontRef idx="minor">
+            <a:schemeClr val="lt1"/>
+          </a:fontRef>
+        </p:style>
+        <p:txBody>
+          <a:bodyPr rtlCol="0" anchor="ctr"/>
+          <a:lstStyle/>
+          <a:p>
+            <a:pPr algn="ctr"/>
+            <a:endParaRPr lang="en-US"/>
+          </a:p>
+        </p:txBody>
+      </p:sp>
+      <p:sp>
+        <p:nvSpPr>
+          <p:cNvPr id="16" name="Rectangle 15">
+            <a:extLst>
+              <a:ext uri="{FF2B5EF4-FFF2-40B4-BE49-F238E27FC236}">
+                <a16:creationId xmlns:a16="http://schemas.microsoft.com/office/drawing/2014/main" id="{38EE4E44-1403-472B-8C01-D354CB8F5AE7}"/>
+              </a:ext>
+              <a:ext uri="{C183D7F6-B498-43B3-948B-1728B52AA6E4}">
+                <adec:decorative xmlns:adec="http://schemas.microsoft.com/office/drawing/2017/decorative" val="1"/>
+              </a:ext>
+            </a:extLst>
+          </p:cNvPr>
+          <p:cNvSpPr>
+            <a:spLocks noGrp="1" noRot="1" noChangeAspect="1" noMove="1" noResize="1" noEditPoints="1" noAdjustHandles="1" noChangeArrowheads="1" noChangeShapeType="1" noTextEdit="1"/>
+          </p:cNvSpPr>
+          <p:nvPr>
+            <p:extLst>
+              <p:ext uri="{386F3935-93C4-4BCD-93E2-E3B085C9AB24}">
+                <p16:designElem xmlns:p16="http://schemas.microsoft.com/office/powerpoint/2015/main" val="1"/>
+              </p:ext>
+            </p:extLst>
+          </p:nvPr>
+        </p:nvSpPr>
+        <p:spPr>
+          <a:xfrm>
+            <a:off x="6256866" y="480060"/>
+            <a:ext cx="5458122" cy="5897880"/>
+          </a:xfrm>
+          <a:prstGeom prst="rect">
+            <a:avLst/>
+          </a:prstGeom>
+          <a:solidFill>
+            <a:srgbClr val="FFFFFF"/>
+          </a:solidFill>
+          <a:ln>
+            <a:noFill/>
+          </a:ln>
+        </p:spPr>
+        <p:style>
+          <a:lnRef idx="2">
+            <a:schemeClr val="accent1">
+              <a:shade val="50000"/>
+            </a:schemeClr>
+          </a:lnRef>
+          <a:fillRef idx="1">
+            <a:schemeClr val="accent1"/>
+          </a:fillRef>
+          <a:effectRef idx="0">
+            <a:schemeClr val="accent1"/>
+          </a:effectRef>
+          <a:fontRef idx="minor">
+            <a:schemeClr val="lt1"/>
+          </a:fontRef>
+        </p:style>
+        <p:txBody>
+          <a:bodyPr rtlCol="0" anchor="ctr"/>
+          <a:lstStyle/>
+          <a:p>
+            <a:pPr algn="ctr"/>
+            <a:endParaRPr lang="en-US"/>
+          </a:p>
+        </p:txBody>
+      </p:sp>
+      <p:pic>
+        <p:nvPicPr>
+          <p:cNvPr id="7" name="Picture 6" descr="A person sitting in a box with a computer and a calculator&#10;&#10;Description automatically generated">
+            <a:extLst>
+              <a:ext uri="{FF2B5EF4-FFF2-40B4-BE49-F238E27FC236}">
+                <a16:creationId xmlns:a16="http://schemas.microsoft.com/office/drawing/2014/main" id="{3377CC82-6195-69E4-FBB2-34A0FFAD7CEF}"/>
+              </a:ext>
+            </a:extLst>
+          </p:cNvPr>
+          <p:cNvPicPr>
+            <a:picLocks noChangeAspect="1"/>
+          </p:cNvPicPr>
+          <p:nvPr/>
+        </p:nvPicPr>
+        <p:blipFill>
+          <a:blip r:embed="rId3">
+            <a:extLst>
+              <a:ext uri="{28A0092B-C50C-407E-A947-70E740481C1C}">
+                <a14:useLocalDpi xmlns:a14="http://schemas.microsoft.com/office/drawing/2010/main" val="0"/>
+              </a:ext>
+            </a:extLst>
+          </a:blip>
+          <a:srcRect l="1711" r="6213" b="2"/>
+          <a:stretch/>
+        </p:blipFill>
+        <p:spPr>
+          <a:xfrm>
+            <a:off x="6421035" y="643467"/>
+            <a:ext cx="5129784" cy="5571066"/>
+          </a:xfrm>
+          <a:prstGeom prst="rect">
+            <a:avLst/>
+          </a:prstGeom>
+        </p:spPr>
+      </p:pic>
+      <p:sp>
+        <p:nvSpPr>
+          <p:cNvPr id="18" name="Rectangle 17">
+            <a:extLst>
+              <a:ext uri="{FF2B5EF4-FFF2-40B4-BE49-F238E27FC236}">
+                <a16:creationId xmlns:a16="http://schemas.microsoft.com/office/drawing/2014/main" id="{583CCE40-4C5F-42D3-86D9-7892AD1E98E3}"/>
+              </a:ext>
+              <a:ext uri="{C183D7F6-B498-43B3-948B-1728B52AA6E4}">
+                <adec:decorative xmlns:adec="http://schemas.microsoft.com/office/drawing/2017/decorative" val="1"/>
+              </a:ext>
+            </a:extLst>
+          </p:cNvPr>
+          <p:cNvSpPr>
+            <a:spLocks noGrp="1" noRot="1" noChangeAspect="1" noMove="1" noResize="1" noEditPoints="1" noAdjustHandles="1" noChangeArrowheads="1" noChangeShapeType="1" noTextEdit="1"/>
+          </p:cNvSpPr>
+          <p:nvPr>
+            <p:extLst>
+              <p:ext uri="{386F3935-93C4-4BCD-93E2-E3B085C9AB24}">
+                <p16:designElem xmlns:p16="http://schemas.microsoft.com/office/powerpoint/2015/main" val="1"/>
+              </p:ext>
+            </p:extLst>
+          </p:nvPr>
+        </p:nvSpPr>
+        <p:spPr>
+          <a:xfrm>
+            <a:off x="477012" y="480060"/>
+            <a:ext cx="5458121" cy="5897880"/>
+          </a:xfrm>
+          <a:prstGeom prst="rect">
+            <a:avLst/>
+          </a:prstGeom>
+          <a:solidFill>
+            <a:srgbClr val="FFFFFF"/>
+          </a:solidFill>
+          <a:ln>
+            <a:noFill/>
+          </a:ln>
+        </p:spPr>
+        <p:style>
+          <a:lnRef idx="2">
+            <a:schemeClr val="accent1">
+              <a:shade val="50000"/>
+            </a:schemeClr>
+          </a:lnRef>
+          <a:fillRef idx="1">
+            <a:schemeClr val="accent1"/>
+          </a:fillRef>
+          <a:effectRef idx="0">
+            <a:schemeClr val="accent1"/>
+          </a:effectRef>
+          <a:fontRef idx="minor">
+            <a:schemeClr val="lt1"/>
+          </a:fontRef>
+        </p:style>
+        <p:txBody>
+          <a:bodyPr rtlCol="0" anchor="ctr"/>
+          <a:lstStyle/>
+          <a:p>
+            <a:pPr algn="ctr"/>
+            <a:endParaRPr lang="en-US"/>
+          </a:p>
+        </p:txBody>
+      </p:sp>
+      <p:pic>
+        <p:nvPicPr>
+          <p:cNvPr id="9" name="Picture 8" descr="A person sitting in a box with a tablet&#10;&#10;Description automatically generated">
+            <a:extLst>
+              <a:ext uri="{FF2B5EF4-FFF2-40B4-BE49-F238E27FC236}">
+                <a16:creationId xmlns:a16="http://schemas.microsoft.com/office/drawing/2014/main" id="{D8305082-B9AA-DDA6-2C5D-B76CFFB3A31C}"/>
+              </a:ext>
+            </a:extLst>
+          </p:cNvPr>
+          <p:cNvPicPr>
+            <a:picLocks noChangeAspect="1"/>
+          </p:cNvPicPr>
+          <p:nvPr/>
+        </p:nvPicPr>
+        <p:blipFill>
+          <a:blip r:embed="rId4">
+            <a:extLst>
+              <a:ext uri="{28A0092B-C50C-407E-A947-70E740481C1C}">
+                <a14:useLocalDpi xmlns:a14="http://schemas.microsoft.com/office/drawing/2010/main" val="0"/>
+              </a:ext>
+            </a:extLst>
+          </a:blip>
+          <a:srcRect l="1501" r="6422" b="2"/>
+          <a:stretch/>
+        </p:blipFill>
+        <p:spPr>
+          <a:xfrm>
+            <a:off x="641180" y="643467"/>
+            <a:ext cx="5129784" cy="5571066"/>
+          </a:xfrm>
+          <a:prstGeom prst="rect">
+            <a:avLst/>
+          </a:prstGeom>
+        </p:spPr>
+      </p:pic>
+    </p:spTree>
+    <p:extLst>
+      <p:ext uri="{BB962C8B-B14F-4D97-AF65-F5344CB8AC3E}">
+        <p14:creationId xmlns:p14="http://schemas.microsoft.com/office/powerpoint/2010/main" val="855999847"/>
+      </p:ext>
+    </p:extLst>
+  </p:cSld>
+  <p:clrMapOvr>
+    <a:masterClrMapping/>
+  </p:clrMapOvr>
+</p:sld>
+</file>
+
+<file path=ppt/slides/slide13.xml><?xml version="1.0" encoding="utf-8"?>
+<p:sld xmlns:a="http://schemas.openxmlformats.org/drawingml/2006/main" xmlns:r="http://schemas.openxmlformats.org/officeDocument/2006/relationships" xmlns:p="http://schemas.openxmlformats.org/presentationml/2006/main">
+  <p:cSld>
+    <p:spTree>
+      <p:nvGrpSpPr>
+        <p:cNvPr id="1" name=""/>
+        <p:cNvGrpSpPr/>
+        <p:nvPr/>
+      </p:nvGrpSpPr>
+      <p:grpSpPr>
+        <a:xfrm>
+          <a:off x="0" y="0"/>
+          <a:ext cx="0" cy="0"/>
+          <a:chOff x="0" y="0"/>
+          <a:chExt cx="0" cy="0"/>
+        </a:xfrm>
+      </p:grpSpPr>
+      <p:sp>
+        <p:nvSpPr>
+          <p:cNvPr id="2" name="Flowchart: Manual Operation 1">
+            <a:extLst>
+              <a:ext uri="{FF2B5EF4-FFF2-40B4-BE49-F238E27FC236}">
+                <a16:creationId xmlns:a16="http://schemas.microsoft.com/office/drawing/2014/main" id="{58C3442A-6B31-E22A-33A3-7CF67365E020}"/>
+              </a:ext>
+            </a:extLst>
+          </p:cNvPr>
+          <p:cNvSpPr/>
+          <p:nvPr/>
+        </p:nvSpPr>
+        <p:spPr>
+          <a:xfrm rot="10800000">
+            <a:off x="6862916" y="3667433"/>
+            <a:ext cx="796413" cy="766916"/>
+          </a:xfrm>
+          <a:prstGeom prst="flowChartManualOperation">
+            <a:avLst/>
+          </a:prstGeom>
+        </p:spPr>
+        <p:style>
+          <a:lnRef idx="2">
+            <a:schemeClr val="accent1">
+              <a:shade val="15000"/>
+            </a:schemeClr>
+          </a:lnRef>
+          <a:fillRef idx="1">
+            <a:schemeClr val="accent1"/>
+          </a:fillRef>
+          <a:effectRef idx="0">
+            <a:schemeClr val="accent1"/>
+          </a:effectRef>
+          <a:fontRef idx="minor">
+            <a:schemeClr val="lt1"/>
+          </a:fontRef>
+        </p:style>
+        <p:txBody>
+          <a:bodyPr rtlCol="0" anchor="ctr"/>
+          <a:lstStyle/>
+          <a:p>
+            <a:pPr algn="ctr"/>
+            <a:endParaRPr lang="fr-CA"/>
+          </a:p>
+        </p:txBody>
+      </p:sp>
       <p:sp>
         <p:nvSpPr>
           <p:cNvPr id="7" name="Cube 6">
@@ -8849,7 +10320,7 @@
 </p:sld>
 </file>
 
-<file path=ppt/slides/slide12.xml><?xml version="1.0" encoding="utf-8"?>
+<file path=ppt/slides/slide14.xml><?xml version="1.0" encoding="utf-8"?>
 <p:sld xmlns:a="http://schemas.openxmlformats.org/drawingml/2006/main" xmlns:r="http://schemas.openxmlformats.org/officeDocument/2006/relationships" xmlns:p="http://schemas.openxmlformats.org/presentationml/2006/main">
   <p:cSld>
     <p:spTree>
@@ -9219,7 +10690,7 @@
 </p:sld>
 </file>
 
-<file path=ppt/slides/slide13.xml><?xml version="1.0" encoding="utf-8"?>
+<file path=ppt/slides/slide15.xml><?xml version="1.0" encoding="utf-8"?>
 <p:sld xmlns:a="http://schemas.openxmlformats.org/drawingml/2006/main" xmlns:r="http://schemas.openxmlformats.org/officeDocument/2006/relationships" xmlns:p="http://schemas.openxmlformats.org/presentationml/2006/main">
   <p:cSld>
     <p:spTree>
@@ -10195,7 +11666,7 @@
 </p:sld>
 </file>
 
-<file path=ppt/slides/slide14.xml><?xml version="1.0" encoding="utf-8"?>
+<file path=ppt/slides/slide16.xml><?xml version="1.0" encoding="utf-8"?>
 <p:sld xmlns:a="http://schemas.openxmlformats.org/drawingml/2006/main" xmlns:r="http://schemas.openxmlformats.org/officeDocument/2006/relationships" xmlns:p="http://schemas.openxmlformats.org/presentationml/2006/main">
   <p:cSld>
     <p:spTree>
@@ -10664,7 +12135,7 @@
 </p:sld>
 </file>
 
-<file path=ppt/slides/slide15.xml><?xml version="1.0" encoding="utf-8"?>
+<file path=ppt/slides/slide17.xml><?xml version="1.0" encoding="utf-8"?>
 <p:sld xmlns:a="http://schemas.openxmlformats.org/drawingml/2006/main" xmlns:r="http://schemas.openxmlformats.org/officeDocument/2006/relationships" xmlns:p="http://schemas.openxmlformats.org/presentationml/2006/main">
   <p:cSld>
     <p:spTree>
@@ -10977,7 +12448,7 @@
 </p:sld>
 </file>
 
-<file path=ppt/slides/slide16.xml><?xml version="1.0" encoding="utf-8"?>
+<file path=ppt/slides/slide18.xml><?xml version="1.0" encoding="utf-8"?>
 <p:sld xmlns:a="http://schemas.openxmlformats.org/drawingml/2006/main" xmlns:r="http://schemas.openxmlformats.org/officeDocument/2006/relationships" xmlns:p="http://schemas.openxmlformats.org/presentationml/2006/main">
   <p:cSld>
     <p:spTree>
@@ -11360,7 +12831,7 @@
 </p:sld>
 </file>
 
-<file path=ppt/slides/slide17.xml><?xml version="1.0" encoding="utf-8"?>
+<file path=ppt/slides/slide19.xml><?xml version="1.0" encoding="utf-8"?>
 <p:sld xmlns:a="http://schemas.openxmlformats.org/drawingml/2006/main" xmlns:r="http://schemas.openxmlformats.org/officeDocument/2006/relationships" xmlns:p="http://schemas.openxmlformats.org/presentationml/2006/main">
   <p:cSld>
     <p:spTree>
@@ -11843,7 +13314,67 @@
 </p:sld>
 </file>
 
-<file path=ppt/slides/slide18.xml><?xml version="1.0" encoding="utf-8"?>
+<file path=ppt/slides/slide2.xml><?xml version="1.0" encoding="utf-8"?>
+<p:sld xmlns:a="http://schemas.openxmlformats.org/drawingml/2006/main" xmlns:r="http://schemas.openxmlformats.org/officeDocument/2006/relationships" xmlns:p="http://schemas.openxmlformats.org/presentationml/2006/main">
+  <p:cSld>
+    <p:spTree>
+      <p:nvGrpSpPr>
+        <p:cNvPr id="1" name=""/>
+        <p:cNvGrpSpPr/>
+        <p:nvPr/>
+      </p:nvGrpSpPr>
+      <p:grpSpPr>
+        <a:xfrm>
+          <a:off x="0" y="0"/>
+          <a:ext cx="0" cy="0"/>
+          <a:chOff x="0" y="0"/>
+          <a:chExt cx="0" cy="0"/>
+        </a:xfrm>
+      </p:grpSpPr>
+      <p:pic>
+        <p:nvPicPr>
+          <p:cNvPr id="4" name="Picture 3">
+            <a:extLst>
+              <a:ext uri="{FF2B5EF4-FFF2-40B4-BE49-F238E27FC236}">
+                <a16:creationId xmlns:a16="http://schemas.microsoft.com/office/drawing/2014/main" id="{81D8EE11-1066-1EF9-4BE7-BA8E4A99724B}"/>
+              </a:ext>
+            </a:extLst>
+          </p:cNvPr>
+          <p:cNvPicPr>
+            <a:picLocks noChangeAspect="1"/>
+          </p:cNvPicPr>
+          <p:nvPr/>
+        </p:nvPicPr>
+        <p:blipFill>
+          <a:blip r:embed="rId2"/>
+          <a:stretch>
+            <a:fillRect/>
+          </a:stretch>
+        </p:blipFill>
+        <p:spPr>
+          <a:xfrm>
+            <a:off x="0" y="177588"/>
+            <a:ext cx="12192000" cy="6502824"/>
+          </a:xfrm>
+          <a:prstGeom prst="rect">
+            <a:avLst/>
+          </a:prstGeom>
+        </p:spPr>
+      </p:pic>
+    </p:spTree>
+    <p:extLst>
+      <p:ext uri="{BB962C8B-B14F-4D97-AF65-F5344CB8AC3E}">
+        <p14:creationId xmlns:p14="http://schemas.microsoft.com/office/powerpoint/2010/main" val="1044688951"/>
+      </p:ext>
+    </p:extLst>
+  </p:cSld>
+  <p:clrMapOvr>
+    <a:masterClrMapping/>
+  </p:clrMapOvr>
+</p:sld>
+</file>
+
+<file path=ppt/slides/slide20.xml><?xml version="1.0" encoding="utf-8"?>
 <p:sld xmlns:a="http://schemas.openxmlformats.org/drawingml/2006/main" xmlns:r="http://schemas.openxmlformats.org/officeDocument/2006/relationships" xmlns:p="http://schemas.openxmlformats.org/presentationml/2006/main">
   <p:cSld>
     <p:spTree>
@@ -12424,7 +13955,7 @@
 </p:sld>
 </file>
 
-<file path=ppt/slides/slide19.xml><?xml version="1.0" encoding="utf-8"?>
+<file path=ppt/slides/slide21.xml><?xml version="1.0" encoding="utf-8"?>
 <p:sld xmlns:a="http://schemas.openxmlformats.org/drawingml/2006/main" xmlns:r="http://schemas.openxmlformats.org/officeDocument/2006/relationships" xmlns:p="http://schemas.openxmlformats.org/presentationml/2006/main">
   <p:cSld>
     <p:spTree>
@@ -12746,8 +14277,8 @@
           </a:fontRef>
         </p:style>
       </p:cxnSp>
-      <mc:AlternateContent xmlns:mc="http://schemas.openxmlformats.org/markup-compatibility/2006">
-        <mc:Choice xmlns:a14="http://schemas.microsoft.com/office/drawing/2010/main" Requires="a14">
+      <mc:AlternateContent xmlns:mc="http://schemas.openxmlformats.org/markup-compatibility/2006" xmlns:a14="http://schemas.microsoft.com/office/drawing/2010/main">
+        <mc:Choice Requires="a14">
           <p:sp>
             <p:nvSpPr>
               <p:cNvPr id="19" name="TextBox 18">
@@ -12776,6 +14307,7 @@
               </a:bodyPr>
               <a:lstStyle/>
               <a:p>
+                <a:pPr/>
                 <a14:m>
                   <m:oMathPara xmlns:m="http://schemas.openxmlformats.org/officeDocument/2006/math">
                     <m:oMathParaPr>
@@ -13005,7 +14537,7 @@
             </p:txBody>
           </p:sp>
         </mc:Choice>
-        <mc:Fallback>
+        <mc:Fallback xmlns="">
           <p:sp>
             <p:nvSpPr>
               <p:cNvPr id="19" name="TextBox 18">
@@ -13098,8 +14630,8 @@
           </a:p>
         </p:txBody>
       </p:sp>
-      <mc:AlternateContent xmlns:mc="http://schemas.openxmlformats.org/markup-compatibility/2006">
-        <mc:Choice xmlns:a14="http://schemas.microsoft.com/office/drawing/2010/main" Requires="a14">
+      <mc:AlternateContent xmlns:mc="http://schemas.openxmlformats.org/markup-compatibility/2006" xmlns:a14="http://schemas.microsoft.com/office/drawing/2010/main">
+        <mc:Choice Requires="a14">
           <p:sp>
             <p:nvSpPr>
               <p:cNvPr id="21" name="TextBox 20">
@@ -13128,6 +14660,7 @@
               </a:bodyPr>
               <a:lstStyle/>
               <a:p>
+                <a:pPr/>
                 <a14:m>
                   <m:oMathPara xmlns:m="http://schemas.openxmlformats.org/officeDocument/2006/math">
                     <m:oMathParaPr>
@@ -13204,7 +14737,7 @@
             </p:txBody>
           </p:sp>
         </mc:Choice>
-        <mc:Fallback>
+        <mc:Fallback xmlns="">
           <p:sp>
             <p:nvSpPr>
               <p:cNvPr id="21" name="TextBox 20">
@@ -13249,8 +14782,8 @@
           </p:sp>
         </mc:Fallback>
       </mc:AlternateContent>
-      <mc:AlternateContent xmlns:mc="http://schemas.openxmlformats.org/markup-compatibility/2006">
-        <mc:Choice xmlns:a14="http://schemas.microsoft.com/office/drawing/2010/main" Requires="a14">
+      <mc:AlternateContent xmlns:mc="http://schemas.openxmlformats.org/markup-compatibility/2006" xmlns:a14="http://schemas.microsoft.com/office/drawing/2010/main">
+        <mc:Choice Requires="a14">
           <p:sp>
             <p:nvSpPr>
               <p:cNvPr id="22" name="TextBox 21">
@@ -13279,6 +14812,7 @@
               </a:bodyPr>
               <a:lstStyle/>
               <a:p>
+                <a:pPr/>
                 <a14:m>
                   <m:oMathPara xmlns:m="http://schemas.openxmlformats.org/officeDocument/2006/math">
                     <m:oMathParaPr>
@@ -13355,7 +14889,7 @@
             </p:txBody>
           </p:sp>
         </mc:Choice>
-        <mc:Fallback>
+        <mc:Fallback xmlns="">
           <p:sp>
             <p:nvSpPr>
               <p:cNvPr id="22" name="TextBox 21">
@@ -13413,67 +14947,7 @@
 </p:sld>
 </file>
 
-<file path=ppt/slides/slide2.xml><?xml version="1.0" encoding="utf-8"?>
-<p:sld xmlns:a="http://schemas.openxmlformats.org/drawingml/2006/main" xmlns:r="http://schemas.openxmlformats.org/officeDocument/2006/relationships" xmlns:p="http://schemas.openxmlformats.org/presentationml/2006/main">
-  <p:cSld>
-    <p:spTree>
-      <p:nvGrpSpPr>
-        <p:cNvPr id="1" name=""/>
-        <p:cNvGrpSpPr/>
-        <p:nvPr/>
-      </p:nvGrpSpPr>
-      <p:grpSpPr>
-        <a:xfrm>
-          <a:off x="0" y="0"/>
-          <a:ext cx="0" cy="0"/>
-          <a:chOff x="0" y="0"/>
-          <a:chExt cx="0" cy="0"/>
-        </a:xfrm>
-      </p:grpSpPr>
-      <p:pic>
-        <p:nvPicPr>
-          <p:cNvPr id="4" name="Picture 3">
-            <a:extLst>
-              <a:ext uri="{FF2B5EF4-FFF2-40B4-BE49-F238E27FC236}">
-                <a16:creationId xmlns:a16="http://schemas.microsoft.com/office/drawing/2014/main" id="{81D8EE11-1066-1EF9-4BE7-BA8E4A99724B}"/>
-              </a:ext>
-            </a:extLst>
-          </p:cNvPr>
-          <p:cNvPicPr>
-            <a:picLocks noChangeAspect="1"/>
-          </p:cNvPicPr>
-          <p:nvPr/>
-        </p:nvPicPr>
-        <p:blipFill>
-          <a:blip r:embed="rId2"/>
-          <a:stretch>
-            <a:fillRect/>
-          </a:stretch>
-        </p:blipFill>
-        <p:spPr>
-          <a:xfrm>
-            <a:off x="0" y="177588"/>
-            <a:ext cx="12192000" cy="6502824"/>
-          </a:xfrm>
-          <a:prstGeom prst="rect">
-            <a:avLst/>
-          </a:prstGeom>
-        </p:spPr>
-      </p:pic>
-    </p:spTree>
-    <p:extLst>
-      <p:ext uri="{BB962C8B-B14F-4D97-AF65-F5344CB8AC3E}">
-        <p14:creationId xmlns:p14="http://schemas.microsoft.com/office/powerpoint/2010/main" val="1044688951"/>
-      </p:ext>
-    </p:extLst>
-  </p:cSld>
-  <p:clrMapOvr>
-    <a:masterClrMapping/>
-  </p:clrMapOvr>
-</p:sld>
-</file>
-
-<file path=ppt/slides/slide20.xml><?xml version="1.0" encoding="utf-8"?>
+<file path=ppt/slides/slide22.xml><?xml version="1.0" encoding="utf-8"?>
 <p:sld xmlns:a="http://schemas.openxmlformats.org/drawingml/2006/main" xmlns:r="http://schemas.openxmlformats.org/officeDocument/2006/relationships" xmlns:p="http://schemas.openxmlformats.org/presentationml/2006/main">
   <p:cSld>
     <p:spTree>
@@ -13843,8 +15317,8 @@
           </a:p>
         </p:txBody>
       </p:sp>
-      <mc:AlternateContent xmlns:mc="http://schemas.openxmlformats.org/markup-compatibility/2006">
-        <mc:Choice xmlns:a14="http://schemas.microsoft.com/office/drawing/2010/main" Requires="a14">
+      <mc:AlternateContent xmlns:mc="http://schemas.openxmlformats.org/markup-compatibility/2006" xmlns:a14="http://schemas.microsoft.com/office/drawing/2010/main">
+        <mc:Choice Requires="a14">
           <p:sp>
             <p:nvSpPr>
               <p:cNvPr id="12" name="TextBox 11">
@@ -13873,6 +15347,7 @@
               </a:bodyPr>
               <a:lstStyle/>
               <a:p>
+                <a:pPr/>
                 <a14:m>
                   <m:oMathPara xmlns:m="http://schemas.openxmlformats.org/officeDocument/2006/math">
                     <m:oMathParaPr>
@@ -13949,7 +15424,7 @@
             </p:txBody>
           </p:sp>
         </mc:Choice>
-        <mc:Fallback>
+        <mc:Fallback xmlns="">
           <p:sp>
             <p:nvSpPr>
               <p:cNvPr id="12" name="TextBox 11">
@@ -13994,8 +15469,8 @@
           </p:sp>
         </mc:Fallback>
       </mc:AlternateContent>
-      <mc:AlternateContent xmlns:mc="http://schemas.openxmlformats.org/markup-compatibility/2006">
-        <mc:Choice xmlns:a14="http://schemas.microsoft.com/office/drawing/2010/main" Requires="a14">
+      <mc:AlternateContent xmlns:mc="http://schemas.openxmlformats.org/markup-compatibility/2006" xmlns:a14="http://schemas.microsoft.com/office/drawing/2010/main">
+        <mc:Choice Requires="a14">
           <p:sp>
             <p:nvSpPr>
               <p:cNvPr id="13" name="TextBox 12">
@@ -14024,6 +15499,7 @@
               </a:bodyPr>
               <a:lstStyle/>
               <a:p>
+                <a:pPr/>
                 <a14:m>
                   <m:oMathPara xmlns:m="http://schemas.openxmlformats.org/officeDocument/2006/math">
                     <m:oMathParaPr>
@@ -14100,7 +15576,7 @@
             </p:txBody>
           </p:sp>
         </mc:Choice>
-        <mc:Fallback>
+        <mc:Fallback xmlns="">
           <p:sp>
             <p:nvSpPr>
               <p:cNvPr id="13" name="TextBox 12">
@@ -14145,8 +15621,8 @@
           </p:sp>
         </mc:Fallback>
       </mc:AlternateContent>
-      <mc:AlternateContent xmlns:mc="http://schemas.openxmlformats.org/markup-compatibility/2006">
-        <mc:Choice xmlns:a14="http://schemas.microsoft.com/office/drawing/2010/main" Requires="a14">
+      <mc:AlternateContent xmlns:mc="http://schemas.openxmlformats.org/markup-compatibility/2006" xmlns:a14="http://schemas.microsoft.com/office/drawing/2010/main">
+        <mc:Choice Requires="a14">
           <p:sp>
             <p:nvSpPr>
               <p:cNvPr id="14" name="TextBox 13">
@@ -14175,6 +15651,7 @@
               </a:bodyPr>
               <a:lstStyle/>
               <a:p>
+                <a:pPr/>
                 <a14:m>
                   <m:oMathPara xmlns:m="http://schemas.openxmlformats.org/officeDocument/2006/math">
                     <m:oMathParaPr>
@@ -14196,7 +15673,7 @@
             </p:txBody>
           </p:sp>
         </mc:Choice>
-        <mc:Fallback>
+        <mc:Fallback xmlns="">
           <p:sp>
             <p:nvSpPr>
               <p:cNvPr id="14" name="TextBox 13">
@@ -14289,8 +15766,8 @@
           </a:p>
         </p:txBody>
       </p:sp>
-      <mc:AlternateContent xmlns:mc="http://schemas.openxmlformats.org/markup-compatibility/2006">
-        <mc:Choice xmlns:a14="http://schemas.microsoft.com/office/drawing/2010/main" Requires="a14">
+      <mc:AlternateContent xmlns:mc="http://schemas.openxmlformats.org/markup-compatibility/2006" xmlns:a14="http://schemas.microsoft.com/office/drawing/2010/main">
+        <mc:Choice Requires="a14">
           <p:sp>
             <p:nvSpPr>
               <p:cNvPr id="16" name="TextBox 15">
@@ -14319,6 +15796,7 @@
               </a:bodyPr>
               <a:lstStyle/>
               <a:p>
+                <a:pPr/>
                 <a14:m>
                   <m:oMathPara xmlns:m="http://schemas.openxmlformats.org/officeDocument/2006/math">
                     <m:oMathParaPr>
@@ -14549,7 +16027,7 @@
             </p:txBody>
           </p:sp>
         </mc:Choice>
-        <mc:Fallback>
+        <mc:Fallback xmlns="">
           <p:sp>
             <p:nvSpPr>
               <p:cNvPr id="16" name="TextBox 15">
@@ -20078,4 +21556,319 @@
     </a:ext>
   </a:extLst>
 </a:theme>
+</file>
+
+<file path=ppt/theme/theme2.xml><?xml version="1.0" encoding="utf-8"?>
+<a:theme xmlns:a="http://schemas.openxmlformats.org/drawingml/2006/main" name="Office Theme">
+  <a:themeElements>
+    <a:clrScheme name="Office">
+      <a:dk1>
+        <a:sysClr val="windowText" lastClr="000000"/>
+      </a:dk1>
+      <a:lt1>
+        <a:sysClr val="window" lastClr="FFFFFF"/>
+      </a:lt1>
+      <a:dk2>
+        <a:srgbClr val="0E2841"/>
+      </a:dk2>
+      <a:lt2>
+        <a:srgbClr val="E8E8E8"/>
+      </a:lt2>
+      <a:accent1>
+        <a:srgbClr val="156082"/>
+      </a:accent1>
+      <a:accent2>
+        <a:srgbClr val="E97132"/>
+      </a:accent2>
+      <a:accent3>
+        <a:srgbClr val="196B24"/>
+      </a:accent3>
+      <a:accent4>
+        <a:srgbClr val="0F9ED5"/>
+      </a:accent4>
+      <a:accent5>
+        <a:srgbClr val="A02B93"/>
+      </a:accent5>
+      <a:accent6>
+        <a:srgbClr val="4EA72E"/>
+      </a:accent6>
+      <a:hlink>
+        <a:srgbClr val="467886"/>
+      </a:hlink>
+      <a:folHlink>
+        <a:srgbClr val="96607D"/>
+      </a:folHlink>
+    </a:clrScheme>
+    <a:fontScheme name="Office">
+      <a:majorFont>
+        <a:latin typeface="Aptos Display" panose="02110004020202020204"/>
+        <a:ea typeface=""/>
+        <a:cs typeface=""/>
+        <a:font script="Jpan" typeface="游ゴシック Light"/>
+        <a:font script="Hang" typeface="맑은 고딕"/>
+        <a:font script="Hans" typeface="等线 Light"/>
+        <a:font script="Hant" typeface="新細明體"/>
+        <a:font script="Arab" typeface="Times New Roman"/>
+        <a:font script="Hebr" typeface="Times New Roman"/>
+        <a:font script="Thai" typeface="Angsana New"/>
+        <a:font script="Ethi" typeface="Nyala"/>
+        <a:font script="Beng" typeface="Vrinda"/>
+        <a:font script="Gujr" typeface="Shruti"/>
+        <a:font script="Khmr" typeface="MoolBoran"/>
+        <a:font script="Knda" typeface="Tunga"/>
+        <a:font script="Guru" typeface="Raavi"/>
+        <a:font script="Cans" typeface="Euphemia"/>
+        <a:font script="Cher" typeface="Plantagenet Cherokee"/>
+        <a:font script="Yiii" typeface="Microsoft Yi Baiti"/>
+        <a:font script="Tibt" typeface="Microsoft Himalaya"/>
+        <a:font script="Thaa" typeface="MV Boli"/>
+        <a:font script="Deva" typeface="Mangal"/>
+        <a:font script="Telu" typeface="Gautami"/>
+        <a:font script="Taml" typeface="Latha"/>
+        <a:font script="Syrc" typeface="Estrangelo Edessa"/>
+        <a:font script="Orya" typeface="Kalinga"/>
+        <a:font script="Mlym" typeface="Kartika"/>
+        <a:font script="Laoo" typeface="DokChampa"/>
+        <a:font script="Sinh" typeface="Iskoola Pota"/>
+        <a:font script="Mong" typeface="Mongolian Baiti"/>
+        <a:font script="Viet" typeface="Times New Roman"/>
+        <a:font script="Uigh" typeface="Microsoft Uighur"/>
+        <a:font script="Geor" typeface="Sylfaen"/>
+        <a:font script="Armn" typeface="Arial"/>
+        <a:font script="Bugi" typeface="Leelawadee UI"/>
+        <a:font script="Bopo" typeface="Microsoft JhengHei"/>
+        <a:font script="Java" typeface="Javanese Text"/>
+        <a:font script="Lisu" typeface="Segoe UI"/>
+        <a:font script="Mymr" typeface="Myanmar Text"/>
+        <a:font script="Nkoo" typeface="Ebrima"/>
+        <a:font script="Olck" typeface="Nirmala UI"/>
+        <a:font script="Osma" typeface="Ebrima"/>
+        <a:font script="Phag" typeface="Phagspa"/>
+        <a:font script="Syrn" typeface="Estrangelo Edessa"/>
+        <a:font script="Syrj" typeface="Estrangelo Edessa"/>
+        <a:font script="Syre" typeface="Estrangelo Edessa"/>
+        <a:font script="Sora" typeface="Nirmala UI"/>
+        <a:font script="Tale" typeface="Microsoft Tai Le"/>
+        <a:font script="Talu" typeface="Microsoft New Tai Lue"/>
+        <a:font script="Tfng" typeface="Ebrima"/>
+      </a:majorFont>
+      <a:minorFont>
+        <a:latin typeface="Aptos" panose="02110004020202020204"/>
+        <a:ea typeface=""/>
+        <a:cs typeface=""/>
+        <a:font script="Jpan" typeface="游ゴシック"/>
+        <a:font script="Hang" typeface="맑은 고딕"/>
+        <a:font script="Hans" typeface="等线"/>
+        <a:font script="Hant" typeface="新細明體"/>
+        <a:font script="Arab" typeface="Arial"/>
+        <a:font script="Hebr" typeface="Arial"/>
+        <a:font script="Thai" typeface="Cordia New"/>
+        <a:font script="Ethi" typeface="Nyala"/>
+        <a:font script="Beng" typeface="Vrinda"/>
+        <a:font script="Gujr" typeface="Shruti"/>
+        <a:font script="Khmr" typeface="DaunPenh"/>
+        <a:font script="Knda" typeface="Tunga"/>
+        <a:font script="Guru" typeface="Raavi"/>
+        <a:font script="Cans" typeface="Euphemia"/>
+        <a:font script="Cher" typeface="Plantagenet Cherokee"/>
+        <a:font script="Yiii" typeface="Microsoft Yi Baiti"/>
+        <a:font script="Tibt" typeface="Microsoft Himalaya"/>
+        <a:font script="Thaa" typeface="MV Boli"/>
+        <a:font script="Deva" typeface="Mangal"/>
+        <a:font script="Telu" typeface="Gautami"/>
+        <a:font script="Taml" typeface="Latha"/>
+        <a:font script="Syrc" typeface="Estrangelo Edessa"/>
+        <a:font script="Orya" typeface="Kalinga"/>
+        <a:font script="Mlym" typeface="Kartika"/>
+        <a:font script="Laoo" typeface="DokChampa"/>
+        <a:font script="Sinh" typeface="Iskoola Pota"/>
+        <a:font script="Mong" typeface="Mongolian Baiti"/>
+        <a:font script="Viet" typeface="Arial"/>
+        <a:font script="Uigh" typeface="Microsoft Uighur"/>
+        <a:font script="Geor" typeface="Sylfaen"/>
+        <a:font script="Armn" typeface="Arial"/>
+        <a:font script="Bugi" typeface="Leelawadee UI"/>
+        <a:font script="Bopo" typeface="Microsoft JhengHei"/>
+        <a:font script="Java" typeface="Javanese Text"/>
+        <a:font script="Lisu" typeface="Segoe UI"/>
+        <a:font script="Mymr" typeface="Myanmar Text"/>
+        <a:font script="Nkoo" typeface="Ebrima"/>
+        <a:font script="Olck" typeface="Nirmala UI"/>
+        <a:font script="Osma" typeface="Ebrima"/>
+        <a:font script="Phag" typeface="Phagspa"/>
+        <a:font script="Syrn" typeface="Estrangelo Edessa"/>
+        <a:font script="Syrj" typeface="Estrangelo Edessa"/>
+        <a:font script="Syre" typeface="Estrangelo Edessa"/>
+        <a:font script="Sora" typeface="Nirmala UI"/>
+        <a:font script="Tale" typeface="Microsoft Tai Le"/>
+        <a:font script="Talu" typeface="Microsoft New Tai Lue"/>
+        <a:font script="Tfng" typeface="Ebrima"/>
+      </a:minorFont>
+    </a:fontScheme>
+    <a:fmtScheme name="Office">
+      <a:fillStyleLst>
+        <a:solidFill>
+          <a:schemeClr val="phClr"/>
+        </a:solidFill>
+        <a:gradFill rotWithShape="1">
+          <a:gsLst>
+            <a:gs pos="0">
+              <a:schemeClr val="phClr">
+                <a:lumMod val="110000"/>
+                <a:satMod val="105000"/>
+                <a:tint val="67000"/>
+              </a:schemeClr>
+            </a:gs>
+            <a:gs pos="50000">
+              <a:schemeClr val="phClr">
+                <a:lumMod val="105000"/>
+                <a:satMod val="103000"/>
+                <a:tint val="73000"/>
+              </a:schemeClr>
+            </a:gs>
+            <a:gs pos="100000">
+              <a:schemeClr val="phClr">
+                <a:lumMod val="105000"/>
+                <a:satMod val="109000"/>
+                <a:tint val="81000"/>
+              </a:schemeClr>
+            </a:gs>
+          </a:gsLst>
+          <a:lin ang="5400000" scaled="0"/>
+        </a:gradFill>
+        <a:gradFill rotWithShape="1">
+          <a:gsLst>
+            <a:gs pos="0">
+              <a:schemeClr val="phClr">
+                <a:satMod val="103000"/>
+                <a:lumMod val="102000"/>
+                <a:tint val="94000"/>
+              </a:schemeClr>
+            </a:gs>
+            <a:gs pos="50000">
+              <a:schemeClr val="phClr">
+                <a:satMod val="110000"/>
+                <a:lumMod val="100000"/>
+                <a:shade val="100000"/>
+              </a:schemeClr>
+            </a:gs>
+            <a:gs pos="100000">
+              <a:schemeClr val="phClr">
+                <a:lumMod val="99000"/>
+                <a:satMod val="120000"/>
+                <a:shade val="78000"/>
+              </a:schemeClr>
+            </a:gs>
+          </a:gsLst>
+          <a:lin ang="5400000" scaled="0"/>
+        </a:gradFill>
+      </a:fillStyleLst>
+      <a:lnStyleLst>
+        <a:ln w="12700" cap="flat" cmpd="sng" algn="ctr">
+          <a:solidFill>
+            <a:schemeClr val="phClr"/>
+          </a:solidFill>
+          <a:prstDash val="solid"/>
+          <a:miter lim="800000"/>
+        </a:ln>
+        <a:ln w="19050" cap="flat" cmpd="sng" algn="ctr">
+          <a:solidFill>
+            <a:schemeClr val="phClr"/>
+          </a:solidFill>
+          <a:prstDash val="solid"/>
+          <a:miter lim="800000"/>
+        </a:ln>
+        <a:ln w="25400" cap="flat" cmpd="sng" algn="ctr">
+          <a:solidFill>
+            <a:schemeClr val="phClr"/>
+          </a:solidFill>
+          <a:prstDash val="solid"/>
+          <a:miter lim="800000"/>
+        </a:ln>
+      </a:lnStyleLst>
+      <a:effectStyleLst>
+        <a:effectStyle>
+          <a:effectLst/>
+        </a:effectStyle>
+        <a:effectStyle>
+          <a:effectLst/>
+        </a:effectStyle>
+        <a:effectStyle>
+          <a:effectLst>
+            <a:outerShdw blurRad="57150" dist="19050" dir="5400000" algn="ctr" rotWithShape="0">
+              <a:srgbClr val="000000">
+                <a:alpha val="63000"/>
+              </a:srgbClr>
+            </a:outerShdw>
+          </a:effectLst>
+        </a:effectStyle>
+      </a:effectStyleLst>
+      <a:bgFillStyleLst>
+        <a:solidFill>
+          <a:schemeClr val="phClr"/>
+        </a:solidFill>
+        <a:solidFill>
+          <a:schemeClr val="phClr">
+            <a:tint val="95000"/>
+            <a:satMod val="170000"/>
+          </a:schemeClr>
+        </a:solidFill>
+        <a:gradFill rotWithShape="1">
+          <a:gsLst>
+            <a:gs pos="0">
+              <a:schemeClr val="phClr">
+                <a:tint val="93000"/>
+                <a:satMod val="150000"/>
+                <a:shade val="98000"/>
+                <a:lumMod val="102000"/>
+              </a:schemeClr>
+            </a:gs>
+            <a:gs pos="50000">
+              <a:schemeClr val="phClr">
+                <a:tint val="98000"/>
+                <a:satMod val="130000"/>
+                <a:shade val="90000"/>
+                <a:lumMod val="103000"/>
+              </a:schemeClr>
+            </a:gs>
+            <a:gs pos="100000">
+              <a:schemeClr val="phClr">
+                <a:shade val="63000"/>
+                <a:satMod val="120000"/>
+              </a:schemeClr>
+            </a:gs>
+          </a:gsLst>
+          <a:lin ang="5400000" scaled="0"/>
+        </a:gradFill>
+      </a:bgFillStyleLst>
+    </a:fmtScheme>
+  </a:themeElements>
+  <a:objectDefaults>
+    <a:lnDef>
+      <a:spPr/>
+      <a:bodyPr/>
+      <a:lstStyle/>
+      <a:style>
+        <a:lnRef idx="2">
+          <a:schemeClr val="accent1"/>
+        </a:lnRef>
+        <a:fillRef idx="0">
+          <a:schemeClr val="accent1"/>
+        </a:fillRef>
+        <a:effectRef idx="1">
+          <a:schemeClr val="accent1"/>
+        </a:effectRef>
+        <a:fontRef idx="minor">
+          <a:schemeClr val="tx1"/>
+        </a:fontRef>
+      </a:style>
+    </a:lnDef>
+  </a:objectDefaults>
+  <a:extraClrSchemeLst/>
+  <a:extLst>
+    <a:ext uri="{05A4C25C-085E-4340-85A3-A5531E510DB2}">
+      <thm15:themeFamily xmlns:thm15="http://schemas.microsoft.com/office/thememl/2012/main" name="Office Theme" id="{2E142A2C-CD16-42D6-873A-C26D2A0506FA}" vid="{1BDDFF52-6CD6-40A5-AB3C-68EB2F1E4D0A}"/>
+    </a:ext>
+  </a:extLst>
+</a:theme>
 </file>